--- a/spring15/slidesS15/normal-forms.pptx
+++ b/spring15/slidesS15/normal-forms.pptx
@@ -12,7 +12,7 @@
   </p:handoutMasterIdLst>
   <p:sldIdLst>
     <p:sldId id="392" r:id="rId2"/>
-    <p:sldId id="463" r:id="rId3"/>
+    <p:sldId id="465" r:id="rId3"/>
   </p:sldIdLst>
   <p:sldSz cx="9144000" cy="6858000" type="screen4x3"/>
   <p:notesSz cx="9601200" cy="7315200"/>
@@ -907,90 +907,6 @@
 </p:notes>
 </file>
 
-<file path=ppt/notesSlides/notesSlide2.xml><?xml version="1.0" encoding="utf-8"?>
-<p:notes xmlns:a="http://schemas.openxmlformats.org/drawingml/2006/main" xmlns:r="http://schemas.openxmlformats.org/officeDocument/2006/relationships" xmlns:p="http://schemas.openxmlformats.org/presentationml/2006/main">
-  <p:cSld>
-    <p:spTree>
-      <p:nvGrpSpPr>
-        <p:cNvPr id="1" name=""/>
-        <p:cNvGrpSpPr/>
-        <p:nvPr/>
-      </p:nvGrpSpPr>
-      <p:grpSpPr>
-        <a:xfrm>
-          <a:off x="0" y="0"/>
-          <a:ext cx="0" cy="0"/>
-          <a:chOff x="0" y="0"/>
-          <a:chExt cx="0" cy="0"/>
-        </a:xfrm>
-      </p:grpSpPr>
-      <p:sp>
-        <p:nvSpPr>
-          <p:cNvPr id="7" name="Rectangle 7"/>
-          <p:cNvSpPr>
-            <a:spLocks noGrp="1" noChangeArrowheads="1"/>
-          </p:cNvSpPr>
-          <p:nvPr>
-            <p:ph type="sldNum" sz="quarter" idx="5"/>
-          </p:nvPr>
-        </p:nvSpPr>
-        <p:spPr>
-          <a:ln/>
-        </p:spPr>
-        <p:txBody>
-          <a:bodyPr/>
-          <a:lstStyle/>
-          <a:p>
-            <a:fld id="{8938A1B1-A6C8-439A-B45A-286B53195481}" type="slidenum">
-              <a:rPr lang="en-US"/>
-              <a:pPr/>
-              <a:t>2</a:t>
-            </a:fld>
-            <a:endParaRPr lang="en-US"/>
-          </a:p>
-        </p:txBody>
-      </p:sp>
-      <p:sp>
-        <p:nvSpPr>
-          <p:cNvPr id="139266" name="Rectangle 2"/>
-          <p:cNvSpPr>
-            <a:spLocks noGrp="1" noRot="1" noChangeAspect="1" noChangeArrowheads="1" noTextEdit="1"/>
-          </p:cNvSpPr>
-          <p:nvPr>
-            <p:ph type="sldImg"/>
-          </p:nvPr>
-        </p:nvSpPr>
-        <p:spPr>
-          <a:ln/>
-        </p:spPr>
-      </p:sp>
-      <p:sp>
-        <p:nvSpPr>
-          <p:cNvPr id="139267" name="Rectangle 3"/>
-          <p:cNvSpPr>
-            <a:spLocks noGrp="1" noChangeArrowheads="1"/>
-          </p:cNvSpPr>
-          <p:nvPr>
-            <p:ph type="body" idx="1"/>
-          </p:nvPr>
-        </p:nvSpPr>
-        <p:spPr/>
-        <p:txBody>
-          <a:bodyPr/>
-          <a:lstStyle/>
-          <a:p>
-            <a:endParaRPr lang="en-US"/>
-          </a:p>
-        </p:txBody>
-      </p:sp>
-    </p:spTree>
-  </p:cSld>
-  <p:clrMapOvr>
-    <a:masterClrMapping/>
-  </p:clrMapOvr>
-</p:notes>
-</file>
-
 <file path=ppt/slideLayouts/slideLayout1.xml><?xml version="1.0" encoding="utf-8"?>
 <p:sldLayout xmlns:a="http://schemas.openxmlformats.org/drawingml/2006/main" xmlns:r="http://schemas.openxmlformats.org/officeDocument/2006/relationships" xmlns:p="http://schemas.openxmlformats.org/presentationml/2006/main" type="title" preserve="1">
   <p:cSld name="Title Slide">
@@ -1113,8 +1029,8 @@
         </p:nvSpPr>
         <p:spPr>
           <a:xfrm>
-            <a:off x="7739728" y="6553200"/>
-            <a:ext cx="1404276" cy="276999"/>
+            <a:off x="8208081" y="6553200"/>
+            <a:ext cx="935923" cy="276999"/>
           </a:xfrm>
           <a:ln/>
         </p:spPr>
@@ -1131,7 +1047,11 @@
             </a:pPr>
             <a:r>
               <a:rPr lang="en-US" dirty="0" smtClean="0"/>
-              <a:t>truth-tables..</a:t>
+              <a:t>forms.</a:t>
+            </a:r>
+            <a:r>
+              <a:rPr lang="en-US" dirty="0" smtClean="0"/>
+              <a:t>.</a:t>
             </a:r>
             <a:fld id="{C3C9801B-391E-452B-A4C3-BC5EC51A0BC7}" type="slidenum">
               <a:rPr lang="en-US" smtClean="0"/>
@@ -1266,8 +1186,8 @@
         </p:nvSpPr>
         <p:spPr>
           <a:xfrm>
-            <a:off x="7739728" y="6553200"/>
-            <a:ext cx="1404276" cy="276999"/>
+            <a:off x="8208081" y="6553200"/>
+            <a:ext cx="935923" cy="276999"/>
           </a:xfrm>
           <a:ln/>
         </p:spPr>
@@ -1284,7 +1204,11 @@
             </a:pPr>
             <a:r>
               <a:rPr lang="en-US" dirty="0" smtClean="0"/>
-              <a:t>truth-tables..</a:t>
+              <a:t>forms.</a:t>
+            </a:r>
+            <a:r>
+              <a:rPr lang="en-US" dirty="0" smtClean="0"/>
+              <a:t>.</a:t>
             </a:r>
             <a:fld id="{A528ADE2-B74F-4D9D-8D04-FB5D781EAB51}" type="slidenum">
               <a:rPr lang="en-US" smtClean="0"/>
@@ -1316,181 +1240,6 @@
 </file>
 
 <file path=ppt/slideLayouts/slideLayout3.xml><?xml version="1.0" encoding="utf-8"?>
-<p:sldLayout xmlns:a="http://schemas.openxmlformats.org/drawingml/2006/main" xmlns:r="http://schemas.openxmlformats.org/officeDocument/2006/relationships" xmlns:p="http://schemas.openxmlformats.org/presentationml/2006/main" type="secHead" preserve="1">
-  <p:cSld name="Section Header">
-    <p:spTree>
-      <p:nvGrpSpPr>
-        <p:cNvPr id="1" name=""/>
-        <p:cNvGrpSpPr/>
-        <p:nvPr/>
-      </p:nvGrpSpPr>
-      <p:grpSpPr>
-        <a:xfrm>
-          <a:off x="0" y="0"/>
-          <a:ext cx="0" cy="0"/>
-          <a:chOff x="0" y="0"/>
-          <a:chExt cx="0" cy="0"/>
-        </a:xfrm>
-      </p:grpSpPr>
-      <p:sp>
-        <p:nvSpPr>
-          <p:cNvPr id="2" name="Title 1"/>
-          <p:cNvSpPr>
-            <a:spLocks noGrp="1"/>
-          </p:cNvSpPr>
-          <p:nvPr>
-            <p:ph type="title"/>
-          </p:nvPr>
-        </p:nvSpPr>
-        <p:spPr>
-          <a:xfrm>
-            <a:off x="722313" y="4406900"/>
-            <a:ext cx="7772400" cy="1362075"/>
-          </a:xfrm>
-        </p:spPr>
-        <p:txBody>
-          <a:bodyPr anchor="t"/>
-          <a:lstStyle>
-            <a:lvl1pPr algn="l">
-              <a:defRPr sz="4000" b="1" cap="all"/>
-            </a:lvl1pPr>
-          </a:lstStyle>
-          <a:p>
-            <a:r>
-              <a:rPr lang="en-US" smtClean="0"/>
-              <a:t>Click to edit Master title style</a:t>
-            </a:r>
-            <a:endParaRPr lang="en-US"/>
-          </a:p>
-        </p:txBody>
-      </p:sp>
-      <p:sp>
-        <p:nvSpPr>
-          <p:cNvPr id="3" name="Text Placeholder 2"/>
-          <p:cNvSpPr>
-            <a:spLocks noGrp="1"/>
-          </p:cNvSpPr>
-          <p:nvPr>
-            <p:ph type="body" idx="1"/>
-          </p:nvPr>
-        </p:nvSpPr>
-        <p:spPr>
-          <a:xfrm>
-            <a:off x="722313" y="2906713"/>
-            <a:ext cx="7772400" cy="1500187"/>
-          </a:xfrm>
-        </p:spPr>
-        <p:txBody>
-          <a:bodyPr anchor="b"/>
-          <a:lstStyle>
-            <a:lvl1pPr marL="0" indent="0">
-              <a:buNone/>
-              <a:defRPr sz="2000"/>
-            </a:lvl1pPr>
-            <a:lvl2pPr marL="457200" indent="0">
-              <a:buNone/>
-              <a:defRPr sz="1800"/>
-            </a:lvl2pPr>
-            <a:lvl3pPr marL="914400" indent="0">
-              <a:buNone/>
-              <a:defRPr sz="1600"/>
-            </a:lvl3pPr>
-            <a:lvl4pPr marL="1371600" indent="0">
-              <a:buNone/>
-              <a:defRPr sz="1400"/>
-            </a:lvl4pPr>
-            <a:lvl5pPr marL="1828800" indent="0">
-              <a:buNone/>
-              <a:defRPr sz="1400"/>
-            </a:lvl5pPr>
-            <a:lvl6pPr marL="2286000" indent="0">
-              <a:buNone/>
-              <a:defRPr sz="1400"/>
-            </a:lvl6pPr>
-            <a:lvl7pPr marL="2743200" indent="0">
-              <a:buNone/>
-              <a:defRPr sz="1400"/>
-            </a:lvl7pPr>
-            <a:lvl8pPr marL="3200400" indent="0">
-              <a:buNone/>
-              <a:defRPr sz="1400"/>
-            </a:lvl8pPr>
-            <a:lvl9pPr marL="3657600" indent="0">
-              <a:buNone/>
-              <a:defRPr sz="1400"/>
-            </a:lvl9pPr>
-          </a:lstStyle>
-          <a:p>
-            <a:pPr lvl="0"/>
-            <a:r>
-              <a:rPr lang="en-US" smtClean="0"/>
-              <a:t>Click to edit Master text styles</a:t>
-            </a:r>
-          </a:p>
-        </p:txBody>
-      </p:sp>
-      <p:sp>
-        <p:nvSpPr>
-          <p:cNvPr id="4" name="Rectangle 11"/>
-          <p:cNvSpPr>
-            <a:spLocks noGrp="1" noChangeArrowheads="1"/>
-          </p:cNvSpPr>
-          <p:nvPr>
-            <p:ph type="sldNum" sz="quarter" idx="10"/>
-          </p:nvPr>
-        </p:nvSpPr>
-        <p:spPr>
-          <a:xfrm>
-            <a:off x="7739728" y="6553200"/>
-            <a:ext cx="1404276" cy="276999"/>
-          </a:xfrm>
-          <a:ln/>
-        </p:spPr>
-        <p:txBody>
-          <a:bodyPr/>
-          <a:lstStyle>
-            <a:lvl1pPr>
-              <a:defRPr/>
-            </a:lvl1pPr>
-          </a:lstStyle>
-          <a:p>
-            <a:pPr>
-              <a:defRPr/>
-            </a:pPr>
-            <a:r>
-              <a:rPr lang="en-US" dirty="0" smtClean="0"/>
-              <a:t>truth-tables..</a:t>
-            </a:r>
-            <a:fld id="{B3A503E6-B8FE-4B0A-9976-9CA65DFEA87E}" type="slidenum">
-              <a:rPr lang="en-US" smtClean="0"/>
-              <a:pPr>
-                <a:defRPr/>
-              </a:pPr>
-              <a:t>‹#›</a:t>
-            </a:fld>
-            <a:endParaRPr lang="en-US" dirty="0"/>
-          </a:p>
-        </p:txBody>
-      </p:sp>
-    </p:spTree>
-  </p:cSld>
-  <p:clrMapOvr>
-    <a:masterClrMapping/>
-  </p:clrMapOvr>
-  <p:transition xmlns:p14="http://schemas.microsoft.com/office/powerpoint/2010/main">
-    <p:fade/>
-  </p:transition>
-  <p:timing>
-    <p:tnLst>
-      <p:par>
-        <p:cTn xmlns:p14="http://schemas.microsoft.com/office/powerpoint/2010/main" id="1" dur="indefinite" restart="never" nodeType="tmRoot"/>
-      </p:par>
-    </p:tnLst>
-  </p:timing>
-</p:sldLayout>
-</file>
-
-<file path=ppt/slideLayouts/slideLayout4.xml><?xml version="1.0" encoding="utf-8"?>
 <p:sldLayout xmlns:a="http://schemas.openxmlformats.org/drawingml/2006/main" xmlns:r="http://schemas.openxmlformats.org/officeDocument/2006/relationships" xmlns:p="http://schemas.openxmlformats.org/presentationml/2006/main" type="titleOnly" preserve="1">
   <p:cSld name="Title Only">
     <p:spTree>
@@ -1546,8 +1295,8 @@
         </p:nvSpPr>
         <p:spPr>
           <a:xfrm>
-            <a:off x="7739728" y="6553200"/>
-            <a:ext cx="1404276" cy="276999"/>
+            <a:off x="8208081" y="6553200"/>
+            <a:ext cx="935923" cy="276999"/>
           </a:xfrm>
           <a:ln/>
         </p:spPr>
@@ -1564,7 +1313,11 @@
             </a:pPr>
             <a:r>
               <a:rPr lang="en-US" dirty="0" smtClean="0"/>
-              <a:t>truth-tables..</a:t>
+              <a:t>forms.</a:t>
+            </a:r>
+            <a:r>
+              <a:rPr lang="en-US" dirty="0" smtClean="0"/>
+              <a:t>.</a:t>
             </a:r>
             <a:fld id="{DB6F0ED6-FEF5-4C9C-B1CC-29B47EC66FAA}" type="slidenum">
               <a:rPr lang="en-US" smtClean="0"/>
@@ -1588,7 +1341,7 @@
 </p:sldLayout>
 </file>
 
-<file path=ppt/slideLayouts/slideLayout5.xml><?xml version="1.0" encoding="utf-8"?>
+<file path=ppt/slideLayouts/slideLayout4.xml><?xml version="1.0" encoding="utf-8"?>
 <p:sldLayout xmlns:a="http://schemas.openxmlformats.org/drawingml/2006/main" xmlns:r="http://schemas.openxmlformats.org/officeDocument/2006/relationships" xmlns:p="http://schemas.openxmlformats.org/presentationml/2006/main" type="blank" preserve="1">
   <p:cSld name="Blank">
     <p:spTree>
@@ -1617,8 +1370,8 @@
         </p:nvSpPr>
         <p:spPr>
           <a:xfrm>
-            <a:off x="7739728" y="6553200"/>
-            <a:ext cx="1404276" cy="276999"/>
+            <a:off x="8208081" y="6553200"/>
+            <a:ext cx="935923" cy="276999"/>
           </a:xfrm>
           <a:ln/>
         </p:spPr>
@@ -1635,7 +1388,11 @@
             </a:pPr>
             <a:r>
               <a:rPr lang="en-US" dirty="0" smtClean="0"/>
-              <a:t>truth-tables..</a:t>
+              <a:t>forms.</a:t>
+            </a:r>
+            <a:r>
+              <a:rPr lang="en-US" dirty="0" smtClean="0"/>
+              <a:t>.</a:t>
             </a:r>
             <a:fld id="{7D4651B8-09C8-4A4D-BE8E-31B6C97A420D}" type="slidenum">
               <a:rPr lang="en-US" smtClean="0"/>
@@ -1666,729 +1423,7 @@
 </p:sldLayout>
 </file>
 
-<file path=ppt/slideLayouts/slideLayout6.xml><?xml version="1.0" encoding="utf-8"?>
-<p:sldLayout xmlns:a="http://schemas.openxmlformats.org/drawingml/2006/main" xmlns:r="http://schemas.openxmlformats.org/officeDocument/2006/relationships" xmlns:p="http://schemas.openxmlformats.org/presentationml/2006/main" type="picTx" preserve="1">
-  <p:cSld name="Picture with Caption">
-    <p:spTree>
-      <p:nvGrpSpPr>
-        <p:cNvPr id="1" name=""/>
-        <p:cNvGrpSpPr/>
-        <p:nvPr/>
-      </p:nvGrpSpPr>
-      <p:grpSpPr>
-        <a:xfrm>
-          <a:off x="0" y="0"/>
-          <a:ext cx="0" cy="0"/>
-          <a:chOff x="0" y="0"/>
-          <a:chExt cx="0" cy="0"/>
-        </a:xfrm>
-      </p:grpSpPr>
-      <p:sp>
-        <p:nvSpPr>
-          <p:cNvPr id="2" name="Title 1"/>
-          <p:cNvSpPr>
-            <a:spLocks noGrp="1"/>
-          </p:cNvSpPr>
-          <p:nvPr>
-            <p:ph type="title"/>
-          </p:nvPr>
-        </p:nvSpPr>
-        <p:spPr>
-          <a:xfrm>
-            <a:off x="1792288" y="4800600"/>
-            <a:ext cx="5486400" cy="566738"/>
-          </a:xfrm>
-        </p:spPr>
-        <p:txBody>
-          <a:bodyPr anchor="b"/>
-          <a:lstStyle>
-            <a:lvl1pPr algn="l">
-              <a:defRPr sz="2000" b="1"/>
-            </a:lvl1pPr>
-          </a:lstStyle>
-          <a:p>
-            <a:r>
-              <a:rPr lang="en-US" smtClean="0"/>
-              <a:t>Click to edit Master title style</a:t>
-            </a:r>
-            <a:endParaRPr lang="en-US"/>
-          </a:p>
-        </p:txBody>
-      </p:sp>
-      <p:sp>
-        <p:nvSpPr>
-          <p:cNvPr id="3" name="Picture Placeholder 2"/>
-          <p:cNvSpPr>
-            <a:spLocks noGrp="1"/>
-          </p:cNvSpPr>
-          <p:nvPr>
-            <p:ph type="pic" idx="1"/>
-          </p:nvPr>
-        </p:nvSpPr>
-        <p:spPr>
-          <a:xfrm>
-            <a:off x="1792288" y="612775"/>
-            <a:ext cx="5486400" cy="4114800"/>
-          </a:xfrm>
-        </p:spPr>
-        <p:txBody>
-          <a:bodyPr/>
-          <a:lstStyle>
-            <a:lvl1pPr marL="0" indent="0">
-              <a:buNone/>
-              <a:defRPr sz="3200"/>
-            </a:lvl1pPr>
-            <a:lvl2pPr marL="457200" indent="0">
-              <a:buNone/>
-              <a:defRPr sz="2800"/>
-            </a:lvl2pPr>
-            <a:lvl3pPr marL="914400" indent="0">
-              <a:buNone/>
-              <a:defRPr sz="2400"/>
-            </a:lvl3pPr>
-            <a:lvl4pPr marL="1371600" indent="0">
-              <a:buNone/>
-              <a:defRPr sz="2000"/>
-            </a:lvl4pPr>
-            <a:lvl5pPr marL="1828800" indent="0">
-              <a:buNone/>
-              <a:defRPr sz="2000"/>
-            </a:lvl5pPr>
-            <a:lvl6pPr marL="2286000" indent="0">
-              <a:buNone/>
-              <a:defRPr sz="2000"/>
-            </a:lvl6pPr>
-            <a:lvl7pPr marL="2743200" indent="0">
-              <a:buNone/>
-              <a:defRPr sz="2000"/>
-            </a:lvl7pPr>
-            <a:lvl8pPr marL="3200400" indent="0">
-              <a:buNone/>
-              <a:defRPr sz="2000"/>
-            </a:lvl8pPr>
-            <a:lvl9pPr marL="3657600" indent="0">
-              <a:buNone/>
-              <a:defRPr sz="2000"/>
-            </a:lvl9pPr>
-          </a:lstStyle>
-          <a:p>
-            <a:pPr lvl="0"/>
-            <a:endParaRPr lang="en-US" noProof="0" smtClean="0"/>
-          </a:p>
-        </p:txBody>
-      </p:sp>
-      <p:sp>
-        <p:nvSpPr>
-          <p:cNvPr id="4" name="Text Placeholder 3"/>
-          <p:cNvSpPr>
-            <a:spLocks noGrp="1"/>
-          </p:cNvSpPr>
-          <p:nvPr>
-            <p:ph type="body" sz="half" idx="2"/>
-          </p:nvPr>
-        </p:nvSpPr>
-        <p:spPr>
-          <a:xfrm>
-            <a:off x="1792288" y="5367338"/>
-            <a:ext cx="5486400" cy="804862"/>
-          </a:xfrm>
-        </p:spPr>
-        <p:txBody>
-          <a:bodyPr/>
-          <a:lstStyle>
-            <a:lvl1pPr marL="0" indent="0">
-              <a:buNone/>
-              <a:defRPr sz="1400"/>
-            </a:lvl1pPr>
-            <a:lvl2pPr marL="457200" indent="0">
-              <a:buNone/>
-              <a:defRPr sz="1200"/>
-            </a:lvl2pPr>
-            <a:lvl3pPr marL="914400" indent="0">
-              <a:buNone/>
-              <a:defRPr sz="1000"/>
-            </a:lvl3pPr>
-            <a:lvl4pPr marL="1371600" indent="0">
-              <a:buNone/>
-              <a:defRPr sz="900"/>
-            </a:lvl4pPr>
-            <a:lvl5pPr marL="1828800" indent="0">
-              <a:buNone/>
-              <a:defRPr sz="900"/>
-            </a:lvl5pPr>
-            <a:lvl6pPr marL="2286000" indent="0">
-              <a:buNone/>
-              <a:defRPr sz="900"/>
-            </a:lvl6pPr>
-            <a:lvl7pPr marL="2743200" indent="0">
-              <a:buNone/>
-              <a:defRPr sz="900"/>
-            </a:lvl7pPr>
-            <a:lvl8pPr marL="3200400" indent="0">
-              <a:buNone/>
-              <a:defRPr sz="900"/>
-            </a:lvl8pPr>
-            <a:lvl9pPr marL="3657600" indent="0">
-              <a:buNone/>
-              <a:defRPr sz="900"/>
-            </a:lvl9pPr>
-          </a:lstStyle>
-          <a:p>
-            <a:pPr lvl="0"/>
-            <a:r>
-              <a:rPr lang="en-US" smtClean="0"/>
-              <a:t>Click to edit Master text styles</a:t>
-            </a:r>
-          </a:p>
-        </p:txBody>
-      </p:sp>
-      <p:sp>
-        <p:nvSpPr>
-          <p:cNvPr id="5" name="Rectangle 11"/>
-          <p:cNvSpPr>
-            <a:spLocks noGrp="1" noChangeArrowheads="1"/>
-          </p:cNvSpPr>
-          <p:nvPr>
-            <p:ph type="sldNum" sz="quarter" idx="10"/>
-          </p:nvPr>
-        </p:nvSpPr>
-        <p:spPr>
-          <a:xfrm>
-            <a:off x="7739728" y="6553200"/>
-            <a:ext cx="1404276" cy="276999"/>
-          </a:xfrm>
-          <a:ln/>
-        </p:spPr>
-        <p:txBody>
-          <a:bodyPr/>
-          <a:lstStyle>
-            <a:lvl1pPr>
-              <a:defRPr/>
-            </a:lvl1pPr>
-          </a:lstStyle>
-          <a:p>
-            <a:pPr>
-              <a:defRPr/>
-            </a:pPr>
-            <a:r>
-              <a:rPr lang="en-US" dirty="0" smtClean="0"/>
-              <a:t>truth-tables..</a:t>
-            </a:r>
-            <a:fld id="{85BC747C-4E6E-462A-A001-3C1CA56269DD}" type="slidenum">
-              <a:rPr lang="en-US" smtClean="0"/>
-              <a:pPr>
-                <a:defRPr/>
-              </a:pPr>
-              <a:t>‹#›</a:t>
-            </a:fld>
-            <a:endParaRPr lang="en-US" dirty="0"/>
-          </a:p>
-        </p:txBody>
-      </p:sp>
-    </p:spTree>
-  </p:cSld>
-  <p:clrMapOvr>
-    <a:masterClrMapping/>
-  </p:clrMapOvr>
-  <p:transition xmlns:p14="http://schemas.microsoft.com/office/powerpoint/2010/main">
-    <p:fade/>
-  </p:transition>
-</p:sldLayout>
-</file>
-
-<file path=ppt/slideLayouts/slideLayout7.xml><?xml version="1.0" encoding="utf-8"?>
-<p:sldLayout xmlns:a="http://schemas.openxmlformats.org/drawingml/2006/main" xmlns:r="http://schemas.openxmlformats.org/officeDocument/2006/relationships" xmlns:p="http://schemas.openxmlformats.org/presentationml/2006/main" type="txAndObj" preserve="1">
-  <p:cSld name="Title, Text, and Content">
-    <p:spTree>
-      <p:nvGrpSpPr>
-        <p:cNvPr id="1" name=""/>
-        <p:cNvGrpSpPr/>
-        <p:nvPr/>
-      </p:nvGrpSpPr>
-      <p:grpSpPr>
-        <a:xfrm>
-          <a:off x="0" y="0"/>
-          <a:ext cx="0" cy="0"/>
-          <a:chOff x="0" y="0"/>
-          <a:chExt cx="0" cy="0"/>
-        </a:xfrm>
-      </p:grpSpPr>
-      <p:sp>
-        <p:nvSpPr>
-          <p:cNvPr id="2" name="Title 1"/>
-          <p:cNvSpPr>
-            <a:spLocks noGrp="1"/>
-          </p:cNvSpPr>
-          <p:nvPr>
-            <p:ph type="title"/>
-          </p:nvPr>
-        </p:nvSpPr>
-        <p:spPr>
-          <a:xfrm>
-            <a:off x="1447800" y="304800"/>
-            <a:ext cx="7543800" cy="1143000"/>
-          </a:xfrm>
-        </p:spPr>
-        <p:txBody>
-          <a:bodyPr/>
-          <a:lstStyle/>
-          <a:p>
-            <a:r>
-              <a:rPr lang="en-US" smtClean="0"/>
-              <a:t>Click to edit Master title style</a:t>
-            </a:r>
-            <a:endParaRPr lang="en-US"/>
-          </a:p>
-        </p:txBody>
-      </p:sp>
-      <p:sp>
-        <p:nvSpPr>
-          <p:cNvPr id="3" name="Text Placeholder 2"/>
-          <p:cNvSpPr>
-            <a:spLocks noGrp="1"/>
-          </p:cNvSpPr>
-          <p:nvPr>
-            <p:ph type="body" sz="half" idx="1"/>
-          </p:nvPr>
-        </p:nvSpPr>
-        <p:spPr>
-          <a:xfrm>
-            <a:off x="685800" y="2057400"/>
-            <a:ext cx="3810000" cy="4114800"/>
-          </a:xfrm>
-        </p:spPr>
-        <p:txBody>
-          <a:bodyPr/>
-          <a:lstStyle/>
-          <a:p>
-            <a:pPr lvl="0"/>
-            <a:r>
-              <a:rPr lang="en-US" smtClean="0"/>
-              <a:t>Click to edit Master text styles</a:t>
-            </a:r>
-          </a:p>
-          <a:p>
-            <a:pPr lvl="1"/>
-            <a:r>
-              <a:rPr lang="en-US" smtClean="0"/>
-              <a:t>Second level</a:t>
-            </a:r>
-          </a:p>
-          <a:p>
-            <a:pPr lvl="2"/>
-            <a:r>
-              <a:rPr lang="en-US" smtClean="0"/>
-              <a:t>Third level</a:t>
-            </a:r>
-          </a:p>
-          <a:p>
-            <a:pPr lvl="3"/>
-            <a:r>
-              <a:rPr lang="en-US" smtClean="0"/>
-              <a:t>Fourth level</a:t>
-            </a:r>
-          </a:p>
-          <a:p>
-            <a:pPr lvl="4"/>
-            <a:r>
-              <a:rPr lang="en-US" smtClean="0"/>
-              <a:t>Fifth level</a:t>
-            </a:r>
-            <a:endParaRPr lang="en-US"/>
-          </a:p>
-        </p:txBody>
-      </p:sp>
-      <p:sp>
-        <p:nvSpPr>
-          <p:cNvPr id="4" name="Content Placeholder 3"/>
-          <p:cNvSpPr>
-            <a:spLocks noGrp="1"/>
-          </p:cNvSpPr>
-          <p:nvPr>
-            <p:ph sz="half" idx="2"/>
-          </p:nvPr>
-        </p:nvSpPr>
-        <p:spPr>
-          <a:xfrm>
-            <a:off x="4648200" y="2057400"/>
-            <a:ext cx="3810000" cy="4114800"/>
-          </a:xfrm>
-        </p:spPr>
-        <p:txBody>
-          <a:bodyPr/>
-          <a:lstStyle/>
-          <a:p>
-            <a:pPr lvl="0"/>
-            <a:r>
-              <a:rPr lang="en-US" smtClean="0"/>
-              <a:t>Click to edit Master text styles</a:t>
-            </a:r>
-          </a:p>
-          <a:p>
-            <a:pPr lvl="1"/>
-            <a:r>
-              <a:rPr lang="en-US" smtClean="0"/>
-              <a:t>Second level</a:t>
-            </a:r>
-          </a:p>
-          <a:p>
-            <a:pPr lvl="2"/>
-            <a:r>
-              <a:rPr lang="en-US" smtClean="0"/>
-              <a:t>Third level</a:t>
-            </a:r>
-          </a:p>
-          <a:p>
-            <a:pPr lvl="3"/>
-            <a:r>
-              <a:rPr lang="en-US" smtClean="0"/>
-              <a:t>Fourth level</a:t>
-            </a:r>
-          </a:p>
-          <a:p>
-            <a:pPr lvl="4"/>
-            <a:r>
-              <a:rPr lang="en-US" smtClean="0"/>
-              <a:t>Fifth level</a:t>
-            </a:r>
-            <a:endParaRPr lang="en-US"/>
-          </a:p>
-        </p:txBody>
-      </p:sp>
-      <p:sp>
-        <p:nvSpPr>
-          <p:cNvPr id="5" name="Rectangle 11"/>
-          <p:cNvSpPr>
-            <a:spLocks noGrp="1" noChangeArrowheads="1"/>
-          </p:cNvSpPr>
-          <p:nvPr>
-            <p:ph type="sldNum" sz="quarter" idx="10"/>
-          </p:nvPr>
-        </p:nvSpPr>
-        <p:spPr>
-          <a:xfrm>
-            <a:off x="7739728" y="6553200"/>
-            <a:ext cx="1404276" cy="276999"/>
-          </a:xfrm>
-          <a:ln/>
-        </p:spPr>
-        <p:txBody>
-          <a:bodyPr/>
-          <a:lstStyle>
-            <a:lvl1pPr>
-              <a:defRPr/>
-            </a:lvl1pPr>
-          </a:lstStyle>
-          <a:p>
-            <a:pPr>
-              <a:defRPr/>
-            </a:pPr>
-            <a:r>
-              <a:rPr lang="en-US" dirty="0" smtClean="0"/>
-              <a:t>truth-tables..</a:t>
-            </a:r>
-            <a:fld id="{B7856ECB-7BA5-4EA4-A170-7A96316AE30B}" type="slidenum">
-              <a:rPr lang="en-US" smtClean="0"/>
-              <a:pPr>
-                <a:defRPr/>
-              </a:pPr>
-              <a:t>‹#›</a:t>
-            </a:fld>
-            <a:endParaRPr lang="en-US" dirty="0"/>
-          </a:p>
-        </p:txBody>
-      </p:sp>
-    </p:spTree>
-  </p:cSld>
-  <p:clrMapOvr>
-    <a:masterClrMapping/>
-  </p:clrMapOvr>
-  <p:transition xmlns:p14="http://schemas.microsoft.com/office/powerpoint/2010/main">
-    <p:fade/>
-  </p:transition>
-</p:sldLayout>
-</file>
-
-<file path=ppt/slideLayouts/slideLayout8.xml><?xml version="1.0" encoding="utf-8"?>
-<p:sldLayout xmlns:a="http://schemas.openxmlformats.org/drawingml/2006/main" xmlns:r="http://schemas.openxmlformats.org/officeDocument/2006/relationships" xmlns:p="http://schemas.openxmlformats.org/presentationml/2006/main" type="txAndTwoObj" preserve="1">
-  <p:cSld name="Title, Text, and 2 Content">
-    <p:spTree>
-      <p:nvGrpSpPr>
-        <p:cNvPr id="1" name=""/>
-        <p:cNvGrpSpPr/>
-        <p:nvPr/>
-      </p:nvGrpSpPr>
-      <p:grpSpPr>
-        <a:xfrm>
-          <a:off x="0" y="0"/>
-          <a:ext cx="0" cy="0"/>
-          <a:chOff x="0" y="0"/>
-          <a:chExt cx="0" cy="0"/>
-        </a:xfrm>
-      </p:grpSpPr>
-      <p:sp>
-        <p:nvSpPr>
-          <p:cNvPr id="2" name="Title 1"/>
-          <p:cNvSpPr>
-            <a:spLocks noGrp="1"/>
-          </p:cNvSpPr>
-          <p:nvPr>
-            <p:ph type="title"/>
-          </p:nvPr>
-        </p:nvSpPr>
-        <p:spPr>
-          <a:xfrm>
-            <a:off x="1447800" y="304800"/>
-            <a:ext cx="7543800" cy="1143000"/>
-          </a:xfrm>
-        </p:spPr>
-        <p:txBody>
-          <a:bodyPr/>
-          <a:lstStyle/>
-          <a:p>
-            <a:r>
-              <a:rPr lang="en-US" smtClean="0"/>
-              <a:t>Click to edit Master title style</a:t>
-            </a:r>
-            <a:endParaRPr lang="en-US"/>
-          </a:p>
-        </p:txBody>
-      </p:sp>
-      <p:sp>
-        <p:nvSpPr>
-          <p:cNvPr id="3" name="Text Placeholder 2"/>
-          <p:cNvSpPr>
-            <a:spLocks noGrp="1"/>
-          </p:cNvSpPr>
-          <p:nvPr>
-            <p:ph type="body" sz="half" idx="1"/>
-          </p:nvPr>
-        </p:nvSpPr>
-        <p:spPr>
-          <a:xfrm>
-            <a:off x="685800" y="2057400"/>
-            <a:ext cx="3810000" cy="4114800"/>
-          </a:xfrm>
-        </p:spPr>
-        <p:txBody>
-          <a:bodyPr/>
-          <a:lstStyle>
-            <a:lvl1pPr>
-              <a:defRPr sz="3200"/>
-            </a:lvl1pPr>
-            <a:lvl2pPr>
-              <a:defRPr sz="2800"/>
-            </a:lvl2pPr>
-            <a:lvl3pPr>
-              <a:defRPr sz="2800"/>
-            </a:lvl3pPr>
-            <a:lvl4pPr>
-              <a:defRPr sz="2400"/>
-            </a:lvl4pPr>
-            <a:lvl5pPr>
-              <a:defRPr sz="2400"/>
-            </a:lvl5pPr>
-          </a:lstStyle>
-          <a:p>
-            <a:pPr lvl="0"/>
-            <a:r>
-              <a:rPr lang="en-US" dirty="0" smtClean="0"/>
-              <a:t>Click to edit Master text styles</a:t>
-            </a:r>
-          </a:p>
-          <a:p>
-            <a:pPr lvl="1"/>
-            <a:r>
-              <a:rPr lang="en-US" dirty="0" smtClean="0"/>
-              <a:t>Second level</a:t>
-            </a:r>
-          </a:p>
-          <a:p>
-            <a:pPr lvl="2"/>
-            <a:r>
-              <a:rPr lang="en-US" dirty="0" smtClean="0"/>
-              <a:t>Third level</a:t>
-            </a:r>
-          </a:p>
-          <a:p>
-            <a:pPr lvl="3"/>
-            <a:r>
-              <a:rPr lang="en-US" dirty="0" smtClean="0"/>
-              <a:t>Fourth level</a:t>
-            </a:r>
-          </a:p>
-          <a:p>
-            <a:pPr lvl="4"/>
-            <a:r>
-              <a:rPr lang="en-US" dirty="0" smtClean="0"/>
-              <a:t>Fifth level</a:t>
-            </a:r>
-            <a:endParaRPr lang="en-US" dirty="0"/>
-          </a:p>
-        </p:txBody>
-      </p:sp>
-      <p:sp>
-        <p:nvSpPr>
-          <p:cNvPr id="4" name="Content Placeholder 3"/>
-          <p:cNvSpPr>
-            <a:spLocks noGrp="1"/>
-          </p:cNvSpPr>
-          <p:nvPr>
-            <p:ph sz="quarter" idx="2"/>
-          </p:nvPr>
-        </p:nvSpPr>
-        <p:spPr>
-          <a:xfrm>
-            <a:off x="4648200" y="2057400"/>
-            <a:ext cx="3810000" cy="1981200"/>
-          </a:xfrm>
-        </p:spPr>
-        <p:txBody>
-          <a:bodyPr/>
-          <a:lstStyle>
-            <a:lvl1pPr>
-              <a:defRPr sz="2000"/>
-            </a:lvl1pPr>
-            <a:lvl2pPr>
-              <a:defRPr sz="1800"/>
-            </a:lvl2pPr>
-            <a:lvl3pPr>
-              <a:defRPr sz="1800"/>
-            </a:lvl3pPr>
-            <a:lvl4pPr>
-              <a:defRPr sz="1600"/>
-            </a:lvl4pPr>
-            <a:lvl5pPr>
-              <a:defRPr sz="1600"/>
-            </a:lvl5pPr>
-          </a:lstStyle>
-          <a:p>
-            <a:pPr lvl="0"/>
-            <a:r>
-              <a:rPr lang="en-US" dirty="0" smtClean="0"/>
-              <a:t>Click to edit Master text styles</a:t>
-            </a:r>
-          </a:p>
-          <a:p>
-            <a:pPr lvl="1"/>
-            <a:r>
-              <a:rPr lang="en-US" dirty="0" smtClean="0"/>
-              <a:t>Second level</a:t>
-            </a:r>
-          </a:p>
-          <a:p>
-            <a:pPr lvl="2"/>
-            <a:r>
-              <a:rPr lang="en-US" dirty="0" smtClean="0"/>
-              <a:t>Third level</a:t>
-            </a:r>
-          </a:p>
-          <a:p>
-            <a:pPr lvl="3"/>
-            <a:r>
-              <a:rPr lang="en-US" dirty="0" smtClean="0"/>
-              <a:t>Fourth level</a:t>
-            </a:r>
-          </a:p>
-          <a:p>
-            <a:pPr lvl="4"/>
-            <a:r>
-              <a:rPr lang="en-US" dirty="0" smtClean="0"/>
-              <a:t>Fifth level</a:t>
-            </a:r>
-            <a:endParaRPr lang="en-US" dirty="0"/>
-          </a:p>
-        </p:txBody>
-      </p:sp>
-      <p:sp>
-        <p:nvSpPr>
-          <p:cNvPr id="5" name="Content Placeholder 4"/>
-          <p:cNvSpPr>
-            <a:spLocks noGrp="1"/>
-          </p:cNvSpPr>
-          <p:nvPr>
-            <p:ph sz="quarter" idx="3"/>
-          </p:nvPr>
-        </p:nvSpPr>
-        <p:spPr>
-          <a:xfrm>
-            <a:off x="4648200" y="4191000"/>
-            <a:ext cx="3810000" cy="1981200"/>
-          </a:xfrm>
-        </p:spPr>
-        <p:txBody>
-          <a:bodyPr/>
-          <a:lstStyle>
-            <a:lvl1pPr>
-              <a:buNone/>
-              <a:defRPr/>
-            </a:lvl1pPr>
-            <a:lvl2pPr>
-              <a:buNone/>
-              <a:defRPr/>
-            </a:lvl2pPr>
-            <a:lvl5pPr>
-              <a:buNone/>
-              <a:defRPr/>
-            </a:lvl5pPr>
-          </a:lstStyle>
-          <a:p>
-            <a:pPr lvl="0"/>
-            <a:endParaRPr lang="en-US" dirty="0" smtClean="0"/>
-          </a:p>
-        </p:txBody>
-      </p:sp>
-      <p:sp>
-        <p:nvSpPr>
-          <p:cNvPr id="6" name="Rectangle 11"/>
-          <p:cNvSpPr>
-            <a:spLocks noGrp="1" noChangeArrowheads="1"/>
-          </p:cNvSpPr>
-          <p:nvPr>
-            <p:ph type="sldNum" sz="quarter" idx="10"/>
-          </p:nvPr>
-        </p:nvSpPr>
-        <p:spPr>
-          <a:ln/>
-        </p:spPr>
-        <p:txBody>
-          <a:bodyPr/>
-          <a:lstStyle>
-            <a:lvl1pPr>
-              <a:defRPr/>
-            </a:lvl1pPr>
-          </a:lstStyle>
-          <a:p>
-            <a:pPr>
-              <a:defRPr/>
-            </a:pPr>
-            <a:r>
-              <a:rPr lang="en-US" dirty="0" smtClean="0"/>
-              <a:t>truth-tables.</a:t>
-            </a:r>
-            <a:fld id="{883BA68D-4400-4AD9-848C-65748A4D0824}" type="slidenum">
-              <a:rPr lang="en-US" smtClean="0"/>
-              <a:pPr>
-                <a:defRPr/>
-              </a:pPr>
-              <a:t>‹#›</a:t>
-            </a:fld>
-            <a:endParaRPr lang="en-US" dirty="0"/>
-          </a:p>
-        </p:txBody>
-      </p:sp>
-    </p:spTree>
-  </p:cSld>
-  <p:clrMapOvr>
-    <a:masterClrMapping/>
-  </p:clrMapOvr>
-  <p:transition xmlns:p14="http://schemas.microsoft.com/office/powerpoint/2010/main">
-    <p:fade/>
-  </p:transition>
-</p:sldLayout>
-</file>
-
-<file path=ppt/slideLayouts/slideLayout9.xml><?xml version="1.0" encoding="utf-8"?>
+<file path=ppt/slideLayouts/slideLayout5.xml><?xml version="1.0" encoding="utf-8"?>
 <p:sldLayout xmlns:a="http://schemas.openxmlformats.org/drawingml/2006/main" xmlns:r="http://schemas.openxmlformats.org/officeDocument/2006/relationships" xmlns:p="http://schemas.openxmlformats.org/presentationml/2006/main" type="fourObj">
   <p:cSld name="Title and 4 Content">
     <p:spTree>
@@ -2751,7 +1786,7 @@
             </a:pPr>
             <a:r>
               <a:rPr lang="en-US" dirty="0" smtClean="0"/>
-              <a:t>truth-tables.</a:t>
+              <a:t>forms.</a:t>
             </a:r>
             <a:fld id="{068AF58D-0467-409E-A30A-0D5E3A2B197F}" type="slidenum">
               <a:rPr lang="en-US" smtClean="0"/>
@@ -2947,7 +1982,7 @@
           <p:nvPr userDrawn="1"/>
         </p:nvPicPr>
         <p:blipFill>
-          <a:blip r:embed="rId11"/>
+          <a:blip r:embed="rId7"/>
           <a:srcRect/>
           <a:stretch>
             <a:fillRect/>
@@ -3008,13 +2043,25 @@
               <a:rPr lang="en-US" sz="1100" baseline="0" dirty="0" smtClean="0">
                 <a:latin typeface="Comic Sans MS" pitchFamily="66" charset="0"/>
               </a:rPr>
-              <a:t>February 13</a:t>
+              <a:t>February </a:t>
+            </a:r>
+            <a:r>
+              <a:rPr lang="en-US" sz="1100" baseline="0" dirty="0" smtClean="0">
+                <a:latin typeface="Comic Sans MS" pitchFamily="66" charset="0"/>
+              </a:rPr>
+              <a:t>15</a:t>
             </a:r>
             <a:r>
               <a:rPr lang="en-US" sz="1100" dirty="0" smtClean="0">
                 <a:latin typeface="Comic Sans MS" pitchFamily="66" charset="0"/>
               </a:rPr>
-              <a:t>, 2015</a:t>
+              <a:t>, </a:t>
+            </a:r>
+            <a:r>
+              <a:rPr lang="en-US" sz="1100" dirty="0" smtClean="0">
+                <a:latin typeface="Comic Sans MS" pitchFamily="66" charset="0"/>
+              </a:rPr>
+              <a:t>2015</a:t>
             </a:r>
             <a:endParaRPr lang="en-US" sz="1100" dirty="0">
               <a:latin typeface="Comic Sans MS" pitchFamily="66" charset="0"/>
@@ -3062,7 +2109,7 @@
           <p:nvPr userDrawn="1"/>
         </p:nvPicPr>
         <p:blipFill>
-          <a:blip r:embed="rId12"/>
+          <a:blip r:embed="rId8"/>
           <a:stretch>
             <a:fillRect/>
           </a:stretch>
@@ -3083,13 +2130,9 @@
   <p:sldLayoutIdLst>
     <p:sldLayoutId id="2147483652" r:id="rId1"/>
     <p:sldLayoutId id="2147483653" r:id="rId2"/>
-    <p:sldLayoutId id="2147483654" r:id="rId3"/>
-    <p:sldLayoutId id="2147483657" r:id="rId4"/>
-    <p:sldLayoutId id="2147483658" r:id="rId5"/>
-    <p:sldLayoutId id="2147483660" r:id="rId6"/>
-    <p:sldLayoutId id="2147483663" r:id="rId7"/>
-    <p:sldLayoutId id="2147483664" r:id="rId8"/>
-    <p:sldLayoutId id="2147483665" r:id="rId9"/>
+    <p:sldLayoutId id="2147483657" r:id="rId3"/>
+    <p:sldLayoutId id="2147483658" r:id="rId4"/>
+    <p:sldLayoutId id="2147483665" r:id="rId5"/>
   </p:sldLayoutIdLst>
   <p:transition xmlns:p14="http://schemas.microsoft.com/office/powerpoint/2010/main">
     <p:fade/>
@@ -3531,8 +2574,8 @@
         </p:nvSpPr>
         <p:spPr bwMode="auto">
           <a:xfrm>
-            <a:off x="7778050" y="6553200"/>
-            <a:ext cx="1365954" cy="276999"/>
+            <a:off x="8424186" y="6553200"/>
+            <a:ext cx="719818" cy="276999"/>
           </a:xfrm>
           <a:prstGeom prst="rect">
             <a:avLst/>
@@ -3566,7 +2609,7 @@
             </a:pPr>
             <a:r>
               <a:rPr lang="en-US" dirty="0" smtClean="0"/>
-              <a:t>truth-tables.</a:t>
+              <a:t>forms.</a:t>
             </a:r>
             <a:fld id="{EBFB97A3-F52F-4FD6-B1AC-522A20C95467}" type="slidenum">
               <a:rPr lang="en-US" smtClean="0"/>
@@ -3792,7 +2835,7 @@
 </file>
 
 <file path=ppt/slides/slide2.xml><?xml version="1.0" encoding="utf-8"?>
-<p:sld xmlns:a="http://schemas.openxmlformats.org/drawingml/2006/main" xmlns:r="http://schemas.openxmlformats.org/officeDocument/2006/relationships" xmlns:p="http://schemas.openxmlformats.org/presentationml/2006/main" showMasterPhAnim="0">
+<p:sld xmlns:a="http://schemas.openxmlformats.org/drawingml/2006/main" xmlns:r="http://schemas.openxmlformats.org/officeDocument/2006/relationships" xmlns:p="http://schemas.openxmlformats.org/presentationml/2006/main">
   <p:cSld>
     <p:spTree>
       <p:nvGrpSpPr>
@@ -3808,1800 +2851,1575 @@
           <a:chExt cx="0" cy="0"/>
         </a:xfrm>
       </p:grpSpPr>
-      <p:grpSp>
-        <p:nvGrpSpPr>
-          <p:cNvPr id="2" name="Group 110"/>
-          <p:cNvGrpSpPr>
-            <a:grpSpLocks/>
-          </p:cNvGrpSpPr>
-          <p:nvPr/>
-        </p:nvGrpSpPr>
-        <p:grpSpPr bwMode="auto">
-          <a:xfrm>
-            <a:off x="5510213" y="2218272"/>
-            <a:ext cx="2960687" cy="757238"/>
-            <a:chOff x="3471" y="1880"/>
-            <a:chExt cx="1865" cy="477"/>
-          </a:xfrm>
-        </p:grpSpPr>
-        <p:sp>
-          <p:nvSpPr>
-            <p:cNvPr id="98320" name="Rectangle 16"/>
-            <p:cNvSpPr>
-              <a:spLocks noChangeArrowheads="1"/>
-            </p:cNvSpPr>
-            <p:nvPr/>
-          </p:nvSpPr>
-          <p:spPr bwMode="auto">
-            <a:xfrm>
-              <a:off x="4474" y="1952"/>
-              <a:ext cx="862" cy="405"/>
-            </a:xfrm>
-            <a:prstGeom prst="rect">
-              <a:avLst/>
-            </a:prstGeom>
-            <a:noFill/>
-            <a:ln w="9525">
-              <a:noFill/>
-              <a:miter lim="800000"/>
-              <a:headEnd/>
-              <a:tailEnd type="none" w="lg" len="lg"/>
-            </a:ln>
-            <a:effectLst/>
-          </p:spPr>
-          <p:txBody>
-            <a:bodyPr anchor="ctr"/>
-            <a:lstStyle/>
-            <a:p>
-              <a:pPr algn="ctr">
-                <a:spcBef>
-                  <a:spcPct val="20000"/>
-                </a:spcBef>
-              </a:pPr>
-              <a:r>
-                <a:rPr lang="en-US" sz="2800">
-                  <a:latin typeface="Comic Sans MS" pitchFamily="66" charset="0"/>
-                  <a:cs typeface="Arial" charset="0"/>
-                  <a:sym typeface="Symbol" pitchFamily="18" charset="2"/>
-                </a:rPr>
-                <a:t> </a:t>
-              </a:r>
-            </a:p>
-          </p:txBody>
-        </p:sp>
-        <p:sp>
-          <p:nvSpPr>
-            <p:cNvPr id="98321" name="Rectangle 17"/>
-            <p:cNvSpPr>
-              <a:spLocks noChangeArrowheads="1"/>
-            </p:cNvSpPr>
-            <p:nvPr/>
-          </p:nvSpPr>
-          <p:spPr bwMode="auto">
-            <a:xfrm>
-              <a:off x="4007" y="1952"/>
-              <a:ext cx="475" cy="405"/>
-            </a:xfrm>
-            <a:prstGeom prst="rect">
-              <a:avLst/>
-            </a:prstGeom>
-            <a:noFill/>
-            <a:ln w="9525">
-              <a:noFill/>
-              <a:miter lim="800000"/>
-              <a:headEnd/>
-              <a:tailEnd type="none" w="lg" len="lg"/>
-            </a:ln>
-            <a:effectLst/>
-          </p:spPr>
-          <p:txBody>
-            <a:bodyPr anchor="ctr"/>
-            <a:lstStyle/>
-            <a:p>
-              <a:pPr algn="ctr">
-                <a:spcBef>
-                  <a:spcPct val="20000"/>
-                </a:spcBef>
-              </a:pPr>
-              <a:endParaRPr lang="en-US" sz="2800">
-                <a:latin typeface="Comic Sans MS" pitchFamily="66" charset="0"/>
-                <a:cs typeface="Arial" charset="0"/>
-              </a:endParaRPr>
-            </a:p>
-          </p:txBody>
-        </p:sp>
-        <p:sp>
-          <p:nvSpPr>
-            <p:cNvPr id="98322" name="Rectangle 18"/>
-            <p:cNvSpPr>
-              <a:spLocks noChangeArrowheads="1"/>
-            </p:cNvSpPr>
-            <p:nvPr/>
-          </p:nvSpPr>
-          <p:spPr bwMode="auto">
-            <a:xfrm>
-              <a:off x="3471" y="1880"/>
-              <a:ext cx="528" cy="405"/>
-            </a:xfrm>
-            <a:prstGeom prst="rect">
-              <a:avLst/>
-            </a:prstGeom>
-            <a:noFill/>
-            <a:ln w="9525">
-              <a:noFill/>
-              <a:miter lim="800000"/>
-              <a:headEnd/>
-              <a:tailEnd type="none" w="lg" len="lg"/>
-            </a:ln>
-            <a:effectLst/>
-          </p:spPr>
-          <p:txBody>
-            <a:bodyPr anchor="ctr"/>
-            <a:lstStyle/>
-            <a:p>
-              <a:pPr algn="ctr">
-                <a:spcBef>
-                  <a:spcPct val="20000"/>
-                </a:spcBef>
-              </a:pPr>
-              <a:endParaRPr lang="en-US" sz="2800">
-                <a:latin typeface="Comic Sans MS" pitchFamily="66" charset="0"/>
-                <a:cs typeface="Arial" charset="0"/>
-              </a:endParaRPr>
-            </a:p>
-          </p:txBody>
-        </p:sp>
-      </p:grpSp>
-      <p:grpSp>
-        <p:nvGrpSpPr>
-          <p:cNvPr id="3" name="Group 87"/>
-          <p:cNvGrpSpPr/>
-          <p:nvPr/>
-        </p:nvGrpSpPr>
-        <p:grpSpPr>
-          <a:xfrm>
-            <a:off x="3607211" y="2840393"/>
-            <a:ext cx="1190058" cy="2117903"/>
-            <a:chOff x="3391457" y="2840393"/>
-            <a:chExt cx="1190058" cy="2117903"/>
-          </a:xfrm>
-        </p:grpSpPr>
-        <p:sp>
-          <p:nvSpPr>
-            <p:cNvPr id="98335" name="Rectangle 31"/>
-            <p:cNvSpPr>
-              <a:spLocks noChangeArrowheads="1"/>
-            </p:cNvSpPr>
-            <p:nvPr/>
-          </p:nvSpPr>
-          <p:spPr bwMode="auto">
-            <a:xfrm>
-              <a:off x="3391457" y="4431647"/>
-              <a:ext cx="1190058" cy="526649"/>
-            </a:xfrm>
-            <a:prstGeom prst="rect">
-              <a:avLst/>
-            </a:prstGeom>
-            <a:noFill/>
-            <a:ln w="9525">
-              <a:noFill/>
-              <a:miter lim="800000"/>
-              <a:headEnd/>
-              <a:tailEnd type="none" w="lg" len="lg"/>
-            </a:ln>
-            <a:effectLst/>
-          </p:spPr>
-          <p:txBody>
-            <a:bodyPr/>
-            <a:lstStyle/>
-            <a:p>
-              <a:pPr>
-                <a:spcBef>
-                  <a:spcPct val="20000"/>
-                </a:spcBef>
-              </a:pPr>
-              <a:r>
-                <a:rPr lang="en-US" sz="2800" dirty="0">
-                  <a:solidFill>
-                    <a:schemeClr val="hlink"/>
-                  </a:solidFill>
-                  <a:latin typeface="Comic Sans MS" pitchFamily="66" charset="0"/>
-                  <a:cs typeface="Arial" charset="0"/>
-                </a:rPr>
-                <a:t> </a:t>
-              </a:r>
-              <a:r>
-                <a:rPr lang="en-US" sz="2800" dirty="0" smtClean="0">
-                  <a:solidFill>
-                    <a:srgbClr val="CC0000"/>
-                  </a:solidFill>
-                  <a:latin typeface="Comic Sans MS" pitchFamily="66" charset="0"/>
-                  <a:cs typeface="Arial" charset="0"/>
-                </a:rPr>
-                <a:t>F</a:t>
-              </a:r>
-              <a:endParaRPr lang="en-US" sz="2800" dirty="0">
-                <a:solidFill>
-                  <a:srgbClr val="CC0000"/>
-                </a:solidFill>
-                <a:latin typeface="Comic Sans MS" pitchFamily="66" charset="0"/>
-                <a:cs typeface="Arial" charset="0"/>
-              </a:endParaRPr>
-            </a:p>
-          </p:txBody>
-        </p:sp>
-        <p:sp>
-          <p:nvSpPr>
-            <p:cNvPr id="98336" name="Rectangle 32"/>
-            <p:cNvSpPr>
-              <a:spLocks noChangeArrowheads="1"/>
-            </p:cNvSpPr>
-            <p:nvPr/>
-          </p:nvSpPr>
-          <p:spPr bwMode="auto">
-            <a:xfrm>
-              <a:off x="3391457" y="3904999"/>
-              <a:ext cx="1190058" cy="526649"/>
-            </a:xfrm>
-            <a:prstGeom prst="rect">
-              <a:avLst/>
-            </a:prstGeom>
-            <a:noFill/>
-            <a:ln w="9525">
-              <a:noFill/>
-              <a:miter lim="800000"/>
-              <a:headEnd/>
-              <a:tailEnd type="none" w="lg" len="lg"/>
-            </a:ln>
-            <a:effectLst/>
-          </p:spPr>
-          <p:txBody>
-            <a:bodyPr/>
-            <a:lstStyle/>
-            <a:p>
-              <a:pPr>
-                <a:spcBef>
-                  <a:spcPct val="20000"/>
-                </a:spcBef>
-              </a:pPr>
-              <a:r>
-                <a:rPr lang="en-US" sz="2800" dirty="0" smtClean="0">
-                  <a:solidFill>
-                    <a:srgbClr val="137117"/>
-                  </a:solidFill>
-                  <a:latin typeface="Comic Sans MS" pitchFamily="66" charset="0"/>
-                  <a:cs typeface="Arial" charset="0"/>
-                </a:rPr>
-                <a:t>T</a:t>
-              </a:r>
-              <a:endParaRPr lang="en-US" sz="2800" dirty="0">
-                <a:latin typeface="Comic Sans MS" pitchFamily="66" charset="0"/>
-                <a:cs typeface="Arial" charset="0"/>
-              </a:endParaRPr>
-            </a:p>
-          </p:txBody>
-        </p:sp>
-        <p:sp>
-          <p:nvSpPr>
-            <p:cNvPr id="98337" name="Rectangle 33"/>
-            <p:cNvSpPr>
-              <a:spLocks noChangeArrowheads="1"/>
-            </p:cNvSpPr>
-            <p:nvPr/>
-          </p:nvSpPr>
-          <p:spPr bwMode="auto">
-            <a:xfrm>
-              <a:off x="3391457" y="3378350"/>
-              <a:ext cx="1190058" cy="526649"/>
-            </a:xfrm>
-            <a:prstGeom prst="rect">
-              <a:avLst/>
-            </a:prstGeom>
-            <a:noFill/>
-            <a:ln w="9525">
-              <a:noFill/>
-              <a:miter lim="800000"/>
-              <a:headEnd/>
-              <a:tailEnd type="none" w="lg" len="lg"/>
-            </a:ln>
-            <a:effectLst/>
-          </p:spPr>
-          <p:txBody>
-            <a:bodyPr/>
-            <a:lstStyle/>
-            <a:p>
-              <a:pPr>
-                <a:spcBef>
-                  <a:spcPct val="20000"/>
-                </a:spcBef>
-              </a:pPr>
-              <a:r>
-                <a:rPr lang="en-US" sz="2800" dirty="0" smtClean="0">
-                  <a:solidFill>
-                    <a:srgbClr val="137117"/>
-                  </a:solidFill>
-                  <a:latin typeface="Comic Sans MS" pitchFamily="66" charset="0"/>
-                  <a:cs typeface="Arial" charset="0"/>
-                </a:rPr>
-                <a:t>T</a:t>
-              </a:r>
-              <a:endParaRPr lang="en-US" sz="2800" dirty="0">
-                <a:latin typeface="Comic Sans MS" pitchFamily="66" charset="0"/>
-                <a:cs typeface="Arial" charset="0"/>
-              </a:endParaRPr>
-            </a:p>
-          </p:txBody>
-        </p:sp>
-        <p:sp>
-          <p:nvSpPr>
-            <p:cNvPr id="98338" name="Rectangle 34"/>
-            <p:cNvSpPr>
-              <a:spLocks noChangeArrowheads="1"/>
-            </p:cNvSpPr>
-            <p:nvPr/>
-          </p:nvSpPr>
-          <p:spPr bwMode="auto">
-            <a:xfrm>
-              <a:off x="3391457" y="2840393"/>
-              <a:ext cx="1190058" cy="537957"/>
-            </a:xfrm>
-            <a:prstGeom prst="rect">
-              <a:avLst/>
-            </a:prstGeom>
-            <a:noFill/>
-            <a:ln w="9525">
-              <a:noFill/>
-              <a:miter lim="800000"/>
-              <a:headEnd/>
-              <a:tailEnd type="none" w="lg" len="lg"/>
-            </a:ln>
-            <a:effectLst/>
-          </p:spPr>
-          <p:txBody>
-            <a:bodyPr/>
-            <a:lstStyle/>
-            <a:p>
-              <a:pPr>
-                <a:spcBef>
-                  <a:spcPct val="20000"/>
-                </a:spcBef>
-              </a:pPr>
-              <a:r>
-                <a:rPr lang="en-US" sz="2800" dirty="0" smtClean="0">
-                  <a:solidFill>
-                    <a:srgbClr val="137117"/>
-                  </a:solidFill>
-                  <a:latin typeface="Comic Sans MS" pitchFamily="66" charset="0"/>
-                  <a:cs typeface="Arial" charset="0"/>
-                </a:rPr>
-                <a:t>T</a:t>
-              </a:r>
-              <a:endParaRPr lang="en-US" sz="2800" dirty="0">
-                <a:latin typeface="Comic Sans MS" pitchFamily="66" charset="0"/>
-                <a:cs typeface="Arial" charset="0"/>
-              </a:endParaRPr>
-            </a:p>
-          </p:txBody>
-        </p:sp>
-      </p:grpSp>
       <p:sp>
         <p:nvSpPr>
-          <p:cNvPr id="98351" name="Rectangle 47"/>
-          <p:cNvSpPr>
-            <a:spLocks noChangeArrowheads="1"/>
-          </p:cNvSpPr>
-          <p:nvPr/>
-        </p:nvSpPr>
-        <p:spPr bwMode="auto">
-          <a:xfrm>
-            <a:off x="2898322" y="2259880"/>
-            <a:ext cx="2138361" cy="539572"/>
-          </a:xfrm>
-          <a:prstGeom prst="rect">
-            <a:avLst/>
-          </a:prstGeom>
-          <a:noFill/>
-          <a:ln w="9525">
-            <a:noFill/>
-            <a:miter lim="800000"/>
-            <a:headEnd/>
-            <a:tailEnd type="none" w="lg" len="lg"/>
-          </a:ln>
-          <a:effectLst/>
-        </p:spPr>
-        <p:txBody>
-          <a:bodyPr anchor="ctr"/>
-          <a:lstStyle/>
-          <a:p>
-            <a:pPr algn="ctr">
-              <a:spcBef>
-                <a:spcPct val="20000"/>
-              </a:spcBef>
-            </a:pPr>
-            <a:r>
-              <a:rPr lang="en-US" sz="3200" dirty="0" smtClean="0">
-                <a:latin typeface="Comic Sans MS" pitchFamily="66" charset="0"/>
-                <a:cs typeface="Arial" charset="0"/>
-                <a:sym typeface="Symbol" pitchFamily="18" charset="2"/>
-              </a:rPr>
-              <a:t>  </a:t>
-            </a:r>
-            <a:r>
-              <a:rPr lang="en-US" sz="3200" b="1" dirty="0" smtClean="0">
-                <a:solidFill>
-                  <a:schemeClr val="accent1">
-                    <a:lumMod val="50000"/>
-                  </a:schemeClr>
-                </a:solidFill>
-                <a:latin typeface="Comic Sans MS" pitchFamily="66" charset="0"/>
-                <a:cs typeface="Arial" charset="0"/>
-                <a:sym typeface="Euclid Symbol"/>
-              </a:rPr>
-              <a:t> </a:t>
-            </a:r>
-            <a:endParaRPr lang="en-US" sz="3200" dirty="0">
-              <a:latin typeface="Comic Sans MS" pitchFamily="66" charset="0"/>
-              <a:cs typeface="Arial" charset="0"/>
-              <a:sym typeface="Symbol" pitchFamily="18" charset="2"/>
-            </a:endParaRPr>
-          </a:p>
-        </p:txBody>
-      </p:sp>
-      <p:grpSp>
-        <p:nvGrpSpPr>
-          <p:cNvPr id="4" name="Group 81"/>
-          <p:cNvGrpSpPr>
-            <a:grpSpLocks/>
-          </p:cNvGrpSpPr>
-          <p:nvPr/>
-        </p:nvGrpSpPr>
-        <p:grpSpPr bwMode="auto">
-          <a:xfrm>
-            <a:off x="1155554" y="2253197"/>
-            <a:ext cx="1770063" cy="2659063"/>
-            <a:chOff x="592" y="1902"/>
-            <a:chExt cx="1115" cy="1675"/>
-          </a:xfrm>
-        </p:grpSpPr>
-        <p:sp>
-          <p:nvSpPr>
-            <p:cNvPr id="98340" name="Rectangle 36"/>
-            <p:cNvSpPr>
-              <a:spLocks noChangeArrowheads="1"/>
-            </p:cNvSpPr>
-            <p:nvPr/>
-          </p:nvSpPr>
-          <p:spPr bwMode="auto">
-            <a:xfrm>
-              <a:off x="1120" y="3251"/>
-              <a:ext cx="587" cy="326"/>
-            </a:xfrm>
-            <a:prstGeom prst="rect">
-              <a:avLst/>
-            </a:prstGeom>
-            <a:noFill/>
-            <a:ln w="9525">
-              <a:noFill/>
-              <a:miter lim="800000"/>
-              <a:headEnd/>
-              <a:tailEnd type="none" w="lg" len="lg"/>
-            </a:ln>
-            <a:effectLst/>
-          </p:spPr>
-          <p:txBody>
-            <a:bodyPr/>
-            <a:lstStyle/>
-            <a:p>
-              <a:pPr algn="ctr">
-                <a:spcBef>
-                  <a:spcPct val="20000"/>
-                </a:spcBef>
-              </a:pPr>
-              <a:r>
-                <a:rPr lang="en-US" sz="2800">
-                  <a:solidFill>
-                    <a:srgbClr val="CC0000"/>
-                  </a:solidFill>
-                  <a:latin typeface="Comic Sans MS" pitchFamily="66" charset="0"/>
-                  <a:cs typeface="Arial" charset="0"/>
-                </a:rPr>
-                <a:t>F</a:t>
-              </a:r>
-            </a:p>
-          </p:txBody>
-        </p:sp>
-        <p:sp>
-          <p:nvSpPr>
-            <p:cNvPr id="98341" name="Rectangle 37"/>
-            <p:cNvSpPr>
-              <a:spLocks noChangeArrowheads="1"/>
-            </p:cNvSpPr>
-            <p:nvPr/>
-          </p:nvSpPr>
-          <p:spPr bwMode="auto">
-            <a:xfrm>
-              <a:off x="592" y="3251"/>
-              <a:ext cx="528" cy="326"/>
-            </a:xfrm>
-            <a:prstGeom prst="rect">
-              <a:avLst/>
-            </a:prstGeom>
-            <a:noFill/>
-            <a:ln w="9525">
-              <a:noFill/>
-              <a:miter lim="800000"/>
-              <a:headEnd/>
-              <a:tailEnd type="none" w="lg" len="lg"/>
-            </a:ln>
-            <a:effectLst/>
-          </p:spPr>
-          <p:txBody>
-            <a:bodyPr/>
-            <a:lstStyle/>
-            <a:p>
-              <a:pPr algn="ctr">
-                <a:spcBef>
-                  <a:spcPct val="20000"/>
-                </a:spcBef>
-              </a:pPr>
-              <a:r>
-                <a:rPr lang="en-US" sz="2800">
-                  <a:solidFill>
-                    <a:srgbClr val="CC0000"/>
-                  </a:solidFill>
-                  <a:latin typeface="Comic Sans MS" pitchFamily="66" charset="0"/>
-                  <a:cs typeface="Arial" charset="0"/>
-                </a:rPr>
-                <a:t>F</a:t>
-              </a:r>
-            </a:p>
-          </p:txBody>
-        </p:sp>
-        <p:sp>
-          <p:nvSpPr>
-            <p:cNvPr id="98343" name="Rectangle 39"/>
-            <p:cNvSpPr>
-              <a:spLocks noChangeArrowheads="1"/>
-            </p:cNvSpPr>
-            <p:nvPr/>
-          </p:nvSpPr>
-          <p:spPr bwMode="auto">
-            <a:xfrm>
-              <a:off x="1120" y="2925"/>
-              <a:ext cx="587" cy="326"/>
-            </a:xfrm>
-            <a:prstGeom prst="rect">
-              <a:avLst/>
-            </a:prstGeom>
-            <a:noFill/>
-            <a:ln w="9525">
-              <a:noFill/>
-              <a:miter lim="800000"/>
-              <a:headEnd/>
-              <a:tailEnd type="none" w="lg" len="lg"/>
-            </a:ln>
-            <a:effectLst/>
-          </p:spPr>
-          <p:txBody>
-            <a:bodyPr/>
-            <a:lstStyle/>
-            <a:p>
-              <a:pPr algn="ctr">
-                <a:spcBef>
-                  <a:spcPct val="20000"/>
-                </a:spcBef>
-              </a:pPr>
-              <a:r>
-                <a:rPr lang="en-US" sz="2800">
-                  <a:solidFill>
-                    <a:srgbClr val="137117"/>
-                  </a:solidFill>
-                  <a:latin typeface="Comic Sans MS" pitchFamily="66" charset="0"/>
-                  <a:cs typeface="Arial" charset="0"/>
-                </a:rPr>
-                <a:t>T</a:t>
-              </a:r>
-            </a:p>
-          </p:txBody>
-        </p:sp>
-        <p:sp>
-          <p:nvSpPr>
-            <p:cNvPr id="98344" name="Rectangle 40"/>
-            <p:cNvSpPr>
-              <a:spLocks noChangeArrowheads="1"/>
-            </p:cNvSpPr>
-            <p:nvPr/>
-          </p:nvSpPr>
-          <p:spPr bwMode="auto">
-            <a:xfrm>
-              <a:off x="592" y="2925"/>
-              <a:ext cx="528" cy="326"/>
-            </a:xfrm>
-            <a:prstGeom prst="rect">
-              <a:avLst/>
-            </a:prstGeom>
-            <a:noFill/>
-            <a:ln w="9525">
-              <a:noFill/>
-              <a:miter lim="800000"/>
-              <a:headEnd/>
-              <a:tailEnd type="none" w="lg" len="lg"/>
-            </a:ln>
-            <a:effectLst/>
-          </p:spPr>
-          <p:txBody>
-            <a:bodyPr/>
-            <a:lstStyle/>
-            <a:p>
-              <a:pPr algn="ctr">
-                <a:spcBef>
-                  <a:spcPct val="20000"/>
-                </a:spcBef>
-              </a:pPr>
-              <a:r>
-                <a:rPr lang="en-US" sz="2800">
-                  <a:solidFill>
-                    <a:srgbClr val="CC0000"/>
-                  </a:solidFill>
-                  <a:latin typeface="Comic Sans MS" pitchFamily="66" charset="0"/>
-                  <a:cs typeface="Arial" charset="0"/>
-                </a:rPr>
-                <a:t>F</a:t>
-              </a:r>
-            </a:p>
-          </p:txBody>
-        </p:sp>
-        <p:sp>
-          <p:nvSpPr>
-            <p:cNvPr id="98346" name="Rectangle 42"/>
-            <p:cNvSpPr>
-              <a:spLocks noChangeArrowheads="1"/>
-            </p:cNvSpPr>
-            <p:nvPr/>
-          </p:nvSpPr>
-          <p:spPr bwMode="auto">
-            <a:xfrm>
-              <a:off x="1120" y="2599"/>
-              <a:ext cx="587" cy="326"/>
-            </a:xfrm>
-            <a:prstGeom prst="rect">
-              <a:avLst/>
-            </a:prstGeom>
-            <a:noFill/>
-            <a:ln w="9525">
-              <a:noFill/>
-              <a:miter lim="800000"/>
-              <a:headEnd/>
-              <a:tailEnd type="none" w="lg" len="lg"/>
-            </a:ln>
-            <a:effectLst/>
-          </p:spPr>
-          <p:txBody>
-            <a:bodyPr/>
-            <a:lstStyle/>
-            <a:p>
-              <a:pPr algn="ctr">
-                <a:spcBef>
-                  <a:spcPct val="20000"/>
-                </a:spcBef>
-              </a:pPr>
-              <a:r>
-                <a:rPr lang="en-US" sz="2800">
-                  <a:solidFill>
-                    <a:srgbClr val="CC0000"/>
-                  </a:solidFill>
-                  <a:latin typeface="Comic Sans MS" pitchFamily="66" charset="0"/>
-                  <a:cs typeface="Arial" charset="0"/>
-                </a:rPr>
-                <a:t>F</a:t>
-              </a:r>
-            </a:p>
-          </p:txBody>
-        </p:sp>
-        <p:sp>
-          <p:nvSpPr>
-            <p:cNvPr id="98347" name="Rectangle 43"/>
-            <p:cNvSpPr>
-              <a:spLocks noChangeArrowheads="1"/>
-            </p:cNvSpPr>
-            <p:nvPr/>
-          </p:nvSpPr>
-          <p:spPr bwMode="auto">
-            <a:xfrm>
-              <a:off x="592" y="2599"/>
-              <a:ext cx="528" cy="326"/>
-            </a:xfrm>
-            <a:prstGeom prst="rect">
-              <a:avLst/>
-            </a:prstGeom>
-            <a:noFill/>
-            <a:ln w="9525">
-              <a:noFill/>
-              <a:miter lim="800000"/>
-              <a:headEnd/>
-              <a:tailEnd type="none" w="lg" len="lg"/>
-            </a:ln>
-            <a:effectLst/>
-          </p:spPr>
-          <p:txBody>
-            <a:bodyPr/>
-            <a:lstStyle/>
-            <a:p>
-              <a:pPr algn="ctr">
-                <a:spcBef>
-                  <a:spcPct val="20000"/>
-                </a:spcBef>
-              </a:pPr>
-              <a:r>
-                <a:rPr lang="en-US" sz="2800" dirty="0">
-                  <a:solidFill>
-                    <a:srgbClr val="137117"/>
-                  </a:solidFill>
-                  <a:latin typeface="Comic Sans MS" pitchFamily="66" charset="0"/>
-                  <a:cs typeface="Arial" charset="0"/>
-                </a:rPr>
-                <a:t>T</a:t>
-              </a:r>
-            </a:p>
-          </p:txBody>
-        </p:sp>
-        <p:sp>
-          <p:nvSpPr>
-            <p:cNvPr id="98349" name="Rectangle 45"/>
-            <p:cNvSpPr>
-              <a:spLocks noChangeArrowheads="1"/>
-            </p:cNvSpPr>
-            <p:nvPr/>
-          </p:nvSpPr>
-          <p:spPr bwMode="auto">
-            <a:xfrm>
-              <a:off x="1120" y="2266"/>
-              <a:ext cx="587" cy="333"/>
-            </a:xfrm>
-            <a:prstGeom prst="rect">
-              <a:avLst/>
-            </a:prstGeom>
-            <a:noFill/>
-            <a:ln w="9525">
-              <a:noFill/>
-              <a:miter lim="800000"/>
-              <a:headEnd/>
-              <a:tailEnd type="none" w="lg" len="lg"/>
-            </a:ln>
-            <a:effectLst/>
-          </p:spPr>
-          <p:txBody>
-            <a:bodyPr/>
-            <a:lstStyle/>
-            <a:p>
-              <a:pPr algn="ctr">
-                <a:spcBef>
-                  <a:spcPct val="20000"/>
-                </a:spcBef>
-              </a:pPr>
-              <a:r>
-                <a:rPr lang="en-US" sz="2800">
-                  <a:solidFill>
-                    <a:srgbClr val="137117"/>
-                  </a:solidFill>
-                  <a:latin typeface="Comic Sans MS" pitchFamily="66" charset="0"/>
-                  <a:cs typeface="Arial" charset="0"/>
-                </a:rPr>
-                <a:t>T</a:t>
-              </a:r>
-            </a:p>
-          </p:txBody>
-        </p:sp>
-        <p:sp>
-          <p:nvSpPr>
-            <p:cNvPr id="98350" name="Rectangle 46"/>
-            <p:cNvSpPr>
-              <a:spLocks noChangeArrowheads="1"/>
-            </p:cNvSpPr>
-            <p:nvPr/>
-          </p:nvSpPr>
-          <p:spPr bwMode="auto">
-            <a:xfrm>
-              <a:off x="592" y="2266"/>
-              <a:ext cx="528" cy="333"/>
-            </a:xfrm>
-            <a:prstGeom prst="rect">
-              <a:avLst/>
-            </a:prstGeom>
-            <a:noFill/>
-            <a:ln w="9525">
-              <a:noFill/>
-              <a:miter lim="800000"/>
-              <a:headEnd/>
-              <a:tailEnd type="none" w="lg" len="lg"/>
-            </a:ln>
-            <a:effectLst/>
-          </p:spPr>
-          <p:txBody>
-            <a:bodyPr/>
-            <a:lstStyle/>
-            <a:p>
-              <a:pPr algn="ctr">
-                <a:spcBef>
-                  <a:spcPct val="20000"/>
-                </a:spcBef>
-              </a:pPr>
-              <a:r>
-                <a:rPr lang="en-US" sz="2800">
-                  <a:solidFill>
-                    <a:srgbClr val="137117"/>
-                  </a:solidFill>
-                  <a:latin typeface="Comic Sans MS" pitchFamily="66" charset="0"/>
-                  <a:cs typeface="Arial" charset="0"/>
-                </a:rPr>
-                <a:t>T</a:t>
-              </a:r>
-            </a:p>
-          </p:txBody>
-        </p:sp>
-        <p:sp>
-          <p:nvSpPr>
-            <p:cNvPr id="98352" name="Rectangle 48"/>
-            <p:cNvSpPr>
-              <a:spLocks noChangeArrowheads="1"/>
-            </p:cNvSpPr>
-            <p:nvPr/>
-          </p:nvSpPr>
-          <p:spPr bwMode="auto">
-            <a:xfrm>
-              <a:off x="1120" y="1902"/>
-              <a:ext cx="587" cy="364"/>
-            </a:xfrm>
-            <a:prstGeom prst="rect">
-              <a:avLst/>
-            </a:prstGeom>
-            <a:noFill/>
-            <a:ln w="9525">
-              <a:noFill/>
-              <a:miter lim="800000"/>
-              <a:headEnd/>
-              <a:tailEnd type="none" w="lg" len="lg"/>
-            </a:ln>
-            <a:effectLst/>
-          </p:spPr>
-          <p:txBody>
-            <a:bodyPr anchor="ctr"/>
-            <a:lstStyle/>
-            <a:p>
-              <a:pPr algn="ctr">
-                <a:spcBef>
-                  <a:spcPct val="20000"/>
-                </a:spcBef>
-              </a:pPr>
-              <a:r>
-                <a:rPr lang="en-US" sz="3200" dirty="0">
-                  <a:solidFill>
-                    <a:srgbClr val="0000FF"/>
-                  </a:solidFill>
-                  <a:latin typeface="Comic Sans MS" pitchFamily="66" charset="0"/>
-                  <a:cs typeface="Arial" charset="0"/>
-                </a:rPr>
-                <a:t>Q</a:t>
-              </a:r>
-            </a:p>
-          </p:txBody>
-        </p:sp>
-        <p:sp>
-          <p:nvSpPr>
-            <p:cNvPr id="98353" name="Rectangle 49"/>
-            <p:cNvSpPr>
-              <a:spLocks noChangeArrowheads="1"/>
-            </p:cNvSpPr>
-            <p:nvPr/>
-          </p:nvSpPr>
-          <p:spPr bwMode="auto">
-            <a:xfrm>
-              <a:off x="592" y="1902"/>
-              <a:ext cx="528" cy="364"/>
-            </a:xfrm>
-            <a:prstGeom prst="rect">
-              <a:avLst/>
-            </a:prstGeom>
-            <a:noFill/>
-            <a:ln w="9525">
-              <a:noFill/>
-              <a:miter lim="800000"/>
-              <a:headEnd/>
-              <a:tailEnd type="none" w="lg" len="lg"/>
-            </a:ln>
-            <a:effectLst/>
-          </p:spPr>
-          <p:txBody>
-            <a:bodyPr anchor="ctr"/>
-            <a:lstStyle/>
-            <a:p>
-              <a:pPr algn="ctr">
-                <a:spcBef>
-                  <a:spcPct val="20000"/>
-                </a:spcBef>
-              </a:pPr>
-              <a:r>
-                <a:rPr lang="en-US" sz="3200" dirty="0">
-                  <a:solidFill>
-                    <a:srgbClr val="0000FF"/>
-                  </a:solidFill>
-                  <a:latin typeface="Comic Sans MS" pitchFamily="66" charset="0"/>
-                  <a:cs typeface="Arial" charset="0"/>
-                </a:rPr>
-                <a:t>P</a:t>
-              </a:r>
-            </a:p>
-          </p:txBody>
-        </p:sp>
-      </p:grpSp>
-      <p:grpSp>
-        <p:nvGrpSpPr>
-          <p:cNvPr id="5" name="Group 80"/>
-          <p:cNvGrpSpPr>
-            <a:grpSpLocks/>
-          </p:cNvGrpSpPr>
-          <p:nvPr/>
-        </p:nvGrpSpPr>
-        <p:grpSpPr bwMode="auto">
-          <a:xfrm>
-            <a:off x="1993754" y="2253197"/>
-            <a:ext cx="931863" cy="2659063"/>
-            <a:chOff x="1120" y="1902"/>
-            <a:chExt cx="587" cy="1675"/>
-          </a:xfrm>
-        </p:grpSpPr>
-        <p:sp>
-          <p:nvSpPr>
-            <p:cNvPr id="98361" name="Line 57"/>
-            <p:cNvSpPr>
-              <a:spLocks noChangeShapeType="1"/>
-            </p:cNvSpPr>
-            <p:nvPr/>
-          </p:nvSpPr>
-          <p:spPr bwMode="auto">
-            <a:xfrm>
-              <a:off x="1120" y="1902"/>
-              <a:ext cx="0" cy="1675"/>
-            </a:xfrm>
-            <a:prstGeom prst="line">
-              <a:avLst/>
-            </a:prstGeom>
-            <a:noFill/>
-            <a:ln w="12700">
-              <a:solidFill>
-                <a:schemeClr val="tx1"/>
-              </a:solidFill>
-              <a:round/>
-              <a:headEnd/>
-              <a:tailEnd type="none" w="lg" len="lg"/>
-            </a:ln>
-            <a:effectLst/>
-          </p:spPr>
-          <p:txBody>
-            <a:bodyPr/>
-            <a:lstStyle/>
-            <a:p>
-              <a:endParaRPr lang="en-US">
-                <a:latin typeface="Comic Sans MS" pitchFamily="66" charset="0"/>
-              </a:endParaRPr>
-            </a:p>
-          </p:txBody>
-        </p:sp>
-        <p:sp>
-          <p:nvSpPr>
-            <p:cNvPr id="98362" name="Line 58"/>
-            <p:cNvSpPr>
-              <a:spLocks noChangeShapeType="1"/>
-            </p:cNvSpPr>
-            <p:nvPr/>
-          </p:nvSpPr>
-          <p:spPr bwMode="auto">
-            <a:xfrm>
-              <a:off x="1707" y="1902"/>
-              <a:ext cx="0" cy="1675"/>
-            </a:xfrm>
-            <a:prstGeom prst="line">
-              <a:avLst/>
-            </a:prstGeom>
-            <a:noFill/>
-            <a:ln w="12700">
-              <a:solidFill>
-                <a:schemeClr val="tx1"/>
-              </a:solidFill>
-              <a:round/>
-              <a:headEnd/>
-              <a:tailEnd type="none" w="lg" len="lg"/>
-            </a:ln>
-            <a:effectLst/>
-          </p:spPr>
-          <p:txBody>
-            <a:bodyPr/>
-            <a:lstStyle/>
-            <a:p>
-              <a:endParaRPr lang="en-US">
-                <a:latin typeface="Comic Sans MS" pitchFamily="66" charset="0"/>
-              </a:endParaRPr>
-            </a:p>
-          </p:txBody>
-        </p:sp>
-      </p:grpSp>
-      <p:grpSp>
-        <p:nvGrpSpPr>
-          <p:cNvPr id="6" name="Group 89"/>
-          <p:cNvGrpSpPr/>
-          <p:nvPr/>
-        </p:nvGrpSpPr>
-        <p:grpSpPr>
-          <a:xfrm>
-            <a:off x="1155553" y="2240497"/>
-            <a:ext cx="4039901" cy="2781776"/>
-            <a:chOff x="939800" y="2240497"/>
-            <a:chExt cx="3843338" cy="2659063"/>
-          </a:xfrm>
-        </p:grpSpPr>
-        <p:sp>
-          <p:nvSpPr>
-            <p:cNvPr id="98355" name="Line 51"/>
-            <p:cNvSpPr>
-              <a:spLocks noChangeShapeType="1"/>
-            </p:cNvSpPr>
-            <p:nvPr/>
-          </p:nvSpPr>
-          <p:spPr bwMode="auto">
-            <a:xfrm>
-              <a:off x="939800" y="2831047"/>
-              <a:ext cx="3821113" cy="0"/>
-            </a:xfrm>
-            <a:prstGeom prst="line">
-              <a:avLst/>
-            </a:prstGeom>
-            <a:noFill/>
-            <a:ln w="12700">
-              <a:solidFill>
-                <a:schemeClr val="tx1"/>
-              </a:solidFill>
-              <a:round/>
-              <a:headEnd/>
-              <a:tailEnd type="none" w="lg" len="lg"/>
-            </a:ln>
-            <a:effectLst/>
-          </p:spPr>
-          <p:txBody>
-            <a:bodyPr/>
-            <a:lstStyle/>
-            <a:p>
-              <a:endParaRPr lang="en-US">
-                <a:latin typeface="Comic Sans MS" pitchFamily="66" charset="0"/>
-              </a:endParaRPr>
-            </a:p>
-          </p:txBody>
-        </p:sp>
-        <p:sp>
-          <p:nvSpPr>
-            <p:cNvPr id="98356" name="Line 52"/>
-            <p:cNvSpPr>
-              <a:spLocks noChangeShapeType="1"/>
-            </p:cNvSpPr>
-            <p:nvPr/>
-          </p:nvSpPr>
-          <p:spPr bwMode="auto">
-            <a:xfrm>
-              <a:off x="939800" y="3359685"/>
-              <a:ext cx="3821113" cy="0"/>
-            </a:xfrm>
-            <a:prstGeom prst="line">
-              <a:avLst/>
-            </a:prstGeom>
-            <a:noFill/>
-            <a:ln w="12700">
-              <a:solidFill>
-                <a:schemeClr val="tx1"/>
-              </a:solidFill>
-              <a:round/>
-              <a:headEnd/>
-              <a:tailEnd type="none" w="lg" len="lg"/>
-            </a:ln>
-            <a:effectLst/>
-          </p:spPr>
-          <p:txBody>
-            <a:bodyPr/>
-            <a:lstStyle/>
-            <a:p>
-              <a:endParaRPr lang="en-US">
-                <a:latin typeface="Comic Sans MS" pitchFamily="66" charset="0"/>
-              </a:endParaRPr>
-            </a:p>
-          </p:txBody>
-        </p:sp>
-        <p:sp>
-          <p:nvSpPr>
-            <p:cNvPr id="98357" name="Line 53"/>
-            <p:cNvSpPr>
-              <a:spLocks noChangeShapeType="1"/>
-            </p:cNvSpPr>
-            <p:nvPr/>
-          </p:nvSpPr>
-          <p:spPr bwMode="auto">
-            <a:xfrm>
-              <a:off x="939800" y="3877210"/>
-              <a:ext cx="3821113" cy="0"/>
-            </a:xfrm>
-            <a:prstGeom prst="line">
-              <a:avLst/>
-            </a:prstGeom>
-            <a:noFill/>
-            <a:ln w="12700">
-              <a:solidFill>
-                <a:schemeClr val="tx1"/>
-              </a:solidFill>
-              <a:round/>
-              <a:headEnd/>
-              <a:tailEnd type="none" w="lg" len="lg"/>
-            </a:ln>
-            <a:effectLst/>
-          </p:spPr>
-          <p:txBody>
-            <a:bodyPr/>
-            <a:lstStyle/>
-            <a:p>
-              <a:endParaRPr lang="en-US">
-                <a:latin typeface="Comic Sans MS" pitchFamily="66" charset="0"/>
-              </a:endParaRPr>
-            </a:p>
-          </p:txBody>
-        </p:sp>
-        <p:sp>
-          <p:nvSpPr>
-            <p:cNvPr id="98358" name="Line 54"/>
-            <p:cNvSpPr>
-              <a:spLocks noChangeShapeType="1"/>
-            </p:cNvSpPr>
-            <p:nvPr/>
-          </p:nvSpPr>
-          <p:spPr bwMode="auto">
-            <a:xfrm>
-              <a:off x="939800" y="4394735"/>
-              <a:ext cx="3821113" cy="0"/>
-            </a:xfrm>
-            <a:prstGeom prst="line">
-              <a:avLst/>
-            </a:prstGeom>
-            <a:noFill/>
-            <a:ln w="12700">
-              <a:solidFill>
-                <a:schemeClr val="tx1"/>
-              </a:solidFill>
-              <a:round/>
-              <a:headEnd/>
-              <a:tailEnd type="none" w="lg" len="lg"/>
-            </a:ln>
-            <a:effectLst/>
-          </p:spPr>
-          <p:txBody>
-            <a:bodyPr/>
-            <a:lstStyle/>
-            <a:p>
-              <a:endParaRPr lang="en-US">
-                <a:latin typeface="Comic Sans MS" pitchFamily="66" charset="0"/>
-              </a:endParaRPr>
-            </a:p>
-          </p:txBody>
-        </p:sp>
-        <p:grpSp>
-          <p:nvGrpSpPr>
-            <p:cNvPr id="7" name="Group 82"/>
-            <p:cNvGrpSpPr>
-              <a:grpSpLocks/>
-            </p:cNvGrpSpPr>
-            <p:nvPr/>
-          </p:nvGrpSpPr>
-          <p:grpSpPr bwMode="auto">
-            <a:xfrm>
-              <a:off x="939800" y="2240497"/>
-              <a:ext cx="3843338" cy="2659063"/>
-              <a:chOff x="592" y="1806"/>
-              <a:chExt cx="2421" cy="1675"/>
-            </a:xfrm>
-          </p:grpSpPr>
-          <p:grpSp>
-            <p:nvGrpSpPr>
-              <p:cNvPr id="8" name="Group 79"/>
-              <p:cNvGrpSpPr>
-                <a:grpSpLocks/>
-              </p:cNvGrpSpPr>
-              <p:nvPr/>
-            </p:nvGrpSpPr>
-            <p:grpSpPr bwMode="auto">
-              <a:xfrm>
-                <a:off x="592" y="1806"/>
-                <a:ext cx="2407" cy="1675"/>
-                <a:chOff x="592" y="1902"/>
-                <a:chExt cx="2407" cy="1675"/>
-              </a:xfrm>
-            </p:grpSpPr>
-            <p:sp>
-              <p:nvSpPr>
-                <p:cNvPr id="98354" name="Line 50"/>
-                <p:cNvSpPr>
-                  <a:spLocks noChangeShapeType="1"/>
-                </p:cNvSpPr>
-                <p:nvPr/>
-              </p:nvSpPr>
-              <p:spPr bwMode="auto">
-                <a:xfrm>
-                  <a:off x="592" y="1902"/>
-                  <a:ext cx="2407" cy="0"/>
-                </a:xfrm>
-                <a:prstGeom prst="line">
-                  <a:avLst/>
-                </a:prstGeom>
-                <a:noFill/>
-                <a:ln w="28575" cap="sq">
-                  <a:solidFill>
-                    <a:schemeClr val="tx1"/>
-                  </a:solidFill>
-                  <a:round/>
-                  <a:headEnd/>
-                  <a:tailEnd type="none" w="lg" len="lg"/>
-                </a:ln>
-                <a:effectLst/>
-              </p:spPr>
-              <p:txBody>
-                <a:bodyPr/>
-                <a:lstStyle/>
-                <a:p>
-                  <a:endParaRPr lang="en-US">
-                    <a:latin typeface="Comic Sans MS" pitchFamily="66" charset="0"/>
-                  </a:endParaRPr>
-                </a:p>
-              </p:txBody>
-            </p:sp>
-            <p:sp>
-              <p:nvSpPr>
-                <p:cNvPr id="98359" name="Line 55"/>
-                <p:cNvSpPr>
-                  <a:spLocks noChangeShapeType="1"/>
-                </p:cNvSpPr>
-                <p:nvPr/>
-              </p:nvSpPr>
-              <p:spPr bwMode="auto">
-                <a:xfrm>
-                  <a:off x="592" y="3577"/>
-                  <a:ext cx="2407" cy="0"/>
-                </a:xfrm>
-                <a:prstGeom prst="line">
-                  <a:avLst/>
-                </a:prstGeom>
-                <a:noFill/>
-                <a:ln w="28575" cap="sq">
-                  <a:solidFill>
-                    <a:schemeClr val="tx1"/>
-                  </a:solidFill>
-                  <a:round/>
-                  <a:headEnd/>
-                  <a:tailEnd type="none" w="lg" len="lg"/>
-                </a:ln>
-                <a:effectLst/>
-              </p:spPr>
-              <p:txBody>
-                <a:bodyPr/>
-                <a:lstStyle/>
-                <a:p>
-                  <a:endParaRPr lang="en-US">
-                    <a:latin typeface="Comic Sans MS" pitchFamily="66" charset="0"/>
-                  </a:endParaRPr>
-                </a:p>
-              </p:txBody>
-            </p:sp>
-            <p:sp>
-              <p:nvSpPr>
-                <p:cNvPr id="98360" name="Line 56"/>
-                <p:cNvSpPr>
-                  <a:spLocks noChangeShapeType="1"/>
-                </p:cNvSpPr>
-                <p:nvPr/>
-              </p:nvSpPr>
-              <p:spPr bwMode="auto">
-                <a:xfrm>
-                  <a:off x="592" y="1902"/>
-                  <a:ext cx="0" cy="1675"/>
-                </a:xfrm>
-                <a:prstGeom prst="line">
-                  <a:avLst/>
-                </a:prstGeom>
-                <a:noFill/>
-                <a:ln w="28575" cap="sq">
-                  <a:solidFill>
-                    <a:schemeClr val="tx1"/>
-                  </a:solidFill>
-                  <a:round/>
-                  <a:headEnd/>
-                  <a:tailEnd type="none" w="lg" len="lg"/>
-                </a:ln>
-                <a:effectLst/>
-              </p:spPr>
-              <p:txBody>
-                <a:bodyPr/>
-                <a:lstStyle/>
-                <a:p>
-                  <a:endParaRPr lang="en-US">
-                    <a:latin typeface="Comic Sans MS" pitchFamily="66" charset="0"/>
-                  </a:endParaRPr>
-                </a:p>
-              </p:txBody>
-            </p:sp>
-          </p:grpSp>
-          <p:sp>
-            <p:nvSpPr>
-              <p:cNvPr id="98363" name="Line 59"/>
-              <p:cNvSpPr>
-                <a:spLocks noChangeShapeType="1"/>
-              </p:cNvSpPr>
-              <p:nvPr/>
-            </p:nvSpPr>
-            <p:spPr bwMode="auto">
-              <a:xfrm>
-                <a:off x="2999" y="1806"/>
-                <a:ext cx="14" cy="1650"/>
-              </a:xfrm>
-              <a:prstGeom prst="line">
-                <a:avLst/>
-              </a:prstGeom>
-              <a:noFill/>
-              <a:ln w="28575" cap="sq">
-                <a:solidFill>
-                  <a:schemeClr val="tx1"/>
-                </a:solidFill>
-                <a:round/>
-                <a:headEnd/>
-                <a:tailEnd type="none" w="lg" len="lg"/>
-              </a:ln>
-              <a:effectLst/>
-            </p:spPr>
-            <p:txBody>
-              <a:bodyPr/>
-              <a:lstStyle/>
-              <a:p>
-                <a:endParaRPr lang="en-US">
-                  <a:latin typeface="Comic Sans MS" pitchFamily="66" charset="0"/>
-                </a:endParaRPr>
-              </a:p>
-            </p:txBody>
-          </p:sp>
-        </p:grpSp>
-      </p:grpSp>
-      <p:grpSp>
-        <p:nvGrpSpPr>
-          <p:cNvPr id="10" name="Group 89"/>
-          <p:cNvGrpSpPr>
-            <a:grpSpLocks/>
-          </p:cNvGrpSpPr>
-          <p:nvPr/>
-        </p:nvGrpSpPr>
-        <p:grpSpPr bwMode="auto">
-          <a:xfrm>
-            <a:off x="2925617" y="2818347"/>
-            <a:ext cx="839787" cy="2093913"/>
-            <a:chOff x="1707" y="2258"/>
-            <a:chExt cx="529" cy="1319"/>
-          </a:xfrm>
-        </p:grpSpPr>
-        <p:grpSp>
-          <p:nvGrpSpPr>
-            <p:cNvPr id="11" name="Group 72"/>
-            <p:cNvGrpSpPr>
-              <a:grpSpLocks/>
-            </p:cNvGrpSpPr>
-            <p:nvPr/>
-          </p:nvGrpSpPr>
-          <p:grpSpPr bwMode="auto">
-            <a:xfrm>
-              <a:off x="1707" y="2258"/>
-              <a:ext cx="529" cy="1311"/>
-              <a:chOff x="1707" y="2266"/>
-              <a:chExt cx="529" cy="1311"/>
-            </a:xfrm>
-          </p:grpSpPr>
-          <p:sp>
-            <p:nvSpPr>
-              <p:cNvPr id="98339" name="Rectangle 35"/>
-              <p:cNvSpPr>
-                <a:spLocks noChangeArrowheads="1"/>
-              </p:cNvSpPr>
-              <p:nvPr/>
-            </p:nvSpPr>
-            <p:spPr bwMode="auto">
-              <a:xfrm>
-                <a:off x="1707" y="3251"/>
-                <a:ext cx="529" cy="326"/>
-              </a:xfrm>
-              <a:prstGeom prst="rect">
-                <a:avLst/>
-              </a:prstGeom>
-              <a:noFill/>
-              <a:ln w="9525">
-                <a:noFill/>
-                <a:miter lim="800000"/>
-                <a:headEnd/>
-                <a:tailEnd type="none" w="lg" len="lg"/>
-              </a:ln>
-              <a:effectLst/>
-            </p:spPr>
-            <p:txBody>
-              <a:bodyPr/>
-              <a:lstStyle/>
-              <a:p>
-                <a:pPr algn="ctr">
-                  <a:spcBef>
-                    <a:spcPct val="20000"/>
-                  </a:spcBef>
-                </a:pPr>
-                <a:r>
-                  <a:rPr lang="en-US" sz="3600">
-                    <a:solidFill>
-                      <a:srgbClr val="137117"/>
-                    </a:solidFill>
-                    <a:latin typeface="Comic Sans MS" pitchFamily="66" charset="0"/>
-                    <a:cs typeface="Arial" charset="0"/>
-                  </a:rPr>
-                  <a:t>T</a:t>
-                </a:r>
-              </a:p>
-            </p:txBody>
-          </p:sp>
-          <p:sp>
-            <p:nvSpPr>
-              <p:cNvPr id="98342" name="Rectangle 38"/>
-              <p:cNvSpPr>
-                <a:spLocks noChangeArrowheads="1"/>
-              </p:cNvSpPr>
-              <p:nvPr/>
-            </p:nvSpPr>
-            <p:spPr bwMode="auto">
-              <a:xfrm>
-                <a:off x="1707" y="2925"/>
-                <a:ext cx="529" cy="326"/>
-              </a:xfrm>
-              <a:prstGeom prst="rect">
-                <a:avLst/>
-              </a:prstGeom>
-              <a:noFill/>
-              <a:ln w="9525">
-                <a:noFill/>
-                <a:miter lim="800000"/>
-                <a:headEnd/>
-                <a:tailEnd type="none" w="lg" len="lg"/>
-              </a:ln>
-              <a:effectLst/>
-            </p:spPr>
-            <p:txBody>
-              <a:bodyPr/>
-              <a:lstStyle/>
-              <a:p>
-                <a:pPr algn="ctr">
-                  <a:spcBef>
-                    <a:spcPct val="20000"/>
-                  </a:spcBef>
-                </a:pPr>
-                <a:r>
-                  <a:rPr lang="en-US" sz="3600">
-                    <a:solidFill>
-                      <a:srgbClr val="CC0000"/>
-                    </a:solidFill>
-                    <a:latin typeface="Comic Sans MS" pitchFamily="66" charset="0"/>
-                    <a:cs typeface="Arial" charset="0"/>
-                  </a:rPr>
-                  <a:t>F</a:t>
-                </a:r>
-              </a:p>
-            </p:txBody>
-          </p:sp>
-          <p:sp>
-            <p:nvSpPr>
-              <p:cNvPr id="98345" name="Rectangle 41"/>
-              <p:cNvSpPr>
-                <a:spLocks noChangeArrowheads="1"/>
-              </p:cNvSpPr>
-              <p:nvPr/>
-            </p:nvSpPr>
-            <p:spPr bwMode="auto">
-              <a:xfrm>
-                <a:off x="1707" y="2599"/>
-                <a:ext cx="529" cy="326"/>
-              </a:xfrm>
-              <a:prstGeom prst="rect">
-                <a:avLst/>
-              </a:prstGeom>
-              <a:noFill/>
-              <a:ln w="9525">
-                <a:noFill/>
-                <a:miter lim="800000"/>
-                <a:headEnd/>
-                <a:tailEnd type="none" w="lg" len="lg"/>
-              </a:ln>
-              <a:effectLst/>
-            </p:spPr>
-            <p:txBody>
-              <a:bodyPr/>
-              <a:lstStyle/>
-              <a:p>
-                <a:pPr algn="ctr">
-                  <a:spcBef>
-                    <a:spcPct val="20000"/>
-                  </a:spcBef>
-                </a:pPr>
-                <a:r>
-                  <a:rPr lang="en-US" sz="3600" dirty="0">
-                    <a:solidFill>
-                      <a:srgbClr val="CC0000"/>
-                    </a:solidFill>
-                    <a:latin typeface="Comic Sans MS" pitchFamily="66" charset="0"/>
-                    <a:cs typeface="Arial" charset="0"/>
-                  </a:rPr>
-                  <a:t>F</a:t>
-                </a:r>
-              </a:p>
-            </p:txBody>
-          </p:sp>
-          <p:sp>
-            <p:nvSpPr>
-              <p:cNvPr id="98348" name="Rectangle 44"/>
-              <p:cNvSpPr>
-                <a:spLocks noChangeArrowheads="1"/>
-              </p:cNvSpPr>
-              <p:nvPr/>
-            </p:nvSpPr>
-            <p:spPr bwMode="auto">
-              <a:xfrm>
-                <a:off x="1707" y="2266"/>
-                <a:ext cx="529" cy="333"/>
-              </a:xfrm>
-              <a:prstGeom prst="rect">
-                <a:avLst/>
-              </a:prstGeom>
-              <a:noFill/>
-              <a:ln w="9525">
-                <a:noFill/>
-                <a:miter lim="800000"/>
-                <a:headEnd/>
-                <a:tailEnd type="none" w="lg" len="lg"/>
-              </a:ln>
-              <a:effectLst/>
-            </p:spPr>
-            <p:txBody>
-              <a:bodyPr/>
-              <a:lstStyle/>
-              <a:p>
-                <a:pPr algn="ctr">
-                  <a:spcBef>
-                    <a:spcPct val="20000"/>
-                  </a:spcBef>
-                </a:pPr>
-                <a:r>
-                  <a:rPr lang="en-US" sz="3600" dirty="0">
-                    <a:solidFill>
-                      <a:srgbClr val="CC0000"/>
-                    </a:solidFill>
-                    <a:latin typeface="Comic Sans MS" pitchFamily="66" charset="0"/>
-                    <a:cs typeface="Arial" charset="0"/>
-                  </a:rPr>
-                  <a:t>F</a:t>
-                </a:r>
-              </a:p>
-            </p:txBody>
-          </p:sp>
-        </p:grpSp>
-        <p:sp>
-          <p:nvSpPr>
-            <p:cNvPr id="98364" name="Line 60"/>
-            <p:cNvSpPr>
-              <a:spLocks noChangeShapeType="1"/>
-            </p:cNvSpPr>
-            <p:nvPr/>
-          </p:nvSpPr>
-          <p:spPr bwMode="auto">
-            <a:xfrm>
-              <a:off x="2236" y="2266"/>
-              <a:ext cx="0" cy="1311"/>
-            </a:xfrm>
-            <a:prstGeom prst="line">
-              <a:avLst/>
-            </a:prstGeom>
-            <a:noFill/>
-            <a:ln w="12700">
-              <a:solidFill>
-                <a:schemeClr val="tx1"/>
-              </a:solidFill>
-              <a:round/>
-              <a:headEnd/>
-              <a:tailEnd type="none" w="lg" len="lg"/>
-            </a:ln>
-            <a:effectLst/>
-          </p:spPr>
-          <p:txBody>
-            <a:bodyPr/>
-            <a:lstStyle/>
-            <a:p>
-              <a:endParaRPr lang="en-US" sz="4000">
-                <a:latin typeface="Comic Sans MS" pitchFamily="66" charset="0"/>
-              </a:endParaRPr>
-            </a:p>
-          </p:txBody>
-        </p:sp>
-      </p:grpSp>
-      <p:sp>
-        <p:nvSpPr>
-          <p:cNvPr id="89" name="Title 88"/>
+          <p:cNvPr id="7" name="Slide Number Placeholder 6"/>
           <p:cNvSpPr>
             <a:spLocks noGrp="1"/>
           </p:cNvSpPr>
           <p:nvPr>
-            <p:ph type="title" sz="quarter"/>
+            <p:ph type="sldNum" sz="quarter" idx="10"/>
           </p:nvPr>
         </p:nvSpPr>
         <p:spPr>
           <a:xfrm>
-            <a:off x="3338388" y="149493"/>
-            <a:ext cx="4667607" cy="1002925"/>
+            <a:off x="8399539" y="6553200"/>
+            <a:ext cx="744465" cy="276999"/>
           </a:xfrm>
         </p:spPr>
         <p:txBody>
           <a:bodyPr/>
           <a:lstStyle/>
           <a:p>
-            <a:r>
-              <a:rPr lang="en-US" dirty="0" err="1" smtClean="0">
-                <a:solidFill>
-                  <a:schemeClr val="tx1"/>
-                </a:solidFill>
-              </a:rPr>
-              <a:t>DeMorgan’s</a:t>
-            </a:r>
-            <a:r>
-              <a:rPr lang="en-US" dirty="0" smtClean="0">
-                <a:solidFill>
-                  <a:schemeClr val="tx1"/>
-                </a:solidFill>
-              </a:rPr>
-              <a:t> Law</a:t>
-            </a:r>
-            <a:endParaRPr lang="en-US" dirty="0">
-              <a:solidFill>
-                <a:schemeClr val="tx1"/>
-              </a:solidFill>
-            </a:endParaRPr>
-          </a:p>
-        </p:txBody>
-      </p:sp>
-      <p:sp>
-        <p:nvSpPr>
-          <p:cNvPr id="84" name="Slide Number Placeholder 2"/>
-          <p:cNvSpPr txBox="1">
-            <a:spLocks/>
-          </p:cNvSpPr>
-          <p:nvPr/>
-        </p:nvSpPr>
-        <p:spPr bwMode="auto">
-          <a:xfrm>
-            <a:off x="7931184" y="6553200"/>
-            <a:ext cx="1212817" cy="276999"/>
-          </a:xfrm>
-          <a:prstGeom prst="rect">
-            <a:avLst/>
-          </a:prstGeom>
-          <a:noFill/>
-          <a:ln w="9525">
-            <a:noFill/>
-            <a:miter lim="800000"/>
-            <a:headEnd/>
-            <a:tailEnd/>
-          </a:ln>
-          <a:effectLst/>
-        </p:spPr>
-        <p:txBody>
-          <a:bodyPr vert="horz" wrap="none" lIns="91440" tIns="45720" rIns="91440" bIns="45720" numCol="1" anchor="t" anchorCtr="0" compatLnSpc="1">
-            <a:prstTxWarp prst="textNoShape">
-              <a:avLst/>
-            </a:prstTxWarp>
-            <a:spAutoFit/>
-          </a:bodyPr>
-          <a:lstStyle/>
-          <a:p>
-            <a:pPr marL="0" marR="0" lvl="0" indent="0" algn="r" defTabSz="914400" rtl="0" eaLnBrk="1" fontAlgn="base" latinLnBrk="0" hangingPunct="1">
-              <a:lnSpc>
-                <a:spcPct val="100000"/>
-              </a:lnSpc>
-              <a:spcBef>
-                <a:spcPct val="0"/>
-              </a:spcBef>
-              <a:spcAft>
-                <a:spcPct val="0"/>
-              </a:spcAft>
-              <a:buClrTx/>
-              <a:buSzTx/>
-              <a:buFontTx/>
-              <a:buNone/>
-              <a:tabLst/>
+            <a:pPr>
               <a:defRPr/>
             </a:pPr>
             <a:r>
-              <a:rPr kumimoji="0" lang="en-US" sz="1200" b="0" i="0" u="none" strike="noStrike" kern="1200" cap="none" spc="0" normalizeH="0" baseline="0" noProof="0" dirty="0" smtClean="0">
-                <a:ln>
-                  <a:noFill/>
-                </a:ln>
-                <a:solidFill>
-                  <a:schemeClr val="tx1"/>
-                </a:solidFill>
-                <a:effectLst/>
-                <a:uLnTx/>
-                <a:uFillTx/>
-                <a:latin typeface="Comic Sans MS" pitchFamily="66" charset="0"/>
-                <a:ea typeface="+mn-ea"/>
-                <a:cs typeface="+mn-cs"/>
-              </a:rPr>
-              <a:t>truth-tables.</a:t>
+              <a:rPr lang="en-US" dirty="0" smtClean="0"/>
+              <a:t>forms.</a:t>
             </a:r>
-            <a:fld id="{0150943C-9303-41DF-A6FA-7E32D6C5D18E}" type="slidenum">
-              <a:rPr kumimoji="0" lang="en-US" sz="1200" b="0" i="0" u="none" strike="noStrike" kern="1200" cap="none" spc="0" normalizeH="0" baseline="0" noProof="0" smtClean="0">
-                <a:ln>
-                  <a:noFill/>
-                </a:ln>
-                <a:solidFill>
-                  <a:schemeClr val="tx1"/>
-                </a:solidFill>
-                <a:effectLst/>
-                <a:uLnTx/>
-                <a:uFillTx/>
-                <a:latin typeface="Comic Sans MS" pitchFamily="66" charset="0"/>
-                <a:ea typeface="+mn-ea"/>
-                <a:cs typeface="+mn-cs"/>
-              </a:rPr>
-              <a:pPr marL="0" marR="0" lvl="0" indent="0" algn="r" defTabSz="914400" rtl="0" eaLnBrk="1" fontAlgn="base" latinLnBrk="0" hangingPunct="1">
-                <a:lnSpc>
-                  <a:spcPct val="100000"/>
-                </a:lnSpc>
-                <a:spcBef>
-                  <a:spcPct val="0"/>
-                </a:spcBef>
-                <a:spcAft>
-                  <a:spcPct val="0"/>
-                </a:spcAft>
-                <a:buClrTx/>
-                <a:buSzTx/>
-                <a:buFontTx/>
-                <a:buNone/>
-                <a:tabLst/>
+            <a:fld id="{068AF58D-0467-409E-A30A-0D5E3A2B197F}" type="slidenum">
+              <a:rPr lang="en-US" smtClean="0"/>
+              <a:pPr>
                 <a:defRPr/>
               </a:pPr>
               <a:t>2</a:t>
             </a:fld>
-            <a:endParaRPr kumimoji="0" lang="en-US" sz="1200" b="0" i="0" u="none" strike="noStrike" kern="1200" cap="none" spc="0" normalizeH="0" baseline="0" noProof="0" dirty="0" smtClean="0">
-              <a:ln>
-                <a:noFill/>
-              </a:ln>
-              <a:solidFill>
-                <a:schemeClr val="tx1"/>
-              </a:solidFill>
-              <a:effectLst/>
-              <a:uLnTx/>
-              <a:uFillTx/>
-              <a:latin typeface="Comic Sans MS" pitchFamily="66" charset="0"/>
-              <a:ea typeface="+mn-ea"/>
-              <a:cs typeface="+mn-cs"/>
-            </a:endParaRPr>
+            <a:endParaRPr lang="en-US" dirty="0"/>
           </a:p>
         </p:txBody>
       </p:sp>
+      <p:graphicFrame>
+        <p:nvGraphicFramePr>
+          <p:cNvPr id="8" name="Table 7"/>
+          <p:cNvGraphicFramePr>
+            <a:graphicFrameLocks noGrp="1"/>
+          </p:cNvGraphicFramePr>
+          <p:nvPr>
+            <p:extLst>
+              <p:ext uri="{D42A27DB-BD31-4B8C-83A1-F6EECF244321}">
+                <p14:modId xmlns:p14="http://schemas.microsoft.com/office/powerpoint/2010/main" val="198992519"/>
+              </p:ext>
+            </p:extLst>
+          </p:nvPr>
+        </p:nvGraphicFramePr>
+        <p:xfrm>
+          <a:off x="2362201" y="1092199"/>
+          <a:ext cx="5334000" cy="5373585"/>
+        </p:xfrm>
+        <a:graphic>
+          <a:graphicData uri="http://schemas.openxmlformats.org/drawingml/2006/table">
+            <a:tbl>
+              <a:tblPr firstRow="1" bandRow="1">
+                <a:tableStyleId>{5C22544A-7EE6-4342-B048-85BDC9FD1C3A}</a:tableStyleId>
+              </a:tblPr>
+              <a:tblGrid>
+                <a:gridCol w="1056350"/>
+                <a:gridCol w="1056350"/>
+                <a:gridCol w="1056350"/>
+                <a:gridCol w="2164950"/>
+              </a:tblGrid>
+              <a:tr h="911817">
+                <a:tc>
+                  <a:txBody>
+                    <a:bodyPr/>
+                    <a:lstStyle/>
+                    <a:p>
+                      <a:pPr algn="ctr"/>
+                      <a:r>
+                        <a:rPr lang="en-US" sz="2800" dirty="0" smtClean="0">
+                          <a:solidFill>
+                            <a:srgbClr val="0000FF"/>
+                          </a:solidFill>
+                          <a:latin typeface="Comic Sans MS"/>
+                          <a:cs typeface="Comic Sans MS"/>
+                        </a:rPr>
+                        <a:t>P</a:t>
+                      </a:r>
+                      <a:endParaRPr lang="en-US" sz="2800" dirty="0">
+                        <a:solidFill>
+                          <a:srgbClr val="0000FF"/>
+                        </a:solidFill>
+                        <a:latin typeface="Comic Sans MS"/>
+                        <a:cs typeface="Comic Sans MS"/>
+                      </a:endParaRPr>
+                    </a:p>
+                  </a:txBody>
+                  <a:tcPr anchor="ctr"/>
+                </a:tc>
+                <a:tc>
+                  <a:txBody>
+                    <a:bodyPr/>
+                    <a:lstStyle/>
+                    <a:p>
+                      <a:pPr marL="0" marR="0" lvl="0" indent="0" algn="ctr" defTabSz="914400" rtl="0" eaLnBrk="1" fontAlgn="auto" latinLnBrk="0" hangingPunct="1">
+                        <a:lnSpc>
+                          <a:spcPct val="100000"/>
+                        </a:lnSpc>
+                        <a:spcBef>
+                          <a:spcPts val="0"/>
+                        </a:spcBef>
+                        <a:spcAft>
+                          <a:spcPts val="0"/>
+                        </a:spcAft>
+                        <a:buClrTx/>
+                        <a:buSzTx/>
+                        <a:buFontTx/>
+                        <a:buNone/>
+                        <a:tabLst/>
+                        <a:defRPr/>
+                      </a:pPr>
+                      <a:r>
+                        <a:rPr kumimoji="0" lang="en-US" sz="2800" b="1" i="0" u="none" strike="noStrike" kern="1200" cap="none" spc="0" normalizeH="0" baseline="0" noProof="0" dirty="0" smtClean="0">
+                          <a:ln>
+                            <a:noFill/>
+                          </a:ln>
+                          <a:solidFill>
+                            <a:srgbClr val="0000FF"/>
+                          </a:solidFill>
+                          <a:effectLst/>
+                          <a:uLnTx/>
+                          <a:uFillTx/>
+                          <a:latin typeface="Comic Sans MS"/>
+                          <a:ea typeface="+mn-ea"/>
+                          <a:cs typeface="Comic Sans MS"/>
+                        </a:rPr>
+                        <a:t>Q</a:t>
+                      </a:r>
+                      <a:endParaRPr lang="en-US" sz="2800" dirty="0"/>
+                    </a:p>
+                  </a:txBody>
+                  <a:tcPr anchor="ctr"/>
+                </a:tc>
+                <a:tc>
+                  <a:txBody>
+                    <a:bodyPr/>
+                    <a:lstStyle/>
+                    <a:p>
+                      <a:pPr marL="0" marR="0" lvl="0" indent="0" algn="ctr" defTabSz="914400" rtl="0" eaLnBrk="1" fontAlgn="auto" latinLnBrk="0" hangingPunct="1">
+                        <a:lnSpc>
+                          <a:spcPct val="100000"/>
+                        </a:lnSpc>
+                        <a:spcBef>
+                          <a:spcPts val="0"/>
+                        </a:spcBef>
+                        <a:spcAft>
+                          <a:spcPts val="0"/>
+                        </a:spcAft>
+                        <a:buClrTx/>
+                        <a:buSzTx/>
+                        <a:buFontTx/>
+                        <a:buNone/>
+                        <a:tabLst/>
+                        <a:defRPr/>
+                      </a:pPr>
+                      <a:r>
+                        <a:rPr kumimoji="0" lang="en-US" sz="2800" b="1" i="0" u="none" strike="noStrike" kern="1200" cap="none" spc="0" normalizeH="0" baseline="0" noProof="0" dirty="0" smtClean="0">
+                          <a:ln>
+                            <a:noFill/>
+                          </a:ln>
+                          <a:solidFill>
+                            <a:srgbClr val="0000FF"/>
+                          </a:solidFill>
+                          <a:effectLst/>
+                          <a:uLnTx/>
+                          <a:uFillTx/>
+                          <a:latin typeface="Comic Sans MS"/>
+                          <a:ea typeface="+mn-ea"/>
+                          <a:cs typeface="Comic Sans MS"/>
+                        </a:rPr>
+                        <a:t>R</a:t>
+                      </a:r>
+                      <a:endParaRPr lang="en-US" sz="2800" dirty="0"/>
+                    </a:p>
+                  </a:txBody>
+                  <a:tcPr anchor="ctr"/>
+                </a:tc>
+                <a:tc>
+                  <a:txBody>
+                    <a:bodyPr/>
+                    <a:lstStyle/>
+                    <a:p>
+                      <a:pPr algn="ctr"/>
+                      <a:r>
+                        <a:rPr lang="en-US" sz="2800" i="1" dirty="0" smtClean="0">
+                          <a:solidFill>
+                            <a:schemeClr val="tx2"/>
+                          </a:solidFill>
+                          <a:latin typeface="Arial"/>
+                          <a:cs typeface="Arial"/>
+                        </a:rPr>
+                        <a:t>M</a:t>
+                      </a:r>
+                      <a:r>
+                        <a:rPr lang="en-US" sz="2800" dirty="0" smtClean="0">
+                          <a:solidFill>
+                            <a:schemeClr val="tx2"/>
+                          </a:solidFill>
+                          <a:latin typeface="Comic Sans MS"/>
+                          <a:cs typeface="Comic Sans MS"/>
+                        </a:rPr>
+                        <a:t>(</a:t>
+                      </a:r>
+                      <a:r>
+                        <a:rPr lang="en-US" sz="2800" dirty="0" smtClean="0">
+                          <a:solidFill>
+                            <a:schemeClr val="accent1">
+                              <a:lumMod val="50000"/>
+                            </a:schemeClr>
+                          </a:solidFill>
+                          <a:latin typeface="Comic Sans MS"/>
+                          <a:cs typeface="Comic Sans MS"/>
+                        </a:rPr>
+                        <a:t>P</a:t>
+                      </a:r>
+                      <a:r>
+                        <a:rPr lang="en-US" sz="2800" dirty="0" smtClean="0">
+                          <a:solidFill>
+                            <a:schemeClr val="tx2"/>
+                          </a:solidFill>
+                          <a:latin typeface="Comic Sans MS"/>
+                          <a:cs typeface="Comic Sans MS"/>
+                        </a:rPr>
+                        <a:t>,</a:t>
+                      </a:r>
+                      <a:r>
+                        <a:rPr lang="en-US" sz="2800" dirty="0" smtClean="0">
+                          <a:solidFill>
+                            <a:srgbClr val="0000E5"/>
+                          </a:solidFill>
+                          <a:latin typeface="Comic Sans MS"/>
+                          <a:cs typeface="Comic Sans MS"/>
+                        </a:rPr>
+                        <a:t>Q</a:t>
+                      </a:r>
+                      <a:r>
+                        <a:rPr lang="en-US" sz="2800" dirty="0" smtClean="0">
+                          <a:solidFill>
+                            <a:schemeClr val="tx2"/>
+                          </a:solidFill>
+                          <a:latin typeface="Comic Sans MS"/>
+                          <a:cs typeface="Comic Sans MS"/>
+                        </a:rPr>
+                        <a:t>,</a:t>
+                      </a:r>
+                      <a:r>
+                        <a:rPr lang="en-US" sz="2800" dirty="0" smtClean="0">
+                          <a:solidFill>
+                            <a:srgbClr val="0000E5"/>
+                          </a:solidFill>
+                          <a:latin typeface="Comic Sans MS"/>
+                          <a:cs typeface="Comic Sans MS"/>
+                        </a:rPr>
+                        <a:t>R</a:t>
+                      </a:r>
+                      <a:r>
+                        <a:rPr lang="en-US" sz="2800" dirty="0" smtClean="0">
+                          <a:solidFill>
+                            <a:schemeClr val="tx2"/>
+                          </a:solidFill>
+                          <a:latin typeface="Comic Sans MS"/>
+                          <a:cs typeface="Comic Sans MS"/>
+                        </a:rPr>
+                        <a:t>)</a:t>
+                      </a:r>
+                      <a:endParaRPr lang="en-US" sz="2800" dirty="0">
+                        <a:solidFill>
+                          <a:schemeClr val="tx2"/>
+                        </a:solidFill>
+                        <a:latin typeface="Comic Sans MS"/>
+                        <a:cs typeface="Comic Sans MS"/>
+                      </a:endParaRPr>
+                    </a:p>
+                  </a:txBody>
+                  <a:tcPr anchor="ctr"/>
+                </a:tc>
+              </a:tr>
+              <a:tr h="557721">
+                <a:tc>
+                  <a:txBody>
+                    <a:bodyPr/>
+                    <a:lstStyle/>
+                    <a:p>
+                      <a:pPr algn="ctr"/>
+                      <a:r>
+                        <a:rPr lang="en-US" sz="2800" dirty="0" smtClean="0">
+                          <a:solidFill>
+                            <a:srgbClr val="008000"/>
+                          </a:solidFill>
+                          <a:latin typeface="Comic Sans MS"/>
+                          <a:cs typeface="Comic Sans MS"/>
+                        </a:rPr>
+                        <a:t>T</a:t>
+                      </a:r>
+                      <a:endParaRPr lang="en-US" sz="2800" dirty="0">
+                        <a:solidFill>
+                          <a:srgbClr val="008000"/>
+                        </a:solidFill>
+                        <a:latin typeface="Comic Sans MS"/>
+                        <a:cs typeface="Comic Sans MS"/>
+                      </a:endParaRPr>
+                    </a:p>
+                  </a:txBody>
+                  <a:tcPr anchor="ctr"/>
+                </a:tc>
+                <a:tc>
+                  <a:txBody>
+                    <a:bodyPr/>
+                    <a:lstStyle/>
+                    <a:p>
+                      <a:pPr marL="0" marR="0" lvl="0" indent="0" algn="ctr" defTabSz="914400" rtl="0" eaLnBrk="1" fontAlgn="auto" latinLnBrk="0" hangingPunct="1">
+                        <a:lnSpc>
+                          <a:spcPct val="100000"/>
+                        </a:lnSpc>
+                        <a:spcBef>
+                          <a:spcPts val="0"/>
+                        </a:spcBef>
+                        <a:spcAft>
+                          <a:spcPts val="0"/>
+                        </a:spcAft>
+                        <a:buClrTx/>
+                        <a:buSzTx/>
+                        <a:buFontTx/>
+                        <a:buNone/>
+                        <a:tabLst/>
+                        <a:defRPr/>
+                      </a:pPr>
+                      <a:r>
+                        <a:rPr kumimoji="0" lang="en-US" sz="2800" b="0" i="0" u="none" strike="noStrike" kern="1200" cap="none" spc="0" normalizeH="0" baseline="0" noProof="0" dirty="0" smtClean="0">
+                          <a:ln>
+                            <a:noFill/>
+                          </a:ln>
+                          <a:solidFill>
+                            <a:srgbClr val="008000"/>
+                          </a:solidFill>
+                          <a:effectLst/>
+                          <a:uLnTx/>
+                          <a:uFillTx/>
+                          <a:latin typeface="Comic Sans MS"/>
+                          <a:ea typeface="+mn-ea"/>
+                          <a:cs typeface="Comic Sans MS"/>
+                        </a:rPr>
+                        <a:t>T</a:t>
+                      </a:r>
+                    </a:p>
+                  </a:txBody>
+                  <a:tcPr anchor="ctr"/>
+                </a:tc>
+                <a:tc>
+                  <a:txBody>
+                    <a:bodyPr/>
+                    <a:lstStyle/>
+                    <a:p>
+                      <a:pPr marL="0" marR="0" lvl="0" indent="0" algn="ctr" defTabSz="914400" rtl="0" eaLnBrk="1" fontAlgn="auto" latinLnBrk="0" hangingPunct="1">
+                        <a:lnSpc>
+                          <a:spcPct val="100000"/>
+                        </a:lnSpc>
+                        <a:spcBef>
+                          <a:spcPts val="0"/>
+                        </a:spcBef>
+                        <a:spcAft>
+                          <a:spcPts val="0"/>
+                        </a:spcAft>
+                        <a:buClrTx/>
+                        <a:buSzTx/>
+                        <a:buFontTx/>
+                        <a:buNone/>
+                        <a:tabLst/>
+                        <a:defRPr/>
+                      </a:pPr>
+                      <a:r>
+                        <a:rPr kumimoji="0" lang="en-US" sz="2800" b="0" i="0" u="none" strike="noStrike" kern="1200" cap="none" spc="0" normalizeH="0" baseline="0" noProof="0" dirty="0" smtClean="0">
+                          <a:ln>
+                            <a:noFill/>
+                          </a:ln>
+                          <a:solidFill>
+                            <a:srgbClr val="008000"/>
+                          </a:solidFill>
+                          <a:effectLst/>
+                          <a:uLnTx/>
+                          <a:uFillTx/>
+                          <a:latin typeface="Comic Sans MS"/>
+                          <a:ea typeface="+mn-ea"/>
+                          <a:cs typeface="Comic Sans MS"/>
+                        </a:rPr>
+                        <a:t>T</a:t>
+                      </a:r>
+                    </a:p>
+                  </a:txBody>
+                  <a:tcPr anchor="ctr"/>
+                </a:tc>
+                <a:tc>
+                  <a:txBody>
+                    <a:bodyPr/>
+                    <a:lstStyle/>
+                    <a:p>
+                      <a:pPr marL="0" marR="0" lvl="0" indent="0" algn="ctr" defTabSz="914400" rtl="0" eaLnBrk="1" fontAlgn="auto" latinLnBrk="0" hangingPunct="1">
+                        <a:lnSpc>
+                          <a:spcPct val="100000"/>
+                        </a:lnSpc>
+                        <a:spcBef>
+                          <a:spcPts val="0"/>
+                        </a:spcBef>
+                        <a:spcAft>
+                          <a:spcPts val="0"/>
+                        </a:spcAft>
+                        <a:buClrTx/>
+                        <a:buSzTx/>
+                        <a:buFontTx/>
+                        <a:buNone/>
+                        <a:tabLst/>
+                        <a:defRPr/>
+                      </a:pPr>
+                      <a:r>
+                        <a:rPr kumimoji="0" lang="en-US" sz="2800" b="0" i="0" u="none" strike="noStrike" kern="1200" cap="none" spc="0" normalizeH="0" baseline="0" noProof="0" dirty="0" smtClean="0">
+                          <a:ln>
+                            <a:noFill/>
+                          </a:ln>
+                          <a:solidFill>
+                            <a:srgbClr val="008000"/>
+                          </a:solidFill>
+                          <a:effectLst/>
+                          <a:uLnTx/>
+                          <a:uFillTx/>
+                          <a:latin typeface="Comic Sans MS"/>
+                          <a:ea typeface="+mn-ea"/>
+                          <a:cs typeface="Comic Sans MS"/>
+                        </a:rPr>
+                        <a:t>T</a:t>
+                      </a:r>
+                    </a:p>
+                  </a:txBody>
+                  <a:tcPr anchor="ctr"/>
+                </a:tc>
+              </a:tr>
+              <a:tr h="557721">
+                <a:tc>
+                  <a:txBody>
+                    <a:bodyPr/>
+                    <a:lstStyle/>
+                    <a:p>
+                      <a:pPr marL="0" marR="0" lvl="0" indent="0" algn="ctr" defTabSz="914400" rtl="0" eaLnBrk="1" fontAlgn="auto" latinLnBrk="0" hangingPunct="1">
+                        <a:lnSpc>
+                          <a:spcPct val="100000"/>
+                        </a:lnSpc>
+                        <a:spcBef>
+                          <a:spcPts val="0"/>
+                        </a:spcBef>
+                        <a:spcAft>
+                          <a:spcPts val="0"/>
+                        </a:spcAft>
+                        <a:buClrTx/>
+                        <a:buSzTx/>
+                        <a:buFontTx/>
+                        <a:buNone/>
+                        <a:tabLst/>
+                        <a:defRPr/>
+                      </a:pPr>
+                      <a:r>
+                        <a:rPr kumimoji="0" lang="en-US" sz="2800" b="0" i="0" u="none" strike="noStrike" kern="1200" cap="none" spc="0" normalizeH="0" baseline="0" noProof="0" dirty="0" smtClean="0">
+                          <a:ln>
+                            <a:noFill/>
+                          </a:ln>
+                          <a:solidFill>
+                            <a:srgbClr val="008000"/>
+                          </a:solidFill>
+                          <a:effectLst/>
+                          <a:uLnTx/>
+                          <a:uFillTx/>
+                          <a:latin typeface="Comic Sans MS"/>
+                          <a:ea typeface="+mn-ea"/>
+                          <a:cs typeface="Comic Sans MS"/>
+                        </a:rPr>
+                        <a:t>T</a:t>
+                      </a:r>
+                    </a:p>
+                  </a:txBody>
+                  <a:tcPr anchor="ctr"/>
+                </a:tc>
+                <a:tc>
+                  <a:txBody>
+                    <a:bodyPr/>
+                    <a:lstStyle/>
+                    <a:p>
+                      <a:pPr marL="0" marR="0" lvl="0" indent="0" algn="ctr" defTabSz="914400" rtl="0" eaLnBrk="1" fontAlgn="auto" latinLnBrk="0" hangingPunct="1">
+                        <a:lnSpc>
+                          <a:spcPct val="100000"/>
+                        </a:lnSpc>
+                        <a:spcBef>
+                          <a:spcPts val="0"/>
+                        </a:spcBef>
+                        <a:spcAft>
+                          <a:spcPts val="0"/>
+                        </a:spcAft>
+                        <a:buClrTx/>
+                        <a:buSzTx/>
+                        <a:buFontTx/>
+                        <a:buNone/>
+                        <a:tabLst/>
+                        <a:defRPr/>
+                      </a:pPr>
+                      <a:r>
+                        <a:rPr kumimoji="0" lang="en-US" sz="2800" b="0" i="0" u="none" strike="noStrike" kern="1200" cap="none" spc="0" normalizeH="0" baseline="0" noProof="0" dirty="0" smtClean="0">
+                          <a:ln>
+                            <a:noFill/>
+                          </a:ln>
+                          <a:solidFill>
+                            <a:srgbClr val="008000"/>
+                          </a:solidFill>
+                          <a:effectLst/>
+                          <a:uLnTx/>
+                          <a:uFillTx/>
+                          <a:latin typeface="Comic Sans MS"/>
+                          <a:ea typeface="+mn-ea"/>
+                          <a:cs typeface="Comic Sans MS"/>
+                        </a:rPr>
+                        <a:t>T</a:t>
+                      </a:r>
+                    </a:p>
+                  </a:txBody>
+                  <a:tcPr anchor="ctr"/>
+                </a:tc>
+                <a:tc>
+                  <a:txBody>
+                    <a:bodyPr/>
+                    <a:lstStyle/>
+                    <a:p>
+                      <a:pPr marL="0" marR="0" indent="0" algn="ctr" defTabSz="914400" rtl="0" eaLnBrk="1" fontAlgn="auto" latinLnBrk="0" hangingPunct="1">
+                        <a:lnSpc>
+                          <a:spcPct val="100000"/>
+                        </a:lnSpc>
+                        <a:spcBef>
+                          <a:spcPts val="0"/>
+                        </a:spcBef>
+                        <a:spcAft>
+                          <a:spcPts val="0"/>
+                        </a:spcAft>
+                        <a:buClrTx/>
+                        <a:buSzTx/>
+                        <a:buFontTx/>
+                        <a:buNone/>
+                        <a:tabLst/>
+                        <a:defRPr/>
+                      </a:pPr>
+                      <a:r>
+                        <a:rPr lang="en-US" sz="2800" dirty="0" smtClean="0">
+                          <a:solidFill>
+                            <a:srgbClr val="FF0000"/>
+                          </a:solidFill>
+                          <a:latin typeface="Comic Sans MS"/>
+                          <a:cs typeface="Comic Sans MS"/>
+                        </a:rPr>
+                        <a:t>F</a:t>
+                      </a:r>
+                    </a:p>
+                  </a:txBody>
+                  <a:tcPr anchor="ctr"/>
+                </a:tc>
+                <a:tc>
+                  <a:txBody>
+                    <a:bodyPr/>
+                    <a:lstStyle/>
+                    <a:p>
+                      <a:pPr marL="0" marR="0" lvl="0" indent="0" algn="ctr" defTabSz="914400" rtl="0" eaLnBrk="1" fontAlgn="auto" latinLnBrk="0" hangingPunct="1">
+                        <a:lnSpc>
+                          <a:spcPct val="100000"/>
+                        </a:lnSpc>
+                        <a:spcBef>
+                          <a:spcPts val="0"/>
+                        </a:spcBef>
+                        <a:spcAft>
+                          <a:spcPts val="0"/>
+                        </a:spcAft>
+                        <a:buClrTx/>
+                        <a:buSzTx/>
+                        <a:buFontTx/>
+                        <a:buNone/>
+                        <a:tabLst/>
+                        <a:defRPr/>
+                      </a:pPr>
+                      <a:r>
+                        <a:rPr kumimoji="0" lang="en-US" sz="2800" b="0" i="0" u="none" strike="noStrike" kern="1200" cap="none" spc="0" normalizeH="0" baseline="0" noProof="0" dirty="0" smtClean="0">
+                          <a:ln>
+                            <a:noFill/>
+                          </a:ln>
+                          <a:solidFill>
+                            <a:srgbClr val="008000"/>
+                          </a:solidFill>
+                          <a:effectLst/>
+                          <a:uLnTx/>
+                          <a:uFillTx/>
+                          <a:latin typeface="Comic Sans MS"/>
+                          <a:ea typeface="+mn-ea"/>
+                          <a:cs typeface="Comic Sans MS"/>
+                        </a:rPr>
+                        <a:t>T</a:t>
+                      </a:r>
+                    </a:p>
+                  </a:txBody>
+                  <a:tcPr anchor="ctr"/>
+                </a:tc>
+              </a:tr>
+              <a:tr h="557721">
+                <a:tc>
+                  <a:txBody>
+                    <a:bodyPr/>
+                    <a:lstStyle/>
+                    <a:p>
+                      <a:pPr marL="0" marR="0" lvl="0" indent="0" algn="ctr" defTabSz="914400" rtl="0" eaLnBrk="1" fontAlgn="auto" latinLnBrk="0" hangingPunct="1">
+                        <a:lnSpc>
+                          <a:spcPct val="100000"/>
+                        </a:lnSpc>
+                        <a:spcBef>
+                          <a:spcPts val="0"/>
+                        </a:spcBef>
+                        <a:spcAft>
+                          <a:spcPts val="0"/>
+                        </a:spcAft>
+                        <a:buClrTx/>
+                        <a:buSzTx/>
+                        <a:buFontTx/>
+                        <a:buNone/>
+                        <a:tabLst/>
+                        <a:defRPr/>
+                      </a:pPr>
+                      <a:r>
+                        <a:rPr kumimoji="0" lang="en-US" sz="2800" b="0" i="0" u="none" strike="noStrike" kern="1200" cap="none" spc="0" normalizeH="0" baseline="0" noProof="0" dirty="0" smtClean="0">
+                          <a:ln>
+                            <a:noFill/>
+                          </a:ln>
+                          <a:solidFill>
+                            <a:srgbClr val="008000"/>
+                          </a:solidFill>
+                          <a:effectLst/>
+                          <a:uLnTx/>
+                          <a:uFillTx/>
+                          <a:latin typeface="Comic Sans MS"/>
+                          <a:ea typeface="+mn-ea"/>
+                          <a:cs typeface="Comic Sans MS"/>
+                        </a:rPr>
+                        <a:t>T</a:t>
+                      </a:r>
+                    </a:p>
+                  </a:txBody>
+                  <a:tcPr anchor="ctr"/>
+                </a:tc>
+                <a:tc>
+                  <a:txBody>
+                    <a:bodyPr/>
+                    <a:lstStyle/>
+                    <a:p>
+                      <a:pPr marL="0" marR="0" indent="0" algn="ctr" defTabSz="914400" rtl="0" eaLnBrk="1" fontAlgn="auto" latinLnBrk="0" hangingPunct="1">
+                        <a:lnSpc>
+                          <a:spcPct val="100000"/>
+                        </a:lnSpc>
+                        <a:spcBef>
+                          <a:spcPts val="0"/>
+                        </a:spcBef>
+                        <a:spcAft>
+                          <a:spcPts val="0"/>
+                        </a:spcAft>
+                        <a:buClrTx/>
+                        <a:buSzTx/>
+                        <a:buFontTx/>
+                        <a:buNone/>
+                        <a:tabLst/>
+                        <a:defRPr/>
+                      </a:pPr>
+                      <a:r>
+                        <a:rPr lang="en-US" sz="2800" dirty="0" smtClean="0">
+                          <a:solidFill>
+                            <a:srgbClr val="FF0000"/>
+                          </a:solidFill>
+                          <a:latin typeface="Comic Sans MS"/>
+                          <a:cs typeface="Comic Sans MS"/>
+                        </a:rPr>
+                        <a:t>F</a:t>
+                      </a:r>
+                    </a:p>
+                  </a:txBody>
+                  <a:tcPr anchor="ctr"/>
+                </a:tc>
+                <a:tc>
+                  <a:txBody>
+                    <a:bodyPr/>
+                    <a:lstStyle/>
+                    <a:p>
+                      <a:pPr marL="0" marR="0" lvl="0" indent="0" algn="ctr" defTabSz="914400" rtl="0" eaLnBrk="1" fontAlgn="auto" latinLnBrk="0" hangingPunct="1">
+                        <a:lnSpc>
+                          <a:spcPct val="100000"/>
+                        </a:lnSpc>
+                        <a:spcBef>
+                          <a:spcPts val="0"/>
+                        </a:spcBef>
+                        <a:spcAft>
+                          <a:spcPts val="0"/>
+                        </a:spcAft>
+                        <a:buClrTx/>
+                        <a:buSzTx/>
+                        <a:buFontTx/>
+                        <a:buNone/>
+                        <a:tabLst/>
+                        <a:defRPr/>
+                      </a:pPr>
+                      <a:r>
+                        <a:rPr kumimoji="0" lang="en-US" sz="2800" b="0" i="0" u="none" strike="noStrike" kern="1200" cap="none" spc="0" normalizeH="0" baseline="0" noProof="0" dirty="0" smtClean="0">
+                          <a:ln>
+                            <a:noFill/>
+                          </a:ln>
+                          <a:solidFill>
+                            <a:srgbClr val="008000"/>
+                          </a:solidFill>
+                          <a:effectLst/>
+                          <a:uLnTx/>
+                          <a:uFillTx/>
+                          <a:latin typeface="Comic Sans MS"/>
+                          <a:ea typeface="+mn-ea"/>
+                          <a:cs typeface="Comic Sans MS"/>
+                        </a:rPr>
+                        <a:t>T</a:t>
+                      </a:r>
+                    </a:p>
+                  </a:txBody>
+                  <a:tcPr anchor="ctr"/>
+                </a:tc>
+                <a:tc>
+                  <a:txBody>
+                    <a:bodyPr/>
+                    <a:lstStyle/>
+                    <a:p>
+                      <a:pPr marL="0" marR="0" lvl="0" indent="0" algn="ctr" defTabSz="914400" rtl="0" eaLnBrk="1" fontAlgn="auto" latinLnBrk="0" hangingPunct="1">
+                        <a:lnSpc>
+                          <a:spcPct val="100000"/>
+                        </a:lnSpc>
+                        <a:spcBef>
+                          <a:spcPts val="0"/>
+                        </a:spcBef>
+                        <a:spcAft>
+                          <a:spcPts val="0"/>
+                        </a:spcAft>
+                        <a:buClrTx/>
+                        <a:buSzTx/>
+                        <a:buFontTx/>
+                        <a:buNone/>
+                        <a:tabLst/>
+                        <a:defRPr/>
+                      </a:pPr>
+                      <a:r>
+                        <a:rPr kumimoji="0" lang="en-US" sz="2800" b="0" i="0" u="none" strike="noStrike" kern="1200" cap="none" spc="0" normalizeH="0" baseline="0" noProof="0" dirty="0" smtClean="0">
+                          <a:ln>
+                            <a:noFill/>
+                          </a:ln>
+                          <a:solidFill>
+                            <a:srgbClr val="008000"/>
+                          </a:solidFill>
+                          <a:effectLst/>
+                          <a:uLnTx/>
+                          <a:uFillTx/>
+                          <a:latin typeface="Comic Sans MS"/>
+                          <a:ea typeface="+mn-ea"/>
+                          <a:cs typeface="Comic Sans MS"/>
+                        </a:rPr>
+                        <a:t>T</a:t>
+                      </a:r>
+                    </a:p>
+                  </a:txBody>
+                  <a:tcPr anchor="ctr"/>
+                </a:tc>
+              </a:tr>
+              <a:tr h="557721">
+                <a:tc>
+                  <a:txBody>
+                    <a:bodyPr/>
+                    <a:lstStyle/>
+                    <a:p>
+                      <a:pPr marL="0" marR="0" lvl="0" indent="0" algn="ctr" defTabSz="914400" rtl="0" eaLnBrk="1" fontAlgn="auto" latinLnBrk="0" hangingPunct="1">
+                        <a:lnSpc>
+                          <a:spcPct val="100000"/>
+                        </a:lnSpc>
+                        <a:spcBef>
+                          <a:spcPts val="0"/>
+                        </a:spcBef>
+                        <a:spcAft>
+                          <a:spcPts val="0"/>
+                        </a:spcAft>
+                        <a:buClrTx/>
+                        <a:buSzTx/>
+                        <a:buFontTx/>
+                        <a:buNone/>
+                        <a:tabLst/>
+                        <a:defRPr/>
+                      </a:pPr>
+                      <a:r>
+                        <a:rPr kumimoji="0" lang="en-US" sz="2800" b="0" i="0" u="none" strike="noStrike" kern="1200" cap="none" spc="0" normalizeH="0" baseline="0" noProof="0" dirty="0" smtClean="0">
+                          <a:ln>
+                            <a:noFill/>
+                          </a:ln>
+                          <a:solidFill>
+                            <a:srgbClr val="008000"/>
+                          </a:solidFill>
+                          <a:effectLst/>
+                          <a:uLnTx/>
+                          <a:uFillTx/>
+                          <a:latin typeface="Comic Sans MS"/>
+                          <a:ea typeface="+mn-ea"/>
+                          <a:cs typeface="Comic Sans MS"/>
+                        </a:rPr>
+                        <a:t>T</a:t>
+                      </a:r>
+                    </a:p>
+                  </a:txBody>
+                  <a:tcPr anchor="ctr"/>
+                </a:tc>
+                <a:tc>
+                  <a:txBody>
+                    <a:bodyPr/>
+                    <a:lstStyle/>
+                    <a:p>
+                      <a:pPr marL="0" marR="0" indent="0" algn="ctr" defTabSz="914400" rtl="0" eaLnBrk="1" fontAlgn="auto" latinLnBrk="0" hangingPunct="1">
+                        <a:lnSpc>
+                          <a:spcPct val="100000"/>
+                        </a:lnSpc>
+                        <a:spcBef>
+                          <a:spcPts val="0"/>
+                        </a:spcBef>
+                        <a:spcAft>
+                          <a:spcPts val="0"/>
+                        </a:spcAft>
+                        <a:buClrTx/>
+                        <a:buSzTx/>
+                        <a:buFontTx/>
+                        <a:buNone/>
+                        <a:tabLst/>
+                        <a:defRPr/>
+                      </a:pPr>
+                      <a:r>
+                        <a:rPr lang="en-US" sz="2800" dirty="0" smtClean="0">
+                          <a:solidFill>
+                            <a:srgbClr val="FF0000"/>
+                          </a:solidFill>
+                          <a:latin typeface="Comic Sans MS"/>
+                          <a:cs typeface="Comic Sans MS"/>
+                        </a:rPr>
+                        <a:t>F</a:t>
+                      </a:r>
+                    </a:p>
+                  </a:txBody>
+                  <a:tcPr anchor="ctr"/>
+                </a:tc>
+                <a:tc>
+                  <a:txBody>
+                    <a:bodyPr/>
+                    <a:lstStyle/>
+                    <a:p>
+                      <a:pPr marL="0" marR="0" indent="0" algn="ctr" defTabSz="914400" rtl="0" eaLnBrk="1" fontAlgn="auto" latinLnBrk="0" hangingPunct="1">
+                        <a:lnSpc>
+                          <a:spcPct val="100000"/>
+                        </a:lnSpc>
+                        <a:spcBef>
+                          <a:spcPts val="0"/>
+                        </a:spcBef>
+                        <a:spcAft>
+                          <a:spcPts val="0"/>
+                        </a:spcAft>
+                        <a:buClrTx/>
+                        <a:buSzTx/>
+                        <a:buFontTx/>
+                        <a:buNone/>
+                        <a:tabLst/>
+                        <a:defRPr/>
+                      </a:pPr>
+                      <a:r>
+                        <a:rPr lang="en-US" sz="2800" dirty="0" smtClean="0">
+                          <a:solidFill>
+                            <a:srgbClr val="FF0000"/>
+                          </a:solidFill>
+                          <a:latin typeface="Comic Sans MS"/>
+                          <a:cs typeface="Comic Sans MS"/>
+                        </a:rPr>
+                        <a:t>F</a:t>
+                      </a:r>
+                    </a:p>
+                  </a:txBody>
+                  <a:tcPr anchor="ctr"/>
+                </a:tc>
+                <a:tc>
+                  <a:txBody>
+                    <a:bodyPr/>
+                    <a:lstStyle/>
+                    <a:p>
+                      <a:pPr marL="0" marR="0" lvl="0" indent="0" algn="ctr" defTabSz="914400" rtl="0" eaLnBrk="1" fontAlgn="auto" latinLnBrk="0" hangingPunct="1">
+                        <a:lnSpc>
+                          <a:spcPct val="100000"/>
+                        </a:lnSpc>
+                        <a:spcBef>
+                          <a:spcPts val="0"/>
+                        </a:spcBef>
+                        <a:spcAft>
+                          <a:spcPts val="0"/>
+                        </a:spcAft>
+                        <a:buClrTx/>
+                        <a:buSzTx/>
+                        <a:buFontTx/>
+                        <a:buNone/>
+                        <a:tabLst/>
+                        <a:defRPr/>
+                      </a:pPr>
+                      <a:r>
+                        <a:rPr kumimoji="0" lang="en-US" sz="2800" b="0" i="0" u="none" strike="noStrike" kern="1200" cap="none" spc="0" normalizeH="0" baseline="0" noProof="0" dirty="0" smtClean="0">
+                          <a:ln>
+                            <a:noFill/>
+                          </a:ln>
+                          <a:solidFill>
+                            <a:srgbClr val="FF0000"/>
+                          </a:solidFill>
+                          <a:effectLst/>
+                          <a:uLnTx/>
+                          <a:uFillTx/>
+                          <a:latin typeface="Comic Sans MS"/>
+                          <a:ea typeface="+mn-ea"/>
+                          <a:cs typeface="Comic Sans MS"/>
+                        </a:rPr>
+                        <a:t>F</a:t>
+                      </a:r>
+                    </a:p>
+                  </a:txBody>
+                  <a:tcPr anchor="ctr"/>
+                </a:tc>
+              </a:tr>
+              <a:tr h="557721">
+                <a:tc>
+                  <a:txBody>
+                    <a:bodyPr/>
+                    <a:lstStyle/>
+                    <a:p>
+                      <a:pPr marL="0" marR="0" indent="0" algn="ctr" defTabSz="914400" rtl="0" eaLnBrk="1" fontAlgn="auto" latinLnBrk="0" hangingPunct="1">
+                        <a:lnSpc>
+                          <a:spcPct val="100000"/>
+                        </a:lnSpc>
+                        <a:spcBef>
+                          <a:spcPts val="0"/>
+                        </a:spcBef>
+                        <a:spcAft>
+                          <a:spcPts val="0"/>
+                        </a:spcAft>
+                        <a:buClrTx/>
+                        <a:buSzTx/>
+                        <a:buFontTx/>
+                        <a:buNone/>
+                        <a:tabLst/>
+                        <a:defRPr/>
+                      </a:pPr>
+                      <a:r>
+                        <a:rPr lang="en-US" sz="2800" dirty="0" smtClean="0">
+                          <a:solidFill>
+                            <a:srgbClr val="FF0000"/>
+                          </a:solidFill>
+                          <a:latin typeface="Comic Sans MS"/>
+                          <a:cs typeface="Comic Sans MS"/>
+                        </a:rPr>
+                        <a:t>F</a:t>
+                      </a:r>
+                    </a:p>
+                  </a:txBody>
+                  <a:tcPr anchor="ctr"/>
+                </a:tc>
+                <a:tc>
+                  <a:txBody>
+                    <a:bodyPr/>
+                    <a:lstStyle/>
+                    <a:p>
+                      <a:pPr marL="0" marR="0" lvl="0" indent="0" algn="ctr" defTabSz="914400" rtl="0" eaLnBrk="1" fontAlgn="auto" latinLnBrk="0" hangingPunct="1">
+                        <a:lnSpc>
+                          <a:spcPct val="100000"/>
+                        </a:lnSpc>
+                        <a:spcBef>
+                          <a:spcPts val="0"/>
+                        </a:spcBef>
+                        <a:spcAft>
+                          <a:spcPts val="0"/>
+                        </a:spcAft>
+                        <a:buClrTx/>
+                        <a:buSzTx/>
+                        <a:buFontTx/>
+                        <a:buNone/>
+                        <a:tabLst/>
+                        <a:defRPr/>
+                      </a:pPr>
+                      <a:r>
+                        <a:rPr kumimoji="0" lang="en-US" sz="2800" b="0" i="0" u="none" strike="noStrike" kern="1200" cap="none" spc="0" normalizeH="0" baseline="0" noProof="0" dirty="0" smtClean="0">
+                          <a:ln>
+                            <a:noFill/>
+                          </a:ln>
+                          <a:solidFill>
+                            <a:srgbClr val="008000"/>
+                          </a:solidFill>
+                          <a:effectLst/>
+                          <a:uLnTx/>
+                          <a:uFillTx/>
+                          <a:latin typeface="Comic Sans MS"/>
+                          <a:ea typeface="+mn-ea"/>
+                          <a:cs typeface="Comic Sans MS"/>
+                        </a:rPr>
+                        <a:t>T</a:t>
+                      </a:r>
+                    </a:p>
+                  </a:txBody>
+                  <a:tcPr anchor="ctr"/>
+                </a:tc>
+                <a:tc>
+                  <a:txBody>
+                    <a:bodyPr/>
+                    <a:lstStyle/>
+                    <a:p>
+                      <a:pPr marL="0" marR="0" lvl="0" indent="0" algn="ctr" defTabSz="914400" rtl="0" eaLnBrk="1" fontAlgn="auto" latinLnBrk="0" hangingPunct="1">
+                        <a:lnSpc>
+                          <a:spcPct val="100000"/>
+                        </a:lnSpc>
+                        <a:spcBef>
+                          <a:spcPts val="0"/>
+                        </a:spcBef>
+                        <a:spcAft>
+                          <a:spcPts val="0"/>
+                        </a:spcAft>
+                        <a:buClrTx/>
+                        <a:buSzTx/>
+                        <a:buFontTx/>
+                        <a:buNone/>
+                        <a:tabLst/>
+                        <a:defRPr/>
+                      </a:pPr>
+                      <a:r>
+                        <a:rPr kumimoji="0" lang="en-US" sz="2800" b="0" i="0" u="none" strike="noStrike" kern="1200" cap="none" spc="0" normalizeH="0" baseline="0" noProof="0" dirty="0" smtClean="0">
+                          <a:ln>
+                            <a:noFill/>
+                          </a:ln>
+                          <a:solidFill>
+                            <a:srgbClr val="008000"/>
+                          </a:solidFill>
+                          <a:effectLst/>
+                          <a:uLnTx/>
+                          <a:uFillTx/>
+                          <a:latin typeface="Comic Sans MS"/>
+                          <a:ea typeface="+mn-ea"/>
+                          <a:cs typeface="Comic Sans MS"/>
+                        </a:rPr>
+                        <a:t>T</a:t>
+                      </a:r>
+                    </a:p>
+                  </a:txBody>
+                  <a:tcPr anchor="ctr"/>
+                </a:tc>
+                <a:tc>
+                  <a:txBody>
+                    <a:bodyPr/>
+                    <a:lstStyle/>
+                    <a:p>
+                      <a:pPr marL="0" marR="0" lvl="0" indent="0" algn="ctr" defTabSz="914400" rtl="0" eaLnBrk="1" fontAlgn="auto" latinLnBrk="0" hangingPunct="1">
+                        <a:lnSpc>
+                          <a:spcPct val="100000"/>
+                        </a:lnSpc>
+                        <a:spcBef>
+                          <a:spcPts val="0"/>
+                        </a:spcBef>
+                        <a:spcAft>
+                          <a:spcPts val="0"/>
+                        </a:spcAft>
+                        <a:buClrTx/>
+                        <a:buSzTx/>
+                        <a:buFontTx/>
+                        <a:buNone/>
+                        <a:tabLst/>
+                        <a:defRPr/>
+                      </a:pPr>
+                      <a:r>
+                        <a:rPr kumimoji="0" lang="en-US" sz="2800" b="0" i="0" u="none" strike="noStrike" kern="1200" cap="none" spc="0" normalizeH="0" baseline="0" noProof="0" dirty="0" smtClean="0">
+                          <a:ln>
+                            <a:noFill/>
+                          </a:ln>
+                          <a:solidFill>
+                            <a:srgbClr val="008000"/>
+                          </a:solidFill>
+                          <a:effectLst/>
+                          <a:uLnTx/>
+                          <a:uFillTx/>
+                          <a:latin typeface="Comic Sans MS"/>
+                          <a:ea typeface="+mn-ea"/>
+                          <a:cs typeface="Comic Sans MS"/>
+                        </a:rPr>
+                        <a:t>T</a:t>
+                      </a:r>
+                    </a:p>
+                  </a:txBody>
+                  <a:tcPr anchor="ctr"/>
+                </a:tc>
+              </a:tr>
+              <a:tr h="557721">
+                <a:tc>
+                  <a:txBody>
+                    <a:bodyPr/>
+                    <a:lstStyle/>
+                    <a:p>
+                      <a:pPr marL="0" marR="0" indent="0" algn="ctr" defTabSz="914400" rtl="0" eaLnBrk="1" fontAlgn="auto" latinLnBrk="0" hangingPunct="1">
+                        <a:lnSpc>
+                          <a:spcPct val="100000"/>
+                        </a:lnSpc>
+                        <a:spcBef>
+                          <a:spcPts val="0"/>
+                        </a:spcBef>
+                        <a:spcAft>
+                          <a:spcPts val="0"/>
+                        </a:spcAft>
+                        <a:buClrTx/>
+                        <a:buSzTx/>
+                        <a:buFontTx/>
+                        <a:buNone/>
+                        <a:tabLst/>
+                        <a:defRPr/>
+                      </a:pPr>
+                      <a:r>
+                        <a:rPr lang="en-US" sz="2800" dirty="0" smtClean="0">
+                          <a:solidFill>
+                            <a:srgbClr val="FF0000"/>
+                          </a:solidFill>
+                          <a:latin typeface="Comic Sans MS"/>
+                          <a:cs typeface="Comic Sans MS"/>
+                        </a:rPr>
+                        <a:t>F</a:t>
+                      </a:r>
+                    </a:p>
+                  </a:txBody>
+                  <a:tcPr anchor="ctr"/>
+                </a:tc>
+                <a:tc>
+                  <a:txBody>
+                    <a:bodyPr/>
+                    <a:lstStyle/>
+                    <a:p>
+                      <a:pPr marL="0" marR="0" lvl="0" indent="0" algn="ctr" defTabSz="914400" rtl="0" eaLnBrk="1" fontAlgn="auto" latinLnBrk="0" hangingPunct="1">
+                        <a:lnSpc>
+                          <a:spcPct val="100000"/>
+                        </a:lnSpc>
+                        <a:spcBef>
+                          <a:spcPts val="0"/>
+                        </a:spcBef>
+                        <a:spcAft>
+                          <a:spcPts val="0"/>
+                        </a:spcAft>
+                        <a:buClrTx/>
+                        <a:buSzTx/>
+                        <a:buFontTx/>
+                        <a:buNone/>
+                        <a:tabLst/>
+                        <a:defRPr/>
+                      </a:pPr>
+                      <a:r>
+                        <a:rPr kumimoji="0" lang="en-US" sz="2800" b="0" i="0" u="none" strike="noStrike" kern="1200" cap="none" spc="0" normalizeH="0" baseline="0" noProof="0" dirty="0" smtClean="0">
+                          <a:ln>
+                            <a:noFill/>
+                          </a:ln>
+                          <a:solidFill>
+                            <a:srgbClr val="008000"/>
+                          </a:solidFill>
+                          <a:effectLst/>
+                          <a:uLnTx/>
+                          <a:uFillTx/>
+                          <a:latin typeface="Comic Sans MS"/>
+                          <a:ea typeface="+mn-ea"/>
+                          <a:cs typeface="Comic Sans MS"/>
+                        </a:rPr>
+                        <a:t>T</a:t>
+                      </a:r>
+                    </a:p>
+                  </a:txBody>
+                  <a:tcPr anchor="ctr"/>
+                </a:tc>
+                <a:tc>
+                  <a:txBody>
+                    <a:bodyPr/>
+                    <a:lstStyle/>
+                    <a:p>
+                      <a:pPr marL="0" marR="0" lvl="0" indent="0" algn="ctr" defTabSz="914400" rtl="0" eaLnBrk="1" fontAlgn="auto" latinLnBrk="0" hangingPunct="1">
+                        <a:lnSpc>
+                          <a:spcPct val="100000"/>
+                        </a:lnSpc>
+                        <a:spcBef>
+                          <a:spcPts val="0"/>
+                        </a:spcBef>
+                        <a:spcAft>
+                          <a:spcPts val="0"/>
+                        </a:spcAft>
+                        <a:buClrTx/>
+                        <a:buSzTx/>
+                        <a:buFontTx/>
+                        <a:buNone/>
+                        <a:tabLst/>
+                        <a:defRPr/>
+                      </a:pPr>
+                      <a:r>
+                        <a:rPr lang="en-US" sz="2800" dirty="0" smtClean="0">
+                          <a:solidFill>
+                            <a:srgbClr val="FF0000"/>
+                          </a:solidFill>
+                          <a:latin typeface="Comic Sans MS"/>
+                          <a:cs typeface="Comic Sans MS"/>
+                        </a:rPr>
+                        <a:t>F</a:t>
+                      </a:r>
+                    </a:p>
+                  </a:txBody>
+                  <a:tcPr anchor="ctr"/>
+                </a:tc>
+                <a:tc>
+                  <a:txBody>
+                    <a:bodyPr/>
+                    <a:lstStyle/>
+                    <a:p>
+                      <a:pPr marL="0" marR="0" indent="0" algn="ctr" defTabSz="914400" rtl="0" eaLnBrk="1" fontAlgn="auto" latinLnBrk="0" hangingPunct="1">
+                        <a:lnSpc>
+                          <a:spcPct val="100000"/>
+                        </a:lnSpc>
+                        <a:spcBef>
+                          <a:spcPts val="0"/>
+                        </a:spcBef>
+                        <a:spcAft>
+                          <a:spcPts val="0"/>
+                        </a:spcAft>
+                        <a:buClrTx/>
+                        <a:buSzTx/>
+                        <a:buFontTx/>
+                        <a:buNone/>
+                        <a:tabLst/>
+                        <a:defRPr/>
+                      </a:pPr>
+                      <a:r>
+                        <a:rPr lang="en-US" sz="2800" dirty="0" smtClean="0">
+                          <a:solidFill>
+                            <a:srgbClr val="FF0000"/>
+                          </a:solidFill>
+                          <a:latin typeface="Comic Sans MS"/>
+                          <a:cs typeface="Comic Sans MS"/>
+                        </a:rPr>
+                        <a:t>F</a:t>
+                      </a:r>
+                    </a:p>
+                  </a:txBody>
+                  <a:tcPr anchor="ctr"/>
+                </a:tc>
+              </a:tr>
+              <a:tr h="557721">
+                <a:tc>
+                  <a:txBody>
+                    <a:bodyPr/>
+                    <a:lstStyle/>
+                    <a:p>
+                      <a:pPr marL="0" marR="0" indent="0" algn="ctr" defTabSz="914400" rtl="0" eaLnBrk="1" fontAlgn="auto" latinLnBrk="0" hangingPunct="1">
+                        <a:lnSpc>
+                          <a:spcPct val="100000"/>
+                        </a:lnSpc>
+                        <a:spcBef>
+                          <a:spcPts val="0"/>
+                        </a:spcBef>
+                        <a:spcAft>
+                          <a:spcPts val="0"/>
+                        </a:spcAft>
+                        <a:buClrTx/>
+                        <a:buSzTx/>
+                        <a:buFontTx/>
+                        <a:buNone/>
+                        <a:tabLst/>
+                        <a:defRPr/>
+                      </a:pPr>
+                      <a:r>
+                        <a:rPr lang="en-US" sz="2800" dirty="0" smtClean="0">
+                          <a:solidFill>
+                            <a:srgbClr val="FF0000"/>
+                          </a:solidFill>
+                          <a:latin typeface="Comic Sans MS"/>
+                          <a:cs typeface="Comic Sans MS"/>
+                        </a:rPr>
+                        <a:t>F</a:t>
+                      </a:r>
+                    </a:p>
+                  </a:txBody>
+                  <a:tcPr anchor="ctr"/>
+                </a:tc>
+                <a:tc>
+                  <a:txBody>
+                    <a:bodyPr/>
+                    <a:lstStyle/>
+                    <a:p>
+                      <a:pPr marL="0" marR="0" indent="0" algn="ctr" defTabSz="914400" rtl="0" eaLnBrk="1" fontAlgn="auto" latinLnBrk="0" hangingPunct="1">
+                        <a:lnSpc>
+                          <a:spcPct val="100000"/>
+                        </a:lnSpc>
+                        <a:spcBef>
+                          <a:spcPts val="0"/>
+                        </a:spcBef>
+                        <a:spcAft>
+                          <a:spcPts val="0"/>
+                        </a:spcAft>
+                        <a:buClrTx/>
+                        <a:buSzTx/>
+                        <a:buFontTx/>
+                        <a:buNone/>
+                        <a:tabLst/>
+                        <a:defRPr/>
+                      </a:pPr>
+                      <a:r>
+                        <a:rPr lang="en-US" sz="2800" dirty="0" smtClean="0">
+                          <a:solidFill>
+                            <a:srgbClr val="FF0000"/>
+                          </a:solidFill>
+                          <a:latin typeface="Comic Sans MS"/>
+                          <a:cs typeface="Comic Sans MS"/>
+                        </a:rPr>
+                        <a:t>F</a:t>
+                      </a:r>
+                    </a:p>
+                  </a:txBody>
+                  <a:tcPr anchor="ctr"/>
+                </a:tc>
+                <a:tc>
+                  <a:txBody>
+                    <a:bodyPr/>
+                    <a:lstStyle/>
+                    <a:p>
+                      <a:pPr marL="0" marR="0" lvl="0" indent="0" algn="ctr" defTabSz="914400" rtl="0" eaLnBrk="1" fontAlgn="auto" latinLnBrk="0" hangingPunct="1">
+                        <a:lnSpc>
+                          <a:spcPct val="100000"/>
+                        </a:lnSpc>
+                        <a:spcBef>
+                          <a:spcPts val="0"/>
+                        </a:spcBef>
+                        <a:spcAft>
+                          <a:spcPts val="0"/>
+                        </a:spcAft>
+                        <a:buClrTx/>
+                        <a:buSzTx/>
+                        <a:buFontTx/>
+                        <a:buNone/>
+                        <a:tabLst/>
+                        <a:defRPr/>
+                      </a:pPr>
+                      <a:r>
+                        <a:rPr kumimoji="0" lang="en-US" sz="2800" b="0" i="0" u="none" strike="noStrike" kern="1200" cap="none" spc="0" normalizeH="0" baseline="0" noProof="0" dirty="0" smtClean="0">
+                          <a:ln>
+                            <a:noFill/>
+                          </a:ln>
+                          <a:solidFill>
+                            <a:srgbClr val="008000"/>
+                          </a:solidFill>
+                          <a:effectLst/>
+                          <a:uLnTx/>
+                          <a:uFillTx/>
+                          <a:latin typeface="Comic Sans MS"/>
+                          <a:ea typeface="+mn-ea"/>
+                          <a:cs typeface="Comic Sans MS"/>
+                        </a:rPr>
+                        <a:t>T</a:t>
+                      </a:r>
+                    </a:p>
+                  </a:txBody>
+                  <a:tcPr anchor="ctr"/>
+                </a:tc>
+                <a:tc>
+                  <a:txBody>
+                    <a:bodyPr/>
+                    <a:lstStyle/>
+                    <a:p>
+                      <a:pPr marL="0" marR="0" indent="0" algn="ctr" defTabSz="914400" rtl="0" eaLnBrk="1" fontAlgn="auto" latinLnBrk="0" hangingPunct="1">
+                        <a:lnSpc>
+                          <a:spcPct val="100000"/>
+                        </a:lnSpc>
+                        <a:spcBef>
+                          <a:spcPts val="0"/>
+                        </a:spcBef>
+                        <a:spcAft>
+                          <a:spcPts val="0"/>
+                        </a:spcAft>
+                        <a:buClrTx/>
+                        <a:buSzTx/>
+                        <a:buFontTx/>
+                        <a:buNone/>
+                        <a:tabLst/>
+                        <a:defRPr/>
+                      </a:pPr>
+                      <a:r>
+                        <a:rPr lang="en-US" sz="2800" dirty="0" smtClean="0">
+                          <a:solidFill>
+                            <a:srgbClr val="FF0000"/>
+                          </a:solidFill>
+                          <a:latin typeface="Comic Sans MS"/>
+                          <a:cs typeface="Comic Sans MS"/>
+                        </a:rPr>
+                        <a:t>F</a:t>
+                      </a:r>
+                    </a:p>
+                  </a:txBody>
+                  <a:tcPr anchor="ctr"/>
+                </a:tc>
+              </a:tr>
+              <a:tr h="557721">
+                <a:tc>
+                  <a:txBody>
+                    <a:bodyPr/>
+                    <a:lstStyle/>
+                    <a:p>
+                      <a:pPr marL="0" marR="0" indent="0" algn="ctr" defTabSz="914400" rtl="0" eaLnBrk="1" fontAlgn="auto" latinLnBrk="0" hangingPunct="1">
+                        <a:lnSpc>
+                          <a:spcPct val="100000"/>
+                        </a:lnSpc>
+                        <a:spcBef>
+                          <a:spcPts val="0"/>
+                        </a:spcBef>
+                        <a:spcAft>
+                          <a:spcPts val="0"/>
+                        </a:spcAft>
+                        <a:buClrTx/>
+                        <a:buSzTx/>
+                        <a:buFontTx/>
+                        <a:buNone/>
+                        <a:tabLst/>
+                        <a:defRPr/>
+                      </a:pPr>
+                      <a:r>
+                        <a:rPr lang="en-US" sz="2800" dirty="0" smtClean="0">
+                          <a:solidFill>
+                            <a:srgbClr val="FF0000"/>
+                          </a:solidFill>
+                          <a:latin typeface="Comic Sans MS"/>
+                          <a:cs typeface="Comic Sans MS"/>
+                        </a:rPr>
+                        <a:t>F</a:t>
+                      </a:r>
+                    </a:p>
+                  </a:txBody>
+                  <a:tcPr anchor="ctr"/>
+                </a:tc>
+                <a:tc>
+                  <a:txBody>
+                    <a:bodyPr/>
+                    <a:lstStyle/>
+                    <a:p>
+                      <a:pPr marL="0" marR="0" indent="0" algn="ctr" defTabSz="914400" rtl="0" eaLnBrk="1" fontAlgn="auto" latinLnBrk="0" hangingPunct="1">
+                        <a:lnSpc>
+                          <a:spcPct val="100000"/>
+                        </a:lnSpc>
+                        <a:spcBef>
+                          <a:spcPts val="0"/>
+                        </a:spcBef>
+                        <a:spcAft>
+                          <a:spcPts val="0"/>
+                        </a:spcAft>
+                        <a:buClrTx/>
+                        <a:buSzTx/>
+                        <a:buFontTx/>
+                        <a:buNone/>
+                        <a:tabLst/>
+                        <a:defRPr/>
+                      </a:pPr>
+                      <a:r>
+                        <a:rPr lang="en-US" sz="2800" dirty="0" smtClean="0">
+                          <a:solidFill>
+                            <a:srgbClr val="FF0000"/>
+                          </a:solidFill>
+                          <a:latin typeface="Comic Sans MS"/>
+                          <a:cs typeface="Comic Sans MS"/>
+                        </a:rPr>
+                        <a:t>F</a:t>
+                      </a:r>
+                    </a:p>
+                  </a:txBody>
+                  <a:tcPr anchor="ctr"/>
+                </a:tc>
+                <a:tc>
+                  <a:txBody>
+                    <a:bodyPr/>
+                    <a:lstStyle/>
+                    <a:p>
+                      <a:pPr marL="0" marR="0" indent="0" algn="ctr" defTabSz="914400" rtl="0" eaLnBrk="1" fontAlgn="auto" latinLnBrk="0" hangingPunct="1">
+                        <a:lnSpc>
+                          <a:spcPct val="100000"/>
+                        </a:lnSpc>
+                        <a:spcBef>
+                          <a:spcPts val="0"/>
+                        </a:spcBef>
+                        <a:spcAft>
+                          <a:spcPts val="0"/>
+                        </a:spcAft>
+                        <a:buClrTx/>
+                        <a:buSzTx/>
+                        <a:buFontTx/>
+                        <a:buNone/>
+                        <a:tabLst/>
+                        <a:defRPr/>
+                      </a:pPr>
+                      <a:r>
+                        <a:rPr lang="en-US" sz="2800" dirty="0" smtClean="0">
+                          <a:solidFill>
+                            <a:srgbClr val="FF0000"/>
+                          </a:solidFill>
+                          <a:latin typeface="Comic Sans MS"/>
+                          <a:cs typeface="Comic Sans MS"/>
+                        </a:rPr>
+                        <a:t>F</a:t>
+                      </a:r>
+                    </a:p>
+                  </a:txBody>
+                  <a:tcPr anchor="ctr"/>
+                </a:tc>
+                <a:tc>
+                  <a:txBody>
+                    <a:bodyPr/>
+                    <a:lstStyle/>
+                    <a:p>
+                      <a:pPr marL="0" marR="0" indent="0" algn="ctr" defTabSz="914400" rtl="0" eaLnBrk="1" fontAlgn="auto" latinLnBrk="0" hangingPunct="1">
+                        <a:lnSpc>
+                          <a:spcPct val="100000"/>
+                        </a:lnSpc>
+                        <a:spcBef>
+                          <a:spcPts val="0"/>
+                        </a:spcBef>
+                        <a:spcAft>
+                          <a:spcPts val="0"/>
+                        </a:spcAft>
+                        <a:buClrTx/>
+                        <a:buSzTx/>
+                        <a:buFontTx/>
+                        <a:buNone/>
+                        <a:tabLst/>
+                        <a:defRPr/>
+                      </a:pPr>
+                      <a:r>
+                        <a:rPr lang="en-US" sz="2800" dirty="0" smtClean="0">
+                          <a:solidFill>
+                            <a:srgbClr val="FF0000"/>
+                          </a:solidFill>
+                          <a:latin typeface="Comic Sans MS"/>
+                          <a:cs typeface="Comic Sans MS"/>
+                        </a:rPr>
+                        <a:t>F</a:t>
+                      </a:r>
+                    </a:p>
+                  </a:txBody>
+                  <a:tcPr anchor="ctr"/>
+                </a:tc>
+              </a:tr>
+            </a:tbl>
+          </a:graphicData>
+        </a:graphic>
+      </p:graphicFrame>
       <p:sp>
         <p:nvSpPr>
-          <p:cNvPr id="95" name="TextBox 94"/>
+          <p:cNvPr id="9" name="TextBox 8"/>
           <p:cNvSpPr txBox="1"/>
           <p:nvPr/>
         </p:nvSpPr>
         <p:spPr>
           <a:xfrm>
-            <a:off x="6637117" y="2753477"/>
-            <a:ext cx="601596" cy="2349420"/>
+            <a:off x="1689100" y="165100"/>
+            <a:ext cx="6154850" cy="830997"/>
           </a:xfrm>
           <a:prstGeom prst="rect">
             <a:avLst/>
@@ -5609,971 +4427,45 @@
           <a:noFill/>
         </p:spPr>
         <p:txBody>
-          <a:bodyPr wrap="square" rtlCol="0">
+          <a:bodyPr wrap="none" rtlCol="0">
             <a:spAutoFit/>
           </a:bodyPr>
           <a:lstStyle/>
           <a:p>
+            <a:pPr algn="l"/>
             <a:r>
-              <a:rPr lang="en-US" sz="3600" dirty="0" smtClean="0">
-                <a:solidFill>
-                  <a:srgbClr val="C00000"/>
-                </a:solidFill>
+              <a:rPr lang="en-US" sz="4800" dirty="0" smtClean="0">
                 <a:latin typeface="Comic Sans MS" pitchFamily="66" charset="0"/>
               </a:rPr>
-              <a:t>F</a:t>
+              <a:t>Majority function </a:t>
             </a:r>
-          </a:p>
-          <a:p>
             <a:r>
-              <a:rPr lang="en-US" sz="3600" dirty="0" smtClean="0">
-                <a:solidFill>
-                  <a:srgbClr val="C00000"/>
-                </a:solidFill>
-                <a:latin typeface="Comic Sans MS" pitchFamily="66" charset="0"/>
+              <a:rPr lang="en-US" sz="4800" i="1" dirty="0" smtClean="0">
+                <a:latin typeface="Arial"/>
+                <a:cs typeface="Arial"/>
               </a:rPr>
-              <a:t>F</a:t>
+              <a:t>M</a:t>
             </a:r>
-          </a:p>
-          <a:p>
-            <a:r>
-              <a:rPr lang="en-US" sz="3600" dirty="0" smtClean="0">
-                <a:solidFill>
-                  <a:srgbClr val="C00000"/>
-                </a:solidFill>
-                <a:latin typeface="Comic Sans MS" pitchFamily="66" charset="0"/>
-              </a:rPr>
-              <a:t>F</a:t>
-            </a:r>
-          </a:p>
-          <a:p>
-            <a:r>
-              <a:rPr lang="en-US" sz="3600" dirty="0" smtClean="0">
-                <a:solidFill>
-                  <a:srgbClr val="006600"/>
-                </a:solidFill>
-                <a:latin typeface="Comic Sans MS" pitchFamily="66" charset="0"/>
-              </a:rPr>
-              <a:t>T</a:t>
-            </a:r>
+            <a:endParaRPr lang="en-US" sz="4800" i="1" dirty="0" smtClean="0">
+              <a:latin typeface="Arial"/>
+              <a:cs typeface="Arial"/>
+            </a:endParaRPr>
           </a:p>
         </p:txBody>
       </p:sp>
-      <p:grpSp>
-        <p:nvGrpSpPr>
-          <p:cNvPr id="108" name="Group 107"/>
-          <p:cNvGrpSpPr/>
-          <p:nvPr/>
-        </p:nvGrpSpPr>
-        <p:grpSpPr>
-          <a:xfrm>
-            <a:off x="5866544" y="1993187"/>
-            <a:ext cx="2198669" cy="3102795"/>
-            <a:chOff x="5866544" y="1993187"/>
-            <a:chExt cx="2198669" cy="3102795"/>
-          </a:xfrm>
-        </p:grpSpPr>
-        <p:sp>
-          <p:nvSpPr>
-            <p:cNvPr id="98" name="Rectangle 97"/>
-            <p:cNvSpPr/>
-            <p:nvPr/>
-          </p:nvSpPr>
-          <p:spPr bwMode="auto">
-            <a:xfrm>
-              <a:off x="5866544" y="1993187"/>
-              <a:ext cx="2178121" cy="3102795"/>
-            </a:xfrm>
-            <a:prstGeom prst="rect">
-              <a:avLst/>
-            </a:prstGeom>
-            <a:noFill/>
-            <a:ln w="25400" cap="flat" cmpd="sng" algn="ctr">
-              <a:solidFill>
-                <a:schemeClr val="tx1"/>
-              </a:solidFill>
-              <a:prstDash val="solid"/>
-              <a:round/>
-              <a:headEnd type="none" w="med" len="med"/>
-              <a:tailEnd type="none" w="med" len="med"/>
-            </a:ln>
-            <a:effectLst/>
-          </p:spPr>
-          <p:txBody>
-            <a:bodyPr vert="horz" wrap="none" lIns="91440" tIns="45720" rIns="91440" bIns="45720" numCol="1" rtlCol="0" anchor="ctr" anchorCtr="0" compatLnSpc="1">
-              <a:prstTxWarp prst="textNoShape">
-                <a:avLst/>
-              </a:prstTxWarp>
-            </a:bodyPr>
-            <a:lstStyle/>
-            <a:p>
-              <a:pPr marL="0" marR="0" indent="0" algn="ctr" defTabSz="914400" rtl="0" eaLnBrk="1" fontAlgn="base" latinLnBrk="0" hangingPunct="1">
-                <a:lnSpc>
-                  <a:spcPct val="100000"/>
-                </a:lnSpc>
-                <a:spcBef>
-                  <a:spcPct val="0"/>
-                </a:spcBef>
-                <a:spcAft>
-                  <a:spcPct val="0"/>
-                </a:spcAft>
-                <a:buClrTx/>
-                <a:buSzTx/>
-                <a:buFontTx/>
-                <a:buNone/>
-                <a:tabLst/>
-              </a:pPr>
-              <a:endParaRPr kumimoji="0" lang="en-US" sz="3200" b="0" i="0" u="none" strike="noStrike" cap="none" normalizeH="0" baseline="0" smtClean="0">
-                <a:ln>
-                  <a:noFill/>
-                </a:ln>
-                <a:solidFill>
-                  <a:schemeClr val="tx1"/>
-                </a:solidFill>
-                <a:effectLst/>
-                <a:latin typeface="Times New Roman" pitchFamily="18" charset="0"/>
-              </a:endParaRPr>
-            </a:p>
-          </p:txBody>
-        </p:sp>
-        <p:cxnSp>
-          <p:nvCxnSpPr>
-            <p:cNvPr id="100" name="Straight Connector 99"/>
-            <p:cNvCxnSpPr/>
-            <p:nvPr/>
-          </p:nvCxnSpPr>
-          <p:spPr bwMode="auto">
-            <a:xfrm>
-              <a:off x="5866544" y="2691829"/>
-              <a:ext cx="2198669" cy="1588"/>
-            </a:xfrm>
-            <a:prstGeom prst="line">
-              <a:avLst/>
-            </a:prstGeom>
-            <a:solidFill>
-              <a:schemeClr val="accent1"/>
-            </a:solidFill>
-            <a:ln w="9525" cap="flat" cmpd="sng" algn="ctr">
-              <a:solidFill>
-                <a:schemeClr val="tx1"/>
-              </a:solidFill>
-              <a:prstDash val="solid"/>
-              <a:round/>
-              <a:headEnd type="none" w="med" len="med"/>
-              <a:tailEnd type="none" w="med" len="med"/>
-            </a:ln>
-            <a:effectLst/>
-          </p:spPr>
-        </p:cxnSp>
-      </p:grpSp>
-      <p:grpSp>
-        <p:nvGrpSpPr>
-          <p:cNvPr id="106" name="Group 105"/>
-          <p:cNvGrpSpPr/>
-          <p:nvPr/>
-        </p:nvGrpSpPr>
-        <p:grpSpPr>
-          <a:xfrm>
-            <a:off x="5849580" y="2692622"/>
-            <a:ext cx="856412" cy="2482710"/>
-            <a:chOff x="5849580" y="2692622"/>
-            <a:chExt cx="856412" cy="2482710"/>
-          </a:xfrm>
-        </p:grpSpPr>
-        <p:grpSp>
-          <p:nvGrpSpPr>
-            <p:cNvPr id="96" name="Group 95"/>
-            <p:cNvGrpSpPr/>
-            <p:nvPr/>
-          </p:nvGrpSpPr>
-          <p:grpSpPr>
-            <a:xfrm>
-              <a:off x="5849580" y="2709944"/>
-              <a:ext cx="856412" cy="2465388"/>
-              <a:chOff x="6383828" y="2709944"/>
-              <a:chExt cx="856412" cy="2465388"/>
-            </a:xfrm>
-          </p:grpSpPr>
-          <p:sp>
-            <p:nvSpPr>
-              <p:cNvPr id="98310" name="Rectangle 6"/>
-              <p:cNvSpPr>
-                <a:spLocks noChangeArrowheads="1"/>
-              </p:cNvSpPr>
-              <p:nvPr/>
-            </p:nvSpPr>
-            <p:spPr bwMode="auto">
-              <a:xfrm>
-                <a:off x="6394102" y="4559382"/>
-                <a:ext cx="846138" cy="615950"/>
-              </a:xfrm>
-              <a:prstGeom prst="rect">
-                <a:avLst/>
-              </a:prstGeom>
-              <a:noFill/>
-              <a:ln w="9525">
-                <a:noFill/>
-                <a:miter lim="800000"/>
-                <a:headEnd/>
-                <a:tailEnd type="none" w="lg" len="lg"/>
-              </a:ln>
-              <a:effectLst/>
-            </p:spPr>
-            <p:txBody>
-              <a:bodyPr/>
-              <a:lstStyle/>
-              <a:p>
-                <a:pPr algn="ctr">
-                  <a:spcBef>
-                    <a:spcPct val="20000"/>
-                  </a:spcBef>
-                </a:pPr>
-                <a:r>
-                  <a:rPr lang="en-US" sz="2800">
-                    <a:solidFill>
-                      <a:srgbClr val="137117"/>
-                    </a:solidFill>
-                    <a:latin typeface="Comic Sans MS" pitchFamily="66" charset="0"/>
-                    <a:cs typeface="Arial" charset="0"/>
-                  </a:rPr>
-                  <a:t>T</a:t>
-                </a:r>
-              </a:p>
-            </p:txBody>
-          </p:sp>
-          <p:sp>
-            <p:nvSpPr>
-              <p:cNvPr id="98313" name="Rectangle 9"/>
-              <p:cNvSpPr>
-                <a:spLocks noChangeArrowheads="1"/>
-              </p:cNvSpPr>
-              <p:nvPr/>
-            </p:nvSpPr>
-            <p:spPr bwMode="auto">
-              <a:xfrm>
-                <a:off x="6394102" y="3941844"/>
-                <a:ext cx="846138" cy="617538"/>
-              </a:xfrm>
-              <a:prstGeom prst="rect">
-                <a:avLst/>
-              </a:prstGeom>
-              <a:noFill/>
-              <a:ln w="9525">
-                <a:noFill/>
-                <a:miter lim="800000"/>
-                <a:headEnd/>
-                <a:tailEnd type="none" w="lg" len="lg"/>
-              </a:ln>
-              <a:effectLst/>
-            </p:spPr>
-            <p:txBody>
-              <a:bodyPr/>
-              <a:lstStyle/>
-              <a:p>
-                <a:pPr algn="ctr">
-                  <a:spcBef>
-                    <a:spcPct val="20000"/>
-                  </a:spcBef>
-                </a:pPr>
-                <a:r>
-                  <a:rPr lang="en-US" sz="2800">
-                    <a:solidFill>
-                      <a:srgbClr val="137117"/>
-                    </a:solidFill>
-                    <a:latin typeface="Comic Sans MS" pitchFamily="66" charset="0"/>
-                    <a:cs typeface="Arial" charset="0"/>
-                  </a:rPr>
-                  <a:t>T</a:t>
-                </a:r>
-              </a:p>
-            </p:txBody>
-          </p:sp>
-          <p:sp>
-            <p:nvSpPr>
-              <p:cNvPr id="98316" name="Rectangle 12"/>
-              <p:cNvSpPr>
-                <a:spLocks noChangeArrowheads="1"/>
-              </p:cNvSpPr>
-              <p:nvPr/>
-            </p:nvSpPr>
-            <p:spPr bwMode="auto">
-              <a:xfrm>
-                <a:off x="6394102" y="3327482"/>
-                <a:ext cx="846138" cy="614363"/>
-              </a:xfrm>
-              <a:prstGeom prst="rect">
-                <a:avLst/>
-              </a:prstGeom>
-              <a:noFill/>
-              <a:ln w="9525">
-                <a:noFill/>
-                <a:miter lim="800000"/>
-                <a:headEnd/>
-                <a:tailEnd type="none" w="lg" len="lg"/>
-              </a:ln>
-              <a:effectLst/>
-            </p:spPr>
-            <p:txBody>
-              <a:bodyPr/>
-              <a:lstStyle/>
-              <a:p>
-                <a:pPr algn="ctr">
-                  <a:spcBef>
-                    <a:spcPct val="20000"/>
-                  </a:spcBef>
-                </a:pPr>
-                <a:r>
-                  <a:rPr lang="en-US" sz="2800" dirty="0">
-                    <a:solidFill>
-                      <a:srgbClr val="CC0000"/>
-                    </a:solidFill>
-                    <a:latin typeface="Comic Sans MS" pitchFamily="66" charset="0"/>
-                    <a:cs typeface="Arial" charset="0"/>
-                  </a:rPr>
-                  <a:t>F</a:t>
-                </a:r>
-              </a:p>
-            </p:txBody>
-          </p:sp>
-          <p:sp>
-            <p:nvSpPr>
-              <p:cNvPr id="98319" name="Rectangle 15"/>
-              <p:cNvSpPr>
-                <a:spLocks noChangeArrowheads="1"/>
-              </p:cNvSpPr>
-              <p:nvPr/>
-            </p:nvSpPr>
-            <p:spPr bwMode="auto">
-              <a:xfrm>
-                <a:off x="6383828" y="2709944"/>
-                <a:ext cx="846138" cy="617538"/>
-              </a:xfrm>
-              <a:prstGeom prst="rect">
-                <a:avLst/>
-              </a:prstGeom>
-              <a:noFill/>
-              <a:ln w="9525">
-                <a:noFill/>
-                <a:miter lim="800000"/>
-                <a:headEnd/>
-                <a:tailEnd type="none" w="lg" len="lg"/>
-              </a:ln>
-              <a:effectLst/>
-            </p:spPr>
-            <p:txBody>
-              <a:bodyPr/>
-              <a:lstStyle/>
-              <a:p>
-                <a:pPr algn="ctr">
-                  <a:spcBef>
-                    <a:spcPct val="20000"/>
-                  </a:spcBef>
-                </a:pPr>
-                <a:r>
-                  <a:rPr lang="en-US" sz="2800" dirty="0">
-                    <a:solidFill>
-                      <a:srgbClr val="CC0000"/>
-                    </a:solidFill>
-                    <a:latin typeface="Comic Sans MS" pitchFamily="66" charset="0"/>
-                    <a:cs typeface="Arial" charset="0"/>
-                  </a:rPr>
-                  <a:t>F</a:t>
-                </a:r>
-              </a:p>
-            </p:txBody>
-          </p:sp>
-        </p:grpSp>
-        <p:cxnSp>
-          <p:nvCxnSpPr>
-            <p:cNvPr id="102" name="Straight Connector 101"/>
-            <p:cNvCxnSpPr/>
-            <p:nvPr/>
-          </p:nvCxnSpPr>
-          <p:spPr bwMode="auto">
-            <a:xfrm rot="5400000">
-              <a:off x="5414481" y="3883631"/>
-              <a:ext cx="2383605" cy="1588"/>
-            </a:xfrm>
-            <a:prstGeom prst="line">
-              <a:avLst/>
-            </a:prstGeom>
-            <a:solidFill>
-              <a:schemeClr val="accent1"/>
-            </a:solidFill>
-            <a:ln w="9525" cap="flat" cmpd="sng" algn="ctr">
-              <a:solidFill>
-                <a:schemeClr val="tx1"/>
-              </a:solidFill>
-              <a:prstDash val="solid"/>
-              <a:round/>
-              <a:headEnd type="none" w="med" len="med"/>
-              <a:tailEnd type="none" w="med" len="med"/>
-            </a:ln>
-            <a:effectLst/>
-          </p:spPr>
-        </p:cxnSp>
-      </p:grpSp>
-      <p:grpSp>
-        <p:nvGrpSpPr>
-          <p:cNvPr id="107" name="Group 106"/>
-          <p:cNvGrpSpPr/>
-          <p:nvPr/>
-        </p:nvGrpSpPr>
-        <p:grpSpPr>
-          <a:xfrm>
-            <a:off x="7209418" y="2691828"/>
-            <a:ext cx="760413" cy="2483504"/>
-            <a:chOff x="7209418" y="2691828"/>
-            <a:chExt cx="760413" cy="2483504"/>
-          </a:xfrm>
-        </p:grpSpPr>
-        <p:grpSp>
-          <p:nvGrpSpPr>
-            <p:cNvPr id="86" name="Group 85"/>
-            <p:cNvGrpSpPr/>
-            <p:nvPr/>
-          </p:nvGrpSpPr>
-          <p:grpSpPr>
-            <a:xfrm>
-              <a:off x="7209418" y="2709944"/>
-              <a:ext cx="760413" cy="2465388"/>
-              <a:chOff x="6048456" y="2709944"/>
-              <a:chExt cx="760413" cy="2465388"/>
-            </a:xfrm>
-          </p:grpSpPr>
-          <p:sp>
-            <p:nvSpPr>
-              <p:cNvPr id="98309" name="Rectangle 5"/>
-              <p:cNvSpPr>
-                <a:spLocks noChangeArrowheads="1"/>
-              </p:cNvSpPr>
-              <p:nvPr/>
-            </p:nvSpPr>
-            <p:spPr bwMode="auto">
-              <a:xfrm>
-                <a:off x="6048456" y="4559382"/>
-                <a:ext cx="760413" cy="615950"/>
-              </a:xfrm>
-              <a:prstGeom prst="rect">
-                <a:avLst/>
-              </a:prstGeom>
-              <a:noFill/>
-              <a:ln w="9525">
-                <a:noFill/>
-                <a:miter lim="800000"/>
-                <a:headEnd/>
-                <a:tailEnd type="none" w="lg" len="lg"/>
-              </a:ln>
-              <a:effectLst/>
-            </p:spPr>
-            <p:txBody>
-              <a:bodyPr/>
-              <a:lstStyle/>
-              <a:p>
-                <a:pPr algn="ctr">
-                  <a:spcBef>
-                    <a:spcPct val="20000"/>
-                  </a:spcBef>
-                </a:pPr>
-                <a:r>
-                  <a:rPr lang="en-US" sz="2800">
-                    <a:solidFill>
-                      <a:srgbClr val="137117"/>
-                    </a:solidFill>
-                    <a:latin typeface="Comic Sans MS" pitchFamily="66" charset="0"/>
-                    <a:cs typeface="Arial" charset="0"/>
-                  </a:rPr>
-                  <a:t>T</a:t>
-                </a:r>
-              </a:p>
-            </p:txBody>
-          </p:sp>
-          <p:sp>
-            <p:nvSpPr>
-              <p:cNvPr id="98312" name="Rectangle 8"/>
-              <p:cNvSpPr>
-                <a:spLocks noChangeArrowheads="1"/>
-              </p:cNvSpPr>
-              <p:nvPr/>
-            </p:nvSpPr>
-            <p:spPr bwMode="auto">
-              <a:xfrm>
-                <a:off x="6048456" y="3941844"/>
-                <a:ext cx="760413" cy="617538"/>
-              </a:xfrm>
-              <a:prstGeom prst="rect">
-                <a:avLst/>
-              </a:prstGeom>
-              <a:noFill/>
-              <a:ln w="9525">
-                <a:noFill/>
-                <a:miter lim="800000"/>
-                <a:headEnd/>
-                <a:tailEnd type="none" w="lg" len="lg"/>
-              </a:ln>
-              <a:effectLst/>
-            </p:spPr>
-            <p:txBody>
-              <a:bodyPr/>
-              <a:lstStyle/>
-              <a:p>
-                <a:pPr algn="ctr">
-                  <a:spcBef>
-                    <a:spcPct val="20000"/>
-                  </a:spcBef>
-                </a:pPr>
-                <a:r>
-                  <a:rPr lang="en-US" sz="2800">
-                    <a:solidFill>
-                      <a:srgbClr val="CC0000"/>
-                    </a:solidFill>
-                    <a:latin typeface="Comic Sans MS" pitchFamily="66" charset="0"/>
-                    <a:cs typeface="Arial" charset="0"/>
-                  </a:rPr>
-                  <a:t>F</a:t>
-                </a:r>
-              </a:p>
-            </p:txBody>
-          </p:sp>
-          <p:sp>
-            <p:nvSpPr>
-              <p:cNvPr id="98315" name="Rectangle 11"/>
-              <p:cNvSpPr>
-                <a:spLocks noChangeArrowheads="1"/>
-              </p:cNvSpPr>
-              <p:nvPr/>
-            </p:nvSpPr>
-            <p:spPr bwMode="auto">
-              <a:xfrm>
-                <a:off x="6048456" y="3327482"/>
-                <a:ext cx="760413" cy="614363"/>
-              </a:xfrm>
-              <a:prstGeom prst="rect">
-                <a:avLst/>
-              </a:prstGeom>
-              <a:noFill/>
-              <a:ln w="9525">
-                <a:noFill/>
-                <a:miter lim="800000"/>
-                <a:headEnd/>
-                <a:tailEnd type="none" w="lg" len="lg"/>
-              </a:ln>
-              <a:effectLst/>
-            </p:spPr>
-            <p:txBody>
-              <a:bodyPr/>
-              <a:lstStyle/>
-              <a:p>
-                <a:pPr algn="ctr">
-                  <a:spcBef>
-                    <a:spcPct val="20000"/>
-                  </a:spcBef>
-                </a:pPr>
-                <a:r>
-                  <a:rPr lang="en-US" sz="2800" dirty="0">
-                    <a:solidFill>
-                      <a:srgbClr val="137117"/>
-                    </a:solidFill>
-                    <a:latin typeface="Comic Sans MS" pitchFamily="66" charset="0"/>
-                    <a:cs typeface="Arial" charset="0"/>
-                  </a:rPr>
-                  <a:t>T</a:t>
-                </a:r>
-              </a:p>
-            </p:txBody>
-          </p:sp>
-          <p:sp>
-            <p:nvSpPr>
-              <p:cNvPr id="98318" name="Rectangle 14"/>
-              <p:cNvSpPr>
-                <a:spLocks noChangeArrowheads="1"/>
-              </p:cNvSpPr>
-              <p:nvPr/>
-            </p:nvSpPr>
-            <p:spPr bwMode="auto">
-              <a:xfrm>
-                <a:off x="6048456" y="2709944"/>
-                <a:ext cx="760413" cy="617538"/>
-              </a:xfrm>
-              <a:prstGeom prst="rect">
-                <a:avLst/>
-              </a:prstGeom>
-              <a:noFill/>
-              <a:ln w="9525">
-                <a:noFill/>
-                <a:miter lim="800000"/>
-                <a:headEnd/>
-                <a:tailEnd type="none" w="lg" len="lg"/>
-              </a:ln>
-              <a:effectLst/>
-            </p:spPr>
-            <p:txBody>
-              <a:bodyPr/>
-              <a:lstStyle/>
-              <a:p>
-                <a:pPr algn="ctr">
-                  <a:spcBef>
-                    <a:spcPct val="20000"/>
-                  </a:spcBef>
-                </a:pPr>
-                <a:r>
-                  <a:rPr lang="en-US" sz="2800" dirty="0">
-                    <a:solidFill>
-                      <a:srgbClr val="CC0000"/>
-                    </a:solidFill>
-                    <a:latin typeface="Comic Sans MS" pitchFamily="66" charset="0"/>
-                    <a:cs typeface="Arial" charset="0"/>
-                  </a:rPr>
-                  <a:t>F</a:t>
-                </a:r>
-              </a:p>
-            </p:txBody>
-          </p:sp>
-        </p:grpSp>
-        <p:cxnSp>
-          <p:nvCxnSpPr>
-            <p:cNvPr id="104" name="Straight Connector 103"/>
-            <p:cNvCxnSpPr/>
-            <p:nvPr/>
-          </p:nvCxnSpPr>
-          <p:spPr bwMode="auto">
-            <a:xfrm rot="5400000">
-              <a:off x="6113124" y="3883631"/>
-              <a:ext cx="2404153" cy="20548"/>
-            </a:xfrm>
-            <a:prstGeom prst="line">
-              <a:avLst/>
-            </a:prstGeom>
-            <a:solidFill>
-              <a:schemeClr val="accent1"/>
-            </a:solidFill>
-            <a:ln w="9525" cap="flat" cmpd="sng" algn="ctr">
-              <a:solidFill>
-                <a:schemeClr val="tx1"/>
-              </a:solidFill>
-              <a:prstDash val="solid"/>
-              <a:round/>
-              <a:headEnd type="none" w="med" len="med"/>
-              <a:tailEnd type="none" w="med" len="med"/>
-            </a:ln>
-            <a:effectLst/>
-          </p:spPr>
-        </p:cxnSp>
-      </p:grpSp>
-      <p:graphicFrame>
-        <p:nvGraphicFramePr>
-          <p:cNvPr id="70" name="Object 7"/>
-          <p:cNvGraphicFramePr>
-            <a:graphicFrameLocks noChangeAspect="1"/>
-          </p:cNvGraphicFramePr>
-          <p:nvPr>
-            <p:extLst>
-              <p:ext uri="{D42A27DB-BD31-4B8C-83A1-F6EECF244321}">
-                <p14:modId xmlns:p14="http://schemas.microsoft.com/office/powerpoint/2010/main" val="4120200768"/>
-              </p:ext>
-            </p:extLst>
-          </p:nvPr>
-        </p:nvGraphicFramePr>
-        <p:xfrm>
-          <a:off x="2987675" y="2239963"/>
-          <a:ext cx="2190750" cy="623887"/>
-        </p:xfrm>
-        <a:graphic>
-          <a:graphicData uri="http://schemas.openxmlformats.org/presentationml/2006/ole">
-            <mc:AlternateContent xmlns:mc="http://schemas.openxmlformats.org/markup-compatibility/2006">
-              <mc:Choice xmlns:v="urn:schemas-microsoft-com:vml" Requires="v">
-                <p:oleObj spid="_x0000_s402738" name="Equation" r:id="rId4" imgW="800100" imgH="228600" progId="Equation.DSMT4">
-                  <p:embed/>
-                </p:oleObj>
-              </mc:Choice>
-              <mc:Fallback>
-                <p:oleObj name="Equation" r:id="rId4" imgW="800100" imgH="228600" progId="Equation.DSMT4">
-                  <p:embed/>
-                  <p:pic>
-                    <p:nvPicPr>
-                      <p:cNvPr id="0" name=""/>
-                      <p:cNvPicPr>
-                        <a:picLocks noChangeAspect="1" noChangeArrowheads="1"/>
-                      </p:cNvPicPr>
-                      <p:nvPr/>
-                    </p:nvPicPr>
-                    <p:blipFill>
-                      <a:blip r:embed="rId5"/>
-                      <a:srcRect/>
-                      <a:stretch>
-                        <a:fillRect/>
-                      </a:stretch>
-                    </p:blipFill>
-                    <p:spPr bwMode="auto">
-                      <a:xfrm>
-                        <a:off x="2987675" y="2239963"/>
-                        <a:ext cx="2190750" cy="623887"/>
-                      </a:xfrm>
-                      <a:prstGeom prst="rect">
-                        <a:avLst/>
-                      </a:prstGeom>
-                      <a:noFill/>
-                      <a:extLst/>
-                    </p:spPr>
-                  </p:pic>
-                </p:oleObj>
-              </mc:Fallback>
-            </mc:AlternateContent>
-          </a:graphicData>
-        </a:graphic>
-      </p:graphicFrame>
-      <p:graphicFrame>
-        <p:nvGraphicFramePr>
-          <p:cNvPr id="71" name="Object 70"/>
-          <p:cNvGraphicFramePr>
-            <a:graphicFrameLocks noChangeAspect="1"/>
-          </p:cNvGraphicFramePr>
-          <p:nvPr>
-            <p:extLst>
-              <p:ext uri="{D42A27DB-BD31-4B8C-83A1-F6EECF244321}">
-                <p14:modId xmlns:p14="http://schemas.microsoft.com/office/powerpoint/2010/main" val="2852293562"/>
-              </p:ext>
-            </p:extLst>
-          </p:nvPr>
-        </p:nvGraphicFramePr>
-        <p:xfrm>
-          <a:off x="5968219" y="1997224"/>
-          <a:ext cx="2043362" cy="792324"/>
-        </p:xfrm>
-        <a:graphic>
-          <a:graphicData uri="http://schemas.openxmlformats.org/presentationml/2006/ole">
-            <mc:AlternateContent xmlns:mc="http://schemas.openxmlformats.org/markup-compatibility/2006">
-              <mc:Choice xmlns:v="urn:schemas-microsoft-com:vml" Requires="v">
-                <p:oleObj spid="_x0000_s402739" name="Equation" r:id="rId6" imgW="622300" imgH="241300" progId="Equation.DSMT4">
-                  <p:embed/>
-                </p:oleObj>
-              </mc:Choice>
-              <mc:Fallback>
-                <p:oleObj name="Equation" r:id="rId6" imgW="622300" imgH="241300" progId="Equation.DSMT4">
-                  <p:embed/>
-                  <p:pic>
-                    <p:nvPicPr>
-                      <p:cNvPr id="0" name=""/>
-                      <p:cNvPicPr/>
-                      <p:nvPr/>
-                    </p:nvPicPr>
-                    <p:blipFill>
-                      <a:blip r:embed="rId7"/>
-                      <a:stretch>
-                        <a:fillRect/>
-                      </a:stretch>
-                    </p:blipFill>
-                    <p:spPr>
-                      <a:xfrm>
-                        <a:off x="5968219" y="1997224"/>
-                        <a:ext cx="2043362" cy="792324"/>
-                      </a:xfrm>
-                      <a:prstGeom prst="rect">
-                        <a:avLst/>
-                      </a:prstGeom>
-                    </p:spPr>
-                  </p:pic>
-                </p:oleObj>
-              </mc:Fallback>
-            </mc:AlternateContent>
-          </a:graphicData>
-        </a:graphic>
-      </p:graphicFrame>
-      <p:grpSp>
-        <p:nvGrpSpPr>
-          <p:cNvPr id="13" name="Group 12"/>
-          <p:cNvGrpSpPr/>
-          <p:nvPr/>
-        </p:nvGrpSpPr>
-        <p:grpSpPr>
-          <a:xfrm>
-            <a:off x="1390644" y="1047750"/>
-            <a:ext cx="6673857" cy="973667"/>
-            <a:chOff x="1390644" y="1047750"/>
-            <a:chExt cx="6673857" cy="973667"/>
-          </a:xfrm>
-        </p:grpSpPr>
-        <p:sp>
-          <p:nvSpPr>
-            <p:cNvPr id="78" name="TextBox 77"/>
-            <p:cNvSpPr txBox="1"/>
-            <p:nvPr/>
-          </p:nvSpPr>
-          <p:spPr>
-            <a:xfrm>
-              <a:off x="3380987" y="1155896"/>
-              <a:ext cx="2244424" cy="769441"/>
-            </a:xfrm>
-            <a:prstGeom prst="rect">
-              <a:avLst/>
-            </a:prstGeom>
-            <a:noFill/>
-          </p:spPr>
-          <p:txBody>
-            <a:bodyPr wrap="none" rtlCol="0">
-              <a:spAutoFit/>
-            </a:bodyPr>
-            <a:lstStyle/>
-            <a:p>
-              <a:r>
-                <a:rPr lang="en-US" sz="4400" dirty="0" err="1" smtClean="0">
-                  <a:latin typeface="Comic Sans MS" pitchFamily="66" charset="0"/>
-                </a:rPr>
-                <a:t>equiv</a:t>
-              </a:r>
-              <a:r>
-                <a:rPr lang="en-US" sz="4400" dirty="0" smtClean="0">
-                  <a:latin typeface="Comic Sans MS" pitchFamily="66" charset="0"/>
-                </a:rPr>
-                <a:t> to</a:t>
-              </a:r>
-            </a:p>
-          </p:txBody>
-        </p:sp>
-        <p:graphicFrame>
-          <p:nvGraphicFramePr>
-            <p:cNvPr id="9" name="Object 8"/>
-            <p:cNvGraphicFramePr>
-              <a:graphicFrameLocks noChangeAspect="1"/>
-            </p:cNvGraphicFramePr>
-            <p:nvPr>
-              <p:extLst>
-                <p:ext uri="{D42A27DB-BD31-4B8C-83A1-F6EECF244321}">
-                  <p14:modId xmlns:p14="http://schemas.microsoft.com/office/powerpoint/2010/main" val="561309820"/>
-                </p:ext>
-              </p:extLst>
-            </p:nvPr>
-          </p:nvGraphicFramePr>
-          <p:xfrm>
-            <a:off x="5618981" y="1047750"/>
-            <a:ext cx="2445520" cy="948263"/>
-          </p:xfrm>
-          <a:graphic>
-            <a:graphicData uri="http://schemas.openxmlformats.org/presentationml/2006/ole">
-              <mc:AlternateContent xmlns:mc="http://schemas.openxmlformats.org/markup-compatibility/2006">
-                <mc:Choice xmlns:v="urn:schemas-microsoft-com:vml" Requires="v">
-                  <p:oleObj spid="_x0000_s402740" name="Equation" r:id="rId8" imgW="622300" imgH="241300" progId="Equation.DSMT4">
-                    <p:embed/>
-                  </p:oleObj>
-                </mc:Choice>
-                <mc:Fallback>
-                  <p:oleObj name="Equation" r:id="rId8" imgW="622300" imgH="241300" progId="Equation.DSMT4">
-                    <p:embed/>
-                    <p:pic>
-                      <p:nvPicPr>
-                        <p:cNvPr id="0" name=""/>
-                        <p:cNvPicPr/>
-                        <p:nvPr/>
-                      </p:nvPicPr>
-                      <p:blipFill>
-                        <a:blip r:embed="rId7"/>
-                        <a:stretch>
-                          <a:fillRect/>
-                        </a:stretch>
-                      </p:blipFill>
-                      <p:spPr>
-                        <a:xfrm>
-                          <a:off x="5618981" y="1047750"/>
-                          <a:ext cx="2445520" cy="948263"/>
-                        </a:xfrm>
-                        <a:prstGeom prst="rect">
-                          <a:avLst/>
-                        </a:prstGeom>
-                      </p:spPr>
-                    </p:pic>
-                  </p:oleObj>
-                </mc:Fallback>
-              </mc:AlternateContent>
-            </a:graphicData>
-          </a:graphic>
-        </p:graphicFrame>
-        <p:graphicFrame>
-          <p:nvGraphicFramePr>
-            <p:cNvPr id="12" name="Object 11"/>
-            <p:cNvGraphicFramePr>
-              <a:graphicFrameLocks noChangeAspect="1"/>
-            </p:cNvGraphicFramePr>
-            <p:nvPr>
-              <p:extLst>
-                <p:ext uri="{D42A27DB-BD31-4B8C-83A1-F6EECF244321}">
-                  <p14:modId xmlns:p14="http://schemas.microsoft.com/office/powerpoint/2010/main" val="1786872242"/>
-                </p:ext>
-              </p:extLst>
-            </p:nvPr>
-          </p:nvGraphicFramePr>
-          <p:xfrm>
-            <a:off x="1390644" y="1056217"/>
-            <a:ext cx="1930400" cy="965200"/>
-          </p:xfrm>
-          <a:graphic>
-            <a:graphicData uri="http://schemas.openxmlformats.org/presentationml/2006/ole">
-              <mc:AlternateContent xmlns:mc="http://schemas.openxmlformats.org/markup-compatibility/2006">
-                <mc:Choice xmlns:v="urn:schemas-microsoft-com:vml" Requires="v">
-                  <p:oleObj spid="_x0000_s402741" name="Equation" r:id="rId9" imgW="609600" imgH="304800" progId="Equation.DSMT4">
-                    <p:embed/>
-                  </p:oleObj>
-                </mc:Choice>
-                <mc:Fallback>
-                  <p:oleObj name="Equation" r:id="rId9" imgW="609600" imgH="304800" progId="Equation.DSMT4">
-                    <p:embed/>
-                    <p:pic>
-                      <p:nvPicPr>
-                        <p:cNvPr id="0" name=""/>
-                        <p:cNvPicPr/>
-                        <p:nvPr/>
-                      </p:nvPicPr>
-                      <p:blipFill>
-                        <a:blip r:embed="rId10"/>
-                        <a:stretch>
-                          <a:fillRect/>
-                        </a:stretch>
-                      </p:blipFill>
-                      <p:spPr>
-                        <a:xfrm>
-                          <a:off x="1390644" y="1056217"/>
-                          <a:ext cx="1930400" cy="965200"/>
-                        </a:xfrm>
-                        <a:prstGeom prst="rect">
-                          <a:avLst/>
-                        </a:prstGeom>
-                      </p:spPr>
-                    </p:pic>
-                  </p:oleObj>
-                </mc:Fallback>
-              </mc:AlternateContent>
-            </a:graphicData>
-          </a:graphic>
-        </p:graphicFrame>
-      </p:grpSp>
     </p:spTree>
     <p:extLst>
       <p:ext uri="{BB962C8B-B14F-4D97-AF65-F5344CB8AC3E}">
-        <p14:creationId xmlns:p14="http://schemas.microsoft.com/office/powerpoint/2010/main" val="2421829132"/>
+        <p14:creationId xmlns:p14="http://schemas.microsoft.com/office/powerpoint/2010/main" val="3723017001"/>
       </p:ext>
     </p:extLst>
   </p:cSld>
   <p:clrMapOvr>
     <a:masterClrMapping/>
   </p:clrMapOvr>
-  <mc:AlternateContent xmlns:mc="http://schemas.openxmlformats.org/markup-compatibility/2006" xmlns:p14="http://schemas.microsoft.com/office/powerpoint/2010/main">
-    <mc:Choice Requires="p14">
-      <p:transition spd="med" p14:dur="700" advClick="0">
-        <p:fade/>
-      </p:transition>
-    </mc:Choice>
-    <mc:Fallback xmlns="">
-      <p:transition xmlns:p14="http://schemas.microsoft.com/office/powerpoint/2010/main" spd="med" advClick="0">
-        <p:fade/>
-      </p:transition>
-    </mc:Fallback>
-  </mc:AlternateContent>
-  <p:timing>
-    <p:tnLst>
-      <p:par>
-        <p:cTn xmlns:p14="http://schemas.microsoft.com/office/powerpoint/2010/main" id="1" dur="indefinite" restart="never" nodeType="tmRoot"/>
-      </p:par>
-    </p:tnLst>
-  </p:timing>
+  <p:transition xmlns:p14="http://schemas.microsoft.com/office/powerpoint/2010/main">
+    <p:fade/>
+  </p:transition>
 </p:sld>
 </file>
 

--- a/spring15/slidesS15/normal-forms.pptx
+++ b/spring15/slidesS15/normal-forms.pptx
@@ -5,19 +5,35 @@
     <p:sldMasterId id="2147483650" r:id="rId1"/>
   </p:sldMasterIdLst>
   <p:notesMasterIdLst>
-    <p:notesMasterId r:id="rId4"/>
+    <p:notesMasterId r:id="rId20"/>
   </p:notesMasterIdLst>
   <p:handoutMasterIdLst>
-    <p:handoutMasterId r:id="rId5"/>
+    <p:handoutMasterId r:id="rId21"/>
   </p:handoutMasterIdLst>
   <p:sldIdLst>
     <p:sldId id="392" r:id="rId2"/>
-    <p:sldId id="465" r:id="rId3"/>
+    <p:sldId id="466" r:id="rId3"/>
+    <p:sldId id="465" r:id="rId4"/>
+    <p:sldId id="467" r:id="rId5"/>
+    <p:sldId id="468" r:id="rId6"/>
+    <p:sldId id="482" r:id="rId7"/>
+    <p:sldId id="481" r:id="rId8"/>
+    <p:sldId id="469" r:id="rId9"/>
+    <p:sldId id="470" r:id="rId10"/>
+    <p:sldId id="471" r:id="rId11"/>
+    <p:sldId id="473" r:id="rId12"/>
+    <p:sldId id="474" r:id="rId13"/>
+    <p:sldId id="476" r:id="rId14"/>
+    <p:sldId id="477" r:id="rId15"/>
+    <p:sldId id="478" r:id="rId16"/>
+    <p:sldId id="479" r:id="rId17"/>
+    <p:sldId id="480" r:id="rId18"/>
+    <p:sldId id="483" r:id="rId19"/>
   </p:sldIdLst>
   <p:sldSz cx="9144000" cy="6858000" type="screen4x3"/>
   <p:notesSz cx="9601200" cy="7315200"/>
   <p:custDataLst>
-    <p:tags r:id="rId7"/>
+    <p:tags r:id="rId23"/>
   </p:custDataLst>
   <p:defaultTextStyle>
     <a:defPPr>
@@ -931,24 +947,32 @@
             <a:spLocks noGrp="1"/>
           </p:cNvSpPr>
           <p:nvPr>
-            <p:ph type="ctrTitle"/>
+            <p:ph type="ctrTitle" hasCustomPrompt="1"/>
           </p:nvPr>
         </p:nvSpPr>
         <p:spPr>
           <a:xfrm>
-            <a:off x="685800" y="2130425"/>
+            <a:off x="685800" y="1740525"/>
             <a:ext cx="7772400" cy="1470025"/>
           </a:xfrm>
         </p:spPr>
         <p:txBody>
           <a:bodyPr/>
-          <a:lstStyle/>
+          <a:lstStyle>
+            <a:lvl1pPr>
+              <a:defRPr sz="6600" baseline="0"/>
+            </a:lvl1pPr>
+          </a:lstStyle>
           <a:p>
             <a:r>
-              <a:rPr lang="en-US" smtClean="0"/>
-              <a:t>Click to edit Master title style</a:t>
-            </a:r>
-            <a:endParaRPr lang="en-US"/>
+              <a:rPr lang="en-US" dirty="0" smtClean="0"/>
+              <a:t>Master </a:t>
+            </a:r>
+            <a:r>
+              <a:rPr lang="en-US" dirty="0" smtClean="0"/>
+              <a:t>title style</a:t>
+            </a:r>
+            <a:endParaRPr lang="en-US" dirty="0"/>
           </a:p>
         </p:txBody>
       </p:sp>
@@ -964,7 +988,7 @@
         </p:nvSpPr>
         <p:spPr>
           <a:xfrm>
-            <a:off x="1371600" y="3886200"/>
+            <a:off x="1371600" y="3429460"/>
             <a:ext cx="6400800" cy="1752600"/>
           </a:xfrm>
         </p:spPr>
@@ -973,7 +997,7 @@
           <a:lstStyle>
             <a:lvl1pPr marL="0" indent="0" algn="ctr">
               <a:buNone/>
-              <a:defRPr/>
+              <a:defRPr sz="4800"/>
             </a:lvl1pPr>
             <a:lvl2pPr marL="457200" indent="0" algn="ctr">
               <a:buNone/>
@@ -1010,10 +1034,10 @@
           </a:lstStyle>
           <a:p>
             <a:r>
-              <a:rPr lang="en-US" smtClean="0"/>
+              <a:rPr lang="en-US" dirty="0" smtClean="0"/>
               <a:t>Click to edit Master subtitle style</a:t>
             </a:r>
-            <a:endParaRPr lang="en-US"/>
+            <a:endParaRPr lang="en-US" dirty="0"/>
           </a:p>
         </p:txBody>
       </p:sp>
@@ -1047,11 +1071,7 @@
             </a:pPr>
             <a:r>
               <a:rPr lang="en-US" dirty="0" smtClean="0"/>
-              <a:t>forms.</a:t>
-            </a:r>
-            <a:r>
-              <a:rPr lang="en-US" dirty="0" smtClean="0"/>
-              <a:t>.</a:t>
+              <a:t>forms..</a:t>
             </a:r>
             <a:fld id="{C3C9801B-391E-452B-A4C3-BC5EC51A0BC7}" type="slidenum">
               <a:rPr lang="en-US" smtClean="0"/>
@@ -1204,11 +1224,7 @@
             </a:pPr>
             <a:r>
               <a:rPr lang="en-US" dirty="0" smtClean="0"/>
-              <a:t>forms.</a:t>
-            </a:r>
-            <a:r>
-              <a:rPr lang="en-US" dirty="0" smtClean="0"/>
-              <a:t>.</a:t>
+              <a:t>forms..</a:t>
             </a:r>
             <a:fld id="{A528ADE2-B74F-4D9D-8D04-FB5D781EAB51}" type="slidenum">
               <a:rPr lang="en-US" smtClean="0"/>
@@ -1240,108 +1256,6 @@
 </file>
 
 <file path=ppt/slideLayouts/slideLayout3.xml><?xml version="1.0" encoding="utf-8"?>
-<p:sldLayout xmlns:a="http://schemas.openxmlformats.org/drawingml/2006/main" xmlns:r="http://schemas.openxmlformats.org/officeDocument/2006/relationships" xmlns:p="http://schemas.openxmlformats.org/presentationml/2006/main" type="titleOnly" preserve="1">
-  <p:cSld name="Title Only">
-    <p:spTree>
-      <p:nvGrpSpPr>
-        <p:cNvPr id="1" name=""/>
-        <p:cNvGrpSpPr/>
-        <p:nvPr/>
-      </p:nvGrpSpPr>
-      <p:grpSpPr>
-        <a:xfrm>
-          <a:off x="0" y="0"/>
-          <a:ext cx="0" cy="0"/>
-          <a:chOff x="0" y="0"/>
-          <a:chExt cx="0" cy="0"/>
-        </a:xfrm>
-      </p:grpSpPr>
-      <p:sp>
-        <p:nvSpPr>
-          <p:cNvPr id="2" name="Title 1"/>
-          <p:cNvSpPr>
-            <a:spLocks noGrp="1"/>
-          </p:cNvSpPr>
-          <p:nvPr>
-            <p:ph type="title"/>
-          </p:nvPr>
-        </p:nvSpPr>
-        <p:spPr/>
-        <p:txBody>
-          <a:bodyPr/>
-          <a:lstStyle>
-            <a:lvl1pPr>
-              <a:defRPr sz="3600"/>
-            </a:lvl1pPr>
-          </a:lstStyle>
-          <a:p>
-            <a:r>
-              <a:rPr lang="en-US" dirty="0" smtClean="0"/>
-              <a:t>Click to edit Master title style</a:t>
-            </a:r>
-            <a:endParaRPr lang="en-US" dirty="0"/>
-          </a:p>
-        </p:txBody>
-      </p:sp>
-      <p:sp>
-        <p:nvSpPr>
-          <p:cNvPr id="3" name="Rectangle 11"/>
-          <p:cNvSpPr>
-            <a:spLocks noGrp="1" noChangeArrowheads="1"/>
-          </p:cNvSpPr>
-          <p:nvPr>
-            <p:ph type="sldNum" sz="quarter" idx="10"/>
-          </p:nvPr>
-        </p:nvSpPr>
-        <p:spPr>
-          <a:xfrm>
-            <a:off x="8208081" y="6553200"/>
-            <a:ext cx="935923" cy="276999"/>
-          </a:xfrm>
-          <a:ln/>
-        </p:spPr>
-        <p:txBody>
-          <a:bodyPr/>
-          <a:lstStyle>
-            <a:lvl1pPr>
-              <a:defRPr/>
-            </a:lvl1pPr>
-          </a:lstStyle>
-          <a:p>
-            <a:pPr>
-              <a:defRPr/>
-            </a:pPr>
-            <a:r>
-              <a:rPr lang="en-US" dirty="0" smtClean="0"/>
-              <a:t>forms.</a:t>
-            </a:r>
-            <a:r>
-              <a:rPr lang="en-US" dirty="0" smtClean="0"/>
-              <a:t>.</a:t>
-            </a:r>
-            <a:fld id="{DB6F0ED6-FEF5-4C9C-B1CC-29B47EC66FAA}" type="slidenum">
-              <a:rPr lang="en-US" smtClean="0"/>
-              <a:pPr>
-                <a:defRPr/>
-              </a:pPr>
-              <a:t>‹#›</a:t>
-            </a:fld>
-            <a:endParaRPr lang="en-US" dirty="0"/>
-          </a:p>
-        </p:txBody>
-      </p:sp>
-    </p:spTree>
-  </p:cSld>
-  <p:clrMapOvr>
-    <a:masterClrMapping/>
-  </p:clrMapOvr>
-  <p:transition xmlns:p14="http://schemas.microsoft.com/office/powerpoint/2010/main">
-    <p:fade/>
-  </p:transition>
-</p:sldLayout>
-</file>
-
-<file path=ppt/slideLayouts/slideLayout4.xml><?xml version="1.0" encoding="utf-8"?>
 <p:sldLayout xmlns:a="http://schemas.openxmlformats.org/drawingml/2006/main" xmlns:r="http://schemas.openxmlformats.org/officeDocument/2006/relationships" xmlns:p="http://schemas.openxmlformats.org/presentationml/2006/main" type="blank" preserve="1">
   <p:cSld name="Blank">
     <p:spTree>
@@ -1388,11 +1302,7 @@
             </a:pPr>
             <a:r>
               <a:rPr lang="en-US" dirty="0" smtClean="0"/>
-              <a:t>forms.</a:t>
-            </a:r>
-            <a:r>
-              <a:rPr lang="en-US" dirty="0" smtClean="0"/>
-              <a:t>.</a:t>
+              <a:t>forms..</a:t>
             </a:r>
             <a:fld id="{7D4651B8-09C8-4A4D-BE8E-31B6C97A420D}" type="slidenum">
               <a:rPr lang="en-US" smtClean="0"/>
@@ -1423,8 +1333,8 @@
 </p:sldLayout>
 </file>
 
-<file path=ppt/slideLayouts/slideLayout5.xml><?xml version="1.0" encoding="utf-8"?>
-<p:sldLayout xmlns:a="http://schemas.openxmlformats.org/drawingml/2006/main" xmlns:r="http://schemas.openxmlformats.org/officeDocument/2006/relationships" xmlns:p="http://schemas.openxmlformats.org/presentationml/2006/main" type="fourObj">
+<file path=ppt/slideLayouts/slideLayout4.xml><?xml version="1.0" encoding="utf-8"?>
+<p:sldLayout xmlns:a="http://schemas.openxmlformats.org/drawingml/2006/main" xmlns:r="http://schemas.openxmlformats.org/officeDocument/2006/relationships" xmlns:p="http://schemas.openxmlformats.org/presentationml/2006/main" userDrawn="1">
   <p:cSld name="Title and 4 Content">
     <p:spTree>
       <p:nvGrpSpPr>
@@ -1447,7 +1357,7 @@
             <a:spLocks noGrp="1"/>
           </p:cNvSpPr>
           <p:nvPr>
-            <p:ph type="title" sz="quarter"/>
+            <p:ph type="title" sz="quarter" hasCustomPrompt="1"/>
           </p:nvPr>
         </p:nvSpPr>
         <p:spPr>
@@ -1461,300 +1371,12 @@
           <a:lstStyle/>
           <a:p>
             <a:r>
-              <a:rPr lang="en-US" smtClean="0"/>
-              <a:t>Click to edit Master title style</a:t>
-            </a:r>
-            <a:endParaRPr lang="en-US"/>
-          </a:p>
-        </p:txBody>
-      </p:sp>
-      <p:sp>
-        <p:nvSpPr>
-          <p:cNvPr id="3" name="Content Placeholder 2"/>
-          <p:cNvSpPr>
-            <a:spLocks noGrp="1"/>
-          </p:cNvSpPr>
-          <p:nvPr>
-            <p:ph sz="quarter" idx="1"/>
-          </p:nvPr>
-        </p:nvSpPr>
-        <p:spPr>
-          <a:xfrm>
-            <a:off x="457200" y="1600200"/>
-            <a:ext cx="4038600" cy="2185988"/>
-          </a:xfrm>
-        </p:spPr>
-        <p:txBody>
-          <a:bodyPr/>
-          <a:lstStyle>
-            <a:lvl1pPr>
-              <a:defRPr sz="2000"/>
-            </a:lvl1pPr>
-            <a:lvl2pPr>
-              <a:defRPr sz="1800"/>
-            </a:lvl2pPr>
-            <a:lvl3pPr>
-              <a:defRPr sz="1800"/>
-            </a:lvl3pPr>
-            <a:lvl4pPr>
-              <a:defRPr sz="1600"/>
-            </a:lvl4pPr>
-            <a:lvl5pPr>
-              <a:defRPr sz="1600"/>
-            </a:lvl5pPr>
-          </a:lstStyle>
-          <a:p>
-            <a:pPr lvl="0"/>
-            <a:r>
               <a:rPr lang="en-US" dirty="0" smtClean="0"/>
-              <a:t>Click to edit Master text styles</a:t>
-            </a:r>
-          </a:p>
-          <a:p>
-            <a:pPr lvl="1"/>
+              <a:t>Master </a:t>
+            </a:r>
             <a:r>
               <a:rPr lang="en-US" dirty="0" smtClean="0"/>
-              <a:t>Second level</a:t>
-            </a:r>
-          </a:p>
-          <a:p>
-            <a:pPr lvl="2"/>
-            <a:r>
-              <a:rPr lang="en-US" dirty="0" smtClean="0"/>
-              <a:t>Third level</a:t>
-            </a:r>
-          </a:p>
-          <a:p>
-            <a:pPr lvl="3"/>
-            <a:r>
-              <a:rPr lang="en-US" dirty="0" smtClean="0"/>
-              <a:t>Fourth level</a:t>
-            </a:r>
-          </a:p>
-          <a:p>
-            <a:pPr lvl="4"/>
-            <a:r>
-              <a:rPr lang="en-US" dirty="0" smtClean="0"/>
-              <a:t>Fifth level</a:t>
-            </a:r>
-            <a:endParaRPr lang="en-US" dirty="0"/>
-          </a:p>
-        </p:txBody>
-      </p:sp>
-      <p:sp>
-        <p:nvSpPr>
-          <p:cNvPr id="4" name="Content Placeholder 3"/>
-          <p:cNvSpPr>
-            <a:spLocks noGrp="1"/>
-          </p:cNvSpPr>
-          <p:nvPr>
-            <p:ph sz="quarter" idx="2"/>
-          </p:nvPr>
-        </p:nvSpPr>
-        <p:spPr>
-          <a:xfrm>
-            <a:off x="4648200" y="1600200"/>
-            <a:ext cx="4038600" cy="2185988"/>
-          </a:xfrm>
-        </p:spPr>
-        <p:txBody>
-          <a:bodyPr/>
-          <a:lstStyle>
-            <a:lvl1pPr>
-              <a:defRPr sz="2400"/>
-            </a:lvl1pPr>
-            <a:lvl2pPr>
-              <a:defRPr sz="2000"/>
-            </a:lvl2pPr>
-            <a:lvl3pPr>
-              <a:defRPr sz="2000"/>
-            </a:lvl3pPr>
-            <a:lvl4pPr>
-              <a:defRPr sz="1800"/>
-            </a:lvl4pPr>
-            <a:lvl5pPr>
-              <a:defRPr sz="1800"/>
-            </a:lvl5pPr>
-          </a:lstStyle>
-          <a:p>
-            <a:pPr lvl="0"/>
-            <a:r>
-              <a:rPr lang="en-US" dirty="0" smtClean="0"/>
-              <a:t>Click to edit Master text styles</a:t>
-            </a:r>
-          </a:p>
-          <a:p>
-            <a:pPr lvl="1"/>
-            <a:r>
-              <a:rPr lang="en-US" dirty="0" smtClean="0"/>
-              <a:t>Second level</a:t>
-            </a:r>
-          </a:p>
-          <a:p>
-            <a:pPr lvl="2"/>
-            <a:r>
-              <a:rPr lang="en-US" dirty="0" smtClean="0"/>
-              <a:t>Third level</a:t>
-            </a:r>
-          </a:p>
-          <a:p>
-            <a:pPr lvl="3"/>
-            <a:r>
-              <a:rPr lang="en-US" dirty="0" smtClean="0"/>
-              <a:t>Fourth level</a:t>
-            </a:r>
-          </a:p>
-          <a:p>
-            <a:pPr lvl="4"/>
-            <a:r>
-              <a:rPr lang="en-US" dirty="0" smtClean="0"/>
-              <a:t>Fifth level</a:t>
-            </a:r>
-            <a:endParaRPr lang="en-US" dirty="0"/>
-          </a:p>
-        </p:txBody>
-      </p:sp>
-      <p:sp>
-        <p:nvSpPr>
-          <p:cNvPr id="5" name="Content Placeholder 4"/>
-          <p:cNvSpPr>
-            <a:spLocks noGrp="1"/>
-          </p:cNvSpPr>
-          <p:nvPr>
-            <p:ph sz="quarter" idx="3"/>
-          </p:nvPr>
-        </p:nvSpPr>
-        <p:spPr>
-          <a:xfrm>
-            <a:off x="457200" y="3938588"/>
-            <a:ext cx="4038600" cy="2187575"/>
-          </a:xfrm>
-        </p:spPr>
-        <p:txBody>
-          <a:bodyPr/>
-          <a:lstStyle>
-            <a:lvl1pPr>
-              <a:defRPr sz="2400"/>
-            </a:lvl1pPr>
-            <a:lvl2pPr>
-              <a:defRPr sz="2000"/>
-            </a:lvl2pPr>
-            <a:lvl3pPr>
-              <a:defRPr sz="2000"/>
-            </a:lvl3pPr>
-            <a:lvl4pPr>
-              <a:defRPr sz="1800"/>
-            </a:lvl4pPr>
-            <a:lvl5pPr>
-              <a:defRPr sz="1800"/>
-            </a:lvl5pPr>
-          </a:lstStyle>
-          <a:p>
-            <a:pPr lvl="0"/>
-            <a:r>
-              <a:rPr lang="en-US" dirty="0" smtClean="0"/>
-              <a:t>Click to edit Master text styles</a:t>
-            </a:r>
-          </a:p>
-          <a:p>
-            <a:pPr lvl="1"/>
-            <a:r>
-              <a:rPr lang="en-US" dirty="0" smtClean="0"/>
-              <a:t>Second level</a:t>
-            </a:r>
-          </a:p>
-          <a:p>
-            <a:pPr lvl="2"/>
-            <a:r>
-              <a:rPr lang="en-US" dirty="0" smtClean="0"/>
-              <a:t>Third level</a:t>
-            </a:r>
-          </a:p>
-          <a:p>
-            <a:pPr lvl="3"/>
-            <a:r>
-              <a:rPr lang="en-US" dirty="0" smtClean="0"/>
-              <a:t>Fourth level</a:t>
-            </a:r>
-          </a:p>
-          <a:p>
-            <a:pPr lvl="4"/>
-            <a:r>
-              <a:rPr lang="en-US" dirty="0" smtClean="0"/>
-              <a:t>Fifth level</a:t>
-            </a:r>
-            <a:endParaRPr lang="en-US" dirty="0"/>
-          </a:p>
-        </p:txBody>
-      </p:sp>
-      <p:sp>
-        <p:nvSpPr>
-          <p:cNvPr id="6" name="Content Placeholder 5"/>
-          <p:cNvSpPr>
-            <a:spLocks noGrp="1"/>
-          </p:cNvSpPr>
-          <p:nvPr>
-            <p:ph sz="quarter" idx="4"/>
-          </p:nvPr>
-        </p:nvSpPr>
-        <p:spPr>
-          <a:xfrm>
-            <a:off x="4648200" y="3938588"/>
-            <a:ext cx="4038600" cy="2187575"/>
-          </a:xfrm>
-        </p:spPr>
-        <p:txBody>
-          <a:bodyPr/>
-          <a:lstStyle>
-            <a:lvl1pPr>
-              <a:defRPr sz="2400"/>
-            </a:lvl1pPr>
-            <a:lvl2pPr>
-              <a:defRPr sz="2000"/>
-            </a:lvl2pPr>
-            <a:lvl3pPr>
-              <a:defRPr sz="2000"/>
-            </a:lvl3pPr>
-            <a:lvl4pPr>
-              <a:defRPr sz="1800"/>
-            </a:lvl4pPr>
-            <a:lvl5pPr>
-              <a:defRPr sz="1800"/>
-            </a:lvl5pPr>
-          </a:lstStyle>
-          <a:p>
-            <a:pPr lvl="0"/>
-            <a:r>
-              <a:rPr lang="en-US" dirty="0" smtClean="0"/>
-              <a:t>Click to edit Master text styles</a:t>
-            </a:r>
-          </a:p>
-          <a:p>
-            <a:pPr lvl="1"/>
-            <a:r>
-              <a:rPr lang="en-US" dirty="0" smtClean="0"/>
-              <a:t>Second level</a:t>
-            </a:r>
-          </a:p>
-          <a:p>
-            <a:pPr lvl="2"/>
-            <a:r>
-              <a:rPr lang="en-US" dirty="0" smtClean="0"/>
-              <a:t>Third level</a:t>
-            </a:r>
-          </a:p>
-          <a:p>
-            <a:pPr lvl="3"/>
-            <a:r>
-              <a:rPr lang="en-US" dirty="0" smtClean="0"/>
-              <a:t>Fourth level</a:t>
-            </a:r>
-          </a:p>
-          <a:p>
-            <a:pPr lvl="4"/>
-            <a:r>
-              <a:rPr lang="en-US" dirty="0" smtClean="0"/>
-              <a:t>Fifth level</a:t>
+              <a:t>title style</a:t>
             </a:r>
             <a:endParaRPr lang="en-US" dirty="0"/>
           </a:p>
@@ -1789,6 +1411,104 @@
               <a:t>forms.</a:t>
             </a:r>
             <a:fld id="{068AF58D-0467-409E-A30A-0D5E3A2B197F}" type="slidenum">
+              <a:rPr lang="en-US" smtClean="0"/>
+              <a:pPr>
+                <a:defRPr/>
+              </a:pPr>
+              <a:t>‹#›</a:t>
+            </a:fld>
+            <a:endParaRPr lang="en-US" dirty="0"/>
+          </a:p>
+        </p:txBody>
+      </p:sp>
+    </p:spTree>
+  </p:cSld>
+  <p:clrMapOvr>
+    <a:masterClrMapping/>
+  </p:clrMapOvr>
+  <p:transition xmlns:p14="http://schemas.microsoft.com/office/powerpoint/2010/main">
+    <p:fade/>
+  </p:transition>
+</p:sldLayout>
+</file>
+
+<file path=ppt/slideLayouts/slideLayout5.xml><?xml version="1.0" encoding="utf-8"?>
+<p:sldLayout xmlns:a="http://schemas.openxmlformats.org/drawingml/2006/main" xmlns:r="http://schemas.openxmlformats.org/officeDocument/2006/relationships" xmlns:p="http://schemas.openxmlformats.org/presentationml/2006/main" type="titleOnly" preserve="1">
+  <p:cSld name="Title Only">
+    <p:spTree>
+      <p:nvGrpSpPr>
+        <p:cNvPr id="1" name=""/>
+        <p:cNvGrpSpPr/>
+        <p:nvPr/>
+      </p:nvGrpSpPr>
+      <p:grpSpPr>
+        <a:xfrm>
+          <a:off x="0" y="0"/>
+          <a:ext cx="0" cy="0"/>
+          <a:chOff x="0" y="0"/>
+          <a:chExt cx="0" cy="0"/>
+        </a:xfrm>
+      </p:grpSpPr>
+      <p:sp>
+        <p:nvSpPr>
+          <p:cNvPr id="2" name="Title 1"/>
+          <p:cNvSpPr>
+            <a:spLocks noGrp="1"/>
+          </p:cNvSpPr>
+          <p:nvPr>
+            <p:ph type="title"/>
+          </p:nvPr>
+        </p:nvSpPr>
+        <p:spPr/>
+        <p:txBody>
+          <a:bodyPr/>
+          <a:lstStyle>
+            <a:lvl1pPr>
+              <a:defRPr sz="3600"/>
+            </a:lvl1pPr>
+          </a:lstStyle>
+          <a:p>
+            <a:r>
+              <a:rPr lang="en-US" dirty="0" smtClean="0"/>
+              <a:t>Click to edit Master title style</a:t>
+            </a:r>
+            <a:endParaRPr lang="en-US" dirty="0"/>
+          </a:p>
+        </p:txBody>
+      </p:sp>
+      <p:sp>
+        <p:nvSpPr>
+          <p:cNvPr id="3" name="Rectangle 11"/>
+          <p:cNvSpPr>
+            <a:spLocks noGrp="1" noChangeArrowheads="1"/>
+          </p:cNvSpPr>
+          <p:nvPr>
+            <p:ph type="sldNum" sz="quarter" idx="10"/>
+          </p:nvPr>
+        </p:nvSpPr>
+        <p:spPr>
+          <a:xfrm>
+            <a:off x="8208081" y="6553200"/>
+            <a:ext cx="935923" cy="276999"/>
+          </a:xfrm>
+          <a:ln/>
+        </p:spPr>
+        <p:txBody>
+          <a:bodyPr/>
+          <a:lstStyle>
+            <a:lvl1pPr>
+              <a:defRPr/>
+            </a:lvl1pPr>
+          </a:lstStyle>
+          <a:p>
+            <a:pPr>
+              <a:defRPr/>
+            </a:pPr>
+            <a:r>
+              <a:rPr lang="en-US" dirty="0" smtClean="0"/>
+              <a:t>forms..</a:t>
+            </a:r>
+            <a:fld id="{DB6F0ED6-FEF5-4C9C-B1CC-29B47EC66FAA}" type="slidenum">
               <a:rPr lang="en-US" smtClean="0"/>
               <a:pPr>
                 <a:defRPr/>
@@ -2049,19 +1769,13 @@
               <a:rPr lang="en-US" sz="1100" baseline="0" dirty="0" smtClean="0">
                 <a:latin typeface="Comic Sans MS" pitchFamily="66" charset="0"/>
               </a:rPr>
-              <a:t>15</a:t>
+              <a:t>12</a:t>
             </a:r>
             <a:r>
               <a:rPr lang="en-US" sz="1100" dirty="0" smtClean="0">
                 <a:latin typeface="Comic Sans MS" pitchFamily="66" charset="0"/>
               </a:rPr>
-              <a:t>, </a:t>
-            </a:r>
-            <a:r>
-              <a:rPr lang="en-US" sz="1100" dirty="0" smtClean="0">
-                <a:latin typeface="Comic Sans MS" pitchFamily="66" charset="0"/>
-              </a:rPr>
-              <a:t>2015</a:t>
+              <a:t>, 2016</a:t>
             </a:r>
             <a:endParaRPr lang="en-US" sz="1100" dirty="0">
               <a:latin typeface="Comic Sans MS" pitchFamily="66" charset="0"/>
@@ -2130,9 +1844,9 @@
   <p:sldLayoutIdLst>
     <p:sldLayoutId id="2147483652" r:id="rId1"/>
     <p:sldLayoutId id="2147483653" r:id="rId2"/>
-    <p:sldLayoutId id="2147483657" r:id="rId3"/>
-    <p:sldLayoutId id="2147483658" r:id="rId4"/>
-    <p:sldLayoutId id="2147483665" r:id="rId5"/>
+    <p:sldLayoutId id="2147483658" r:id="rId3"/>
+    <p:sldLayoutId id="2147483665" r:id="rId4"/>
+    <p:sldLayoutId id="2147483657" r:id="rId5"/>
   </p:sldLayoutIdLst>
   <p:transition xmlns:p14="http://schemas.microsoft.com/office/powerpoint/2010/main">
     <p:fade/>
@@ -2553,12 +2267,10 @@
           <a:p>
             <a:pPr algn="ctr"/>
             <a:r>
-              <a:rPr lang="en-US" sz="8800" b="0" dirty="0" smtClean="0"/>
+              <a:rPr lang="en-US" sz="8800" b="0" baseline="0" dirty="0" smtClean="0"/>
               <a:t>Standard Forms</a:t>
             </a:r>
-            <a:endParaRPr lang="en-US" sz="8800" b="0" dirty="0">
-              <a:latin typeface="Comic Sans MS" pitchFamily="66" charset="0"/>
-            </a:endParaRPr>
+            <a:endParaRPr lang="en-US" sz="8800" b="0" baseline="0" dirty="0"/>
           </a:p>
         </p:txBody>
       </p:sp>
@@ -2834,7 +2546,3103 @@
 </p:sld>
 </file>
 
+<file path=ppt/slides/slide10.xml><?xml version="1.0" encoding="utf-8"?>
+<p:sld xmlns:a="http://schemas.openxmlformats.org/drawingml/2006/main" xmlns:r="http://schemas.openxmlformats.org/officeDocument/2006/relationships" xmlns:p="http://schemas.openxmlformats.org/presentationml/2006/main">
+  <p:cSld>
+    <p:spTree>
+      <p:nvGrpSpPr>
+        <p:cNvPr id="1" name=""/>
+        <p:cNvGrpSpPr/>
+        <p:nvPr/>
+      </p:nvGrpSpPr>
+      <p:grpSpPr>
+        <a:xfrm>
+          <a:off x="0" y="0"/>
+          <a:ext cx="0" cy="0"/>
+          <a:chOff x="0" y="0"/>
+          <a:chExt cx="0" cy="0"/>
+        </a:xfrm>
+      </p:grpSpPr>
+      <p:sp>
+        <p:nvSpPr>
+          <p:cNvPr id="2" name="Title 1"/>
+          <p:cNvSpPr>
+            <a:spLocks noGrp="1"/>
+          </p:cNvSpPr>
+          <p:nvPr>
+            <p:ph type="title" sz="quarter"/>
+          </p:nvPr>
+        </p:nvSpPr>
+        <p:spPr/>
+        <p:txBody>
+          <a:bodyPr/>
+          <a:lstStyle/>
+          <a:p>
+            <a:r>
+              <a:rPr lang="en-US" dirty="0" smtClean="0"/>
+              <a:t>Every formula </a:t>
+            </a:r>
+            <a:r>
+              <a:rPr lang="en-US" dirty="0" smtClean="0">
+                <a:solidFill>
+                  <a:srgbClr val="000099"/>
+                </a:solidFill>
+                <a:latin typeface="Euclid Symbol" charset="2"/>
+                <a:cs typeface="Euclid Symbol" charset="2"/>
+              </a:rPr>
+              <a:t>≡</a:t>
+            </a:r>
+            <a:r>
+              <a:rPr lang="en-US" dirty="0" smtClean="0"/>
+              <a:t> DNF</a:t>
+            </a:r>
+            <a:endParaRPr lang="en-US" dirty="0"/>
+          </a:p>
+        </p:txBody>
+      </p:sp>
+      <p:sp>
+        <p:nvSpPr>
+          <p:cNvPr id="3" name="Slide Number Placeholder 2"/>
+          <p:cNvSpPr>
+            <a:spLocks noGrp="1"/>
+          </p:cNvSpPr>
+          <p:nvPr>
+            <p:ph type="sldNum" sz="quarter" idx="10"/>
+          </p:nvPr>
+        </p:nvSpPr>
+        <p:spPr/>
+        <p:txBody>
+          <a:bodyPr/>
+          <a:lstStyle/>
+          <a:p>
+            <a:pPr>
+              <a:defRPr/>
+            </a:pPr>
+            <a:r>
+              <a:rPr lang="en-US" smtClean="0"/>
+              <a:t>forms.</a:t>
+            </a:r>
+            <a:fld id="{068AF58D-0467-409E-A30A-0D5E3A2B197F}" type="slidenum">
+              <a:rPr lang="en-US" smtClean="0"/>
+              <a:pPr>
+                <a:defRPr/>
+              </a:pPr>
+              <a:t>10</a:t>
+            </a:fld>
+            <a:endParaRPr lang="en-US" dirty="0"/>
+          </a:p>
+        </p:txBody>
+      </p:sp>
+      <p:sp>
+        <p:nvSpPr>
+          <p:cNvPr id="4" name="TextBox 3"/>
+          <p:cNvSpPr txBox="1"/>
+          <p:nvPr/>
+        </p:nvSpPr>
+        <p:spPr>
+          <a:xfrm>
+            <a:off x="504149" y="2072021"/>
+            <a:ext cx="8116224" cy="2123658"/>
+          </a:xfrm>
+          <a:prstGeom prst="rect">
+            <a:avLst/>
+          </a:prstGeom>
+          <a:noFill/>
+        </p:spPr>
+        <p:txBody>
+          <a:bodyPr wrap="none" rtlCol="0">
+            <a:spAutoFit/>
+          </a:bodyPr>
+          <a:lstStyle/>
+          <a:p>
+            <a:pPr algn="l"/>
+            <a:r>
+              <a:rPr lang="en-US" sz="6600" dirty="0" smtClean="0">
+                <a:latin typeface="Comic Sans MS" pitchFamily="66" charset="0"/>
+              </a:rPr>
+              <a:t>Read the DNF right</a:t>
+            </a:r>
+          </a:p>
+          <a:p>
+            <a:pPr algn="l"/>
+            <a:r>
+              <a:rPr lang="en-US" sz="6600" dirty="0" smtClean="0">
+                <a:latin typeface="Comic Sans MS" pitchFamily="66" charset="0"/>
+              </a:rPr>
+              <a:t>off the Truth Table</a:t>
+            </a:r>
+            <a:endParaRPr lang="en-US" sz="6600" dirty="0" smtClean="0">
+              <a:latin typeface="Comic Sans MS" pitchFamily="66" charset="0"/>
+            </a:endParaRPr>
+          </a:p>
+        </p:txBody>
+      </p:sp>
+    </p:spTree>
+    <p:extLst>
+      <p:ext uri="{BB962C8B-B14F-4D97-AF65-F5344CB8AC3E}">
+        <p14:creationId xmlns:p14="http://schemas.microsoft.com/office/powerpoint/2010/main" val="1623020947"/>
+      </p:ext>
+    </p:extLst>
+  </p:cSld>
+  <p:clrMapOvr>
+    <a:masterClrMapping/>
+  </p:clrMapOvr>
+  <mc:AlternateContent xmlns:mc="http://schemas.openxmlformats.org/markup-compatibility/2006">
+    <mc:Choice xmlns:p14="http://schemas.microsoft.com/office/powerpoint/2010/main" Requires="p14">
+      <p:transition spd="med" p14:dur="700" advClick="0">
+        <p:fade thruBlk="1"/>
+      </p:transition>
+    </mc:Choice>
+    <mc:Fallback>
+      <p:transition xmlns:p14="http://schemas.microsoft.com/office/powerpoint/2010/main" spd="med" advClick="0">
+        <p:fade thruBlk="1"/>
+      </p:transition>
+    </mc:Fallback>
+  </mc:AlternateContent>
+  <p:timing>
+    <p:tnLst>
+      <p:par>
+        <p:cTn xmlns:p14="http://schemas.microsoft.com/office/powerpoint/2010/main" id="1" dur="indefinite" restart="never" nodeType="tmRoot">
+          <p:childTnLst>
+            <p:seq concurrent="1" nextAc="seek">
+              <p:cTn id="2" dur="indefinite" nodeType="mainSeq">
+                <p:childTnLst>
+                  <p:par>
+                    <p:cTn id="3" fill="hold">
+                      <p:stCondLst>
+                        <p:cond delay="indefinite"/>
+                      </p:stCondLst>
+                      <p:childTnLst>
+                        <p:par>
+                          <p:cTn id="4" fill="hold">
+                            <p:stCondLst>
+                              <p:cond delay="0"/>
+                            </p:stCondLst>
+                            <p:childTnLst>
+                              <p:par>
+                                <p:cTn id="5" presetID="10" presetClass="entr" presetSubtype="0" fill="hold" grpId="0" nodeType="clickEffect">
+                                  <p:stCondLst>
+                                    <p:cond delay="0"/>
+                                  </p:stCondLst>
+                                  <p:childTnLst>
+                                    <p:set>
+                                      <p:cBhvr>
+                                        <p:cTn id="6" dur="1" fill="hold">
+                                          <p:stCondLst>
+                                            <p:cond delay="0"/>
+                                          </p:stCondLst>
+                                        </p:cTn>
+                                        <p:tgtEl>
+                                          <p:spTgt spid="4"/>
+                                        </p:tgtEl>
+                                        <p:attrNameLst>
+                                          <p:attrName>style.visibility</p:attrName>
+                                        </p:attrNameLst>
+                                      </p:cBhvr>
+                                      <p:to>
+                                        <p:strVal val="visible"/>
+                                      </p:to>
+                                    </p:set>
+                                    <p:animEffect transition="in" filter="fade">
+                                      <p:cBhvr>
+                                        <p:cTn id="7" dur="500"/>
+                                        <p:tgtEl>
+                                          <p:spTgt spid="4"/>
+                                        </p:tgtEl>
+                                      </p:cBhvr>
+                                    </p:animEffect>
+                                  </p:childTnLst>
+                                </p:cTn>
+                              </p:par>
+                            </p:childTnLst>
+                          </p:cTn>
+                        </p:par>
+                      </p:childTnLst>
+                    </p:cTn>
+                  </p:par>
+                </p:childTnLst>
+              </p:cTn>
+              <p:prevCondLst>
+                <p:cond evt="onPrev" delay="0">
+                  <p:tgtEl>
+                    <p:sldTgt/>
+                  </p:tgtEl>
+                </p:cond>
+              </p:prevCondLst>
+              <p:nextCondLst>
+                <p:cond evt="onNext" delay="0">
+                  <p:tgtEl>
+                    <p:sldTgt/>
+                  </p:tgtEl>
+                </p:cond>
+              </p:nextCondLst>
+            </p:seq>
+          </p:childTnLst>
+        </p:cTn>
+      </p:par>
+    </p:tnLst>
+    <p:bldLst>
+      <p:bldP spid="4" grpId="0"/>
+    </p:bldLst>
+  </p:timing>
+</p:sld>
+</file>
+
+<file path=ppt/slides/slide11.xml><?xml version="1.0" encoding="utf-8"?>
+<p:sld xmlns:a="http://schemas.openxmlformats.org/drawingml/2006/main" xmlns:r="http://schemas.openxmlformats.org/officeDocument/2006/relationships" xmlns:p="http://schemas.openxmlformats.org/presentationml/2006/main">
+  <p:cSld>
+    <p:spTree>
+      <p:nvGrpSpPr>
+        <p:cNvPr id="1" name=""/>
+        <p:cNvGrpSpPr/>
+        <p:nvPr/>
+      </p:nvGrpSpPr>
+      <p:grpSpPr>
+        <a:xfrm>
+          <a:off x="0" y="0"/>
+          <a:ext cx="0" cy="0"/>
+          <a:chOff x="0" y="0"/>
+          <a:chExt cx="0" cy="0"/>
+        </a:xfrm>
+      </p:grpSpPr>
+      <p:sp>
+        <p:nvSpPr>
+          <p:cNvPr id="2" name="Title 1"/>
+          <p:cNvSpPr>
+            <a:spLocks noGrp="1"/>
+          </p:cNvSpPr>
+          <p:nvPr>
+            <p:ph type="title" sz="quarter"/>
+          </p:nvPr>
+        </p:nvSpPr>
+        <p:spPr/>
+        <p:txBody>
+          <a:bodyPr/>
+          <a:lstStyle/>
+          <a:p>
+            <a:r>
+              <a:rPr lang="en-US" dirty="0"/>
+              <a:t>Product</a:t>
+            </a:r>
+            <a:r>
+              <a:rPr lang="en-US" dirty="0" smtClean="0"/>
+              <a:t> of Sums Form</a:t>
+            </a:r>
+            <a:endParaRPr lang="en-US" dirty="0"/>
+          </a:p>
+        </p:txBody>
+      </p:sp>
+      <p:sp>
+        <p:nvSpPr>
+          <p:cNvPr id="3" name="Slide Number Placeholder 2"/>
+          <p:cNvSpPr>
+            <a:spLocks noGrp="1"/>
+          </p:cNvSpPr>
+          <p:nvPr>
+            <p:ph type="sldNum" sz="quarter" idx="10"/>
+          </p:nvPr>
+        </p:nvSpPr>
+        <p:spPr/>
+        <p:txBody>
+          <a:bodyPr/>
+          <a:lstStyle/>
+          <a:p>
+            <a:pPr>
+              <a:defRPr/>
+            </a:pPr>
+            <a:r>
+              <a:rPr lang="en-US" smtClean="0"/>
+              <a:t>forms.</a:t>
+            </a:r>
+            <a:fld id="{068AF58D-0467-409E-A30A-0D5E3A2B197F}" type="slidenum">
+              <a:rPr lang="en-US" smtClean="0"/>
+              <a:pPr>
+                <a:defRPr/>
+              </a:pPr>
+              <a:t>11</a:t>
+            </a:fld>
+            <a:endParaRPr lang="en-US" dirty="0"/>
+          </a:p>
+        </p:txBody>
+      </p:sp>
+      <p:sp>
+        <p:nvSpPr>
+          <p:cNvPr id="4" name="TextBox 3"/>
+          <p:cNvSpPr txBox="1"/>
+          <p:nvPr/>
+        </p:nvSpPr>
+        <p:spPr>
+          <a:xfrm>
+            <a:off x="2479364" y="1615285"/>
+            <a:ext cx="4197972" cy="923330"/>
+          </a:xfrm>
+          <a:prstGeom prst="rect">
+            <a:avLst/>
+          </a:prstGeom>
+          <a:noFill/>
+        </p:spPr>
+        <p:txBody>
+          <a:bodyPr wrap="none" rtlCol="0">
+            <a:spAutoFit/>
+          </a:bodyPr>
+          <a:lstStyle/>
+          <a:p>
+            <a:pPr algn="l"/>
+            <a:r>
+              <a:rPr lang="en-US" sz="5400" dirty="0">
+                <a:solidFill>
+                  <a:schemeClr val="accent1">
+                    <a:lumMod val="50000"/>
+                  </a:schemeClr>
+                </a:solidFill>
+                <a:latin typeface="Comic Sans MS" pitchFamily="66" charset="0"/>
+              </a:rPr>
+              <a:t>AND</a:t>
+            </a:r>
+            <a:r>
+              <a:rPr lang="en-US" sz="5400" dirty="0" smtClean="0">
+                <a:solidFill>
+                  <a:schemeClr val="accent1">
+                    <a:lumMod val="50000"/>
+                  </a:schemeClr>
+                </a:solidFill>
+                <a:latin typeface="Comic Sans MS" pitchFamily="66" charset="0"/>
+              </a:rPr>
+              <a:t> </a:t>
+            </a:r>
+            <a:r>
+              <a:rPr lang="en-US" sz="5400" dirty="0" smtClean="0">
+                <a:solidFill>
+                  <a:schemeClr val="tx2"/>
+                </a:solidFill>
+                <a:latin typeface="Comic Sans MS" pitchFamily="66" charset="0"/>
+              </a:rPr>
+              <a:t>of</a:t>
+            </a:r>
+            <a:r>
+              <a:rPr lang="en-US" sz="5400" dirty="0" smtClean="0">
+                <a:solidFill>
+                  <a:schemeClr val="accent1">
+                    <a:lumMod val="50000"/>
+                  </a:schemeClr>
+                </a:solidFill>
+                <a:latin typeface="Comic Sans MS" pitchFamily="66" charset="0"/>
+              </a:rPr>
+              <a:t> ORs</a:t>
+            </a:r>
+            <a:endParaRPr lang="en-US" sz="5400" dirty="0" smtClean="0">
+              <a:solidFill>
+                <a:schemeClr val="accent1">
+                  <a:lumMod val="50000"/>
+                </a:schemeClr>
+              </a:solidFill>
+              <a:latin typeface="Comic Sans MS" pitchFamily="66" charset="0"/>
+            </a:endParaRPr>
+          </a:p>
+        </p:txBody>
+      </p:sp>
+      <p:sp>
+        <p:nvSpPr>
+          <p:cNvPr id="5" name="TextBox 4"/>
+          <p:cNvSpPr txBox="1"/>
+          <p:nvPr/>
+        </p:nvSpPr>
+        <p:spPr>
+          <a:xfrm>
+            <a:off x="1072021" y="2870535"/>
+            <a:ext cx="7029313" cy="1107996"/>
+          </a:xfrm>
+          <a:prstGeom prst="rect">
+            <a:avLst/>
+          </a:prstGeom>
+          <a:noFill/>
+        </p:spPr>
+        <p:txBody>
+          <a:bodyPr wrap="none" rtlCol="0">
+            <a:spAutoFit/>
+          </a:bodyPr>
+          <a:lstStyle/>
+          <a:p>
+            <a:pPr algn="l"/>
+            <a:r>
+              <a:rPr lang="en-US" sz="6600" dirty="0" smtClean="0">
+                <a:solidFill>
+                  <a:srgbClr val="BB0FAB"/>
+                </a:solidFill>
+                <a:latin typeface="Comic Sans MS" pitchFamily="66" charset="0"/>
+              </a:rPr>
+              <a:t>Con</a:t>
+            </a:r>
+            <a:r>
+              <a:rPr lang="en-US" sz="6600" dirty="0" smtClean="0">
+                <a:solidFill>
+                  <a:srgbClr val="000000"/>
+                </a:solidFill>
+                <a:latin typeface="Comic Sans MS" pitchFamily="66" charset="0"/>
+              </a:rPr>
+              <a:t>junctive Form</a:t>
+            </a:r>
+            <a:endParaRPr lang="en-US" sz="6600" dirty="0" smtClean="0">
+              <a:solidFill>
+                <a:srgbClr val="000000"/>
+              </a:solidFill>
+              <a:latin typeface="Comic Sans MS" pitchFamily="66" charset="0"/>
+            </a:endParaRPr>
+          </a:p>
+        </p:txBody>
+      </p:sp>
+    </p:spTree>
+    <p:extLst>
+      <p:ext uri="{BB962C8B-B14F-4D97-AF65-F5344CB8AC3E}">
+        <p14:creationId xmlns:p14="http://schemas.microsoft.com/office/powerpoint/2010/main" val="4264295344"/>
+      </p:ext>
+    </p:extLst>
+  </p:cSld>
+  <p:clrMapOvr>
+    <a:masterClrMapping/>
+  </p:clrMapOvr>
+  <mc:AlternateContent xmlns:mc="http://schemas.openxmlformats.org/markup-compatibility/2006">
+    <mc:Choice xmlns:p14="http://schemas.microsoft.com/office/powerpoint/2010/main" Requires="p14">
+      <p:transition spd="slow" p14:dur="1200" advClick="0">
+        <p:fade thruBlk="1"/>
+      </p:transition>
+    </mc:Choice>
+    <mc:Fallback>
+      <p:transition xmlns:p14="http://schemas.microsoft.com/office/powerpoint/2010/main" spd="slow" advClick="0">
+        <p:fade thruBlk="1"/>
+      </p:transition>
+    </mc:Fallback>
+  </mc:AlternateContent>
+  <p:timing>
+    <p:tnLst>
+      <p:par>
+        <p:cTn xmlns:p14="http://schemas.microsoft.com/office/powerpoint/2010/main" id="1" dur="indefinite" restart="never" nodeType="tmRoot">
+          <p:childTnLst>
+            <p:seq concurrent="1" nextAc="seek">
+              <p:cTn id="2" dur="indefinite" nodeType="mainSeq">
+                <p:childTnLst>
+                  <p:par>
+                    <p:cTn id="3" fill="hold">
+                      <p:stCondLst>
+                        <p:cond delay="indefinite"/>
+                      </p:stCondLst>
+                      <p:childTnLst>
+                        <p:par>
+                          <p:cTn id="4" fill="hold">
+                            <p:stCondLst>
+                              <p:cond delay="0"/>
+                            </p:stCondLst>
+                            <p:childTnLst>
+                              <p:par>
+                                <p:cTn id="5" presetID="10" presetClass="entr" presetSubtype="0" fill="hold" grpId="0" nodeType="clickEffect">
+                                  <p:stCondLst>
+                                    <p:cond delay="0"/>
+                                  </p:stCondLst>
+                                  <p:childTnLst>
+                                    <p:set>
+                                      <p:cBhvr>
+                                        <p:cTn id="6" dur="1" fill="hold">
+                                          <p:stCondLst>
+                                            <p:cond delay="0"/>
+                                          </p:stCondLst>
+                                        </p:cTn>
+                                        <p:tgtEl>
+                                          <p:spTgt spid="4"/>
+                                        </p:tgtEl>
+                                        <p:attrNameLst>
+                                          <p:attrName>style.visibility</p:attrName>
+                                        </p:attrNameLst>
+                                      </p:cBhvr>
+                                      <p:to>
+                                        <p:strVal val="visible"/>
+                                      </p:to>
+                                    </p:set>
+                                    <p:animEffect transition="in" filter="fade">
+                                      <p:cBhvr>
+                                        <p:cTn id="7" dur="500"/>
+                                        <p:tgtEl>
+                                          <p:spTgt spid="4"/>
+                                        </p:tgtEl>
+                                      </p:cBhvr>
+                                    </p:animEffect>
+                                  </p:childTnLst>
+                                </p:cTn>
+                              </p:par>
+                            </p:childTnLst>
+                          </p:cTn>
+                        </p:par>
+                      </p:childTnLst>
+                    </p:cTn>
+                  </p:par>
+                  <p:par>
+                    <p:cTn id="8" fill="hold">
+                      <p:stCondLst>
+                        <p:cond delay="indefinite"/>
+                      </p:stCondLst>
+                      <p:childTnLst>
+                        <p:par>
+                          <p:cTn id="9" fill="hold">
+                            <p:stCondLst>
+                              <p:cond delay="0"/>
+                            </p:stCondLst>
+                            <p:childTnLst>
+                              <p:par>
+                                <p:cTn id="10" presetID="10" presetClass="entr" presetSubtype="0" fill="hold" grpId="0" nodeType="clickEffect">
+                                  <p:stCondLst>
+                                    <p:cond delay="0"/>
+                                  </p:stCondLst>
+                                  <p:childTnLst>
+                                    <p:set>
+                                      <p:cBhvr>
+                                        <p:cTn id="11" dur="1" fill="hold">
+                                          <p:stCondLst>
+                                            <p:cond delay="0"/>
+                                          </p:stCondLst>
+                                        </p:cTn>
+                                        <p:tgtEl>
+                                          <p:spTgt spid="5"/>
+                                        </p:tgtEl>
+                                        <p:attrNameLst>
+                                          <p:attrName>style.visibility</p:attrName>
+                                        </p:attrNameLst>
+                                      </p:cBhvr>
+                                      <p:to>
+                                        <p:strVal val="visible"/>
+                                      </p:to>
+                                    </p:set>
+                                    <p:animEffect transition="in" filter="fade">
+                                      <p:cBhvr>
+                                        <p:cTn id="12" dur="500"/>
+                                        <p:tgtEl>
+                                          <p:spTgt spid="5"/>
+                                        </p:tgtEl>
+                                      </p:cBhvr>
+                                    </p:animEffect>
+                                  </p:childTnLst>
+                                </p:cTn>
+                              </p:par>
+                            </p:childTnLst>
+                          </p:cTn>
+                        </p:par>
+                      </p:childTnLst>
+                    </p:cTn>
+                  </p:par>
+                </p:childTnLst>
+              </p:cTn>
+              <p:prevCondLst>
+                <p:cond evt="onPrev" delay="0">
+                  <p:tgtEl>
+                    <p:sldTgt/>
+                  </p:tgtEl>
+                </p:cond>
+              </p:prevCondLst>
+              <p:nextCondLst>
+                <p:cond evt="onNext" delay="0">
+                  <p:tgtEl>
+                    <p:sldTgt/>
+                  </p:tgtEl>
+                </p:cond>
+              </p:nextCondLst>
+            </p:seq>
+          </p:childTnLst>
+        </p:cTn>
+      </p:par>
+    </p:tnLst>
+    <p:bldLst>
+      <p:bldP spid="4" grpId="0"/>
+      <p:bldP spid="5" grpId="0"/>
+    </p:bldLst>
+  </p:timing>
+</p:sld>
+</file>
+
+<file path=ppt/slides/slide12.xml><?xml version="1.0" encoding="utf-8"?>
+<p:sld xmlns:a="http://schemas.openxmlformats.org/drawingml/2006/main" xmlns:r="http://schemas.openxmlformats.org/officeDocument/2006/relationships" xmlns:p="http://schemas.openxmlformats.org/presentationml/2006/main">
+  <p:cSld>
+    <p:spTree>
+      <p:nvGrpSpPr>
+        <p:cNvPr id="1" name=""/>
+        <p:cNvGrpSpPr/>
+        <p:nvPr/>
+      </p:nvGrpSpPr>
+      <p:grpSpPr>
+        <a:xfrm>
+          <a:off x="0" y="0"/>
+          <a:ext cx="0" cy="0"/>
+          <a:chOff x="0" y="0"/>
+          <a:chExt cx="0" cy="0"/>
+        </a:xfrm>
+      </p:grpSpPr>
+      <p:sp>
+        <p:nvSpPr>
+          <p:cNvPr id="2" name="Title 1"/>
+          <p:cNvSpPr>
+            <a:spLocks noGrp="1"/>
+          </p:cNvSpPr>
+          <p:nvPr>
+            <p:ph type="title" sz="quarter"/>
+          </p:nvPr>
+        </p:nvSpPr>
+        <p:spPr/>
+        <p:txBody>
+          <a:bodyPr/>
+          <a:lstStyle/>
+          <a:p>
+            <a:r>
+              <a:rPr lang="en-US" dirty="0" smtClean="0"/>
+              <a:t>A Sum (</a:t>
+            </a:r>
+            <a:r>
+              <a:rPr lang="en-US" sz="3600" dirty="0" smtClean="0">
+                <a:solidFill>
+                  <a:srgbClr val="0000E5"/>
+                </a:solidFill>
+              </a:rPr>
+              <a:t>OR</a:t>
+            </a:r>
+            <a:r>
+              <a:rPr lang="en-US" dirty="0" smtClean="0"/>
+              <a:t>) Term</a:t>
+            </a:r>
+            <a:endParaRPr lang="en-US" dirty="0"/>
+          </a:p>
+        </p:txBody>
+      </p:sp>
+      <p:sp>
+        <p:nvSpPr>
+          <p:cNvPr id="3" name="Slide Number Placeholder 2"/>
+          <p:cNvSpPr>
+            <a:spLocks noGrp="1"/>
+          </p:cNvSpPr>
+          <p:nvPr>
+            <p:ph type="sldNum" sz="quarter" idx="10"/>
+          </p:nvPr>
+        </p:nvSpPr>
+        <p:spPr/>
+        <p:txBody>
+          <a:bodyPr/>
+          <a:lstStyle/>
+          <a:p>
+            <a:pPr>
+              <a:defRPr/>
+            </a:pPr>
+            <a:r>
+              <a:rPr lang="en-US" smtClean="0"/>
+              <a:t>forms.</a:t>
+            </a:r>
+            <a:fld id="{068AF58D-0467-409E-A30A-0D5E3A2B197F}" type="slidenum">
+              <a:rPr lang="en-US" smtClean="0"/>
+              <a:pPr>
+                <a:defRPr/>
+              </a:pPr>
+              <a:t>12</a:t>
+            </a:fld>
+            <a:endParaRPr lang="en-US" dirty="0"/>
+          </a:p>
+        </p:txBody>
+      </p:sp>
+      <p:sp>
+        <p:nvSpPr>
+          <p:cNvPr id="4" name="TextBox 3"/>
+          <p:cNvSpPr txBox="1"/>
+          <p:nvPr/>
+        </p:nvSpPr>
+        <p:spPr>
+          <a:xfrm>
+            <a:off x="1080680" y="1492741"/>
+            <a:ext cx="6801862" cy="923330"/>
+          </a:xfrm>
+          <a:prstGeom prst="rect">
+            <a:avLst/>
+          </a:prstGeom>
+          <a:noFill/>
+        </p:spPr>
+        <p:txBody>
+          <a:bodyPr wrap="none" rtlCol="0">
+            <a:spAutoFit/>
+          </a:bodyPr>
+          <a:lstStyle/>
+          <a:p>
+            <a:pPr algn="l"/>
+            <a:r>
+              <a:rPr lang="en-US" sz="5400" dirty="0" smtClean="0">
+                <a:latin typeface="Comic Sans MS" pitchFamily="66" charset="0"/>
+              </a:rPr>
+              <a:t>Row </a:t>
+            </a:r>
+            <a:r>
+              <a:rPr lang="en-US" sz="5400" dirty="0" smtClean="0">
+                <a:solidFill>
+                  <a:srgbClr val="006600"/>
+                </a:solidFill>
+                <a:latin typeface="Comic Sans MS" pitchFamily="66" charset="0"/>
+              </a:rPr>
+              <a:t>T</a:t>
+            </a:r>
+            <a:r>
+              <a:rPr lang="en-US" sz="5400" dirty="0">
+                <a:solidFill>
+                  <a:srgbClr val="FF0000"/>
+                </a:solidFill>
+                <a:latin typeface="Comic Sans MS" pitchFamily="66" charset="0"/>
+              </a:rPr>
+              <a:t>FF</a:t>
+            </a:r>
+            <a:r>
+              <a:rPr lang="en-US" sz="5400" dirty="0" smtClean="0">
+                <a:latin typeface="Comic Sans MS" pitchFamily="66" charset="0"/>
+              </a:rPr>
+              <a:t> has value </a:t>
+            </a:r>
+            <a:r>
+              <a:rPr lang="en-US" sz="5400" dirty="0">
+                <a:solidFill>
+                  <a:srgbClr val="FF0000"/>
+                </a:solidFill>
+                <a:latin typeface="Comic Sans MS" pitchFamily="66" charset="0"/>
+              </a:rPr>
+              <a:t>F</a:t>
+            </a:r>
+            <a:endParaRPr lang="en-US" sz="5400" dirty="0" smtClean="0">
+              <a:solidFill>
+                <a:srgbClr val="006600"/>
+              </a:solidFill>
+              <a:latin typeface="Comic Sans MS" pitchFamily="66" charset="0"/>
+            </a:endParaRPr>
+          </a:p>
+        </p:txBody>
+      </p:sp>
+      <p:graphicFrame>
+        <p:nvGraphicFramePr>
+          <p:cNvPr id="5" name="Object 4"/>
+          <p:cNvGraphicFramePr>
+            <a:graphicFrameLocks noChangeAspect="1"/>
+          </p:cNvGraphicFramePr>
+          <p:nvPr>
+            <p:extLst>
+              <p:ext uri="{D42A27DB-BD31-4B8C-83A1-F6EECF244321}">
+                <p14:modId xmlns:p14="http://schemas.microsoft.com/office/powerpoint/2010/main" val="3868373370"/>
+              </p:ext>
+            </p:extLst>
+          </p:nvPr>
+        </p:nvGraphicFramePr>
+        <p:xfrm>
+          <a:off x="545587" y="2459038"/>
+          <a:ext cx="8043863" cy="1385887"/>
+        </p:xfrm>
+        <a:graphic>
+          <a:graphicData uri="http://schemas.openxmlformats.org/presentationml/2006/ole">
+            <mc:AlternateContent xmlns:mc="http://schemas.openxmlformats.org/markup-compatibility/2006">
+              <mc:Choice xmlns:v="urn:schemas-microsoft-com:vml" Requires="v">
+                <p:oleObj spid="_x0000_s5129" name="Equation" r:id="rId3" imgW="1473200" imgH="254000" progId="Equation.DSMT4">
+                  <p:embed/>
+                </p:oleObj>
+              </mc:Choice>
+              <mc:Fallback>
+                <p:oleObj name="Equation" r:id="rId3" imgW="1473200" imgH="254000" progId="Equation.DSMT4">
+                  <p:embed/>
+                  <p:pic>
+                    <p:nvPicPr>
+                      <p:cNvPr id="0" name=""/>
+                      <p:cNvPicPr/>
+                      <p:nvPr/>
+                    </p:nvPicPr>
+                    <p:blipFill>
+                      <a:blip r:embed="rId4"/>
+                      <a:stretch>
+                        <a:fillRect/>
+                      </a:stretch>
+                    </p:blipFill>
+                    <p:spPr>
+                      <a:xfrm>
+                        <a:off x="545587" y="2459038"/>
+                        <a:ext cx="8043863" cy="1385887"/>
+                      </a:xfrm>
+                      <a:prstGeom prst="rect">
+                        <a:avLst/>
+                      </a:prstGeom>
+                    </p:spPr>
+                  </p:pic>
+                </p:oleObj>
+              </mc:Fallback>
+            </mc:AlternateContent>
+          </a:graphicData>
+        </a:graphic>
+      </p:graphicFrame>
+      <p:sp>
+        <p:nvSpPr>
+          <p:cNvPr id="7" name="TextBox 6"/>
+          <p:cNvSpPr txBox="1"/>
+          <p:nvPr/>
+        </p:nvSpPr>
+        <p:spPr>
+          <a:xfrm>
+            <a:off x="1136388" y="4077199"/>
+            <a:ext cx="6877003" cy="923330"/>
+          </a:xfrm>
+          <a:prstGeom prst="rect">
+            <a:avLst/>
+          </a:prstGeom>
+          <a:noFill/>
+        </p:spPr>
+        <p:txBody>
+          <a:bodyPr wrap="none" rtlCol="0">
+            <a:spAutoFit/>
+          </a:bodyPr>
+          <a:lstStyle/>
+          <a:p>
+            <a:pPr algn="l"/>
+            <a:r>
+              <a:rPr lang="en-US" sz="5400" dirty="0" smtClean="0">
+                <a:latin typeface="Comic Sans MS" pitchFamily="66" charset="0"/>
+              </a:rPr>
+              <a:t>Apply </a:t>
+            </a:r>
+            <a:r>
+              <a:rPr lang="en-US" sz="5400" dirty="0" err="1" smtClean="0">
+                <a:latin typeface="Comic Sans MS" pitchFamily="66" charset="0"/>
+              </a:rPr>
+              <a:t>DeMorgan</a:t>
+            </a:r>
+            <a:r>
+              <a:rPr lang="en-US" sz="5400" dirty="0" smtClean="0">
+                <a:latin typeface="Comic Sans MS" pitchFamily="66" charset="0"/>
+              </a:rPr>
+              <a:t> Law</a:t>
+            </a:r>
+            <a:endParaRPr lang="en-US" sz="5400" dirty="0" smtClean="0">
+              <a:latin typeface="Comic Sans MS" pitchFamily="66" charset="0"/>
+            </a:endParaRPr>
+          </a:p>
+        </p:txBody>
+      </p:sp>
+    </p:spTree>
+    <p:extLst>
+      <p:ext uri="{BB962C8B-B14F-4D97-AF65-F5344CB8AC3E}">
+        <p14:creationId xmlns:p14="http://schemas.microsoft.com/office/powerpoint/2010/main" val="326187740"/>
+      </p:ext>
+    </p:extLst>
+  </p:cSld>
+  <p:clrMapOvr>
+    <a:masterClrMapping/>
+  </p:clrMapOvr>
+  <p:transition xmlns:p14="http://schemas.microsoft.com/office/powerpoint/2010/main">
+    <p:fade/>
+  </p:transition>
+  <p:timing>
+    <p:tnLst>
+      <p:par>
+        <p:cTn xmlns:p14="http://schemas.microsoft.com/office/powerpoint/2010/main" id="1" dur="indefinite" restart="never" nodeType="tmRoot">
+          <p:childTnLst>
+            <p:seq concurrent="1" nextAc="seek">
+              <p:cTn id="2" dur="indefinite" nodeType="mainSeq">
+                <p:childTnLst>
+                  <p:par>
+                    <p:cTn id="3" fill="hold">
+                      <p:stCondLst>
+                        <p:cond delay="indefinite"/>
+                      </p:stCondLst>
+                      <p:childTnLst>
+                        <p:par>
+                          <p:cTn id="4" fill="hold">
+                            <p:stCondLst>
+                              <p:cond delay="0"/>
+                            </p:stCondLst>
+                            <p:childTnLst>
+                              <p:par>
+                                <p:cTn id="5" presetID="22" presetClass="entr" presetSubtype="8" fill="hold" nodeType="clickEffect">
+                                  <p:stCondLst>
+                                    <p:cond delay="0"/>
+                                  </p:stCondLst>
+                                  <p:childTnLst>
+                                    <p:set>
+                                      <p:cBhvr>
+                                        <p:cTn id="6" dur="1" fill="hold">
+                                          <p:stCondLst>
+                                            <p:cond delay="0"/>
+                                          </p:stCondLst>
+                                        </p:cTn>
+                                        <p:tgtEl>
+                                          <p:spTgt spid="5"/>
+                                        </p:tgtEl>
+                                        <p:attrNameLst>
+                                          <p:attrName>style.visibility</p:attrName>
+                                        </p:attrNameLst>
+                                      </p:cBhvr>
+                                      <p:to>
+                                        <p:strVal val="visible"/>
+                                      </p:to>
+                                    </p:set>
+                                    <p:animEffect transition="in" filter="wipe(left)">
+                                      <p:cBhvr>
+                                        <p:cTn id="7" dur="1000"/>
+                                        <p:tgtEl>
+                                          <p:spTgt spid="5"/>
+                                        </p:tgtEl>
+                                      </p:cBhvr>
+                                    </p:animEffect>
+                                  </p:childTnLst>
+                                </p:cTn>
+                              </p:par>
+                            </p:childTnLst>
+                          </p:cTn>
+                        </p:par>
+                      </p:childTnLst>
+                    </p:cTn>
+                  </p:par>
+                  <p:par>
+                    <p:cTn id="8" fill="hold">
+                      <p:stCondLst>
+                        <p:cond delay="indefinite"/>
+                      </p:stCondLst>
+                      <p:childTnLst>
+                        <p:par>
+                          <p:cTn id="9" fill="hold">
+                            <p:stCondLst>
+                              <p:cond delay="0"/>
+                            </p:stCondLst>
+                            <p:childTnLst>
+                              <p:par>
+                                <p:cTn id="10" presetID="10" presetClass="entr" presetSubtype="0" fill="hold" grpId="0" nodeType="clickEffect">
+                                  <p:stCondLst>
+                                    <p:cond delay="0"/>
+                                  </p:stCondLst>
+                                  <p:childTnLst>
+                                    <p:set>
+                                      <p:cBhvr>
+                                        <p:cTn id="11" dur="1" fill="hold">
+                                          <p:stCondLst>
+                                            <p:cond delay="0"/>
+                                          </p:stCondLst>
+                                        </p:cTn>
+                                        <p:tgtEl>
+                                          <p:spTgt spid="7"/>
+                                        </p:tgtEl>
+                                        <p:attrNameLst>
+                                          <p:attrName>style.visibility</p:attrName>
+                                        </p:attrNameLst>
+                                      </p:cBhvr>
+                                      <p:to>
+                                        <p:strVal val="visible"/>
+                                      </p:to>
+                                    </p:set>
+                                    <p:animEffect transition="in" filter="fade">
+                                      <p:cBhvr>
+                                        <p:cTn id="12" dur="500"/>
+                                        <p:tgtEl>
+                                          <p:spTgt spid="7"/>
+                                        </p:tgtEl>
+                                      </p:cBhvr>
+                                    </p:animEffect>
+                                  </p:childTnLst>
+                                </p:cTn>
+                              </p:par>
+                            </p:childTnLst>
+                          </p:cTn>
+                        </p:par>
+                      </p:childTnLst>
+                    </p:cTn>
+                  </p:par>
+                </p:childTnLst>
+              </p:cTn>
+              <p:prevCondLst>
+                <p:cond evt="onPrev" delay="0">
+                  <p:tgtEl>
+                    <p:sldTgt/>
+                  </p:tgtEl>
+                </p:cond>
+              </p:prevCondLst>
+              <p:nextCondLst>
+                <p:cond evt="onNext" delay="0">
+                  <p:tgtEl>
+                    <p:sldTgt/>
+                  </p:tgtEl>
+                </p:cond>
+              </p:nextCondLst>
+            </p:seq>
+          </p:childTnLst>
+        </p:cTn>
+      </p:par>
+    </p:tnLst>
+    <p:bldLst>
+      <p:bldP spid="7" grpId="0"/>
+    </p:bldLst>
+  </p:timing>
+</p:sld>
+</file>
+
+<file path=ppt/slides/slide13.xml><?xml version="1.0" encoding="utf-8"?>
+<p:sld xmlns:a="http://schemas.openxmlformats.org/drawingml/2006/main" xmlns:r="http://schemas.openxmlformats.org/officeDocument/2006/relationships" xmlns:p="http://schemas.openxmlformats.org/presentationml/2006/main">
+  <p:cSld>
+    <p:spTree>
+      <p:nvGrpSpPr>
+        <p:cNvPr id="1" name=""/>
+        <p:cNvGrpSpPr/>
+        <p:nvPr/>
+      </p:nvGrpSpPr>
+      <p:grpSpPr>
+        <a:xfrm>
+          <a:off x="0" y="0"/>
+          <a:ext cx="0" cy="0"/>
+          <a:chOff x="0" y="0"/>
+          <a:chExt cx="0" cy="0"/>
+        </a:xfrm>
+      </p:grpSpPr>
+      <p:graphicFrame>
+        <p:nvGraphicFramePr>
+          <p:cNvPr id="8" name="Object 7"/>
+          <p:cNvGraphicFramePr>
+            <a:graphicFrameLocks noChangeAspect="1"/>
+          </p:cNvGraphicFramePr>
+          <p:nvPr>
+            <p:extLst>
+              <p:ext uri="{D42A27DB-BD31-4B8C-83A1-F6EECF244321}">
+                <p14:modId xmlns:p14="http://schemas.microsoft.com/office/powerpoint/2010/main" val="4021338656"/>
+              </p:ext>
+            </p:extLst>
+          </p:nvPr>
+        </p:nvGraphicFramePr>
+        <p:xfrm>
+          <a:off x="1861481" y="1735708"/>
+          <a:ext cx="5458175" cy="3367388"/>
+        </p:xfrm>
+        <a:graphic>
+          <a:graphicData uri="http://schemas.openxmlformats.org/presentationml/2006/ole">
+            <mc:AlternateContent xmlns:mc="http://schemas.openxmlformats.org/markup-compatibility/2006">
+              <mc:Choice xmlns:v="urn:schemas-microsoft-com:vml" Requires="v">
+                <p:oleObj spid="_x0000_s7185" name="Equation" r:id="rId3" imgW="762000" imgH="469900" progId="Equation.DSMT4">
+                  <p:embed/>
+                </p:oleObj>
+              </mc:Choice>
+              <mc:Fallback>
+                <p:oleObj name="Equation" r:id="rId3" imgW="762000" imgH="469900" progId="Equation.DSMT4">
+                  <p:embed/>
+                  <p:pic>
+                    <p:nvPicPr>
+                      <p:cNvPr id="0" name=""/>
+                      <p:cNvPicPr/>
+                      <p:nvPr/>
+                    </p:nvPicPr>
+                    <p:blipFill>
+                      <a:blip r:embed="rId4"/>
+                      <a:stretch>
+                        <a:fillRect/>
+                      </a:stretch>
+                    </p:blipFill>
+                    <p:spPr>
+                      <a:xfrm>
+                        <a:off x="1861481" y="1735708"/>
+                        <a:ext cx="5458175" cy="3367388"/>
+                      </a:xfrm>
+                      <a:prstGeom prst="rect">
+                        <a:avLst/>
+                      </a:prstGeom>
+                    </p:spPr>
+                  </p:pic>
+                </p:oleObj>
+              </mc:Fallback>
+            </mc:AlternateContent>
+          </a:graphicData>
+        </a:graphic>
+      </p:graphicFrame>
+      <p:sp>
+        <p:nvSpPr>
+          <p:cNvPr id="2" name="Title 1"/>
+          <p:cNvSpPr>
+            <a:spLocks noGrp="1"/>
+          </p:cNvSpPr>
+          <p:nvPr>
+            <p:ph type="title" sz="quarter"/>
+          </p:nvPr>
+        </p:nvSpPr>
+        <p:spPr/>
+        <p:txBody>
+          <a:bodyPr/>
+          <a:lstStyle/>
+          <a:p>
+            <a:r>
+              <a:rPr lang="en-US" dirty="0" smtClean="0"/>
+              <a:t>A Sum (</a:t>
+            </a:r>
+            <a:r>
+              <a:rPr lang="en-US" sz="3600" dirty="0" smtClean="0">
+                <a:solidFill>
+                  <a:srgbClr val="0000E5"/>
+                </a:solidFill>
+              </a:rPr>
+              <a:t>OR</a:t>
+            </a:r>
+            <a:r>
+              <a:rPr lang="en-US" dirty="0" smtClean="0"/>
+              <a:t>) Term</a:t>
+            </a:r>
+            <a:endParaRPr lang="en-US" dirty="0"/>
+          </a:p>
+        </p:txBody>
+      </p:sp>
+      <p:sp>
+        <p:nvSpPr>
+          <p:cNvPr id="3" name="Slide Number Placeholder 2"/>
+          <p:cNvSpPr>
+            <a:spLocks noGrp="1"/>
+          </p:cNvSpPr>
+          <p:nvPr>
+            <p:ph type="sldNum" sz="quarter" idx="10"/>
+          </p:nvPr>
+        </p:nvSpPr>
+        <p:spPr/>
+        <p:txBody>
+          <a:bodyPr/>
+          <a:lstStyle/>
+          <a:p>
+            <a:pPr>
+              <a:defRPr/>
+            </a:pPr>
+            <a:r>
+              <a:rPr lang="en-US" smtClean="0"/>
+              <a:t>forms.</a:t>
+            </a:r>
+            <a:fld id="{068AF58D-0467-409E-A30A-0D5E3A2B197F}" type="slidenum">
+              <a:rPr lang="en-US" smtClean="0"/>
+              <a:pPr>
+                <a:defRPr/>
+              </a:pPr>
+              <a:t>13</a:t>
+            </a:fld>
+            <a:endParaRPr lang="en-US" dirty="0"/>
+          </a:p>
+        </p:txBody>
+      </p:sp>
+      <p:sp>
+        <p:nvSpPr>
+          <p:cNvPr id="4" name="TextBox 3"/>
+          <p:cNvSpPr txBox="1"/>
+          <p:nvPr/>
+        </p:nvSpPr>
+        <p:spPr>
+          <a:xfrm>
+            <a:off x="1080680" y="1492741"/>
+            <a:ext cx="6801862" cy="923330"/>
+          </a:xfrm>
+          <a:prstGeom prst="rect">
+            <a:avLst/>
+          </a:prstGeom>
+          <a:noFill/>
+        </p:spPr>
+        <p:txBody>
+          <a:bodyPr wrap="none" rtlCol="0">
+            <a:spAutoFit/>
+          </a:bodyPr>
+          <a:lstStyle/>
+          <a:p>
+            <a:pPr algn="l"/>
+            <a:r>
+              <a:rPr lang="en-US" sz="5400" dirty="0" smtClean="0">
+                <a:latin typeface="Comic Sans MS" pitchFamily="66" charset="0"/>
+              </a:rPr>
+              <a:t>Row </a:t>
+            </a:r>
+            <a:r>
+              <a:rPr lang="en-US" sz="5400" dirty="0" smtClean="0">
+                <a:solidFill>
+                  <a:srgbClr val="006600"/>
+                </a:solidFill>
+                <a:latin typeface="Comic Sans MS" pitchFamily="66" charset="0"/>
+              </a:rPr>
+              <a:t>T</a:t>
+            </a:r>
+            <a:r>
+              <a:rPr lang="en-US" sz="5400" dirty="0">
+                <a:solidFill>
+                  <a:srgbClr val="FF0000"/>
+                </a:solidFill>
+                <a:latin typeface="Comic Sans MS" pitchFamily="66" charset="0"/>
+              </a:rPr>
+              <a:t>FF</a:t>
+            </a:r>
+            <a:r>
+              <a:rPr lang="en-US" sz="5400" dirty="0" smtClean="0">
+                <a:latin typeface="Comic Sans MS" pitchFamily="66" charset="0"/>
+              </a:rPr>
+              <a:t> has value </a:t>
+            </a:r>
+            <a:r>
+              <a:rPr lang="en-US" sz="5400" dirty="0">
+                <a:solidFill>
+                  <a:srgbClr val="FF0000"/>
+                </a:solidFill>
+                <a:latin typeface="Comic Sans MS" pitchFamily="66" charset="0"/>
+              </a:rPr>
+              <a:t>F</a:t>
+            </a:r>
+            <a:endParaRPr lang="en-US" sz="5400" dirty="0" smtClean="0">
+              <a:solidFill>
+                <a:srgbClr val="006600"/>
+              </a:solidFill>
+              <a:latin typeface="Comic Sans MS" pitchFamily="66" charset="0"/>
+            </a:endParaRPr>
+          </a:p>
+        </p:txBody>
+      </p:sp>
+      <p:graphicFrame>
+        <p:nvGraphicFramePr>
+          <p:cNvPr id="5" name="Object 4"/>
+          <p:cNvGraphicFramePr>
+            <a:graphicFrameLocks noChangeAspect="1"/>
+          </p:cNvGraphicFramePr>
+          <p:nvPr>
+            <p:extLst>
+              <p:ext uri="{D42A27DB-BD31-4B8C-83A1-F6EECF244321}">
+                <p14:modId xmlns:p14="http://schemas.microsoft.com/office/powerpoint/2010/main" val="73508504"/>
+              </p:ext>
+            </p:extLst>
+          </p:nvPr>
+        </p:nvGraphicFramePr>
+        <p:xfrm>
+          <a:off x="1914212" y="2372798"/>
+          <a:ext cx="5377565" cy="1472127"/>
+        </p:xfrm>
+        <a:graphic>
+          <a:graphicData uri="http://schemas.openxmlformats.org/presentationml/2006/ole">
+            <mc:AlternateContent xmlns:mc="http://schemas.openxmlformats.org/markup-compatibility/2006">
+              <mc:Choice xmlns:v="urn:schemas-microsoft-com:vml" Requires="v">
+                <p:oleObj spid="_x0000_s7186" name="Equation" r:id="rId5" imgW="927100" imgH="254000" progId="Equation.DSMT4">
+                  <p:embed/>
+                </p:oleObj>
+              </mc:Choice>
+              <mc:Fallback>
+                <p:oleObj name="Equation" r:id="rId5" imgW="927100" imgH="254000" progId="Equation.DSMT4">
+                  <p:embed/>
+                  <p:pic>
+                    <p:nvPicPr>
+                      <p:cNvPr id="0" name=""/>
+                      <p:cNvPicPr/>
+                      <p:nvPr/>
+                    </p:nvPicPr>
+                    <p:blipFill>
+                      <a:blip r:embed="rId6"/>
+                      <a:stretch>
+                        <a:fillRect/>
+                      </a:stretch>
+                    </p:blipFill>
+                    <p:spPr>
+                      <a:xfrm>
+                        <a:off x="1914212" y="2372798"/>
+                        <a:ext cx="5377565" cy="1472127"/>
+                      </a:xfrm>
+                      <a:prstGeom prst="rect">
+                        <a:avLst/>
+                      </a:prstGeom>
+                    </p:spPr>
+                  </p:pic>
+                </p:oleObj>
+              </mc:Fallback>
+            </mc:AlternateContent>
+          </a:graphicData>
+        </a:graphic>
+      </p:graphicFrame>
+      <p:sp>
+        <p:nvSpPr>
+          <p:cNvPr id="7" name="TextBox 6"/>
+          <p:cNvSpPr txBox="1"/>
+          <p:nvPr/>
+        </p:nvSpPr>
+        <p:spPr>
+          <a:xfrm>
+            <a:off x="1139848" y="4043779"/>
+            <a:ext cx="6877003" cy="923330"/>
+          </a:xfrm>
+          <a:prstGeom prst="rect">
+            <a:avLst/>
+          </a:prstGeom>
+          <a:noFill/>
+        </p:spPr>
+        <p:txBody>
+          <a:bodyPr wrap="none" rtlCol="0">
+            <a:spAutoFit/>
+          </a:bodyPr>
+          <a:lstStyle/>
+          <a:p>
+            <a:pPr algn="l"/>
+            <a:r>
+              <a:rPr lang="en-US" sz="5400" dirty="0" smtClean="0">
+                <a:latin typeface="Comic Sans MS" pitchFamily="66" charset="0"/>
+              </a:rPr>
+              <a:t>Apply </a:t>
+            </a:r>
+            <a:r>
+              <a:rPr lang="en-US" sz="5400" dirty="0" err="1" smtClean="0">
+                <a:latin typeface="Comic Sans MS" pitchFamily="66" charset="0"/>
+              </a:rPr>
+              <a:t>DeMorgan</a:t>
+            </a:r>
+            <a:r>
+              <a:rPr lang="en-US" sz="5400" dirty="0" smtClean="0">
+                <a:latin typeface="Comic Sans MS" pitchFamily="66" charset="0"/>
+              </a:rPr>
+              <a:t> Law</a:t>
+            </a:r>
+            <a:endParaRPr lang="en-US" sz="5400" dirty="0" smtClean="0">
+              <a:latin typeface="Comic Sans MS" pitchFamily="66" charset="0"/>
+            </a:endParaRPr>
+          </a:p>
+        </p:txBody>
+      </p:sp>
+    </p:spTree>
+    <p:extLst>
+      <p:ext uri="{BB962C8B-B14F-4D97-AF65-F5344CB8AC3E}">
+        <p14:creationId xmlns:p14="http://schemas.microsoft.com/office/powerpoint/2010/main" val="34860485"/>
+      </p:ext>
+    </p:extLst>
+  </p:cSld>
+  <p:clrMapOvr>
+    <a:masterClrMapping/>
+  </p:clrMapOvr>
+  <p:transition xmlns:p14="http://schemas.microsoft.com/office/powerpoint/2010/main" spd="slow" advClick="0">
+    <p:fade/>
+  </p:transition>
+  <p:timing>
+    <p:tnLst>
+      <p:par>
+        <p:cTn xmlns:p14="http://schemas.microsoft.com/office/powerpoint/2010/main" id="1" dur="indefinite" restart="never" nodeType="tmRoot">
+          <p:childTnLst>
+            <p:seq concurrent="1" nextAc="seek">
+              <p:cTn id="2" dur="indefinite" nodeType="mainSeq">
+                <p:childTnLst>
+                  <p:par>
+                    <p:cTn id="3" fill="hold">
+                      <p:stCondLst>
+                        <p:cond delay="indefinite"/>
+                      </p:stCondLst>
+                      <p:childTnLst>
+                        <p:par>
+                          <p:cTn id="4" fill="hold">
+                            <p:stCondLst>
+                              <p:cond delay="0"/>
+                            </p:stCondLst>
+                            <p:childTnLst>
+                              <p:par>
+                                <p:cTn id="5" presetID="10" presetClass="exit" presetSubtype="0" fill="hold" grpId="0" nodeType="clickEffect">
+                                  <p:stCondLst>
+                                    <p:cond delay="0"/>
+                                  </p:stCondLst>
+                                  <p:childTnLst>
+                                    <p:animEffect transition="out" filter="fade">
+                                      <p:cBhvr>
+                                        <p:cTn id="6" dur="500"/>
+                                        <p:tgtEl>
+                                          <p:spTgt spid="7"/>
+                                        </p:tgtEl>
+                                      </p:cBhvr>
+                                    </p:animEffect>
+                                    <p:set>
+                                      <p:cBhvr>
+                                        <p:cTn id="7" dur="1" fill="hold">
+                                          <p:stCondLst>
+                                            <p:cond delay="499"/>
+                                          </p:stCondLst>
+                                        </p:cTn>
+                                        <p:tgtEl>
+                                          <p:spTgt spid="7"/>
+                                        </p:tgtEl>
+                                        <p:attrNameLst>
+                                          <p:attrName>style.visibility</p:attrName>
+                                        </p:attrNameLst>
+                                      </p:cBhvr>
+                                      <p:to>
+                                        <p:strVal val="hidden"/>
+                                      </p:to>
+                                    </p:set>
+                                  </p:childTnLst>
+                                </p:cTn>
+                              </p:par>
+                              <p:par>
+                                <p:cTn id="8" presetID="37" presetClass="entr" presetSubtype="0" fill="hold" nodeType="withEffect">
+                                  <p:stCondLst>
+                                    <p:cond delay="0"/>
+                                  </p:stCondLst>
+                                  <p:childTnLst>
+                                    <p:set>
+                                      <p:cBhvr>
+                                        <p:cTn id="9" dur="1" fill="hold">
+                                          <p:stCondLst>
+                                            <p:cond delay="0"/>
+                                          </p:stCondLst>
+                                        </p:cTn>
+                                        <p:tgtEl>
+                                          <p:spTgt spid="8"/>
+                                        </p:tgtEl>
+                                        <p:attrNameLst>
+                                          <p:attrName>style.visibility</p:attrName>
+                                        </p:attrNameLst>
+                                      </p:cBhvr>
+                                      <p:to>
+                                        <p:strVal val="visible"/>
+                                      </p:to>
+                                    </p:set>
+                                    <p:animEffect transition="in" filter="fade">
+                                      <p:cBhvr>
+                                        <p:cTn id="10" dur="1000"/>
+                                        <p:tgtEl>
+                                          <p:spTgt spid="8"/>
+                                        </p:tgtEl>
+                                      </p:cBhvr>
+                                    </p:animEffect>
+                                    <p:anim calcmode="lin" valueType="num">
+                                      <p:cBhvr>
+                                        <p:cTn id="11" dur="1000" fill="hold"/>
+                                        <p:tgtEl>
+                                          <p:spTgt spid="8"/>
+                                        </p:tgtEl>
+                                        <p:attrNameLst>
+                                          <p:attrName>ppt_x</p:attrName>
+                                        </p:attrNameLst>
+                                      </p:cBhvr>
+                                      <p:tavLst>
+                                        <p:tav tm="0">
+                                          <p:val>
+                                            <p:strVal val="#ppt_x"/>
+                                          </p:val>
+                                        </p:tav>
+                                        <p:tav tm="100000">
+                                          <p:val>
+                                            <p:strVal val="#ppt_x"/>
+                                          </p:val>
+                                        </p:tav>
+                                      </p:tavLst>
+                                    </p:anim>
+                                    <p:anim calcmode="lin" valueType="num">
+                                      <p:cBhvr>
+                                        <p:cTn id="12" dur="900" decel="100000" fill="hold"/>
+                                        <p:tgtEl>
+                                          <p:spTgt spid="8"/>
+                                        </p:tgtEl>
+                                        <p:attrNameLst>
+                                          <p:attrName>ppt_y</p:attrName>
+                                        </p:attrNameLst>
+                                      </p:cBhvr>
+                                      <p:tavLst>
+                                        <p:tav tm="0">
+                                          <p:val>
+                                            <p:strVal val="#ppt_y+1"/>
+                                          </p:val>
+                                        </p:tav>
+                                        <p:tav tm="100000">
+                                          <p:val>
+                                            <p:strVal val="#ppt_y-.03"/>
+                                          </p:val>
+                                        </p:tav>
+                                      </p:tavLst>
+                                    </p:anim>
+                                    <p:anim calcmode="lin" valueType="num">
+                                      <p:cBhvr>
+                                        <p:cTn id="13" dur="100" accel="100000" fill="hold">
+                                          <p:stCondLst>
+                                            <p:cond delay="900"/>
+                                          </p:stCondLst>
+                                        </p:cTn>
+                                        <p:tgtEl>
+                                          <p:spTgt spid="8"/>
+                                        </p:tgtEl>
+                                        <p:attrNameLst>
+                                          <p:attrName>ppt_y</p:attrName>
+                                        </p:attrNameLst>
+                                      </p:cBhvr>
+                                      <p:tavLst>
+                                        <p:tav tm="0">
+                                          <p:val>
+                                            <p:strVal val="#ppt_y-.03"/>
+                                          </p:val>
+                                        </p:tav>
+                                        <p:tav tm="100000">
+                                          <p:val>
+                                            <p:strVal val="#ppt_y"/>
+                                          </p:val>
+                                        </p:tav>
+                                      </p:tavLst>
+                                    </p:anim>
+                                  </p:childTnLst>
+                                </p:cTn>
+                              </p:par>
+                            </p:childTnLst>
+                          </p:cTn>
+                        </p:par>
+                      </p:childTnLst>
+                    </p:cTn>
+                  </p:par>
+                </p:childTnLst>
+              </p:cTn>
+              <p:prevCondLst>
+                <p:cond evt="onPrev" delay="0">
+                  <p:tgtEl>
+                    <p:sldTgt/>
+                  </p:tgtEl>
+                </p:cond>
+              </p:prevCondLst>
+              <p:nextCondLst>
+                <p:cond evt="onNext" delay="0">
+                  <p:tgtEl>
+                    <p:sldTgt/>
+                  </p:tgtEl>
+                </p:cond>
+              </p:nextCondLst>
+            </p:seq>
+          </p:childTnLst>
+        </p:cTn>
+      </p:par>
+    </p:tnLst>
+    <p:bldLst>
+      <p:bldP spid="7" grpId="0"/>
+    </p:bldLst>
+  </p:timing>
+</p:sld>
+</file>
+
+<file path=ppt/slides/slide14.xml><?xml version="1.0" encoding="utf-8"?>
+<p:sld xmlns:a="http://schemas.openxmlformats.org/drawingml/2006/main" xmlns:r="http://schemas.openxmlformats.org/officeDocument/2006/relationships" xmlns:p="http://schemas.openxmlformats.org/presentationml/2006/main">
+  <p:cSld>
+    <p:spTree>
+      <p:nvGrpSpPr>
+        <p:cNvPr id="1" name=""/>
+        <p:cNvGrpSpPr/>
+        <p:nvPr/>
+      </p:nvGrpSpPr>
+      <p:grpSpPr>
+        <a:xfrm>
+          <a:off x="0" y="0"/>
+          <a:ext cx="0" cy="0"/>
+          <a:chOff x="0" y="0"/>
+          <a:chExt cx="0" cy="0"/>
+        </a:xfrm>
+      </p:grpSpPr>
+      <p:graphicFrame>
+        <p:nvGraphicFramePr>
+          <p:cNvPr id="6" name="Object 5"/>
+          <p:cNvGraphicFramePr>
+            <a:graphicFrameLocks noChangeAspect="1"/>
+          </p:cNvGraphicFramePr>
+          <p:nvPr>
+            <p:extLst>
+              <p:ext uri="{D42A27DB-BD31-4B8C-83A1-F6EECF244321}">
+                <p14:modId xmlns:p14="http://schemas.microsoft.com/office/powerpoint/2010/main" val="410985418"/>
+              </p:ext>
+            </p:extLst>
+          </p:nvPr>
+        </p:nvGraphicFramePr>
+        <p:xfrm>
+          <a:off x="1014413" y="2333625"/>
+          <a:ext cx="7491412" cy="3125788"/>
+        </p:xfrm>
+        <a:graphic>
+          <a:graphicData uri="http://schemas.openxmlformats.org/presentationml/2006/ole">
+            <mc:AlternateContent xmlns:mc="http://schemas.openxmlformats.org/markup-compatibility/2006">
+              <mc:Choice xmlns:v="urn:schemas-microsoft-com:vml" Requires="v">
+                <p:oleObj spid="_x0000_s8200" name="Equation" r:id="rId3" imgW="1155700" imgH="482600" progId="Equation.DSMT4">
+                  <p:embed/>
+                </p:oleObj>
+              </mc:Choice>
+              <mc:Fallback>
+                <p:oleObj name="Equation" r:id="rId3" imgW="1155700" imgH="482600" progId="Equation.DSMT4">
+                  <p:embed/>
+                  <p:pic>
+                    <p:nvPicPr>
+                      <p:cNvPr id="0" name=""/>
+                      <p:cNvPicPr/>
+                      <p:nvPr/>
+                    </p:nvPicPr>
+                    <p:blipFill>
+                      <a:blip r:embed="rId4"/>
+                      <a:stretch>
+                        <a:fillRect/>
+                      </a:stretch>
+                    </p:blipFill>
+                    <p:spPr>
+                      <a:xfrm>
+                        <a:off x="1014413" y="2333625"/>
+                        <a:ext cx="7491412" cy="3125788"/>
+                      </a:xfrm>
+                      <a:prstGeom prst="rect">
+                        <a:avLst/>
+                      </a:prstGeom>
+                    </p:spPr>
+                  </p:pic>
+                </p:oleObj>
+              </mc:Fallback>
+            </mc:AlternateContent>
+          </a:graphicData>
+        </a:graphic>
+      </p:graphicFrame>
+      <p:sp>
+        <p:nvSpPr>
+          <p:cNvPr id="2" name="Title 1"/>
+          <p:cNvSpPr>
+            <a:spLocks noGrp="1"/>
+          </p:cNvSpPr>
+          <p:nvPr>
+            <p:ph type="title" sz="quarter"/>
+          </p:nvPr>
+        </p:nvSpPr>
+        <p:spPr/>
+        <p:txBody>
+          <a:bodyPr/>
+          <a:lstStyle/>
+          <a:p>
+            <a:r>
+              <a:rPr lang="en-US" dirty="0" smtClean="0"/>
+              <a:t>Prod (</a:t>
+            </a:r>
+            <a:r>
+              <a:rPr lang="en-US" sz="3600" dirty="0" smtClean="0">
+                <a:solidFill>
+                  <a:srgbClr val="0000E5"/>
+                </a:solidFill>
+              </a:rPr>
+              <a:t>AND</a:t>
+            </a:r>
+            <a:r>
+              <a:rPr lang="en-US" dirty="0" smtClean="0"/>
+              <a:t>) of </a:t>
+            </a:r>
+            <a:r>
+              <a:rPr lang="en-US" sz="3600" dirty="0" smtClean="0">
+                <a:solidFill>
+                  <a:srgbClr val="0000E5"/>
+                </a:solidFill>
+              </a:rPr>
+              <a:t>OR</a:t>
+            </a:r>
+            <a:r>
+              <a:rPr lang="en-US" dirty="0" smtClean="0">
+                <a:solidFill>
+                  <a:schemeClr val="tx1"/>
+                </a:solidFill>
+              </a:rPr>
+              <a:t>s</a:t>
+            </a:r>
+            <a:endParaRPr lang="en-US" dirty="0">
+              <a:solidFill>
+                <a:schemeClr val="tx1"/>
+              </a:solidFill>
+            </a:endParaRPr>
+          </a:p>
+        </p:txBody>
+      </p:sp>
+      <p:sp>
+        <p:nvSpPr>
+          <p:cNvPr id="3" name="Slide Number Placeholder 2"/>
+          <p:cNvSpPr>
+            <a:spLocks noGrp="1"/>
+          </p:cNvSpPr>
+          <p:nvPr>
+            <p:ph type="sldNum" sz="quarter" idx="10"/>
+          </p:nvPr>
+        </p:nvSpPr>
+        <p:spPr/>
+        <p:txBody>
+          <a:bodyPr/>
+          <a:lstStyle/>
+          <a:p>
+            <a:pPr>
+              <a:defRPr/>
+            </a:pPr>
+            <a:r>
+              <a:rPr lang="en-US" smtClean="0"/>
+              <a:t>forms.</a:t>
+            </a:r>
+            <a:fld id="{068AF58D-0467-409E-A30A-0D5E3A2B197F}" type="slidenum">
+              <a:rPr lang="en-US" smtClean="0"/>
+              <a:pPr>
+                <a:defRPr/>
+              </a:pPr>
+              <a:t>14</a:t>
+            </a:fld>
+            <a:endParaRPr lang="en-US" dirty="0"/>
+          </a:p>
+        </p:txBody>
+      </p:sp>
+      <p:sp>
+        <p:nvSpPr>
+          <p:cNvPr id="4" name="TextBox 3"/>
+          <p:cNvSpPr txBox="1"/>
+          <p:nvPr/>
+        </p:nvSpPr>
+        <p:spPr>
+          <a:xfrm>
+            <a:off x="1615448" y="1492741"/>
+            <a:ext cx="5917004" cy="923330"/>
+          </a:xfrm>
+          <a:prstGeom prst="rect">
+            <a:avLst/>
+          </a:prstGeom>
+          <a:noFill/>
+        </p:spPr>
+        <p:txBody>
+          <a:bodyPr wrap="none" rtlCol="0">
+            <a:spAutoFit/>
+          </a:bodyPr>
+          <a:lstStyle/>
+          <a:p>
+            <a:pPr algn="l"/>
+            <a:r>
+              <a:rPr lang="en-US" sz="5400" dirty="0" smtClean="0">
+                <a:latin typeface="Comic Sans MS" pitchFamily="66" charset="0"/>
+              </a:rPr>
+              <a:t>Rows with value </a:t>
+            </a:r>
+            <a:r>
+              <a:rPr lang="en-US" sz="5400" dirty="0" smtClean="0">
+                <a:solidFill>
+                  <a:srgbClr val="FF0000"/>
+                </a:solidFill>
+                <a:latin typeface="Comic Sans MS" pitchFamily="66" charset="0"/>
+              </a:rPr>
+              <a:t>F</a:t>
+            </a:r>
+            <a:endParaRPr lang="en-US" sz="5400" dirty="0" smtClean="0">
+              <a:solidFill>
+                <a:srgbClr val="FF0000"/>
+              </a:solidFill>
+              <a:latin typeface="Comic Sans MS" pitchFamily="66" charset="0"/>
+            </a:endParaRPr>
+          </a:p>
+        </p:txBody>
+      </p:sp>
+    </p:spTree>
+    <p:extLst>
+      <p:ext uri="{BB962C8B-B14F-4D97-AF65-F5344CB8AC3E}">
+        <p14:creationId xmlns:p14="http://schemas.microsoft.com/office/powerpoint/2010/main" val="2155716856"/>
+      </p:ext>
+    </p:extLst>
+  </p:cSld>
+  <p:clrMapOvr>
+    <a:masterClrMapping/>
+  </p:clrMapOvr>
+  <p:transition xmlns:p14="http://schemas.microsoft.com/office/powerpoint/2010/main">
+    <p:fade/>
+  </p:transition>
+  <p:timing>
+    <p:tnLst>
+      <p:par>
+        <p:cTn xmlns:p14="http://schemas.microsoft.com/office/powerpoint/2010/main" id="1" dur="indefinite" restart="never" nodeType="tmRoot">
+          <p:childTnLst>
+            <p:seq concurrent="1" nextAc="seek">
+              <p:cTn id="2" dur="indefinite" nodeType="mainSeq">
+                <p:childTnLst>
+                  <p:par>
+                    <p:cTn id="3" fill="hold">
+                      <p:stCondLst>
+                        <p:cond delay="indefinite"/>
+                      </p:stCondLst>
+                      <p:childTnLst>
+                        <p:par>
+                          <p:cTn id="4" fill="hold">
+                            <p:stCondLst>
+                              <p:cond delay="0"/>
+                            </p:stCondLst>
+                            <p:childTnLst>
+                              <p:par>
+                                <p:cTn id="5" presetID="10" presetClass="entr" presetSubtype="0" fill="hold" grpId="0" nodeType="clickEffect">
+                                  <p:stCondLst>
+                                    <p:cond delay="0"/>
+                                  </p:stCondLst>
+                                  <p:childTnLst>
+                                    <p:set>
+                                      <p:cBhvr>
+                                        <p:cTn id="6" dur="1" fill="hold">
+                                          <p:stCondLst>
+                                            <p:cond delay="0"/>
+                                          </p:stCondLst>
+                                        </p:cTn>
+                                        <p:tgtEl>
+                                          <p:spTgt spid="4"/>
+                                        </p:tgtEl>
+                                        <p:attrNameLst>
+                                          <p:attrName>style.visibility</p:attrName>
+                                        </p:attrNameLst>
+                                      </p:cBhvr>
+                                      <p:to>
+                                        <p:strVal val="visible"/>
+                                      </p:to>
+                                    </p:set>
+                                    <p:animEffect transition="in" filter="fade">
+                                      <p:cBhvr>
+                                        <p:cTn id="7" dur="500"/>
+                                        <p:tgtEl>
+                                          <p:spTgt spid="4"/>
+                                        </p:tgtEl>
+                                      </p:cBhvr>
+                                    </p:animEffect>
+                                  </p:childTnLst>
+                                </p:cTn>
+                              </p:par>
+                            </p:childTnLst>
+                          </p:cTn>
+                        </p:par>
+                      </p:childTnLst>
+                    </p:cTn>
+                  </p:par>
+                  <p:par>
+                    <p:cTn id="8" fill="hold">
+                      <p:stCondLst>
+                        <p:cond delay="indefinite"/>
+                      </p:stCondLst>
+                      <p:childTnLst>
+                        <p:par>
+                          <p:cTn id="9" fill="hold">
+                            <p:stCondLst>
+                              <p:cond delay="0"/>
+                            </p:stCondLst>
+                            <p:childTnLst>
+                              <p:par>
+                                <p:cTn id="10" presetID="22" presetClass="entr" presetSubtype="1" fill="hold" nodeType="clickEffect">
+                                  <p:stCondLst>
+                                    <p:cond delay="0"/>
+                                  </p:stCondLst>
+                                  <p:childTnLst>
+                                    <p:set>
+                                      <p:cBhvr>
+                                        <p:cTn id="11" dur="1" fill="hold">
+                                          <p:stCondLst>
+                                            <p:cond delay="0"/>
+                                          </p:stCondLst>
+                                        </p:cTn>
+                                        <p:tgtEl>
+                                          <p:spTgt spid="6"/>
+                                        </p:tgtEl>
+                                        <p:attrNameLst>
+                                          <p:attrName>style.visibility</p:attrName>
+                                        </p:attrNameLst>
+                                      </p:cBhvr>
+                                      <p:to>
+                                        <p:strVal val="visible"/>
+                                      </p:to>
+                                    </p:set>
+                                    <p:animEffect transition="in" filter="wipe(up)">
+                                      <p:cBhvr>
+                                        <p:cTn id="12" dur="1000"/>
+                                        <p:tgtEl>
+                                          <p:spTgt spid="6"/>
+                                        </p:tgtEl>
+                                      </p:cBhvr>
+                                    </p:animEffect>
+                                  </p:childTnLst>
+                                </p:cTn>
+                              </p:par>
+                            </p:childTnLst>
+                          </p:cTn>
+                        </p:par>
+                      </p:childTnLst>
+                    </p:cTn>
+                  </p:par>
+                </p:childTnLst>
+              </p:cTn>
+              <p:prevCondLst>
+                <p:cond evt="onPrev" delay="0">
+                  <p:tgtEl>
+                    <p:sldTgt/>
+                  </p:tgtEl>
+                </p:cond>
+              </p:prevCondLst>
+              <p:nextCondLst>
+                <p:cond evt="onNext" delay="0">
+                  <p:tgtEl>
+                    <p:sldTgt/>
+                  </p:tgtEl>
+                </p:cond>
+              </p:nextCondLst>
+            </p:seq>
+          </p:childTnLst>
+        </p:cTn>
+      </p:par>
+    </p:tnLst>
+    <p:bldLst>
+      <p:bldP spid="4" grpId="0"/>
+    </p:bldLst>
+  </p:timing>
+</p:sld>
+</file>
+
+<file path=ppt/slides/slide15.xml><?xml version="1.0" encoding="utf-8"?>
+<p:sld xmlns:a="http://schemas.openxmlformats.org/drawingml/2006/main" xmlns:r="http://schemas.openxmlformats.org/officeDocument/2006/relationships" xmlns:p="http://schemas.openxmlformats.org/presentationml/2006/main">
+  <p:cSld>
+    <p:spTree>
+      <p:nvGrpSpPr>
+        <p:cNvPr id="1" name=""/>
+        <p:cNvGrpSpPr/>
+        <p:nvPr/>
+      </p:nvGrpSpPr>
+      <p:grpSpPr>
+        <a:xfrm>
+          <a:off x="0" y="0"/>
+          <a:ext cx="0" cy="0"/>
+          <a:chOff x="0" y="0"/>
+          <a:chExt cx="0" cy="0"/>
+        </a:xfrm>
+      </p:grpSpPr>
+      <p:sp>
+        <p:nvSpPr>
+          <p:cNvPr id="2" name="Title 1"/>
+          <p:cNvSpPr>
+            <a:spLocks noGrp="1"/>
+          </p:cNvSpPr>
+          <p:nvPr>
+            <p:ph type="title" sz="quarter"/>
+          </p:nvPr>
+        </p:nvSpPr>
+        <p:spPr>
+          <a:xfrm>
+            <a:off x="1650999" y="363538"/>
+            <a:ext cx="7317529" cy="950970"/>
+          </a:xfrm>
+        </p:spPr>
+        <p:txBody>
+          <a:bodyPr/>
+          <a:lstStyle/>
+          <a:p>
+            <a:r>
+              <a:rPr lang="en-US" dirty="0" smtClean="0">
+                <a:solidFill>
+                  <a:srgbClr val="006600"/>
+                </a:solidFill>
+              </a:rPr>
+              <a:t>Con</a:t>
+            </a:r>
+            <a:r>
+              <a:rPr lang="en-US" dirty="0" smtClean="0"/>
+              <a:t>junctive</a:t>
+            </a:r>
+            <a:r>
+              <a:rPr lang="en-US" dirty="0" smtClean="0">
+                <a:solidFill>
+                  <a:srgbClr val="BB0FAB"/>
+                </a:solidFill>
+              </a:rPr>
+              <a:t> </a:t>
+            </a:r>
+            <a:r>
+              <a:rPr lang="en-US" dirty="0" smtClean="0"/>
+              <a:t>Form</a:t>
+            </a:r>
+            <a:endParaRPr lang="en-US" dirty="0">
+              <a:solidFill>
+                <a:srgbClr val="0000FF"/>
+              </a:solidFill>
+            </a:endParaRPr>
+          </a:p>
+        </p:txBody>
+      </p:sp>
+      <p:sp>
+        <p:nvSpPr>
+          <p:cNvPr id="3" name="Slide Number Placeholder 2"/>
+          <p:cNvSpPr>
+            <a:spLocks noGrp="1"/>
+          </p:cNvSpPr>
+          <p:nvPr>
+            <p:ph type="sldNum" sz="quarter" idx="10"/>
+          </p:nvPr>
+        </p:nvSpPr>
+        <p:spPr/>
+        <p:txBody>
+          <a:bodyPr/>
+          <a:lstStyle/>
+          <a:p>
+            <a:pPr>
+              <a:defRPr/>
+            </a:pPr>
+            <a:r>
+              <a:rPr lang="en-US" smtClean="0"/>
+              <a:t>forms.</a:t>
+            </a:r>
+            <a:fld id="{068AF58D-0467-409E-A30A-0D5E3A2B197F}" type="slidenum">
+              <a:rPr lang="en-US" smtClean="0"/>
+              <a:pPr>
+                <a:defRPr/>
+              </a:pPr>
+              <a:t>15</a:t>
+            </a:fld>
+            <a:endParaRPr lang="en-US" dirty="0"/>
+          </a:p>
+        </p:txBody>
+      </p:sp>
+      <p:graphicFrame>
+        <p:nvGraphicFramePr>
+          <p:cNvPr id="4" name="Object 3"/>
+          <p:cNvGraphicFramePr>
+            <a:graphicFrameLocks noChangeAspect="1"/>
+          </p:cNvGraphicFramePr>
+          <p:nvPr>
+            <p:extLst>
+              <p:ext uri="{D42A27DB-BD31-4B8C-83A1-F6EECF244321}">
+                <p14:modId xmlns:p14="http://schemas.microsoft.com/office/powerpoint/2010/main" val="2491450761"/>
+              </p:ext>
+            </p:extLst>
+          </p:nvPr>
+        </p:nvGraphicFramePr>
+        <p:xfrm>
+          <a:off x="2009775" y="1311275"/>
+          <a:ext cx="5135563" cy="4083050"/>
+        </p:xfrm>
+        <a:graphic>
+          <a:graphicData uri="http://schemas.openxmlformats.org/presentationml/2006/ole">
+            <mc:AlternateContent xmlns:mc="http://schemas.openxmlformats.org/markup-compatibility/2006">
+              <mc:Choice xmlns:v="urn:schemas-microsoft-com:vml" Requires="v">
+                <p:oleObj spid="_x0000_s10248" name="Equation" r:id="rId3" imgW="1181100" imgH="939800" progId="Equation.DSMT4">
+                  <p:embed/>
+                </p:oleObj>
+              </mc:Choice>
+              <mc:Fallback>
+                <p:oleObj name="Equation" r:id="rId3" imgW="1181100" imgH="939800" progId="Equation.DSMT4">
+                  <p:embed/>
+                  <p:pic>
+                    <p:nvPicPr>
+                      <p:cNvPr id="0" name=""/>
+                      <p:cNvPicPr/>
+                      <p:nvPr/>
+                    </p:nvPicPr>
+                    <p:blipFill>
+                      <a:blip r:embed="rId4"/>
+                      <a:stretch>
+                        <a:fillRect/>
+                      </a:stretch>
+                    </p:blipFill>
+                    <p:spPr>
+                      <a:xfrm>
+                        <a:off x="2009775" y="1311275"/>
+                        <a:ext cx="5135563" cy="4083050"/>
+                      </a:xfrm>
+                      <a:prstGeom prst="rect">
+                        <a:avLst/>
+                      </a:prstGeom>
+                    </p:spPr>
+                  </p:pic>
+                </p:oleObj>
+              </mc:Fallback>
+            </mc:AlternateContent>
+          </a:graphicData>
+        </a:graphic>
+      </p:graphicFrame>
+    </p:spTree>
+    <p:extLst>
+      <p:ext uri="{BB962C8B-B14F-4D97-AF65-F5344CB8AC3E}">
+        <p14:creationId xmlns:p14="http://schemas.microsoft.com/office/powerpoint/2010/main" val="3492218352"/>
+      </p:ext>
+    </p:extLst>
+  </p:cSld>
+  <p:clrMapOvr>
+    <a:masterClrMapping/>
+  </p:clrMapOvr>
+  <p:transition xmlns:p14="http://schemas.microsoft.com/office/powerpoint/2010/main" spd="slow" advClick="0">
+    <p:fade/>
+  </p:transition>
+  <p:timing>
+    <p:tnLst>
+      <p:par>
+        <p:cTn xmlns:p14="http://schemas.microsoft.com/office/powerpoint/2010/main" id="1" dur="indefinite" restart="never" nodeType="tmRoot"/>
+      </p:par>
+    </p:tnLst>
+  </p:timing>
+</p:sld>
+</file>
+
+<file path=ppt/slides/slide16.xml><?xml version="1.0" encoding="utf-8"?>
+<p:sld xmlns:a="http://schemas.openxmlformats.org/drawingml/2006/main" xmlns:r="http://schemas.openxmlformats.org/officeDocument/2006/relationships" xmlns:p="http://schemas.openxmlformats.org/presentationml/2006/main">
+  <p:cSld>
+    <p:spTree>
+      <p:nvGrpSpPr>
+        <p:cNvPr id="1" name=""/>
+        <p:cNvGrpSpPr/>
+        <p:nvPr/>
+      </p:nvGrpSpPr>
+      <p:grpSpPr>
+        <a:xfrm>
+          <a:off x="0" y="0"/>
+          <a:ext cx="0" cy="0"/>
+          <a:chOff x="0" y="0"/>
+          <a:chExt cx="0" cy="0"/>
+        </a:xfrm>
+      </p:grpSpPr>
+      <p:sp>
+        <p:nvSpPr>
+          <p:cNvPr id="2" name="Title 1"/>
+          <p:cNvSpPr>
+            <a:spLocks noGrp="1"/>
+          </p:cNvSpPr>
+          <p:nvPr>
+            <p:ph type="title" sz="quarter"/>
+          </p:nvPr>
+        </p:nvSpPr>
+        <p:spPr>
+          <a:xfrm>
+            <a:off x="1650999" y="363538"/>
+            <a:ext cx="7317529" cy="950970"/>
+          </a:xfrm>
+        </p:spPr>
+        <p:txBody>
+          <a:bodyPr/>
+          <a:lstStyle/>
+          <a:p>
+            <a:r>
+              <a:rPr lang="en-US" dirty="0" smtClean="0">
+                <a:solidFill>
+                  <a:schemeClr val="tx1"/>
+                </a:solidFill>
+              </a:rPr>
+              <a:t>Con</a:t>
+            </a:r>
+            <a:r>
+              <a:rPr lang="en-US" dirty="0" smtClean="0"/>
+              <a:t>junctive </a:t>
+            </a:r>
+            <a:r>
+              <a:rPr lang="en-US" dirty="0" smtClean="0">
+                <a:solidFill>
+                  <a:srgbClr val="BB0FAB"/>
+                </a:solidFill>
+              </a:rPr>
+              <a:t>Normal </a:t>
+            </a:r>
+            <a:r>
+              <a:rPr lang="en-US" dirty="0" smtClean="0"/>
+              <a:t>Form</a:t>
+            </a:r>
+            <a:endParaRPr lang="en-US" dirty="0">
+              <a:solidFill>
+                <a:srgbClr val="0000FF"/>
+              </a:solidFill>
+            </a:endParaRPr>
+          </a:p>
+        </p:txBody>
+      </p:sp>
+      <p:sp>
+        <p:nvSpPr>
+          <p:cNvPr id="3" name="Slide Number Placeholder 2"/>
+          <p:cNvSpPr>
+            <a:spLocks noGrp="1"/>
+          </p:cNvSpPr>
+          <p:nvPr>
+            <p:ph type="sldNum" sz="quarter" idx="10"/>
+          </p:nvPr>
+        </p:nvSpPr>
+        <p:spPr/>
+        <p:txBody>
+          <a:bodyPr/>
+          <a:lstStyle/>
+          <a:p>
+            <a:pPr>
+              <a:defRPr/>
+            </a:pPr>
+            <a:r>
+              <a:rPr lang="en-US" smtClean="0"/>
+              <a:t>forms.</a:t>
+            </a:r>
+            <a:fld id="{068AF58D-0467-409E-A30A-0D5E3A2B197F}" type="slidenum">
+              <a:rPr lang="en-US" smtClean="0"/>
+              <a:pPr>
+                <a:defRPr/>
+              </a:pPr>
+              <a:t>16</a:t>
+            </a:fld>
+            <a:endParaRPr lang="en-US" dirty="0"/>
+          </a:p>
+        </p:txBody>
+      </p:sp>
+      <p:graphicFrame>
+        <p:nvGraphicFramePr>
+          <p:cNvPr id="4" name="Object 3"/>
+          <p:cNvGraphicFramePr>
+            <a:graphicFrameLocks noChangeAspect="1"/>
+          </p:cNvGraphicFramePr>
+          <p:nvPr>
+            <p:extLst>
+              <p:ext uri="{D42A27DB-BD31-4B8C-83A1-F6EECF244321}">
+                <p14:modId xmlns:p14="http://schemas.microsoft.com/office/powerpoint/2010/main" val="3058959990"/>
+              </p:ext>
+            </p:extLst>
+          </p:nvPr>
+        </p:nvGraphicFramePr>
+        <p:xfrm>
+          <a:off x="2009775" y="1311275"/>
+          <a:ext cx="5135563" cy="4083050"/>
+        </p:xfrm>
+        <a:graphic>
+          <a:graphicData uri="http://schemas.openxmlformats.org/presentationml/2006/ole">
+            <mc:AlternateContent xmlns:mc="http://schemas.openxmlformats.org/markup-compatibility/2006">
+              <mc:Choice xmlns:v="urn:schemas-microsoft-com:vml" Requires="v">
+                <p:oleObj spid="_x0000_s11271" name="Equation" r:id="rId3" imgW="1181100" imgH="939800" progId="Equation.DSMT4">
+                  <p:embed/>
+                </p:oleObj>
+              </mc:Choice>
+              <mc:Fallback>
+                <p:oleObj name="Equation" r:id="rId3" imgW="1181100" imgH="939800" progId="Equation.DSMT4">
+                  <p:embed/>
+                  <p:pic>
+                    <p:nvPicPr>
+                      <p:cNvPr id="0" name=""/>
+                      <p:cNvPicPr/>
+                      <p:nvPr/>
+                    </p:nvPicPr>
+                    <p:blipFill>
+                      <a:blip r:embed="rId4"/>
+                      <a:stretch>
+                        <a:fillRect/>
+                      </a:stretch>
+                    </p:blipFill>
+                    <p:spPr>
+                      <a:xfrm>
+                        <a:off x="2009775" y="1311275"/>
+                        <a:ext cx="5135563" cy="4083050"/>
+                      </a:xfrm>
+                      <a:prstGeom prst="rect">
+                        <a:avLst/>
+                      </a:prstGeom>
+                    </p:spPr>
+                  </p:pic>
+                </p:oleObj>
+              </mc:Fallback>
+            </mc:AlternateContent>
+          </a:graphicData>
+        </a:graphic>
+      </p:graphicFrame>
+      <p:sp>
+        <p:nvSpPr>
+          <p:cNvPr id="5" name="TextBox 4"/>
+          <p:cNvSpPr txBox="1"/>
+          <p:nvPr/>
+        </p:nvSpPr>
+        <p:spPr>
+          <a:xfrm>
+            <a:off x="824435" y="5313730"/>
+            <a:ext cx="7580320" cy="830997"/>
+          </a:xfrm>
+          <a:prstGeom prst="rect">
+            <a:avLst/>
+          </a:prstGeom>
+          <a:noFill/>
+        </p:spPr>
+        <p:txBody>
+          <a:bodyPr wrap="none" rtlCol="0">
+            <a:spAutoFit/>
+          </a:bodyPr>
+          <a:lstStyle/>
+          <a:p>
+            <a:pPr algn="l"/>
+            <a:r>
+              <a:rPr lang="en-US" sz="4800" dirty="0" smtClean="0">
+                <a:solidFill>
+                  <a:srgbClr val="BB0FAB"/>
+                </a:solidFill>
+                <a:latin typeface="Comic Sans MS" pitchFamily="66" charset="0"/>
+              </a:rPr>
+              <a:t>Each sum has all variables</a:t>
+            </a:r>
+            <a:endParaRPr lang="en-US" sz="4800" dirty="0" smtClean="0">
+              <a:solidFill>
+                <a:srgbClr val="BB0FAB"/>
+              </a:solidFill>
+              <a:latin typeface="Comic Sans MS" pitchFamily="66" charset="0"/>
+            </a:endParaRPr>
+          </a:p>
+        </p:txBody>
+      </p:sp>
+    </p:spTree>
+    <p:extLst>
+      <p:ext uri="{BB962C8B-B14F-4D97-AF65-F5344CB8AC3E}">
+        <p14:creationId xmlns:p14="http://schemas.microsoft.com/office/powerpoint/2010/main" val="549489919"/>
+      </p:ext>
+    </p:extLst>
+  </p:cSld>
+  <p:clrMapOvr>
+    <a:masterClrMapping/>
+  </p:clrMapOvr>
+  <mc:AlternateContent xmlns:mc="http://schemas.openxmlformats.org/markup-compatibility/2006">
+    <mc:Choice xmlns:p14="http://schemas.microsoft.com/office/powerpoint/2010/main" Requires="p14">
+      <p:transition spd="med" p14:dur="600" advClick="0">
+        <p:fade/>
+      </p:transition>
+    </mc:Choice>
+    <mc:Fallback>
+      <p:transition xmlns:p14="http://schemas.microsoft.com/office/powerpoint/2010/main" spd="med" advClick="0">
+        <p:fade/>
+      </p:transition>
+    </mc:Fallback>
+  </mc:AlternateContent>
+  <p:timing>
+    <p:tnLst>
+      <p:par>
+        <p:cTn xmlns:p14="http://schemas.microsoft.com/office/powerpoint/2010/main" id="1" dur="indefinite" restart="never" nodeType="tmRoot"/>
+      </p:par>
+    </p:tnLst>
+  </p:timing>
+</p:sld>
+</file>
+
+<file path=ppt/slides/slide17.xml><?xml version="1.0" encoding="utf-8"?>
+<p:sld xmlns:a="http://schemas.openxmlformats.org/drawingml/2006/main" xmlns:r="http://schemas.openxmlformats.org/officeDocument/2006/relationships" xmlns:p="http://schemas.openxmlformats.org/presentationml/2006/main">
+  <p:cSld>
+    <p:spTree>
+      <p:nvGrpSpPr>
+        <p:cNvPr id="1" name=""/>
+        <p:cNvGrpSpPr/>
+        <p:nvPr/>
+      </p:nvGrpSpPr>
+      <p:grpSpPr>
+        <a:xfrm>
+          <a:off x="0" y="0"/>
+          <a:ext cx="0" cy="0"/>
+          <a:chOff x="0" y="0"/>
+          <a:chExt cx="0" cy="0"/>
+        </a:xfrm>
+      </p:grpSpPr>
+      <p:sp>
+        <p:nvSpPr>
+          <p:cNvPr id="2" name="Title 1"/>
+          <p:cNvSpPr>
+            <a:spLocks noGrp="1"/>
+          </p:cNvSpPr>
+          <p:nvPr>
+            <p:ph type="title" sz="quarter"/>
+          </p:nvPr>
+        </p:nvSpPr>
+        <p:spPr>
+          <a:xfrm>
+            <a:off x="401078" y="1359070"/>
+            <a:ext cx="8199798" cy="4032643"/>
+          </a:xfrm>
+        </p:spPr>
+        <p:txBody>
+          <a:bodyPr/>
+          <a:lstStyle/>
+          <a:p>
+            <a:pPr algn="ctr"/>
+            <a:r>
+              <a:rPr lang="en-US" sz="7200" dirty="0" smtClean="0">
+                <a:solidFill>
+                  <a:srgbClr val="006600"/>
+                </a:solidFill>
+              </a:rPr>
+              <a:t>Every formula</a:t>
+            </a:r>
+            <a:r>
+              <a:rPr lang="en-US" sz="7200" dirty="0" smtClean="0"/>
+              <a:t> is equivalent to a</a:t>
+            </a:r>
+            <a:br>
+              <a:rPr lang="en-US" sz="7200" dirty="0" smtClean="0"/>
+            </a:br>
+            <a:r>
+              <a:rPr lang="en-US" sz="7200" dirty="0" smtClean="0">
+                <a:solidFill>
+                  <a:schemeClr val="accent5">
+                    <a:lumMod val="50000"/>
+                  </a:schemeClr>
+                </a:solidFill>
+              </a:rPr>
+              <a:t>CNF</a:t>
+            </a:r>
+            <a:r>
+              <a:rPr lang="en-US" sz="7200" dirty="0" smtClean="0"/>
+              <a:t> </a:t>
+            </a:r>
+            <a:endParaRPr lang="en-US" sz="5400" dirty="0"/>
+          </a:p>
+        </p:txBody>
+      </p:sp>
+      <p:sp>
+        <p:nvSpPr>
+          <p:cNvPr id="3" name="Slide Number Placeholder 2"/>
+          <p:cNvSpPr>
+            <a:spLocks noGrp="1"/>
+          </p:cNvSpPr>
+          <p:nvPr>
+            <p:ph type="sldNum" sz="quarter" idx="10"/>
+          </p:nvPr>
+        </p:nvSpPr>
+        <p:spPr/>
+        <p:txBody>
+          <a:bodyPr/>
+          <a:lstStyle/>
+          <a:p>
+            <a:pPr>
+              <a:defRPr/>
+            </a:pPr>
+            <a:r>
+              <a:rPr lang="en-US" smtClean="0"/>
+              <a:t>forms.</a:t>
+            </a:r>
+            <a:fld id="{068AF58D-0467-409E-A30A-0D5E3A2B197F}" type="slidenum">
+              <a:rPr lang="en-US" smtClean="0"/>
+              <a:pPr>
+                <a:defRPr/>
+              </a:pPr>
+              <a:t>17</a:t>
+            </a:fld>
+            <a:endParaRPr lang="en-US" dirty="0"/>
+          </a:p>
+        </p:txBody>
+      </p:sp>
+    </p:spTree>
+    <p:extLst>
+      <p:ext uri="{BB962C8B-B14F-4D97-AF65-F5344CB8AC3E}">
+        <p14:creationId xmlns:p14="http://schemas.microsoft.com/office/powerpoint/2010/main" val="691946672"/>
+      </p:ext>
+    </p:extLst>
+  </p:cSld>
+  <p:clrMapOvr>
+    <a:masterClrMapping/>
+  </p:clrMapOvr>
+  <p:transition xmlns:p14="http://schemas.microsoft.com/office/powerpoint/2010/main" spd="slow" advClick="0">
+    <p:fade thruBlk="1"/>
+  </p:transition>
+  <p:timing>
+    <p:tnLst>
+      <p:par>
+        <p:cTn xmlns:p14="http://schemas.microsoft.com/office/powerpoint/2010/main" id="1" dur="indefinite" restart="never" nodeType="tmRoot"/>
+      </p:par>
+    </p:tnLst>
+  </p:timing>
+</p:sld>
+</file>
+
+<file path=ppt/slides/slide18.xml><?xml version="1.0" encoding="utf-8"?>
+<p:sld xmlns:a="http://schemas.openxmlformats.org/drawingml/2006/main" xmlns:r="http://schemas.openxmlformats.org/officeDocument/2006/relationships" xmlns:p="http://schemas.openxmlformats.org/presentationml/2006/main" show="0">
+  <p:cSld>
+    <p:spTree>
+      <p:nvGrpSpPr>
+        <p:cNvPr id="1" name=""/>
+        <p:cNvGrpSpPr/>
+        <p:nvPr/>
+      </p:nvGrpSpPr>
+      <p:grpSpPr>
+        <a:xfrm>
+          <a:off x="0" y="0"/>
+          <a:ext cx="0" cy="0"/>
+          <a:chOff x="0" y="0"/>
+          <a:chExt cx="0" cy="0"/>
+        </a:xfrm>
+      </p:grpSpPr>
+      <p:sp>
+        <p:nvSpPr>
+          <p:cNvPr id="2" name="Title 1"/>
+          <p:cNvSpPr>
+            <a:spLocks noGrp="1"/>
+          </p:cNvSpPr>
+          <p:nvPr>
+            <p:ph type="title" sz="quarter"/>
+          </p:nvPr>
+        </p:nvSpPr>
+        <p:spPr/>
+        <p:txBody>
+          <a:bodyPr/>
+          <a:lstStyle/>
+          <a:p>
+            <a:r>
+              <a:rPr lang="en-US" dirty="0" smtClean="0"/>
+              <a:t>Every formula </a:t>
+            </a:r>
+            <a:r>
+              <a:rPr lang="en-US" dirty="0" smtClean="0">
+                <a:solidFill>
+                  <a:srgbClr val="000099"/>
+                </a:solidFill>
+                <a:latin typeface="Euclid Symbol" charset="2"/>
+                <a:cs typeface="Euclid Symbol" charset="2"/>
+              </a:rPr>
+              <a:t>≡</a:t>
+            </a:r>
+            <a:r>
+              <a:rPr lang="en-US" dirty="0" smtClean="0"/>
+              <a:t> CNF</a:t>
+            </a:r>
+            <a:endParaRPr lang="en-US" dirty="0"/>
+          </a:p>
+        </p:txBody>
+      </p:sp>
+      <p:sp>
+        <p:nvSpPr>
+          <p:cNvPr id="3" name="Slide Number Placeholder 2"/>
+          <p:cNvSpPr>
+            <a:spLocks noGrp="1"/>
+          </p:cNvSpPr>
+          <p:nvPr>
+            <p:ph type="sldNum" sz="quarter" idx="10"/>
+          </p:nvPr>
+        </p:nvSpPr>
+        <p:spPr/>
+        <p:txBody>
+          <a:bodyPr/>
+          <a:lstStyle/>
+          <a:p>
+            <a:pPr>
+              <a:defRPr/>
+            </a:pPr>
+            <a:r>
+              <a:rPr lang="en-US" smtClean="0"/>
+              <a:t>forms.</a:t>
+            </a:r>
+            <a:fld id="{068AF58D-0467-409E-A30A-0D5E3A2B197F}" type="slidenum">
+              <a:rPr lang="en-US" smtClean="0"/>
+              <a:pPr>
+                <a:defRPr/>
+              </a:pPr>
+              <a:t>18</a:t>
+            </a:fld>
+            <a:endParaRPr lang="en-US" dirty="0"/>
+          </a:p>
+        </p:txBody>
+      </p:sp>
+      <p:sp>
+        <p:nvSpPr>
+          <p:cNvPr id="4" name="TextBox 3"/>
+          <p:cNvSpPr txBox="1"/>
+          <p:nvPr/>
+        </p:nvSpPr>
+        <p:spPr>
+          <a:xfrm>
+            <a:off x="504149" y="2072021"/>
+            <a:ext cx="8116224" cy="2123658"/>
+          </a:xfrm>
+          <a:prstGeom prst="rect">
+            <a:avLst/>
+          </a:prstGeom>
+          <a:noFill/>
+        </p:spPr>
+        <p:txBody>
+          <a:bodyPr wrap="none" rtlCol="0">
+            <a:spAutoFit/>
+          </a:bodyPr>
+          <a:lstStyle/>
+          <a:p>
+            <a:pPr algn="l"/>
+            <a:r>
+              <a:rPr lang="en-US" sz="6600" dirty="0" smtClean="0">
+                <a:latin typeface="Comic Sans MS" pitchFamily="66" charset="0"/>
+              </a:rPr>
+              <a:t>Read the CNF right</a:t>
+            </a:r>
+          </a:p>
+          <a:p>
+            <a:pPr algn="l"/>
+            <a:r>
+              <a:rPr lang="en-US" sz="6600" dirty="0" smtClean="0">
+                <a:latin typeface="Comic Sans MS" pitchFamily="66" charset="0"/>
+              </a:rPr>
+              <a:t>off the Truth Table</a:t>
+            </a:r>
+            <a:endParaRPr lang="en-US" sz="6600" dirty="0" smtClean="0">
+              <a:latin typeface="Comic Sans MS" pitchFamily="66" charset="0"/>
+            </a:endParaRPr>
+          </a:p>
+        </p:txBody>
+      </p:sp>
+    </p:spTree>
+    <p:extLst>
+      <p:ext uri="{BB962C8B-B14F-4D97-AF65-F5344CB8AC3E}">
+        <p14:creationId xmlns:p14="http://schemas.microsoft.com/office/powerpoint/2010/main" val="2334716474"/>
+      </p:ext>
+    </p:extLst>
+  </p:cSld>
+  <p:clrMapOvr>
+    <a:masterClrMapping/>
+  </p:clrMapOvr>
+  <p:transition xmlns:p14="http://schemas.microsoft.com/office/powerpoint/2010/main" spd="slow" advClick="0">
+    <p:fade thruBlk="1"/>
+  </p:transition>
+  <p:timing>
+    <p:tnLst>
+      <p:par>
+        <p:cTn xmlns:p14="http://schemas.microsoft.com/office/powerpoint/2010/main" id="1" dur="indefinite" restart="never" nodeType="tmRoot">
+          <p:childTnLst>
+            <p:seq concurrent="1" nextAc="seek">
+              <p:cTn id="2" dur="indefinite" nodeType="mainSeq">
+                <p:childTnLst>
+                  <p:par>
+                    <p:cTn id="3" fill="hold">
+                      <p:stCondLst>
+                        <p:cond delay="indefinite"/>
+                      </p:stCondLst>
+                      <p:childTnLst>
+                        <p:par>
+                          <p:cTn id="4" fill="hold">
+                            <p:stCondLst>
+                              <p:cond delay="0"/>
+                            </p:stCondLst>
+                            <p:childTnLst>
+                              <p:par>
+                                <p:cTn id="5" presetID="10" presetClass="entr" presetSubtype="0" fill="hold" grpId="0" nodeType="clickEffect">
+                                  <p:stCondLst>
+                                    <p:cond delay="0"/>
+                                  </p:stCondLst>
+                                  <p:childTnLst>
+                                    <p:set>
+                                      <p:cBhvr>
+                                        <p:cTn id="6" dur="1" fill="hold">
+                                          <p:stCondLst>
+                                            <p:cond delay="0"/>
+                                          </p:stCondLst>
+                                        </p:cTn>
+                                        <p:tgtEl>
+                                          <p:spTgt spid="4"/>
+                                        </p:tgtEl>
+                                        <p:attrNameLst>
+                                          <p:attrName>style.visibility</p:attrName>
+                                        </p:attrNameLst>
+                                      </p:cBhvr>
+                                      <p:to>
+                                        <p:strVal val="visible"/>
+                                      </p:to>
+                                    </p:set>
+                                    <p:animEffect transition="in" filter="fade">
+                                      <p:cBhvr>
+                                        <p:cTn id="7" dur="500"/>
+                                        <p:tgtEl>
+                                          <p:spTgt spid="4"/>
+                                        </p:tgtEl>
+                                      </p:cBhvr>
+                                    </p:animEffect>
+                                  </p:childTnLst>
+                                </p:cTn>
+                              </p:par>
+                            </p:childTnLst>
+                          </p:cTn>
+                        </p:par>
+                      </p:childTnLst>
+                    </p:cTn>
+                  </p:par>
+                </p:childTnLst>
+              </p:cTn>
+              <p:prevCondLst>
+                <p:cond evt="onPrev" delay="0">
+                  <p:tgtEl>
+                    <p:sldTgt/>
+                  </p:tgtEl>
+                </p:cond>
+              </p:prevCondLst>
+              <p:nextCondLst>
+                <p:cond evt="onNext" delay="0">
+                  <p:tgtEl>
+                    <p:sldTgt/>
+                  </p:tgtEl>
+                </p:cond>
+              </p:nextCondLst>
+            </p:seq>
+          </p:childTnLst>
+        </p:cTn>
+      </p:par>
+    </p:tnLst>
+    <p:bldLst>
+      <p:bldP spid="4" grpId="0"/>
+    </p:bldLst>
+  </p:timing>
+</p:sld>
+</file>
+
 <file path=ppt/slides/slide2.xml><?xml version="1.0" encoding="utf-8"?>
+<p:sld xmlns:a="http://schemas.openxmlformats.org/drawingml/2006/main" xmlns:r="http://schemas.openxmlformats.org/officeDocument/2006/relationships" xmlns:p="http://schemas.openxmlformats.org/presentationml/2006/main">
+  <p:cSld>
+    <p:spTree>
+      <p:nvGrpSpPr>
+        <p:cNvPr id="1" name=""/>
+        <p:cNvGrpSpPr/>
+        <p:nvPr/>
+      </p:nvGrpSpPr>
+      <p:grpSpPr>
+        <a:xfrm>
+          <a:off x="0" y="0"/>
+          <a:ext cx="0" cy="0"/>
+          <a:chOff x="0" y="0"/>
+          <a:chExt cx="0" cy="0"/>
+        </a:xfrm>
+      </p:grpSpPr>
+      <p:sp>
+        <p:nvSpPr>
+          <p:cNvPr id="2" name="Title 1"/>
+          <p:cNvSpPr>
+            <a:spLocks noGrp="1"/>
+          </p:cNvSpPr>
+          <p:nvPr>
+            <p:ph type="title" sz="quarter"/>
+          </p:nvPr>
+        </p:nvSpPr>
+        <p:spPr/>
+        <p:txBody>
+          <a:bodyPr/>
+          <a:lstStyle/>
+          <a:p>
+            <a:r>
+              <a:rPr lang="en-US" dirty="0" smtClean="0"/>
+              <a:t>Sum of Products Form</a:t>
+            </a:r>
+            <a:endParaRPr lang="en-US" dirty="0"/>
+          </a:p>
+        </p:txBody>
+      </p:sp>
+      <p:sp>
+        <p:nvSpPr>
+          <p:cNvPr id="3" name="Slide Number Placeholder 2"/>
+          <p:cNvSpPr>
+            <a:spLocks noGrp="1"/>
+          </p:cNvSpPr>
+          <p:nvPr>
+            <p:ph type="sldNum" sz="quarter" idx="10"/>
+          </p:nvPr>
+        </p:nvSpPr>
+        <p:spPr/>
+        <p:txBody>
+          <a:bodyPr/>
+          <a:lstStyle/>
+          <a:p>
+            <a:pPr>
+              <a:defRPr/>
+            </a:pPr>
+            <a:r>
+              <a:rPr lang="en-US" smtClean="0"/>
+              <a:t>forms.</a:t>
+            </a:r>
+            <a:fld id="{068AF58D-0467-409E-A30A-0D5E3A2B197F}" type="slidenum">
+              <a:rPr lang="en-US" smtClean="0"/>
+              <a:pPr>
+                <a:defRPr/>
+              </a:pPr>
+              <a:t>2</a:t>
+            </a:fld>
+            <a:endParaRPr lang="en-US" dirty="0"/>
+          </a:p>
+        </p:txBody>
+      </p:sp>
+      <p:sp>
+        <p:nvSpPr>
+          <p:cNvPr id="4" name="TextBox 3"/>
+          <p:cNvSpPr txBox="1"/>
+          <p:nvPr/>
+        </p:nvSpPr>
+        <p:spPr>
+          <a:xfrm>
+            <a:off x="2479364" y="1448185"/>
+            <a:ext cx="4705172" cy="923330"/>
+          </a:xfrm>
+          <a:prstGeom prst="rect">
+            <a:avLst/>
+          </a:prstGeom>
+          <a:noFill/>
+        </p:spPr>
+        <p:txBody>
+          <a:bodyPr wrap="none" rtlCol="0">
+            <a:spAutoFit/>
+          </a:bodyPr>
+          <a:lstStyle/>
+          <a:p>
+            <a:pPr algn="l"/>
+            <a:r>
+              <a:rPr lang="en-US" sz="5400" dirty="0" smtClean="0">
+                <a:solidFill>
+                  <a:schemeClr val="tx2"/>
+                </a:solidFill>
+                <a:latin typeface="Comic Sans MS" pitchFamily="66" charset="0"/>
+              </a:rPr>
+              <a:t>(</a:t>
+            </a:r>
+            <a:r>
+              <a:rPr lang="en-US" sz="5400" dirty="0" smtClean="0">
+                <a:solidFill>
+                  <a:schemeClr val="accent1">
+                    <a:lumMod val="50000"/>
+                  </a:schemeClr>
+                </a:solidFill>
+                <a:latin typeface="Comic Sans MS" pitchFamily="66" charset="0"/>
+              </a:rPr>
+              <a:t>OR </a:t>
+            </a:r>
+            <a:r>
+              <a:rPr lang="en-US" sz="5400" dirty="0" smtClean="0">
+                <a:solidFill>
+                  <a:schemeClr val="tx2"/>
+                </a:solidFill>
+                <a:latin typeface="Comic Sans MS" pitchFamily="66" charset="0"/>
+              </a:rPr>
+              <a:t>of</a:t>
+            </a:r>
+            <a:r>
+              <a:rPr lang="en-US" sz="5400" dirty="0" smtClean="0">
+                <a:solidFill>
+                  <a:schemeClr val="accent1">
+                    <a:lumMod val="50000"/>
+                  </a:schemeClr>
+                </a:solidFill>
+                <a:latin typeface="Comic Sans MS" pitchFamily="66" charset="0"/>
+              </a:rPr>
+              <a:t> ANDs</a:t>
+            </a:r>
+            <a:r>
+              <a:rPr lang="en-US" sz="5400" dirty="0" smtClean="0">
+                <a:solidFill>
+                  <a:schemeClr val="tx2"/>
+                </a:solidFill>
+                <a:latin typeface="Comic Sans MS" pitchFamily="66" charset="0"/>
+              </a:rPr>
+              <a:t>)</a:t>
+            </a:r>
+            <a:endParaRPr lang="en-US" sz="5400" dirty="0" smtClean="0">
+              <a:solidFill>
+                <a:schemeClr val="tx2"/>
+              </a:solidFill>
+              <a:latin typeface="Comic Sans MS" pitchFamily="66" charset="0"/>
+            </a:endParaRPr>
+          </a:p>
+        </p:txBody>
+      </p:sp>
+      <p:sp>
+        <p:nvSpPr>
+          <p:cNvPr id="5" name="TextBox 4"/>
+          <p:cNvSpPr txBox="1"/>
+          <p:nvPr/>
+        </p:nvSpPr>
+        <p:spPr>
+          <a:xfrm>
+            <a:off x="375122" y="2620344"/>
+            <a:ext cx="8313895" cy="1323439"/>
+          </a:xfrm>
+          <a:prstGeom prst="rect">
+            <a:avLst/>
+          </a:prstGeom>
+          <a:noFill/>
+        </p:spPr>
+        <p:txBody>
+          <a:bodyPr wrap="none" rtlCol="0">
+            <a:spAutoFit/>
+          </a:bodyPr>
+          <a:lstStyle/>
+          <a:p>
+            <a:pPr algn="l"/>
+            <a:r>
+              <a:rPr lang="en-US" sz="8000" dirty="0" smtClean="0">
+                <a:solidFill>
+                  <a:srgbClr val="BB0FAB"/>
+                </a:solidFill>
+                <a:latin typeface="Comic Sans MS" pitchFamily="66" charset="0"/>
+              </a:rPr>
+              <a:t>Disjunctive</a:t>
+            </a:r>
+            <a:r>
+              <a:rPr lang="en-US" sz="8000" dirty="0" smtClean="0">
+                <a:solidFill>
+                  <a:srgbClr val="000000"/>
+                </a:solidFill>
+                <a:latin typeface="Comic Sans MS" pitchFamily="66" charset="0"/>
+              </a:rPr>
+              <a:t> Form</a:t>
+            </a:r>
+            <a:endParaRPr lang="en-US" sz="8000" dirty="0" smtClean="0">
+              <a:solidFill>
+                <a:srgbClr val="000000"/>
+              </a:solidFill>
+              <a:latin typeface="Comic Sans MS" pitchFamily="66" charset="0"/>
+            </a:endParaRPr>
+          </a:p>
+        </p:txBody>
+      </p:sp>
+    </p:spTree>
+    <p:extLst>
+      <p:ext uri="{BB962C8B-B14F-4D97-AF65-F5344CB8AC3E}">
+        <p14:creationId xmlns:p14="http://schemas.microsoft.com/office/powerpoint/2010/main" val="34003220"/>
+      </p:ext>
+    </p:extLst>
+  </p:cSld>
+  <p:clrMapOvr>
+    <a:masterClrMapping/>
+  </p:clrMapOvr>
+  <p:transition xmlns:p14="http://schemas.microsoft.com/office/powerpoint/2010/main" spd="slow" advClick="0">
+    <p:fade thruBlk="1"/>
+  </p:transition>
+  <p:timing>
+    <p:tnLst>
+      <p:par>
+        <p:cTn xmlns:p14="http://schemas.microsoft.com/office/powerpoint/2010/main" id="1" dur="indefinite" restart="never" nodeType="tmRoot">
+          <p:childTnLst>
+            <p:seq concurrent="1" nextAc="seek">
+              <p:cTn id="2" dur="indefinite" nodeType="mainSeq">
+                <p:childTnLst>
+                  <p:par>
+                    <p:cTn id="3" fill="hold">
+                      <p:stCondLst>
+                        <p:cond delay="indefinite"/>
+                      </p:stCondLst>
+                      <p:childTnLst>
+                        <p:par>
+                          <p:cTn id="4" fill="hold">
+                            <p:stCondLst>
+                              <p:cond delay="0"/>
+                            </p:stCondLst>
+                            <p:childTnLst>
+                              <p:par>
+                                <p:cTn id="5" presetID="10" presetClass="entr" presetSubtype="0" fill="hold" grpId="0" nodeType="clickEffect">
+                                  <p:stCondLst>
+                                    <p:cond delay="0"/>
+                                  </p:stCondLst>
+                                  <p:childTnLst>
+                                    <p:set>
+                                      <p:cBhvr>
+                                        <p:cTn id="6" dur="1" fill="hold">
+                                          <p:stCondLst>
+                                            <p:cond delay="0"/>
+                                          </p:stCondLst>
+                                        </p:cTn>
+                                        <p:tgtEl>
+                                          <p:spTgt spid="4"/>
+                                        </p:tgtEl>
+                                        <p:attrNameLst>
+                                          <p:attrName>style.visibility</p:attrName>
+                                        </p:attrNameLst>
+                                      </p:cBhvr>
+                                      <p:to>
+                                        <p:strVal val="visible"/>
+                                      </p:to>
+                                    </p:set>
+                                    <p:animEffect transition="in" filter="fade">
+                                      <p:cBhvr>
+                                        <p:cTn id="7" dur="500"/>
+                                        <p:tgtEl>
+                                          <p:spTgt spid="4"/>
+                                        </p:tgtEl>
+                                      </p:cBhvr>
+                                    </p:animEffect>
+                                  </p:childTnLst>
+                                </p:cTn>
+                              </p:par>
+                            </p:childTnLst>
+                          </p:cTn>
+                        </p:par>
+                      </p:childTnLst>
+                    </p:cTn>
+                  </p:par>
+                  <p:par>
+                    <p:cTn id="8" fill="hold">
+                      <p:stCondLst>
+                        <p:cond delay="indefinite"/>
+                      </p:stCondLst>
+                      <p:childTnLst>
+                        <p:par>
+                          <p:cTn id="9" fill="hold">
+                            <p:stCondLst>
+                              <p:cond delay="0"/>
+                            </p:stCondLst>
+                            <p:childTnLst>
+                              <p:par>
+                                <p:cTn id="10" presetID="55" presetClass="entr" presetSubtype="0" fill="hold" grpId="1" nodeType="clickEffect">
+                                  <p:stCondLst>
+                                    <p:cond delay="0"/>
+                                  </p:stCondLst>
+                                  <p:childTnLst>
+                                    <p:set>
+                                      <p:cBhvr>
+                                        <p:cTn id="11" dur="1" fill="hold">
+                                          <p:stCondLst>
+                                            <p:cond delay="0"/>
+                                          </p:stCondLst>
+                                        </p:cTn>
+                                        <p:tgtEl>
+                                          <p:spTgt spid="5"/>
+                                        </p:tgtEl>
+                                        <p:attrNameLst>
+                                          <p:attrName>style.visibility</p:attrName>
+                                        </p:attrNameLst>
+                                      </p:cBhvr>
+                                      <p:to>
+                                        <p:strVal val="visible"/>
+                                      </p:to>
+                                    </p:set>
+                                    <p:anim calcmode="lin" valueType="num">
+                                      <p:cBhvr>
+                                        <p:cTn id="12" dur="1000" fill="hold"/>
+                                        <p:tgtEl>
+                                          <p:spTgt spid="5"/>
+                                        </p:tgtEl>
+                                        <p:attrNameLst>
+                                          <p:attrName>ppt_w</p:attrName>
+                                        </p:attrNameLst>
+                                      </p:cBhvr>
+                                      <p:tavLst>
+                                        <p:tav tm="0">
+                                          <p:val>
+                                            <p:strVal val="#ppt_w*0.70"/>
+                                          </p:val>
+                                        </p:tav>
+                                        <p:tav tm="100000">
+                                          <p:val>
+                                            <p:strVal val="#ppt_w"/>
+                                          </p:val>
+                                        </p:tav>
+                                      </p:tavLst>
+                                    </p:anim>
+                                    <p:anim calcmode="lin" valueType="num">
+                                      <p:cBhvr>
+                                        <p:cTn id="13" dur="1000" fill="hold"/>
+                                        <p:tgtEl>
+                                          <p:spTgt spid="5"/>
+                                        </p:tgtEl>
+                                        <p:attrNameLst>
+                                          <p:attrName>ppt_h</p:attrName>
+                                        </p:attrNameLst>
+                                      </p:cBhvr>
+                                      <p:tavLst>
+                                        <p:tav tm="0">
+                                          <p:val>
+                                            <p:strVal val="#ppt_h"/>
+                                          </p:val>
+                                        </p:tav>
+                                        <p:tav tm="100000">
+                                          <p:val>
+                                            <p:strVal val="#ppt_h"/>
+                                          </p:val>
+                                        </p:tav>
+                                      </p:tavLst>
+                                    </p:anim>
+                                    <p:animEffect transition="in" filter="fade">
+                                      <p:cBhvr>
+                                        <p:cTn id="14" dur="1000"/>
+                                        <p:tgtEl>
+                                          <p:spTgt spid="5"/>
+                                        </p:tgtEl>
+                                      </p:cBhvr>
+                                    </p:animEffect>
+                                  </p:childTnLst>
+                                </p:cTn>
+                              </p:par>
+                            </p:childTnLst>
+                          </p:cTn>
+                        </p:par>
+                      </p:childTnLst>
+                    </p:cTn>
+                  </p:par>
+                </p:childTnLst>
+              </p:cTn>
+              <p:prevCondLst>
+                <p:cond evt="onPrev" delay="0">
+                  <p:tgtEl>
+                    <p:sldTgt/>
+                  </p:tgtEl>
+                </p:cond>
+              </p:prevCondLst>
+              <p:nextCondLst>
+                <p:cond evt="onNext" delay="0">
+                  <p:tgtEl>
+                    <p:sldTgt/>
+                  </p:tgtEl>
+                </p:cond>
+              </p:nextCondLst>
+            </p:seq>
+          </p:childTnLst>
+        </p:cTn>
+      </p:par>
+    </p:tnLst>
+    <p:bldLst>
+      <p:bldP spid="4" grpId="0"/>
+      <p:bldP spid="5" grpId="1"/>
+    </p:bldLst>
+  </p:timing>
+</p:sld>
+</file>
+
+<file path=ppt/slides/slide3.xml><?xml version="1.0" encoding="utf-8"?>
 <p:sld xmlns:a="http://schemas.openxmlformats.org/drawingml/2006/main" xmlns:r="http://schemas.openxmlformats.org/officeDocument/2006/relationships" xmlns:p="http://schemas.openxmlformats.org/presentationml/2006/main">
   <p:cSld>
     <p:spTree>
@@ -2883,7 +5691,7 @@
               <a:pPr>
                 <a:defRPr/>
               </a:pPr>
-              <a:t>2</a:t>
+              <a:t>3</a:t>
             </a:fld>
             <a:endParaRPr lang="en-US" dirty="0"/>
           </a:p>
@@ -2898,7 +5706,7 @@
           <p:nvPr>
             <p:extLst>
               <p:ext uri="{D42A27DB-BD31-4B8C-83A1-F6EECF244321}">
-                <p14:modId xmlns:p14="http://schemas.microsoft.com/office/powerpoint/2010/main" val="198992519"/>
+                <p14:modId xmlns:p14="http://schemas.microsoft.com/office/powerpoint/2010/main" val="1376285730"/>
               </p:ext>
             </p:extLst>
           </p:nvPr>
@@ -3042,46 +5850,14 @@
                     <a:p>
                       <a:pPr algn="ctr"/>
                       <a:r>
-                        <a:rPr lang="en-US" sz="2800" i="1" dirty="0" smtClean="0">
+                        <a:rPr lang="en-US" sz="2800" b="0" i="0" dirty="0" smtClean="0">
                           <a:solidFill>
-                            <a:schemeClr val="tx2"/>
-                          </a:solidFill>
-                          <a:latin typeface="Arial"/>
-                          <a:cs typeface="Arial"/>
-                        </a:rPr>
-                        <a:t>M</a:t>
-                      </a:r>
-                      <a:r>
-                        <a:rPr lang="en-US" sz="2800" dirty="0" smtClean="0">
-                          <a:solidFill>
-                            <a:schemeClr val="tx2"/>
+                            <a:srgbClr val="0000E5"/>
                           </a:solidFill>
                           <a:latin typeface="Comic Sans MS"/>
                           <a:cs typeface="Comic Sans MS"/>
                         </a:rPr>
-                        <a:t>(</a:t>
-                      </a:r>
-                      <a:r>
-                        <a:rPr lang="en-US" sz="2800" dirty="0" smtClean="0">
-                          <a:solidFill>
-                            <a:schemeClr val="accent1">
-                              <a:lumMod val="50000"/>
-                            </a:schemeClr>
-                          </a:solidFill>
-                          <a:latin typeface="Comic Sans MS"/>
-                          <a:cs typeface="Comic Sans MS"/>
-                        </a:rPr>
-                        <a:t>P</a:t>
-                      </a:r>
-                      <a:r>
-                        <a:rPr lang="en-US" sz="2800" dirty="0" smtClean="0">
-                          <a:solidFill>
-                            <a:schemeClr val="tx2"/>
-                          </a:solidFill>
-                          <a:latin typeface="Comic Sans MS"/>
-                          <a:cs typeface="Comic Sans MS"/>
-                        </a:rPr>
-                        <a:t>,</a:t>
+                        <a:t>M</a:t>
                       </a:r>
                       <a:r>
                         <a:rPr lang="en-US" sz="2800" dirty="0" smtClean="0">
@@ -3091,41 +5867,11 @@
                           <a:latin typeface="Comic Sans MS"/>
                           <a:cs typeface="Comic Sans MS"/>
                         </a:rPr>
-                        <a:t>Q</a:t>
-                      </a:r>
-                      <a:r>
-                        <a:rPr lang="en-US" sz="2800" dirty="0" smtClean="0">
-                          <a:solidFill>
-                            <a:schemeClr val="tx2"/>
-                          </a:solidFill>
-                          <a:latin typeface="Comic Sans MS"/>
-                          <a:cs typeface="Comic Sans MS"/>
-                        </a:rPr>
-                        <a:t>,</a:t>
-                      </a:r>
-                      <a:r>
-                        <a:rPr lang="en-US" sz="2800" dirty="0" smtClean="0">
-                          <a:solidFill>
-                            <a:srgbClr val="0000E5"/>
-                          </a:solidFill>
-                          <a:latin typeface="Comic Sans MS"/>
-                          <a:cs typeface="Comic Sans MS"/>
-                        </a:rPr>
-                        <a:t>R</a:t>
-                      </a:r>
-                      <a:r>
-                        <a:rPr lang="en-US" sz="2800" dirty="0" smtClean="0">
-                          <a:solidFill>
-                            <a:schemeClr val="tx2"/>
-                          </a:solidFill>
-                          <a:latin typeface="Comic Sans MS"/>
-                          <a:cs typeface="Comic Sans MS"/>
-                        </a:rPr>
-                        <a:t>)</a:t>
+                        <a:t>(P,Q,R)</a:t>
                       </a:r>
                       <a:endParaRPr lang="en-US" sz="2800" dirty="0">
                         <a:solidFill>
-                          <a:schemeClr val="tx2"/>
+                          <a:srgbClr val="0000E5"/>
                         </a:solidFill>
                         <a:latin typeface="Comic Sans MS"/>
                         <a:cs typeface="Comic Sans MS"/>
@@ -4440,16 +7186,17 @@
               <a:t>Majority function </a:t>
             </a:r>
             <a:r>
-              <a:rPr lang="en-US" sz="4800" i="1" dirty="0" smtClean="0">
-                <a:latin typeface="Arial"/>
-                <a:cs typeface="Arial"/>
+              <a:rPr lang="en-US" sz="4800" dirty="0" smtClean="0">
+                <a:solidFill>
+                  <a:schemeClr val="accent1">
+                    <a:lumMod val="50000"/>
+                  </a:schemeClr>
+                </a:solidFill>
+                <a:latin typeface="Comic Sans MS"/>
+                <a:cs typeface="Comic Sans MS"/>
               </a:rPr>
               <a:t>M</a:t>
             </a:r>
-            <a:endParaRPr lang="en-US" sz="4800" i="1" dirty="0" smtClean="0">
-              <a:latin typeface="Arial"/>
-              <a:cs typeface="Arial"/>
-            </a:endParaRPr>
           </a:p>
         </p:txBody>
       </p:sp>
@@ -4463,9 +7210,1685 @@
   <p:clrMapOvr>
     <a:masterClrMapping/>
   </p:clrMapOvr>
-  <p:transition xmlns:p14="http://schemas.microsoft.com/office/powerpoint/2010/main">
+  <p:transition xmlns:p14="http://schemas.microsoft.com/office/powerpoint/2010/main" spd="slow" advClick="0">
+    <p:fade thruBlk="1"/>
+  </p:transition>
+  <p:timing>
+    <p:tnLst>
+      <p:par>
+        <p:cTn xmlns:p14="http://schemas.microsoft.com/office/powerpoint/2010/main" id="1" dur="indefinite" restart="never" nodeType="tmRoot"/>
+      </p:par>
+    </p:tnLst>
+  </p:timing>
+</p:sld>
+</file>
+
+<file path=ppt/slides/slide4.xml><?xml version="1.0" encoding="utf-8"?>
+<p:sld xmlns:a="http://schemas.openxmlformats.org/drawingml/2006/main" xmlns:r="http://schemas.openxmlformats.org/officeDocument/2006/relationships" xmlns:p="http://schemas.openxmlformats.org/presentationml/2006/main">
+  <p:cSld>
+    <p:spTree>
+      <p:nvGrpSpPr>
+        <p:cNvPr id="1" name=""/>
+        <p:cNvGrpSpPr/>
+        <p:nvPr/>
+      </p:nvGrpSpPr>
+      <p:grpSpPr>
+        <a:xfrm>
+          <a:off x="0" y="0"/>
+          <a:ext cx="0" cy="0"/>
+          <a:chOff x="0" y="0"/>
+          <a:chExt cx="0" cy="0"/>
+        </a:xfrm>
+      </p:grpSpPr>
+      <p:graphicFrame>
+        <p:nvGraphicFramePr>
+          <p:cNvPr id="6" name="Object 5"/>
+          <p:cNvGraphicFramePr>
+            <a:graphicFrameLocks noChangeAspect="1"/>
+          </p:cNvGraphicFramePr>
+          <p:nvPr>
+            <p:extLst>
+              <p:ext uri="{D42A27DB-BD31-4B8C-83A1-F6EECF244321}">
+                <p14:modId xmlns:p14="http://schemas.microsoft.com/office/powerpoint/2010/main" val="1585843931"/>
+              </p:ext>
+            </p:extLst>
+          </p:nvPr>
+        </p:nvGraphicFramePr>
+        <p:xfrm>
+          <a:off x="1504950" y="1913563"/>
+          <a:ext cx="6472238" cy="3236912"/>
+        </p:xfrm>
+        <a:graphic>
+          <a:graphicData uri="http://schemas.openxmlformats.org/presentationml/2006/ole">
+            <mc:AlternateContent xmlns:mc="http://schemas.openxmlformats.org/markup-compatibility/2006">
+              <mc:Choice xmlns:v="urn:schemas-microsoft-com:vml" Requires="v">
+                <p:oleObj spid="_x0000_s1051" name="Equation" r:id="rId3" imgW="939800" imgH="469900" progId="Equation.DSMT4">
+                  <p:embed/>
+                </p:oleObj>
+              </mc:Choice>
+              <mc:Fallback>
+                <p:oleObj name="Equation" r:id="rId3" imgW="939800" imgH="469900" progId="Equation.DSMT4">
+                  <p:embed/>
+                  <p:pic>
+                    <p:nvPicPr>
+                      <p:cNvPr id="0" name=""/>
+                      <p:cNvPicPr/>
+                      <p:nvPr/>
+                    </p:nvPicPr>
+                    <p:blipFill>
+                      <a:blip r:embed="rId4"/>
+                      <a:stretch>
+                        <a:fillRect/>
+                      </a:stretch>
+                    </p:blipFill>
+                    <p:spPr>
+                      <a:xfrm>
+                        <a:off x="1504950" y="1913563"/>
+                        <a:ext cx="6472238" cy="3236912"/>
+                      </a:xfrm>
+                      <a:prstGeom prst="rect">
+                        <a:avLst/>
+                      </a:prstGeom>
+                    </p:spPr>
+                  </p:pic>
+                </p:oleObj>
+              </mc:Fallback>
+            </mc:AlternateContent>
+          </a:graphicData>
+        </a:graphic>
+      </p:graphicFrame>
+      <p:sp>
+        <p:nvSpPr>
+          <p:cNvPr id="2" name="Title 1"/>
+          <p:cNvSpPr>
+            <a:spLocks noGrp="1"/>
+          </p:cNvSpPr>
+          <p:nvPr>
+            <p:ph type="title" sz="quarter"/>
+          </p:nvPr>
+        </p:nvSpPr>
+        <p:spPr/>
+        <p:txBody>
+          <a:bodyPr/>
+          <a:lstStyle/>
+          <a:p>
+            <a:r>
+              <a:rPr lang="en-US" dirty="0" smtClean="0"/>
+              <a:t>A Product (</a:t>
+            </a:r>
+            <a:r>
+              <a:rPr lang="en-US" sz="3600" dirty="0" smtClean="0">
+                <a:solidFill>
+                  <a:srgbClr val="0000E5"/>
+                </a:solidFill>
+              </a:rPr>
+              <a:t>AND</a:t>
+            </a:r>
+            <a:r>
+              <a:rPr lang="en-US" dirty="0" smtClean="0"/>
+              <a:t>) Term</a:t>
+            </a:r>
+            <a:endParaRPr lang="en-US" dirty="0"/>
+          </a:p>
+        </p:txBody>
+      </p:sp>
+      <p:sp>
+        <p:nvSpPr>
+          <p:cNvPr id="3" name="Slide Number Placeholder 2"/>
+          <p:cNvSpPr>
+            <a:spLocks noGrp="1"/>
+          </p:cNvSpPr>
+          <p:nvPr>
+            <p:ph type="sldNum" sz="quarter" idx="10"/>
+          </p:nvPr>
+        </p:nvSpPr>
+        <p:spPr/>
+        <p:txBody>
+          <a:bodyPr/>
+          <a:lstStyle/>
+          <a:p>
+            <a:pPr>
+              <a:defRPr/>
+            </a:pPr>
+            <a:r>
+              <a:rPr lang="en-US" smtClean="0"/>
+              <a:t>forms.</a:t>
+            </a:r>
+            <a:fld id="{068AF58D-0467-409E-A30A-0D5E3A2B197F}" type="slidenum">
+              <a:rPr lang="en-US" smtClean="0"/>
+              <a:pPr>
+                <a:defRPr/>
+              </a:pPr>
+              <a:t>4</a:t>
+            </a:fld>
+            <a:endParaRPr lang="en-US" dirty="0"/>
+          </a:p>
+        </p:txBody>
+      </p:sp>
+      <p:sp>
+        <p:nvSpPr>
+          <p:cNvPr id="4" name="TextBox 3"/>
+          <p:cNvSpPr txBox="1"/>
+          <p:nvPr/>
+        </p:nvSpPr>
+        <p:spPr>
+          <a:xfrm>
+            <a:off x="1080680" y="1492741"/>
+            <a:ext cx="6840334" cy="923330"/>
+          </a:xfrm>
+          <a:prstGeom prst="rect">
+            <a:avLst/>
+          </a:prstGeom>
+          <a:noFill/>
+        </p:spPr>
+        <p:txBody>
+          <a:bodyPr wrap="none" rtlCol="0">
+            <a:spAutoFit/>
+          </a:bodyPr>
+          <a:lstStyle/>
+          <a:p>
+            <a:pPr algn="l"/>
+            <a:r>
+              <a:rPr lang="en-US" sz="5400" dirty="0" smtClean="0">
+                <a:latin typeface="Comic Sans MS" pitchFamily="66" charset="0"/>
+              </a:rPr>
+              <a:t>Row </a:t>
+            </a:r>
+            <a:r>
+              <a:rPr lang="en-US" sz="5400" dirty="0" smtClean="0">
+                <a:solidFill>
+                  <a:srgbClr val="006600"/>
+                </a:solidFill>
+                <a:latin typeface="Comic Sans MS" pitchFamily="66" charset="0"/>
+              </a:rPr>
+              <a:t>TT</a:t>
+            </a:r>
+            <a:r>
+              <a:rPr lang="en-US" sz="5400" dirty="0" smtClean="0">
+                <a:solidFill>
+                  <a:srgbClr val="FF0000"/>
+                </a:solidFill>
+                <a:latin typeface="Comic Sans MS" pitchFamily="66" charset="0"/>
+              </a:rPr>
+              <a:t>F</a:t>
+            </a:r>
+            <a:r>
+              <a:rPr lang="en-US" sz="5400" dirty="0" smtClean="0">
+                <a:latin typeface="Comic Sans MS" pitchFamily="66" charset="0"/>
+              </a:rPr>
+              <a:t> has value </a:t>
+            </a:r>
+            <a:r>
+              <a:rPr lang="en-US" sz="5400" dirty="0" smtClean="0">
+                <a:solidFill>
+                  <a:srgbClr val="006600"/>
+                </a:solidFill>
+                <a:latin typeface="Comic Sans MS" pitchFamily="66" charset="0"/>
+              </a:rPr>
+              <a:t>T</a:t>
+            </a:r>
+            <a:endParaRPr lang="en-US" sz="5400" dirty="0" smtClean="0">
+              <a:solidFill>
+                <a:srgbClr val="006600"/>
+              </a:solidFill>
+              <a:latin typeface="Comic Sans MS" pitchFamily="66" charset="0"/>
+            </a:endParaRPr>
+          </a:p>
+        </p:txBody>
+      </p:sp>
+      <p:graphicFrame>
+        <p:nvGraphicFramePr>
+          <p:cNvPr id="5" name="Object 4"/>
+          <p:cNvGraphicFramePr>
+            <a:graphicFrameLocks noChangeAspect="1"/>
+          </p:cNvGraphicFramePr>
+          <p:nvPr>
+            <p:extLst>
+              <p:ext uri="{D42A27DB-BD31-4B8C-83A1-F6EECF244321}">
+                <p14:modId xmlns:p14="http://schemas.microsoft.com/office/powerpoint/2010/main" val="2735813240"/>
+              </p:ext>
+            </p:extLst>
+          </p:nvPr>
+        </p:nvGraphicFramePr>
+        <p:xfrm>
+          <a:off x="1855749" y="2458727"/>
+          <a:ext cx="5823997" cy="1386666"/>
+        </p:xfrm>
+        <a:graphic>
+          <a:graphicData uri="http://schemas.openxmlformats.org/presentationml/2006/ole">
+            <mc:AlternateContent xmlns:mc="http://schemas.openxmlformats.org/markup-compatibility/2006">
+              <mc:Choice xmlns:v="urn:schemas-microsoft-com:vml" Requires="v">
+                <p:oleObj spid="_x0000_s1052" name="Equation" r:id="rId5" imgW="1066800" imgH="254000" progId="Equation.DSMT4">
+                  <p:embed/>
+                </p:oleObj>
+              </mc:Choice>
+              <mc:Fallback>
+                <p:oleObj name="Equation" r:id="rId5" imgW="1066800" imgH="254000" progId="Equation.DSMT4">
+                  <p:embed/>
+                  <p:pic>
+                    <p:nvPicPr>
+                      <p:cNvPr id="0" name=""/>
+                      <p:cNvPicPr/>
+                      <p:nvPr/>
+                    </p:nvPicPr>
+                    <p:blipFill>
+                      <a:blip r:embed="rId6"/>
+                      <a:stretch>
+                        <a:fillRect/>
+                      </a:stretch>
+                    </p:blipFill>
+                    <p:spPr>
+                      <a:xfrm>
+                        <a:off x="1855749" y="2458727"/>
+                        <a:ext cx="5823997" cy="1386666"/>
+                      </a:xfrm>
+                      <a:prstGeom prst="rect">
+                        <a:avLst/>
+                      </a:prstGeom>
+                    </p:spPr>
+                  </p:pic>
+                </p:oleObj>
+              </mc:Fallback>
+            </mc:AlternateContent>
+          </a:graphicData>
+        </a:graphic>
+      </p:graphicFrame>
+    </p:spTree>
+    <p:extLst>
+      <p:ext uri="{BB962C8B-B14F-4D97-AF65-F5344CB8AC3E}">
+        <p14:creationId xmlns:p14="http://schemas.microsoft.com/office/powerpoint/2010/main" val="1704137087"/>
+      </p:ext>
+    </p:extLst>
+  </p:cSld>
+  <p:clrMapOvr>
+    <a:masterClrMapping/>
+  </p:clrMapOvr>
+  <p:transition xmlns:p14="http://schemas.microsoft.com/office/powerpoint/2010/main" spd="slow" advClick="0">
     <p:fade/>
   </p:transition>
+  <p:timing>
+    <p:tnLst>
+      <p:par>
+        <p:cTn xmlns:p14="http://schemas.microsoft.com/office/powerpoint/2010/main" id="1" dur="indefinite" restart="never" nodeType="tmRoot">
+          <p:childTnLst>
+            <p:seq concurrent="1" nextAc="seek">
+              <p:cTn id="2" dur="indefinite" nodeType="mainSeq">
+                <p:childTnLst>
+                  <p:par>
+                    <p:cTn id="3" fill="hold">
+                      <p:stCondLst>
+                        <p:cond delay="indefinite"/>
+                      </p:stCondLst>
+                      <p:childTnLst>
+                        <p:par>
+                          <p:cTn id="4" fill="hold">
+                            <p:stCondLst>
+                              <p:cond delay="0"/>
+                            </p:stCondLst>
+                            <p:childTnLst>
+                              <p:par>
+                                <p:cTn id="5" presetID="22" presetClass="entr" presetSubtype="8" fill="hold" nodeType="clickEffect">
+                                  <p:stCondLst>
+                                    <p:cond delay="0"/>
+                                  </p:stCondLst>
+                                  <p:childTnLst>
+                                    <p:set>
+                                      <p:cBhvr>
+                                        <p:cTn id="6" dur="1" fill="hold">
+                                          <p:stCondLst>
+                                            <p:cond delay="0"/>
+                                          </p:stCondLst>
+                                        </p:cTn>
+                                        <p:tgtEl>
+                                          <p:spTgt spid="5"/>
+                                        </p:tgtEl>
+                                        <p:attrNameLst>
+                                          <p:attrName>style.visibility</p:attrName>
+                                        </p:attrNameLst>
+                                      </p:cBhvr>
+                                      <p:to>
+                                        <p:strVal val="visible"/>
+                                      </p:to>
+                                    </p:set>
+                                    <p:animEffect transition="in" filter="wipe(left)">
+                                      <p:cBhvr>
+                                        <p:cTn id="7" dur="1000"/>
+                                        <p:tgtEl>
+                                          <p:spTgt spid="5"/>
+                                        </p:tgtEl>
+                                      </p:cBhvr>
+                                    </p:animEffect>
+                                  </p:childTnLst>
+                                </p:cTn>
+                              </p:par>
+                            </p:childTnLst>
+                          </p:cTn>
+                        </p:par>
+                      </p:childTnLst>
+                    </p:cTn>
+                  </p:par>
+                  <p:par>
+                    <p:cTn id="8" fill="hold">
+                      <p:stCondLst>
+                        <p:cond delay="indefinite"/>
+                      </p:stCondLst>
+                      <p:childTnLst>
+                        <p:par>
+                          <p:cTn id="9" fill="hold">
+                            <p:stCondLst>
+                              <p:cond delay="0"/>
+                            </p:stCondLst>
+                            <p:childTnLst>
+                              <p:par>
+                                <p:cTn id="10" presetID="10" presetClass="entr" presetSubtype="0" fill="hold" grpId="0" nodeType="clickEffect">
+                                  <p:stCondLst>
+                                    <p:cond delay="0"/>
+                                  </p:stCondLst>
+                                  <p:childTnLst>
+                                    <p:set>
+                                      <p:cBhvr>
+                                        <p:cTn id="11" dur="1" fill="hold">
+                                          <p:stCondLst>
+                                            <p:cond delay="0"/>
+                                          </p:stCondLst>
+                                        </p:cTn>
+                                        <p:tgtEl>
+                                          <p:spTgt spid="2"/>
+                                        </p:tgtEl>
+                                        <p:attrNameLst>
+                                          <p:attrName>style.visibility</p:attrName>
+                                        </p:attrNameLst>
+                                      </p:cBhvr>
+                                      <p:to>
+                                        <p:strVal val="visible"/>
+                                      </p:to>
+                                    </p:set>
+                                    <p:animEffect transition="in" filter="fade">
+                                      <p:cBhvr>
+                                        <p:cTn id="12" dur="1000"/>
+                                        <p:tgtEl>
+                                          <p:spTgt spid="2"/>
+                                        </p:tgtEl>
+                                      </p:cBhvr>
+                                    </p:animEffect>
+                                  </p:childTnLst>
+                                </p:cTn>
+                              </p:par>
+                            </p:childTnLst>
+                          </p:cTn>
+                        </p:par>
+                      </p:childTnLst>
+                    </p:cTn>
+                  </p:par>
+                  <p:par>
+                    <p:cTn id="13" fill="hold">
+                      <p:stCondLst>
+                        <p:cond delay="indefinite"/>
+                      </p:stCondLst>
+                      <p:childTnLst>
+                        <p:par>
+                          <p:cTn id="14" fill="hold">
+                            <p:stCondLst>
+                              <p:cond delay="0"/>
+                            </p:stCondLst>
+                            <p:childTnLst>
+                              <p:par>
+                                <p:cTn id="15" presetID="22" presetClass="entr" presetSubtype="4" fill="hold" nodeType="clickEffect">
+                                  <p:stCondLst>
+                                    <p:cond delay="0"/>
+                                  </p:stCondLst>
+                                  <p:childTnLst>
+                                    <p:set>
+                                      <p:cBhvr>
+                                        <p:cTn id="16" dur="1" fill="hold">
+                                          <p:stCondLst>
+                                            <p:cond delay="0"/>
+                                          </p:stCondLst>
+                                        </p:cTn>
+                                        <p:tgtEl>
+                                          <p:spTgt spid="6"/>
+                                        </p:tgtEl>
+                                        <p:attrNameLst>
+                                          <p:attrName>style.visibility</p:attrName>
+                                        </p:attrNameLst>
+                                      </p:cBhvr>
+                                      <p:to>
+                                        <p:strVal val="visible"/>
+                                      </p:to>
+                                    </p:set>
+                                    <p:animEffect transition="in" filter="wipe(down)">
+                                      <p:cBhvr>
+                                        <p:cTn id="17" dur="1000"/>
+                                        <p:tgtEl>
+                                          <p:spTgt spid="6"/>
+                                        </p:tgtEl>
+                                      </p:cBhvr>
+                                    </p:animEffect>
+                                  </p:childTnLst>
+                                </p:cTn>
+                              </p:par>
+                            </p:childTnLst>
+                          </p:cTn>
+                        </p:par>
+                      </p:childTnLst>
+                    </p:cTn>
+                  </p:par>
+                </p:childTnLst>
+              </p:cTn>
+              <p:prevCondLst>
+                <p:cond evt="onPrev" delay="0">
+                  <p:tgtEl>
+                    <p:sldTgt/>
+                  </p:tgtEl>
+                </p:cond>
+              </p:prevCondLst>
+              <p:nextCondLst>
+                <p:cond evt="onNext" delay="0">
+                  <p:tgtEl>
+                    <p:sldTgt/>
+                  </p:tgtEl>
+                </p:cond>
+              </p:nextCondLst>
+            </p:seq>
+          </p:childTnLst>
+        </p:cTn>
+      </p:par>
+    </p:tnLst>
+    <p:bldLst>
+      <p:bldP spid="2" grpId="0"/>
+    </p:bldLst>
+  </p:timing>
+</p:sld>
+</file>
+
+<file path=ppt/slides/slide5.xml><?xml version="1.0" encoding="utf-8"?>
+<p:sld xmlns:a="http://schemas.openxmlformats.org/drawingml/2006/main" xmlns:r="http://schemas.openxmlformats.org/officeDocument/2006/relationships" xmlns:p="http://schemas.openxmlformats.org/presentationml/2006/main">
+  <p:cSld>
+    <p:spTree>
+      <p:nvGrpSpPr>
+        <p:cNvPr id="1" name=""/>
+        <p:cNvGrpSpPr/>
+        <p:nvPr/>
+      </p:nvGrpSpPr>
+      <p:grpSpPr>
+        <a:xfrm>
+          <a:off x="0" y="0"/>
+          <a:ext cx="0" cy="0"/>
+          <a:chOff x="0" y="0"/>
+          <a:chExt cx="0" cy="0"/>
+        </a:xfrm>
+      </p:grpSpPr>
+      <p:graphicFrame>
+        <p:nvGraphicFramePr>
+          <p:cNvPr id="6" name="Object 5"/>
+          <p:cNvGraphicFramePr>
+            <a:graphicFrameLocks noChangeAspect="1"/>
+          </p:cNvGraphicFramePr>
+          <p:nvPr>
+            <p:extLst>
+              <p:ext uri="{D42A27DB-BD31-4B8C-83A1-F6EECF244321}">
+                <p14:modId xmlns:p14="http://schemas.microsoft.com/office/powerpoint/2010/main" val="3303918338"/>
+              </p:ext>
+            </p:extLst>
+          </p:nvPr>
+        </p:nvGraphicFramePr>
+        <p:xfrm>
+          <a:off x="1540235" y="2388477"/>
+          <a:ext cx="6503625" cy="3125773"/>
+        </p:xfrm>
+        <a:graphic>
+          <a:graphicData uri="http://schemas.openxmlformats.org/presentationml/2006/ole">
+            <mc:AlternateContent xmlns:mc="http://schemas.openxmlformats.org/markup-compatibility/2006">
+              <mc:Choice xmlns:v="urn:schemas-microsoft-com:vml" Requires="v">
+                <p:oleObj spid="_x0000_s2061" name="Equation" r:id="rId3" imgW="1003300" imgH="482600" progId="Equation.DSMT4">
+                  <p:embed/>
+                </p:oleObj>
+              </mc:Choice>
+              <mc:Fallback>
+                <p:oleObj name="Equation" r:id="rId3" imgW="1003300" imgH="482600" progId="Equation.DSMT4">
+                  <p:embed/>
+                  <p:pic>
+                    <p:nvPicPr>
+                      <p:cNvPr id="0" name=""/>
+                      <p:cNvPicPr/>
+                      <p:nvPr/>
+                    </p:nvPicPr>
+                    <p:blipFill>
+                      <a:blip r:embed="rId4"/>
+                      <a:stretch>
+                        <a:fillRect/>
+                      </a:stretch>
+                    </p:blipFill>
+                    <p:spPr>
+                      <a:xfrm>
+                        <a:off x="1540235" y="2388477"/>
+                        <a:ext cx="6503625" cy="3125773"/>
+                      </a:xfrm>
+                      <a:prstGeom prst="rect">
+                        <a:avLst/>
+                      </a:prstGeom>
+                    </p:spPr>
+                  </p:pic>
+                </p:oleObj>
+              </mc:Fallback>
+            </mc:AlternateContent>
+          </a:graphicData>
+        </a:graphic>
+      </p:graphicFrame>
+      <p:sp>
+        <p:nvSpPr>
+          <p:cNvPr id="2" name="Title 1"/>
+          <p:cNvSpPr>
+            <a:spLocks noGrp="1"/>
+          </p:cNvSpPr>
+          <p:nvPr>
+            <p:ph type="title" sz="quarter"/>
+          </p:nvPr>
+        </p:nvSpPr>
+        <p:spPr/>
+        <p:txBody>
+          <a:bodyPr/>
+          <a:lstStyle/>
+          <a:p>
+            <a:r>
+              <a:rPr lang="en-US" dirty="0" smtClean="0"/>
+              <a:t>A Sum (</a:t>
+            </a:r>
+            <a:r>
+              <a:rPr lang="en-US" sz="3600" dirty="0" smtClean="0">
+                <a:solidFill>
+                  <a:srgbClr val="0000E5"/>
+                </a:solidFill>
+              </a:rPr>
+              <a:t>OR</a:t>
+            </a:r>
+            <a:r>
+              <a:rPr lang="en-US" dirty="0" smtClean="0"/>
+              <a:t>) of </a:t>
+            </a:r>
+            <a:r>
+              <a:rPr lang="en-US" sz="3600" dirty="0" smtClean="0">
+                <a:solidFill>
+                  <a:srgbClr val="0000E5"/>
+                </a:solidFill>
+              </a:rPr>
+              <a:t>AND</a:t>
+            </a:r>
+            <a:r>
+              <a:rPr lang="en-US" dirty="0" smtClean="0">
+                <a:solidFill>
+                  <a:schemeClr val="tx1"/>
+                </a:solidFill>
+              </a:rPr>
+              <a:t>s</a:t>
+            </a:r>
+            <a:endParaRPr lang="en-US" dirty="0">
+              <a:solidFill>
+                <a:schemeClr val="tx1"/>
+              </a:solidFill>
+            </a:endParaRPr>
+          </a:p>
+        </p:txBody>
+      </p:sp>
+      <p:sp>
+        <p:nvSpPr>
+          <p:cNvPr id="3" name="Slide Number Placeholder 2"/>
+          <p:cNvSpPr>
+            <a:spLocks noGrp="1"/>
+          </p:cNvSpPr>
+          <p:nvPr>
+            <p:ph type="sldNum" sz="quarter" idx="10"/>
+          </p:nvPr>
+        </p:nvSpPr>
+        <p:spPr/>
+        <p:txBody>
+          <a:bodyPr/>
+          <a:lstStyle/>
+          <a:p>
+            <a:pPr>
+              <a:defRPr/>
+            </a:pPr>
+            <a:r>
+              <a:rPr lang="en-US" smtClean="0"/>
+              <a:t>forms.</a:t>
+            </a:r>
+            <a:fld id="{068AF58D-0467-409E-A30A-0D5E3A2B197F}" type="slidenum">
+              <a:rPr lang="en-US" smtClean="0"/>
+              <a:pPr>
+                <a:defRPr/>
+              </a:pPr>
+              <a:t>5</a:t>
+            </a:fld>
+            <a:endParaRPr lang="en-US" dirty="0"/>
+          </a:p>
+        </p:txBody>
+      </p:sp>
+      <p:sp>
+        <p:nvSpPr>
+          <p:cNvPr id="4" name="TextBox 3"/>
+          <p:cNvSpPr txBox="1"/>
+          <p:nvPr/>
+        </p:nvSpPr>
+        <p:spPr>
+          <a:xfrm>
+            <a:off x="1615448" y="1492741"/>
+            <a:ext cx="5917004" cy="923330"/>
+          </a:xfrm>
+          <a:prstGeom prst="rect">
+            <a:avLst/>
+          </a:prstGeom>
+          <a:noFill/>
+        </p:spPr>
+        <p:txBody>
+          <a:bodyPr wrap="none" rtlCol="0">
+            <a:spAutoFit/>
+          </a:bodyPr>
+          <a:lstStyle/>
+          <a:p>
+            <a:pPr algn="l"/>
+            <a:r>
+              <a:rPr lang="en-US" sz="5400" dirty="0" smtClean="0">
+                <a:latin typeface="Comic Sans MS" pitchFamily="66" charset="0"/>
+              </a:rPr>
+              <a:t>Rows with value </a:t>
+            </a:r>
+            <a:r>
+              <a:rPr lang="en-US" sz="5400" dirty="0" smtClean="0">
+                <a:solidFill>
+                  <a:srgbClr val="006600"/>
+                </a:solidFill>
+                <a:latin typeface="Comic Sans MS" pitchFamily="66" charset="0"/>
+              </a:rPr>
+              <a:t>T</a:t>
+            </a:r>
+            <a:endParaRPr lang="en-US" sz="5400" dirty="0" smtClean="0">
+              <a:solidFill>
+                <a:srgbClr val="006600"/>
+              </a:solidFill>
+              <a:latin typeface="Comic Sans MS" pitchFamily="66" charset="0"/>
+            </a:endParaRPr>
+          </a:p>
+        </p:txBody>
+      </p:sp>
+    </p:spTree>
+    <p:extLst>
+      <p:ext uri="{BB962C8B-B14F-4D97-AF65-F5344CB8AC3E}">
+        <p14:creationId xmlns:p14="http://schemas.microsoft.com/office/powerpoint/2010/main" val="3306560743"/>
+      </p:ext>
+    </p:extLst>
+  </p:cSld>
+  <p:clrMapOvr>
+    <a:masterClrMapping/>
+  </p:clrMapOvr>
+  <p:transition xmlns:p14="http://schemas.microsoft.com/office/powerpoint/2010/main" spd="slow" advClick="0">
+    <p:fade/>
+  </p:transition>
+  <p:timing>
+    <p:tnLst>
+      <p:par>
+        <p:cTn xmlns:p14="http://schemas.microsoft.com/office/powerpoint/2010/main" id="1" dur="indefinite" restart="never" nodeType="tmRoot">
+          <p:childTnLst>
+            <p:seq concurrent="1" nextAc="seek">
+              <p:cTn id="2" dur="indefinite" nodeType="mainSeq">
+                <p:childTnLst>
+                  <p:par>
+                    <p:cTn id="3" fill="hold">
+                      <p:stCondLst>
+                        <p:cond delay="indefinite"/>
+                      </p:stCondLst>
+                      <p:childTnLst>
+                        <p:par>
+                          <p:cTn id="4" fill="hold">
+                            <p:stCondLst>
+                              <p:cond delay="0"/>
+                            </p:stCondLst>
+                            <p:childTnLst>
+                              <p:par>
+                                <p:cTn id="5" presetID="10" presetClass="entr" presetSubtype="0" fill="hold" grpId="1" nodeType="clickEffect">
+                                  <p:stCondLst>
+                                    <p:cond delay="0"/>
+                                  </p:stCondLst>
+                                  <p:childTnLst>
+                                    <p:set>
+                                      <p:cBhvr>
+                                        <p:cTn id="6" dur="1" fill="hold">
+                                          <p:stCondLst>
+                                            <p:cond delay="0"/>
+                                          </p:stCondLst>
+                                        </p:cTn>
+                                        <p:tgtEl>
+                                          <p:spTgt spid="4"/>
+                                        </p:tgtEl>
+                                        <p:attrNameLst>
+                                          <p:attrName>style.visibility</p:attrName>
+                                        </p:attrNameLst>
+                                      </p:cBhvr>
+                                      <p:to>
+                                        <p:strVal val="visible"/>
+                                      </p:to>
+                                    </p:set>
+                                    <p:animEffect transition="in" filter="fade">
+                                      <p:cBhvr>
+                                        <p:cTn id="7" dur="500"/>
+                                        <p:tgtEl>
+                                          <p:spTgt spid="4"/>
+                                        </p:tgtEl>
+                                      </p:cBhvr>
+                                    </p:animEffect>
+                                  </p:childTnLst>
+                                </p:cTn>
+                              </p:par>
+                            </p:childTnLst>
+                          </p:cTn>
+                        </p:par>
+                      </p:childTnLst>
+                    </p:cTn>
+                  </p:par>
+                  <p:par>
+                    <p:cTn id="8" fill="hold">
+                      <p:stCondLst>
+                        <p:cond delay="indefinite"/>
+                      </p:stCondLst>
+                      <p:childTnLst>
+                        <p:par>
+                          <p:cTn id="9" fill="hold">
+                            <p:stCondLst>
+                              <p:cond delay="0"/>
+                            </p:stCondLst>
+                            <p:childTnLst>
+                              <p:par>
+                                <p:cTn id="10" presetID="22" presetClass="entr" presetSubtype="1" fill="hold" nodeType="clickEffect">
+                                  <p:stCondLst>
+                                    <p:cond delay="0"/>
+                                  </p:stCondLst>
+                                  <p:childTnLst>
+                                    <p:set>
+                                      <p:cBhvr>
+                                        <p:cTn id="11" dur="1" fill="hold">
+                                          <p:stCondLst>
+                                            <p:cond delay="0"/>
+                                          </p:stCondLst>
+                                        </p:cTn>
+                                        <p:tgtEl>
+                                          <p:spTgt spid="6"/>
+                                        </p:tgtEl>
+                                        <p:attrNameLst>
+                                          <p:attrName>style.visibility</p:attrName>
+                                        </p:attrNameLst>
+                                      </p:cBhvr>
+                                      <p:to>
+                                        <p:strVal val="visible"/>
+                                      </p:to>
+                                    </p:set>
+                                    <p:animEffect transition="in" filter="wipe(up)">
+                                      <p:cBhvr>
+                                        <p:cTn id="12" dur="1000"/>
+                                        <p:tgtEl>
+                                          <p:spTgt spid="6"/>
+                                        </p:tgtEl>
+                                      </p:cBhvr>
+                                    </p:animEffect>
+                                  </p:childTnLst>
+                                </p:cTn>
+                              </p:par>
+                            </p:childTnLst>
+                          </p:cTn>
+                        </p:par>
+                      </p:childTnLst>
+                    </p:cTn>
+                  </p:par>
+                </p:childTnLst>
+              </p:cTn>
+              <p:prevCondLst>
+                <p:cond evt="onPrev" delay="0">
+                  <p:tgtEl>
+                    <p:sldTgt/>
+                  </p:tgtEl>
+                </p:cond>
+              </p:prevCondLst>
+              <p:nextCondLst>
+                <p:cond evt="onNext" delay="0">
+                  <p:tgtEl>
+                    <p:sldTgt/>
+                  </p:tgtEl>
+                </p:cond>
+              </p:nextCondLst>
+            </p:seq>
+          </p:childTnLst>
+        </p:cTn>
+      </p:par>
+    </p:tnLst>
+    <p:bldLst>
+      <p:bldP spid="4" grpId="1"/>
+    </p:bldLst>
+  </p:timing>
+</p:sld>
+</file>
+
+<file path=ppt/slides/slide6.xml><?xml version="1.0" encoding="utf-8"?>
+<p:sld xmlns:a="http://schemas.openxmlformats.org/drawingml/2006/main" xmlns:r="http://schemas.openxmlformats.org/officeDocument/2006/relationships" xmlns:p="http://schemas.openxmlformats.org/presentationml/2006/main">
+  <p:cSld>
+    <p:spTree>
+      <p:nvGrpSpPr>
+        <p:cNvPr id="1" name=""/>
+        <p:cNvGrpSpPr/>
+        <p:nvPr/>
+      </p:nvGrpSpPr>
+      <p:grpSpPr>
+        <a:xfrm>
+          <a:off x="0" y="0"/>
+          <a:ext cx="0" cy="0"/>
+          <a:chOff x="0" y="0"/>
+          <a:chExt cx="0" cy="0"/>
+        </a:xfrm>
+      </p:grpSpPr>
+      <p:graphicFrame>
+        <p:nvGraphicFramePr>
+          <p:cNvPr id="6" name="Object 5"/>
+          <p:cNvGraphicFramePr>
+            <a:graphicFrameLocks noChangeAspect="1"/>
+          </p:cNvGraphicFramePr>
+          <p:nvPr>
+            <p:extLst>
+              <p:ext uri="{D42A27DB-BD31-4B8C-83A1-F6EECF244321}">
+                <p14:modId xmlns:p14="http://schemas.microsoft.com/office/powerpoint/2010/main" val="1848710314"/>
+              </p:ext>
+            </p:extLst>
+          </p:nvPr>
+        </p:nvGraphicFramePr>
+        <p:xfrm>
+          <a:off x="3246996" y="1147402"/>
+          <a:ext cx="2662707" cy="4440637"/>
+        </p:xfrm>
+        <a:graphic>
+          <a:graphicData uri="http://schemas.openxmlformats.org/presentationml/2006/ole">
+            <mc:AlternateContent xmlns:mc="http://schemas.openxmlformats.org/markup-compatibility/2006">
+              <mc:Choice xmlns:v="urn:schemas-microsoft-com:vml" Requires="v">
+                <p:oleObj spid="_x0000_s13316" name="Equation" r:id="rId3" imgW="533400" imgH="914400" progId="Equation.DSMT4">
+                  <p:embed/>
+                </p:oleObj>
+              </mc:Choice>
+              <mc:Fallback>
+                <p:oleObj name="Equation" r:id="rId3" imgW="533400" imgH="914400" progId="Equation.DSMT4">
+                  <p:embed/>
+                  <p:pic>
+                    <p:nvPicPr>
+                      <p:cNvPr id="0" name=""/>
+                      <p:cNvPicPr/>
+                      <p:nvPr/>
+                    </p:nvPicPr>
+                    <p:blipFill>
+                      <a:blip r:embed="rId4"/>
+                      <a:stretch>
+                        <a:fillRect/>
+                      </a:stretch>
+                    </p:blipFill>
+                    <p:spPr>
+                      <a:xfrm>
+                        <a:off x="3246996" y="1147402"/>
+                        <a:ext cx="2662707" cy="4440637"/>
+                      </a:xfrm>
+                      <a:prstGeom prst="rect">
+                        <a:avLst/>
+                      </a:prstGeom>
+                    </p:spPr>
+                  </p:pic>
+                </p:oleObj>
+              </mc:Fallback>
+            </mc:AlternateContent>
+          </a:graphicData>
+        </a:graphic>
+      </p:graphicFrame>
+      <p:sp>
+        <p:nvSpPr>
+          <p:cNvPr id="2" name="Title 1"/>
+          <p:cNvSpPr>
+            <a:spLocks noGrp="1"/>
+          </p:cNvSpPr>
+          <p:nvPr>
+            <p:ph type="title" sz="quarter"/>
+          </p:nvPr>
+        </p:nvSpPr>
+        <p:spPr/>
+        <p:txBody>
+          <a:bodyPr/>
+          <a:lstStyle/>
+          <a:p>
+            <a:r>
+              <a:rPr lang="en-US" dirty="0" smtClean="0"/>
+              <a:t>A Sum (</a:t>
+            </a:r>
+            <a:r>
+              <a:rPr lang="en-US" sz="3600" dirty="0" smtClean="0">
+                <a:solidFill>
+                  <a:srgbClr val="0000E5"/>
+                </a:solidFill>
+              </a:rPr>
+              <a:t>OR</a:t>
+            </a:r>
+            <a:r>
+              <a:rPr lang="en-US" dirty="0" smtClean="0"/>
+              <a:t>) of </a:t>
+            </a:r>
+            <a:r>
+              <a:rPr lang="en-US" sz="3600" dirty="0" smtClean="0">
+                <a:solidFill>
+                  <a:srgbClr val="0000E5"/>
+                </a:solidFill>
+              </a:rPr>
+              <a:t>AND</a:t>
+            </a:r>
+            <a:r>
+              <a:rPr lang="en-US" dirty="0" smtClean="0">
+                <a:solidFill>
+                  <a:schemeClr val="tx1"/>
+                </a:solidFill>
+              </a:rPr>
+              <a:t>s</a:t>
+            </a:r>
+            <a:endParaRPr lang="en-US" dirty="0">
+              <a:solidFill>
+                <a:schemeClr val="tx1"/>
+              </a:solidFill>
+            </a:endParaRPr>
+          </a:p>
+        </p:txBody>
+      </p:sp>
+      <p:sp>
+        <p:nvSpPr>
+          <p:cNvPr id="3" name="Slide Number Placeholder 2"/>
+          <p:cNvSpPr>
+            <a:spLocks noGrp="1"/>
+          </p:cNvSpPr>
+          <p:nvPr>
+            <p:ph type="sldNum" sz="quarter" idx="10"/>
+          </p:nvPr>
+        </p:nvSpPr>
+        <p:spPr/>
+        <p:txBody>
+          <a:bodyPr/>
+          <a:lstStyle/>
+          <a:p>
+            <a:pPr>
+              <a:defRPr/>
+            </a:pPr>
+            <a:r>
+              <a:rPr lang="en-US" smtClean="0"/>
+              <a:t>forms.</a:t>
+            </a:r>
+            <a:fld id="{068AF58D-0467-409E-A30A-0D5E3A2B197F}" type="slidenum">
+              <a:rPr lang="en-US" smtClean="0"/>
+              <a:pPr>
+                <a:defRPr/>
+              </a:pPr>
+              <a:t>6</a:t>
+            </a:fld>
+            <a:endParaRPr lang="en-US" dirty="0"/>
+          </a:p>
+        </p:txBody>
+      </p:sp>
+    </p:spTree>
+    <p:extLst>
+      <p:ext uri="{BB962C8B-B14F-4D97-AF65-F5344CB8AC3E}">
+        <p14:creationId xmlns:p14="http://schemas.microsoft.com/office/powerpoint/2010/main" val="1437692175"/>
+      </p:ext>
+    </p:extLst>
+  </p:cSld>
+  <p:clrMapOvr>
+    <a:masterClrMapping/>
+  </p:clrMapOvr>
+  <mc:AlternateContent xmlns:mc="http://schemas.openxmlformats.org/markup-compatibility/2006">
+    <mc:Choice xmlns:p14="http://schemas.microsoft.com/office/powerpoint/2010/main" Requires="p14">
+      <p:transition spd="med" p14:dur="700" advClick="0">
+        <p:fade/>
+      </p:transition>
+    </mc:Choice>
+    <mc:Fallback>
+      <p:transition xmlns:p14="http://schemas.microsoft.com/office/powerpoint/2010/main" spd="med" advClick="0">
+        <p:fade/>
+      </p:transition>
+    </mc:Fallback>
+  </mc:AlternateContent>
+  <p:timing>
+    <p:tnLst>
+      <p:par>
+        <p:cTn xmlns:p14="http://schemas.microsoft.com/office/powerpoint/2010/main" id="1" dur="indefinite" restart="never" nodeType="tmRoot"/>
+      </p:par>
+    </p:tnLst>
+  </p:timing>
+</p:sld>
+</file>
+
+<file path=ppt/slides/slide7.xml><?xml version="1.0" encoding="utf-8"?>
+<p:sld xmlns:a="http://schemas.openxmlformats.org/drawingml/2006/main" xmlns:r="http://schemas.openxmlformats.org/officeDocument/2006/relationships" xmlns:p="http://schemas.openxmlformats.org/presentationml/2006/main">
+  <p:cSld>
+    <p:spTree>
+      <p:nvGrpSpPr>
+        <p:cNvPr id="1" name=""/>
+        <p:cNvGrpSpPr/>
+        <p:nvPr/>
+      </p:nvGrpSpPr>
+      <p:grpSpPr>
+        <a:xfrm>
+          <a:off x="0" y="0"/>
+          <a:ext cx="0" cy="0"/>
+          <a:chOff x="0" y="0"/>
+          <a:chExt cx="0" cy="0"/>
+        </a:xfrm>
+      </p:grpSpPr>
+      <p:graphicFrame>
+        <p:nvGraphicFramePr>
+          <p:cNvPr id="6" name="Object 5"/>
+          <p:cNvGraphicFramePr>
+            <a:graphicFrameLocks noChangeAspect="1"/>
+          </p:cNvGraphicFramePr>
+          <p:nvPr>
+            <p:extLst>
+              <p:ext uri="{D42A27DB-BD31-4B8C-83A1-F6EECF244321}">
+                <p14:modId xmlns:p14="http://schemas.microsoft.com/office/powerpoint/2010/main" val="2607417037"/>
+              </p:ext>
+            </p:extLst>
+          </p:nvPr>
+        </p:nvGraphicFramePr>
+        <p:xfrm>
+          <a:off x="3246996" y="1147402"/>
+          <a:ext cx="2662707" cy="4440637"/>
+        </p:xfrm>
+        <a:graphic>
+          <a:graphicData uri="http://schemas.openxmlformats.org/presentationml/2006/ole">
+            <mc:AlternateContent xmlns:mc="http://schemas.openxmlformats.org/markup-compatibility/2006">
+              <mc:Choice xmlns:v="urn:schemas-microsoft-com:vml" Requires="v">
+                <p:oleObj spid="_x0000_s12292" name="Equation" r:id="rId3" imgW="533400" imgH="914400" progId="Equation.DSMT4">
+                  <p:embed/>
+                </p:oleObj>
+              </mc:Choice>
+              <mc:Fallback>
+                <p:oleObj name="Equation" r:id="rId3" imgW="533400" imgH="914400" progId="Equation.DSMT4">
+                  <p:embed/>
+                  <p:pic>
+                    <p:nvPicPr>
+                      <p:cNvPr id="0" name=""/>
+                      <p:cNvPicPr/>
+                      <p:nvPr/>
+                    </p:nvPicPr>
+                    <p:blipFill>
+                      <a:blip r:embed="rId4"/>
+                      <a:stretch>
+                        <a:fillRect/>
+                      </a:stretch>
+                    </p:blipFill>
+                    <p:spPr>
+                      <a:xfrm>
+                        <a:off x="3246996" y="1147402"/>
+                        <a:ext cx="2662707" cy="4440637"/>
+                      </a:xfrm>
+                      <a:prstGeom prst="rect">
+                        <a:avLst/>
+                      </a:prstGeom>
+                    </p:spPr>
+                  </p:pic>
+                </p:oleObj>
+              </mc:Fallback>
+            </mc:AlternateContent>
+          </a:graphicData>
+        </a:graphic>
+      </p:graphicFrame>
+      <p:sp>
+        <p:nvSpPr>
+          <p:cNvPr id="3" name="Slide Number Placeholder 2"/>
+          <p:cNvSpPr>
+            <a:spLocks noGrp="1"/>
+          </p:cNvSpPr>
+          <p:nvPr>
+            <p:ph type="sldNum" sz="quarter" idx="10"/>
+          </p:nvPr>
+        </p:nvSpPr>
+        <p:spPr/>
+        <p:txBody>
+          <a:bodyPr/>
+          <a:lstStyle/>
+          <a:p>
+            <a:pPr>
+              <a:defRPr/>
+            </a:pPr>
+            <a:r>
+              <a:rPr lang="en-US" smtClean="0"/>
+              <a:t>forms.</a:t>
+            </a:r>
+            <a:fld id="{068AF58D-0467-409E-A30A-0D5E3A2B197F}" type="slidenum">
+              <a:rPr lang="en-US" smtClean="0"/>
+              <a:pPr>
+                <a:defRPr/>
+              </a:pPr>
+              <a:t>7</a:t>
+            </a:fld>
+            <a:endParaRPr lang="en-US" dirty="0"/>
+          </a:p>
+        </p:txBody>
+      </p:sp>
+      <p:sp>
+        <p:nvSpPr>
+          <p:cNvPr id="7" name="Title 1"/>
+          <p:cNvSpPr>
+            <a:spLocks noGrp="1"/>
+          </p:cNvSpPr>
+          <p:nvPr>
+            <p:ph type="title" sz="quarter"/>
+          </p:nvPr>
+        </p:nvSpPr>
+        <p:spPr/>
+        <p:txBody>
+          <a:bodyPr/>
+          <a:lstStyle/>
+          <a:p>
+            <a:r>
+              <a:rPr lang="en-US" dirty="0" smtClean="0"/>
+              <a:t>Disjunctive Form for </a:t>
+            </a:r>
+            <a:r>
+              <a:rPr lang="en-US" dirty="0" smtClean="0">
+                <a:solidFill>
+                  <a:srgbClr val="0000FF"/>
+                </a:solidFill>
+              </a:rPr>
+              <a:t>M</a:t>
+            </a:r>
+            <a:endParaRPr lang="en-US" dirty="0">
+              <a:solidFill>
+                <a:srgbClr val="0000FF"/>
+              </a:solidFill>
+            </a:endParaRPr>
+          </a:p>
+        </p:txBody>
+      </p:sp>
+    </p:spTree>
+    <p:extLst>
+      <p:ext uri="{BB962C8B-B14F-4D97-AF65-F5344CB8AC3E}">
+        <p14:creationId xmlns:p14="http://schemas.microsoft.com/office/powerpoint/2010/main" val="3206481017"/>
+      </p:ext>
+    </p:extLst>
+  </p:cSld>
+  <p:clrMapOvr>
+    <a:masterClrMapping/>
+  </p:clrMapOvr>
+  <mc:AlternateContent xmlns:mc="http://schemas.openxmlformats.org/markup-compatibility/2006">
+    <mc:Choice xmlns:p14="http://schemas.microsoft.com/office/powerpoint/2010/main" Requires="p14">
+      <p:transition spd="med" p14:dur="700" advClick="0">
+        <p:fade/>
+      </p:transition>
+    </mc:Choice>
+    <mc:Fallback>
+      <p:transition xmlns:p14="http://schemas.microsoft.com/office/powerpoint/2010/main" spd="med" advClick="0">
+        <p:fade/>
+      </p:transition>
+    </mc:Fallback>
+  </mc:AlternateContent>
+  <p:timing>
+    <p:tnLst>
+      <p:par>
+        <p:cTn xmlns:p14="http://schemas.microsoft.com/office/powerpoint/2010/main" id="1" dur="indefinite" restart="never" nodeType="tmRoot"/>
+      </p:par>
+    </p:tnLst>
+  </p:timing>
+</p:sld>
+</file>
+
+<file path=ppt/slides/slide8.xml><?xml version="1.0" encoding="utf-8"?>
+<p:sld xmlns:a="http://schemas.openxmlformats.org/drawingml/2006/main" xmlns:r="http://schemas.openxmlformats.org/officeDocument/2006/relationships" xmlns:p="http://schemas.openxmlformats.org/presentationml/2006/main">
+  <p:cSld>
+    <p:spTree>
+      <p:nvGrpSpPr>
+        <p:cNvPr id="1" name=""/>
+        <p:cNvGrpSpPr/>
+        <p:nvPr/>
+      </p:nvGrpSpPr>
+      <p:grpSpPr>
+        <a:xfrm>
+          <a:off x="0" y="0"/>
+          <a:ext cx="0" cy="0"/>
+          <a:chOff x="0" y="0"/>
+          <a:chExt cx="0" cy="0"/>
+        </a:xfrm>
+      </p:grpSpPr>
+      <p:sp>
+        <p:nvSpPr>
+          <p:cNvPr id="2" name="Title 1"/>
+          <p:cNvSpPr>
+            <a:spLocks noGrp="1"/>
+          </p:cNvSpPr>
+          <p:nvPr>
+            <p:ph type="title" sz="quarter"/>
+          </p:nvPr>
+        </p:nvSpPr>
+        <p:spPr/>
+        <p:txBody>
+          <a:bodyPr/>
+          <a:lstStyle/>
+          <a:p>
+            <a:r>
+              <a:rPr lang="en-US" dirty="0" smtClean="0"/>
+              <a:t>Disjunctive Form for </a:t>
+            </a:r>
+            <a:r>
+              <a:rPr lang="en-US" dirty="0" smtClean="0">
+                <a:solidFill>
+                  <a:srgbClr val="0000FF"/>
+                </a:solidFill>
+              </a:rPr>
+              <a:t>M</a:t>
+            </a:r>
+            <a:endParaRPr lang="en-US" dirty="0">
+              <a:solidFill>
+                <a:srgbClr val="0000FF"/>
+              </a:solidFill>
+            </a:endParaRPr>
+          </a:p>
+        </p:txBody>
+      </p:sp>
+      <p:sp>
+        <p:nvSpPr>
+          <p:cNvPr id="3" name="Slide Number Placeholder 2"/>
+          <p:cNvSpPr>
+            <a:spLocks noGrp="1"/>
+          </p:cNvSpPr>
+          <p:nvPr>
+            <p:ph type="sldNum" sz="quarter" idx="10"/>
+          </p:nvPr>
+        </p:nvSpPr>
+        <p:spPr/>
+        <p:txBody>
+          <a:bodyPr/>
+          <a:lstStyle/>
+          <a:p>
+            <a:pPr>
+              <a:defRPr/>
+            </a:pPr>
+            <a:r>
+              <a:rPr lang="en-US" smtClean="0"/>
+              <a:t>forms.</a:t>
+            </a:r>
+            <a:fld id="{068AF58D-0467-409E-A30A-0D5E3A2B197F}" type="slidenum">
+              <a:rPr lang="en-US" smtClean="0"/>
+              <a:pPr>
+                <a:defRPr/>
+              </a:pPr>
+              <a:t>8</a:t>
+            </a:fld>
+            <a:endParaRPr lang="en-US" dirty="0"/>
+          </a:p>
+        </p:txBody>
+      </p:sp>
+      <p:graphicFrame>
+        <p:nvGraphicFramePr>
+          <p:cNvPr id="5" name="Object 4"/>
+          <p:cNvGraphicFramePr>
+            <a:graphicFrameLocks noChangeAspect="1"/>
+          </p:cNvGraphicFramePr>
+          <p:nvPr>
+            <p:extLst>
+              <p:ext uri="{D42A27DB-BD31-4B8C-83A1-F6EECF244321}">
+                <p14:modId xmlns:p14="http://schemas.microsoft.com/office/powerpoint/2010/main" val="973776574"/>
+              </p:ext>
+            </p:extLst>
+          </p:nvPr>
+        </p:nvGraphicFramePr>
+        <p:xfrm>
+          <a:off x="1789113" y="1365250"/>
+          <a:ext cx="5578475" cy="3973513"/>
+        </p:xfrm>
+        <a:graphic>
+          <a:graphicData uri="http://schemas.openxmlformats.org/presentationml/2006/ole">
+            <mc:AlternateContent xmlns:mc="http://schemas.openxmlformats.org/markup-compatibility/2006">
+              <mc:Choice xmlns:v="urn:schemas-microsoft-com:vml" Requires="v">
+                <p:oleObj spid="_x0000_s3083" name="Equation" r:id="rId3" imgW="1282700" imgH="914400" progId="Equation.DSMT4">
+                  <p:embed/>
+                </p:oleObj>
+              </mc:Choice>
+              <mc:Fallback>
+                <p:oleObj name="Equation" r:id="rId3" imgW="1282700" imgH="914400" progId="Equation.DSMT4">
+                  <p:embed/>
+                  <p:pic>
+                    <p:nvPicPr>
+                      <p:cNvPr id="0" name=""/>
+                      <p:cNvPicPr/>
+                      <p:nvPr/>
+                    </p:nvPicPr>
+                    <p:blipFill>
+                      <a:blip r:embed="rId4"/>
+                      <a:stretch>
+                        <a:fillRect/>
+                      </a:stretch>
+                    </p:blipFill>
+                    <p:spPr>
+                      <a:xfrm>
+                        <a:off x="1789113" y="1365250"/>
+                        <a:ext cx="5578475" cy="3973513"/>
+                      </a:xfrm>
+                      <a:prstGeom prst="rect">
+                        <a:avLst/>
+                      </a:prstGeom>
+                    </p:spPr>
+                  </p:pic>
+                </p:oleObj>
+              </mc:Fallback>
+            </mc:AlternateContent>
+          </a:graphicData>
+        </a:graphic>
+      </p:graphicFrame>
+    </p:spTree>
+    <p:extLst>
+      <p:ext uri="{BB962C8B-B14F-4D97-AF65-F5344CB8AC3E}">
+        <p14:creationId xmlns:p14="http://schemas.microsoft.com/office/powerpoint/2010/main" val="827393925"/>
+      </p:ext>
+    </p:extLst>
+  </p:cSld>
+  <p:clrMapOvr>
+    <a:masterClrMapping/>
+  </p:clrMapOvr>
+  <p:transition xmlns:p14="http://schemas.microsoft.com/office/powerpoint/2010/main" spd="slow" advClick="0">
+    <p:fade/>
+  </p:transition>
+  <p:timing>
+    <p:tnLst>
+      <p:par>
+        <p:cTn xmlns:p14="http://schemas.microsoft.com/office/powerpoint/2010/main" id="1" dur="indefinite" restart="never" nodeType="tmRoot"/>
+      </p:par>
+    </p:tnLst>
+  </p:timing>
+</p:sld>
+</file>
+
+<file path=ppt/slides/slide9.xml><?xml version="1.0" encoding="utf-8"?>
+<p:sld xmlns:a="http://schemas.openxmlformats.org/drawingml/2006/main" xmlns:r="http://schemas.openxmlformats.org/officeDocument/2006/relationships" xmlns:p="http://schemas.openxmlformats.org/presentationml/2006/main">
+  <p:cSld>
+    <p:spTree>
+      <p:nvGrpSpPr>
+        <p:cNvPr id="1" name=""/>
+        <p:cNvGrpSpPr/>
+        <p:nvPr/>
+      </p:nvGrpSpPr>
+      <p:grpSpPr>
+        <a:xfrm>
+          <a:off x="0" y="0"/>
+          <a:ext cx="0" cy="0"/>
+          <a:chOff x="0" y="0"/>
+          <a:chExt cx="0" cy="0"/>
+        </a:xfrm>
+      </p:grpSpPr>
+      <p:sp>
+        <p:nvSpPr>
+          <p:cNvPr id="2" name="Title 1"/>
+          <p:cNvSpPr>
+            <a:spLocks noGrp="1"/>
+          </p:cNvSpPr>
+          <p:nvPr>
+            <p:ph type="title" sz="quarter"/>
+          </p:nvPr>
+        </p:nvSpPr>
+        <p:spPr>
+          <a:xfrm>
+            <a:off x="1650999" y="363538"/>
+            <a:ext cx="7317529" cy="950970"/>
+          </a:xfrm>
+        </p:spPr>
+        <p:txBody>
+          <a:bodyPr/>
+          <a:lstStyle/>
+          <a:p>
+            <a:r>
+              <a:rPr lang="en-US" dirty="0" smtClean="0"/>
+              <a:t>Disjunctive </a:t>
+            </a:r>
+            <a:r>
+              <a:rPr lang="en-US" dirty="0" smtClean="0">
+                <a:solidFill>
+                  <a:srgbClr val="BB0FAB"/>
+                </a:solidFill>
+              </a:rPr>
+              <a:t>Normal </a:t>
+            </a:r>
+            <a:r>
+              <a:rPr lang="en-US" dirty="0" smtClean="0"/>
+              <a:t>Form</a:t>
+            </a:r>
+            <a:endParaRPr lang="en-US" dirty="0">
+              <a:solidFill>
+                <a:srgbClr val="0000FF"/>
+              </a:solidFill>
+            </a:endParaRPr>
+          </a:p>
+        </p:txBody>
+      </p:sp>
+      <p:sp>
+        <p:nvSpPr>
+          <p:cNvPr id="3" name="Slide Number Placeholder 2"/>
+          <p:cNvSpPr>
+            <a:spLocks noGrp="1"/>
+          </p:cNvSpPr>
+          <p:nvPr>
+            <p:ph type="sldNum" sz="quarter" idx="10"/>
+          </p:nvPr>
+        </p:nvSpPr>
+        <p:spPr/>
+        <p:txBody>
+          <a:bodyPr/>
+          <a:lstStyle/>
+          <a:p>
+            <a:pPr>
+              <a:defRPr/>
+            </a:pPr>
+            <a:r>
+              <a:rPr lang="en-US" smtClean="0"/>
+              <a:t>forms.</a:t>
+            </a:r>
+            <a:fld id="{068AF58D-0467-409E-A30A-0D5E3A2B197F}" type="slidenum">
+              <a:rPr lang="en-US" smtClean="0"/>
+              <a:pPr>
+                <a:defRPr/>
+              </a:pPr>
+              <a:t>9</a:t>
+            </a:fld>
+            <a:endParaRPr lang="en-US" dirty="0"/>
+          </a:p>
+        </p:txBody>
+      </p:sp>
+      <p:sp>
+        <p:nvSpPr>
+          <p:cNvPr id="5" name="TextBox 4"/>
+          <p:cNvSpPr txBox="1"/>
+          <p:nvPr/>
+        </p:nvSpPr>
+        <p:spPr>
+          <a:xfrm>
+            <a:off x="178257" y="5313730"/>
+            <a:ext cx="8718854" cy="830997"/>
+          </a:xfrm>
+          <a:prstGeom prst="rect">
+            <a:avLst/>
+          </a:prstGeom>
+          <a:noFill/>
+        </p:spPr>
+        <p:txBody>
+          <a:bodyPr wrap="none" rtlCol="0">
+            <a:spAutoFit/>
+          </a:bodyPr>
+          <a:lstStyle/>
+          <a:p>
+            <a:pPr algn="l"/>
+            <a:r>
+              <a:rPr lang="en-US" sz="4800" dirty="0" smtClean="0">
+                <a:solidFill>
+                  <a:srgbClr val="BB0FAB"/>
+                </a:solidFill>
+                <a:latin typeface="Comic Sans MS" pitchFamily="66" charset="0"/>
+              </a:rPr>
+              <a:t>Each product has all variables</a:t>
+            </a:r>
+            <a:endParaRPr lang="en-US" sz="4800" dirty="0" smtClean="0">
+              <a:solidFill>
+                <a:srgbClr val="BB0FAB"/>
+              </a:solidFill>
+              <a:latin typeface="Comic Sans MS" pitchFamily="66" charset="0"/>
+            </a:endParaRPr>
+          </a:p>
+        </p:txBody>
+      </p:sp>
+      <p:graphicFrame>
+        <p:nvGraphicFramePr>
+          <p:cNvPr id="6" name="Object 5"/>
+          <p:cNvGraphicFramePr>
+            <a:graphicFrameLocks noChangeAspect="1"/>
+          </p:cNvGraphicFramePr>
+          <p:nvPr>
+            <p:extLst>
+              <p:ext uri="{D42A27DB-BD31-4B8C-83A1-F6EECF244321}">
+                <p14:modId xmlns:p14="http://schemas.microsoft.com/office/powerpoint/2010/main" val="787517156"/>
+              </p:ext>
+            </p:extLst>
+          </p:nvPr>
+        </p:nvGraphicFramePr>
+        <p:xfrm>
+          <a:off x="1789113" y="1365250"/>
+          <a:ext cx="5578475" cy="3973513"/>
+        </p:xfrm>
+        <a:graphic>
+          <a:graphicData uri="http://schemas.openxmlformats.org/presentationml/2006/ole">
+            <mc:AlternateContent xmlns:mc="http://schemas.openxmlformats.org/markup-compatibility/2006">
+              <mc:Choice xmlns:v="urn:schemas-microsoft-com:vml" Requires="v">
+                <p:oleObj spid="_x0000_s4107" name="Equation" r:id="rId3" imgW="1282700" imgH="914400" progId="Equation.DSMT4">
+                  <p:embed/>
+                </p:oleObj>
+              </mc:Choice>
+              <mc:Fallback>
+                <p:oleObj name="Equation" r:id="rId3" imgW="1282700" imgH="914400" progId="Equation.DSMT4">
+                  <p:embed/>
+                  <p:pic>
+                    <p:nvPicPr>
+                      <p:cNvPr id="0" name=""/>
+                      <p:cNvPicPr/>
+                      <p:nvPr/>
+                    </p:nvPicPr>
+                    <p:blipFill>
+                      <a:blip r:embed="rId4"/>
+                      <a:stretch>
+                        <a:fillRect/>
+                      </a:stretch>
+                    </p:blipFill>
+                    <p:spPr>
+                      <a:xfrm>
+                        <a:off x="1789113" y="1365250"/>
+                        <a:ext cx="5578475" cy="3973513"/>
+                      </a:xfrm>
+                      <a:prstGeom prst="rect">
+                        <a:avLst/>
+                      </a:prstGeom>
+                    </p:spPr>
+                  </p:pic>
+                </p:oleObj>
+              </mc:Fallback>
+            </mc:AlternateContent>
+          </a:graphicData>
+        </a:graphic>
+      </p:graphicFrame>
+    </p:spTree>
+    <p:extLst>
+      <p:ext uri="{BB962C8B-B14F-4D97-AF65-F5344CB8AC3E}">
+        <p14:creationId xmlns:p14="http://schemas.microsoft.com/office/powerpoint/2010/main" val="2016955023"/>
+      </p:ext>
+    </p:extLst>
+  </p:cSld>
+  <p:clrMapOvr>
+    <a:masterClrMapping/>
+  </p:clrMapOvr>
+  <p:transition xmlns:p14="http://schemas.microsoft.com/office/powerpoint/2010/main" spd="slow" advClick="0">
+    <p:fade/>
+  </p:transition>
+  <p:timing>
+    <p:tnLst>
+      <p:par>
+        <p:cTn xmlns:p14="http://schemas.microsoft.com/office/powerpoint/2010/main" id="1" dur="indefinite" restart="never" nodeType="tmRoot">
+          <p:childTnLst>
+            <p:seq concurrent="1" nextAc="seek">
+              <p:cTn id="2" dur="indefinite" nodeType="mainSeq">
+                <p:childTnLst>
+                  <p:par>
+                    <p:cTn id="3" fill="hold">
+                      <p:stCondLst>
+                        <p:cond delay="indefinite"/>
+                      </p:stCondLst>
+                      <p:childTnLst>
+                        <p:par>
+                          <p:cTn id="4" fill="hold">
+                            <p:stCondLst>
+                              <p:cond delay="0"/>
+                            </p:stCondLst>
+                            <p:childTnLst>
+                              <p:par>
+                                <p:cTn id="5" presetID="10" presetClass="entr" presetSubtype="0" fill="hold" grpId="0" nodeType="clickEffect">
+                                  <p:stCondLst>
+                                    <p:cond delay="0"/>
+                                  </p:stCondLst>
+                                  <p:childTnLst>
+                                    <p:set>
+                                      <p:cBhvr>
+                                        <p:cTn id="6" dur="1" fill="hold">
+                                          <p:stCondLst>
+                                            <p:cond delay="0"/>
+                                          </p:stCondLst>
+                                        </p:cTn>
+                                        <p:tgtEl>
+                                          <p:spTgt spid="5"/>
+                                        </p:tgtEl>
+                                        <p:attrNameLst>
+                                          <p:attrName>style.visibility</p:attrName>
+                                        </p:attrNameLst>
+                                      </p:cBhvr>
+                                      <p:to>
+                                        <p:strVal val="visible"/>
+                                      </p:to>
+                                    </p:set>
+                                    <p:animEffect transition="in" filter="fade">
+                                      <p:cBhvr>
+                                        <p:cTn id="7" dur="1000"/>
+                                        <p:tgtEl>
+                                          <p:spTgt spid="5"/>
+                                        </p:tgtEl>
+                                      </p:cBhvr>
+                                    </p:animEffect>
+                                  </p:childTnLst>
+                                </p:cTn>
+                              </p:par>
+                            </p:childTnLst>
+                          </p:cTn>
+                        </p:par>
+                      </p:childTnLst>
+                    </p:cTn>
+                  </p:par>
+                </p:childTnLst>
+              </p:cTn>
+              <p:prevCondLst>
+                <p:cond evt="onPrev" delay="0">
+                  <p:tgtEl>
+                    <p:sldTgt/>
+                  </p:tgtEl>
+                </p:cond>
+              </p:prevCondLst>
+              <p:nextCondLst>
+                <p:cond evt="onNext" delay="0">
+                  <p:tgtEl>
+                    <p:sldTgt/>
+                  </p:tgtEl>
+                </p:cond>
+              </p:nextCondLst>
+            </p:seq>
+          </p:childTnLst>
+        </p:cTn>
+      </p:par>
+    </p:tnLst>
+    <p:bldLst>
+      <p:bldP spid="5" grpId="0"/>
+    </p:bldLst>
+  </p:timing>
 </p:sld>
 </file>
 
